--- a/_book/plot/unnamed-chunk-61-1.pptx
+++ b/_book/plot/unnamed-chunk-61-1.pptx
@@ -3151,223 +3151,20 @@
         </p:sp>
         <p:sp>
           <p:nvSpPr>
-            <p:cNvPr id="4" name="pg4"/>
-            <p:cNvSpPr/>
-            <p:nvPr/>
-          </p:nvSpPr>
-          <p:spPr>
-            <a:xfrm>
-              <a:off x="4977906" y="1973107"/>
-              <a:ext cx="520832" cy="1808317"/>
-            </a:xfrm>
-            <a:custGeom>
-              <a:avLst/>
-              <a:pathLst>
-                <a:path w="520832" h="1808317">
-                  <a:moveTo>
-                    <a:pt x="0" y="1808317"/>
-                  </a:moveTo>
-                  <a:lnTo>
-                    <a:pt x="17959" y="1748604"/>
-                  </a:lnTo>
-                  <a:lnTo>
-                    <a:pt x="35919" y="1688890"/>
-                  </a:lnTo>
-                  <a:lnTo>
-                    <a:pt x="53879" y="1629177"/>
-                  </a:lnTo>
-                  <a:lnTo>
-                    <a:pt x="71839" y="1569463"/>
-                  </a:lnTo>
-                  <a:lnTo>
-                    <a:pt x="89798" y="1509750"/>
-                  </a:lnTo>
-                  <a:lnTo>
-                    <a:pt x="107758" y="1450037"/>
-                  </a:lnTo>
-                  <a:lnTo>
-                    <a:pt x="125718" y="1390323"/>
-                  </a:lnTo>
-                  <a:lnTo>
-                    <a:pt x="143678" y="1330610"/>
-                  </a:lnTo>
-                  <a:lnTo>
-                    <a:pt x="161637" y="1270896"/>
-                  </a:lnTo>
-                  <a:lnTo>
-                    <a:pt x="179597" y="1211183"/>
-                  </a:lnTo>
-                  <a:lnTo>
-                    <a:pt x="197557" y="1151470"/>
-                  </a:lnTo>
-                  <a:lnTo>
-                    <a:pt x="215517" y="1091756"/>
-                  </a:lnTo>
-                  <a:lnTo>
-                    <a:pt x="233476" y="1032043"/>
-                  </a:lnTo>
-                  <a:lnTo>
-                    <a:pt x="251436" y="972329"/>
-                  </a:lnTo>
-                  <a:lnTo>
-                    <a:pt x="269396" y="912616"/>
-                  </a:lnTo>
-                  <a:lnTo>
-                    <a:pt x="287356" y="852903"/>
-                  </a:lnTo>
-                  <a:lnTo>
-                    <a:pt x="305315" y="793189"/>
-                  </a:lnTo>
-                  <a:lnTo>
-                    <a:pt x="323275" y="733476"/>
-                  </a:lnTo>
-                  <a:lnTo>
-                    <a:pt x="341235" y="673762"/>
-                  </a:lnTo>
-                  <a:lnTo>
-                    <a:pt x="359195" y="614049"/>
-                  </a:lnTo>
-                  <a:lnTo>
-                    <a:pt x="377154" y="554336"/>
-                  </a:lnTo>
-                  <a:lnTo>
-                    <a:pt x="395114" y="494622"/>
-                  </a:lnTo>
-                  <a:lnTo>
-                    <a:pt x="413074" y="434909"/>
-                  </a:lnTo>
-                  <a:lnTo>
-                    <a:pt x="431034" y="375195"/>
-                  </a:lnTo>
-                  <a:lnTo>
-                    <a:pt x="448993" y="315482"/>
-                  </a:lnTo>
-                  <a:lnTo>
-                    <a:pt x="466953" y="255769"/>
-                  </a:lnTo>
-                  <a:lnTo>
-                    <a:pt x="484913" y="196055"/>
-                  </a:lnTo>
-                  <a:lnTo>
-                    <a:pt x="502873" y="136342"/>
-                  </a:lnTo>
-                  <a:lnTo>
-                    <a:pt x="520832" y="76628"/>
-                  </a:lnTo>
-                  <a:lnTo>
-                    <a:pt x="457258" y="58767"/>
-                  </a:lnTo>
-                  <a:lnTo>
-                    <a:pt x="393074" y="43238"/>
-                  </a:lnTo>
-                  <a:lnTo>
-                    <a:pt x="328366" y="30063"/>
-                  </a:lnTo>
-                  <a:lnTo>
-                    <a:pt x="263219" y="19259"/>
-                  </a:lnTo>
-                  <a:lnTo>
-                    <a:pt x="197722" y="10842"/>
-                  </a:lnTo>
-                  <a:lnTo>
-                    <a:pt x="131961" y="4821"/>
-                  </a:lnTo>
-                  <a:lnTo>
-                    <a:pt x="66024" y="1205"/>
-                  </a:lnTo>
-                  <a:lnTo>
-                    <a:pt x="0" y="0"/>
-                  </a:lnTo>
-                  <a:lnTo>
-                    <a:pt x="0" y="62355"/>
-                  </a:lnTo>
-                  <a:lnTo>
-                    <a:pt x="0" y="124711"/>
-                  </a:lnTo>
-                  <a:lnTo>
-                    <a:pt x="0" y="187067"/>
-                  </a:lnTo>
-                  <a:lnTo>
-                    <a:pt x="0" y="249423"/>
-                  </a:lnTo>
-                  <a:lnTo>
-                    <a:pt x="0" y="311778"/>
-                  </a:lnTo>
-                  <a:lnTo>
-                    <a:pt x="0" y="374134"/>
-                  </a:lnTo>
-                  <a:lnTo>
-                    <a:pt x="0" y="436490"/>
-                  </a:lnTo>
-                  <a:lnTo>
-                    <a:pt x="0" y="498846"/>
-                  </a:lnTo>
-                  <a:lnTo>
-                    <a:pt x="0" y="561201"/>
-                  </a:lnTo>
-                  <a:lnTo>
-                    <a:pt x="0" y="623557"/>
-                  </a:lnTo>
-                  <a:lnTo>
-                    <a:pt x="0" y="685913"/>
-                  </a:lnTo>
-                  <a:lnTo>
-                    <a:pt x="0" y="748269"/>
-                  </a:lnTo>
-                  <a:lnTo>
-                    <a:pt x="0" y="810625"/>
-                  </a:lnTo>
-                  <a:lnTo>
-                    <a:pt x="0" y="872980"/>
-                  </a:lnTo>
-                  <a:lnTo>
-                    <a:pt x="0" y="935336"/>
-                  </a:lnTo>
-                  <a:lnTo>
-                    <a:pt x="0" y="997692"/>
-                  </a:lnTo>
-                  <a:lnTo>
-                    <a:pt x="0" y="1060048"/>
-                  </a:lnTo>
-                  <a:lnTo>
-                    <a:pt x="0" y="1122403"/>
-                  </a:lnTo>
-                  <a:lnTo>
-                    <a:pt x="0" y="1184759"/>
-                  </a:lnTo>
-                  <a:lnTo>
-                    <a:pt x="0" y="1247115"/>
-                  </a:lnTo>
-                  <a:lnTo>
-                    <a:pt x="0" y="1309471"/>
-                  </a:lnTo>
-                  <a:lnTo>
-                    <a:pt x="0" y="1371827"/>
-                  </a:lnTo>
-                  <a:lnTo>
-                    <a:pt x="0" y="1434182"/>
-                  </a:lnTo>
-                  <a:lnTo>
-                    <a:pt x="0" y="1496538"/>
-                  </a:lnTo>
-                  <a:lnTo>
-                    <a:pt x="0" y="1558894"/>
-                  </a:lnTo>
-                  <a:lnTo>
-                    <a:pt x="0" y="1621250"/>
-                  </a:lnTo>
-                  <a:lnTo>
-                    <a:pt x="0" y="1683605"/>
-                  </a:lnTo>
-                  <a:lnTo>
-                    <a:pt x="0" y="1745961"/>
-                  </a:lnTo>
-                  <a:close/>
-                </a:path>
-              </a:pathLst>
-            </a:custGeom>
+            <p:cNvPr id="4" name="rc4"/>
+            <p:cNvSpPr/>
+            <p:nvPr/>
+          </p:nvSpPr>
+          <p:spPr>
+            <a:xfrm>
+              <a:off x="1691481" y="1521028"/>
+              <a:ext cx="7315199" cy="4520793"/>
+            </a:xfrm>
+            <a:prstGeom prst="rect">
+              <a:avLst/>
+            </a:prstGeom>
             <a:solidFill>
-              <a:srgbClr val="619CFF">
+              <a:srgbClr val="FFFFFF">
                 <a:alpha val="100000"/>
               </a:srgbClr>
             </a:solidFill>
@@ -3389,244 +3186,60 @@
         </p:sp>
         <p:sp>
           <p:nvSpPr>
-            <p:cNvPr id="5" name="pg5"/>
-            <p:cNvSpPr/>
-            <p:nvPr/>
-          </p:nvSpPr>
-          <p:spPr>
-            <a:xfrm>
-              <a:off x="4977906" y="2049736"/>
-              <a:ext cx="1230745" cy="1731688"/>
+            <p:cNvPr id="5" name="rc5"/>
+            <p:cNvSpPr/>
+            <p:nvPr/>
+          </p:nvSpPr>
+          <p:spPr>
+            <a:xfrm>
+              <a:off x="2023549" y="1590617"/>
+              <a:ext cx="6913543" cy="4048310"/>
+            </a:xfrm>
+            <a:prstGeom prst="rect">
+              <a:avLst/>
+            </a:prstGeom>
+            <a:solidFill>
+              <a:srgbClr val="FFFFFF">
+                <a:alpha val="100000"/>
+              </a:srgbClr>
+            </a:solidFill>
+          </p:spPr>
+          <p:txBody>
+            <a:bodyPr/>
+            <a:lstStyle/>
+            <a:p/>
+          </p:txBody>
+        </p:sp>
+        <p:sp>
+          <p:nvSpPr>
+            <p:cNvPr id="6" name="pl6"/>
+            <p:cNvSpPr/>
+            <p:nvPr/>
+          </p:nvSpPr>
+          <p:spPr>
+            <a:xfrm>
+              <a:off x="2893264" y="1590617"/>
+              <a:ext cx="0" cy="4048310"/>
             </a:xfrm>
             <a:custGeom>
               <a:avLst/>
               <a:pathLst>
-                <a:path w="1230745" h="1731688">
+                <a:path w="0" h="4048310">
                   <a:moveTo>
-                    <a:pt x="0" y="1731688"/>
+                    <a:pt x="0" y="4048310"/>
                   </a:moveTo>
                   <a:lnTo>
-                    <a:pt x="42439" y="1686003"/>
+                    <a:pt x="0" y="0"/>
                   </a:lnTo>
                   <a:lnTo>
-                    <a:pt x="84879" y="1640318"/>
+                    <a:pt x="0" y="0"/>
                   </a:lnTo>
-                  <a:lnTo>
-                    <a:pt x="127318" y="1594633"/>
-                  </a:lnTo>
-                  <a:lnTo>
-                    <a:pt x="169758" y="1548947"/>
-                  </a:lnTo>
-                  <a:lnTo>
-                    <a:pt x="212197" y="1503262"/>
-                  </a:lnTo>
-                  <a:lnTo>
-                    <a:pt x="254637" y="1457577"/>
-                  </a:lnTo>
-                  <a:lnTo>
-                    <a:pt x="297076" y="1411892"/>
-                  </a:lnTo>
-                  <a:lnTo>
-                    <a:pt x="339516" y="1366207"/>
-                  </a:lnTo>
-                  <a:lnTo>
-                    <a:pt x="381955" y="1320522"/>
-                  </a:lnTo>
-                  <a:lnTo>
-                    <a:pt x="424395" y="1274837"/>
-                  </a:lnTo>
-                  <a:lnTo>
-                    <a:pt x="466834" y="1229152"/>
-                  </a:lnTo>
-                  <a:lnTo>
-                    <a:pt x="509274" y="1183466"/>
-                  </a:lnTo>
-                  <a:lnTo>
-                    <a:pt x="551713" y="1137781"/>
-                  </a:lnTo>
-                  <a:lnTo>
-                    <a:pt x="594153" y="1092096"/>
-                  </a:lnTo>
-                  <a:lnTo>
-                    <a:pt x="636592" y="1046411"/>
-                  </a:lnTo>
-                  <a:lnTo>
-                    <a:pt x="679032" y="1000726"/>
-                  </a:lnTo>
-                  <a:lnTo>
-                    <a:pt x="721471" y="955041"/>
-                  </a:lnTo>
-                  <a:lnTo>
-                    <a:pt x="763911" y="909356"/>
-                  </a:lnTo>
-                  <a:lnTo>
-                    <a:pt x="806350" y="863671"/>
-                  </a:lnTo>
-                  <a:lnTo>
-                    <a:pt x="848790" y="817985"/>
-                  </a:lnTo>
-                  <a:lnTo>
-                    <a:pt x="891229" y="772300"/>
-                  </a:lnTo>
-                  <a:lnTo>
-                    <a:pt x="933669" y="726615"/>
-                  </a:lnTo>
-                  <a:lnTo>
-                    <a:pt x="976108" y="680930"/>
-                  </a:lnTo>
-                  <a:lnTo>
-                    <a:pt x="1018548" y="635245"/>
-                  </a:lnTo>
-                  <a:lnTo>
-                    <a:pt x="1060987" y="589560"/>
-                  </a:lnTo>
-                  <a:lnTo>
-                    <a:pt x="1103427" y="543875"/>
-                  </a:lnTo>
-                  <a:lnTo>
-                    <a:pt x="1145866" y="498190"/>
-                  </a:lnTo>
-                  <a:lnTo>
-                    <a:pt x="1188306" y="452504"/>
-                  </a:lnTo>
-                  <a:lnTo>
-                    <a:pt x="1230745" y="406819"/>
-                  </a:lnTo>
-                  <a:lnTo>
-                    <a:pt x="1183481" y="364434"/>
-                  </a:lnTo>
-                  <a:lnTo>
-                    <a:pt x="1134757" y="323733"/>
-                  </a:lnTo>
-                  <a:lnTo>
-                    <a:pt x="1084635" y="284768"/>
-                  </a:lnTo>
-                  <a:lnTo>
-                    <a:pt x="1033176" y="247586"/>
-                  </a:lnTo>
-                  <a:lnTo>
-                    <a:pt x="980444" y="212234"/>
-                  </a:lnTo>
-                  <a:lnTo>
-                    <a:pt x="926503" y="178754"/>
-                  </a:lnTo>
-                  <a:lnTo>
-                    <a:pt x="871421" y="147189"/>
-                  </a:lnTo>
-                  <a:lnTo>
-                    <a:pt x="815264" y="117576"/>
-                  </a:lnTo>
-                  <a:lnTo>
-                    <a:pt x="758102" y="89953"/>
-                  </a:lnTo>
-                  <a:lnTo>
-                    <a:pt x="700006" y="64354"/>
-                  </a:lnTo>
-                  <a:lnTo>
-                    <a:pt x="641047" y="40809"/>
-                  </a:lnTo>
-                  <a:lnTo>
-                    <a:pt x="581298" y="19349"/>
-                  </a:lnTo>
-                  <a:lnTo>
-                    <a:pt x="520832" y="0"/>
-                  </a:lnTo>
-                  <a:lnTo>
-                    <a:pt x="502873" y="59713"/>
-                  </a:lnTo>
-                  <a:lnTo>
-                    <a:pt x="484913" y="119426"/>
-                  </a:lnTo>
-                  <a:lnTo>
-                    <a:pt x="466953" y="179140"/>
-                  </a:lnTo>
-                  <a:lnTo>
-                    <a:pt x="448993" y="238853"/>
-                  </a:lnTo>
-                  <a:lnTo>
-                    <a:pt x="431034" y="298566"/>
-                  </a:lnTo>
-                  <a:lnTo>
-                    <a:pt x="413074" y="358280"/>
-                  </a:lnTo>
-                  <a:lnTo>
-                    <a:pt x="395114" y="417993"/>
-                  </a:lnTo>
-                  <a:lnTo>
-                    <a:pt x="377154" y="477707"/>
-                  </a:lnTo>
-                  <a:lnTo>
-                    <a:pt x="359195" y="537420"/>
-                  </a:lnTo>
-                  <a:lnTo>
-                    <a:pt x="341235" y="597133"/>
-                  </a:lnTo>
-                  <a:lnTo>
-                    <a:pt x="323275" y="656847"/>
-                  </a:lnTo>
-                  <a:lnTo>
-                    <a:pt x="305315" y="716560"/>
-                  </a:lnTo>
-                  <a:lnTo>
-                    <a:pt x="287356" y="776274"/>
-                  </a:lnTo>
-                  <a:lnTo>
-                    <a:pt x="269396" y="835987"/>
-                  </a:lnTo>
-                  <a:lnTo>
-                    <a:pt x="251436" y="895700"/>
-                  </a:lnTo>
-                  <a:lnTo>
-                    <a:pt x="233476" y="955414"/>
-                  </a:lnTo>
-                  <a:lnTo>
-                    <a:pt x="215517" y="1015127"/>
-                  </a:lnTo>
-                  <a:lnTo>
-                    <a:pt x="197557" y="1074841"/>
-                  </a:lnTo>
-                  <a:lnTo>
-                    <a:pt x="179597" y="1134554"/>
-                  </a:lnTo>
-                  <a:lnTo>
-                    <a:pt x="161637" y="1194267"/>
-                  </a:lnTo>
-                  <a:lnTo>
-                    <a:pt x="143678" y="1253981"/>
-                  </a:lnTo>
-                  <a:lnTo>
-                    <a:pt x="125718" y="1313694"/>
-                  </a:lnTo>
-                  <a:lnTo>
-                    <a:pt x="107758" y="1373408"/>
-                  </a:lnTo>
-                  <a:lnTo>
-                    <a:pt x="89798" y="1433121"/>
-                  </a:lnTo>
-                  <a:lnTo>
-                    <a:pt x="71839" y="1492834"/>
-                  </a:lnTo>
-                  <a:lnTo>
-                    <a:pt x="53879" y="1552548"/>
-                  </a:lnTo>
-                  <a:lnTo>
-                    <a:pt x="35919" y="1612261"/>
-                  </a:lnTo>
-                  <a:lnTo>
-                    <a:pt x="17959" y="1671975"/>
-                  </a:lnTo>
-                  <a:close/>
                 </a:path>
               </a:pathLst>
             </a:custGeom>
-            <a:solidFill>
-              <a:srgbClr val="00BA38">
-                <a:alpha val="100000"/>
-              </a:srgbClr>
-            </a:solidFill>
-            <a:ln w="13550" cap="rnd">
+            <a:ln w="3387" cap="flat">
               <a:solidFill>
-                <a:srgbClr val="FFFFFF">
+                <a:srgbClr val="DEDEDE">
                   <a:alpha val="100000"/>
                 </a:srgbClr>
               </a:solidFill>
@@ -3642,694 +3255,34 @@
         </p:sp>
         <p:sp>
           <p:nvSpPr>
-            <p:cNvPr id="6" name="pg6"/>
-            <p:cNvSpPr/>
-            <p:nvPr/>
-          </p:nvSpPr>
-          <p:spPr>
-            <a:xfrm>
-              <a:off x="3169660" y="1973107"/>
-              <a:ext cx="3616515" cy="3616398"/>
+            <p:cNvPr id="7" name="pl7"/>
+            <p:cNvSpPr/>
+            <p:nvPr/>
+          </p:nvSpPr>
+          <p:spPr>
+            <a:xfrm>
+              <a:off x="4632696" y="1590617"/>
+              <a:ext cx="0" cy="4048310"/>
             </a:xfrm>
             <a:custGeom>
               <a:avLst/>
               <a:pathLst>
-                <a:path w="3616515" h="3616398">
+                <a:path w="0" h="4048310">
                   <a:moveTo>
-                    <a:pt x="1808246" y="1808317"/>
+                    <a:pt x="0" y="4048310"/>
                   </a:moveTo>
                   <a:lnTo>
-                    <a:pt x="1808246" y="1745961"/>
+                    <a:pt x="0" y="0"/>
                   </a:lnTo>
                   <a:lnTo>
-                    <a:pt x="1808246" y="1683605"/>
+                    <a:pt x="0" y="0"/>
                   </a:lnTo>
-                  <a:lnTo>
-                    <a:pt x="1808246" y="1621250"/>
-                  </a:lnTo>
-                  <a:lnTo>
-                    <a:pt x="1808246" y="1558894"/>
-                  </a:lnTo>
-                  <a:lnTo>
-                    <a:pt x="1808246" y="1496538"/>
-                  </a:lnTo>
-                  <a:lnTo>
-                    <a:pt x="1808246" y="1434182"/>
-                  </a:lnTo>
-                  <a:lnTo>
-                    <a:pt x="1808246" y="1371827"/>
-                  </a:lnTo>
-                  <a:lnTo>
-                    <a:pt x="1808246" y="1309471"/>
-                  </a:lnTo>
-                  <a:lnTo>
-                    <a:pt x="1808246" y="1247115"/>
-                  </a:lnTo>
-                  <a:lnTo>
-                    <a:pt x="1808246" y="1184759"/>
-                  </a:lnTo>
-                  <a:lnTo>
-                    <a:pt x="1808246" y="1122403"/>
-                  </a:lnTo>
-                  <a:lnTo>
-                    <a:pt x="1808246" y="1060048"/>
-                  </a:lnTo>
-                  <a:lnTo>
-                    <a:pt x="1808246" y="997692"/>
-                  </a:lnTo>
-                  <a:lnTo>
-                    <a:pt x="1808246" y="935336"/>
-                  </a:lnTo>
-                  <a:lnTo>
-                    <a:pt x="1808246" y="872980"/>
-                  </a:lnTo>
-                  <a:lnTo>
-                    <a:pt x="1808246" y="810625"/>
-                  </a:lnTo>
-                  <a:lnTo>
-                    <a:pt x="1808246" y="748269"/>
-                  </a:lnTo>
-                  <a:lnTo>
-                    <a:pt x="1808246" y="685913"/>
-                  </a:lnTo>
-                  <a:lnTo>
-                    <a:pt x="1808246" y="623557"/>
-                  </a:lnTo>
-                  <a:lnTo>
-                    <a:pt x="1808246" y="561201"/>
-                  </a:lnTo>
-                  <a:lnTo>
-                    <a:pt x="1808246" y="498846"/>
-                  </a:lnTo>
-                  <a:lnTo>
-                    <a:pt x="1808246" y="436490"/>
-                  </a:lnTo>
-                  <a:lnTo>
-                    <a:pt x="1808246" y="374134"/>
-                  </a:lnTo>
-                  <a:lnTo>
-                    <a:pt x="1808246" y="311778"/>
-                  </a:lnTo>
-                  <a:lnTo>
-                    <a:pt x="1808246" y="249423"/>
-                  </a:lnTo>
-                  <a:lnTo>
-                    <a:pt x="1808246" y="187067"/>
-                  </a:lnTo>
-                  <a:lnTo>
-                    <a:pt x="1808246" y="124711"/>
-                  </a:lnTo>
-                  <a:lnTo>
-                    <a:pt x="1808246" y="62355"/>
-                  </a:lnTo>
-                  <a:lnTo>
-                    <a:pt x="1808246" y="0"/>
-                  </a:lnTo>
-                  <a:lnTo>
-                    <a:pt x="1746857" y="1042"/>
-                  </a:lnTo>
-                  <a:lnTo>
-                    <a:pt x="1685539" y="4168"/>
-                  </a:lnTo>
-                  <a:lnTo>
-                    <a:pt x="1624362" y="9373"/>
-                  </a:lnTo>
-                  <a:lnTo>
-                    <a:pt x="1563397" y="16653"/>
-                  </a:lnTo>
-                  <a:lnTo>
-                    <a:pt x="1502715" y="25997"/>
-                  </a:lnTo>
-                  <a:lnTo>
-                    <a:pt x="1442385" y="37397"/>
-                  </a:lnTo>
-                  <a:lnTo>
-                    <a:pt x="1382476" y="50838"/>
-                  </a:lnTo>
-                  <a:lnTo>
-                    <a:pt x="1323058" y="66305"/>
-                  </a:lnTo>
-                  <a:lnTo>
-                    <a:pt x="1264200" y="83780"/>
-                  </a:lnTo>
-                  <a:lnTo>
-                    <a:pt x="1205969" y="103244"/>
-                  </a:lnTo>
-                  <a:lnTo>
-                    <a:pt x="1148432" y="124673"/>
-                  </a:lnTo>
-                  <a:lnTo>
-                    <a:pt x="1091656" y="148042"/>
-                  </a:lnTo>
-                  <a:lnTo>
-                    <a:pt x="1035706" y="173326"/>
-                  </a:lnTo>
-                  <a:lnTo>
-                    <a:pt x="980646" y="200495"/>
-                  </a:lnTo>
-                  <a:lnTo>
-                    <a:pt x="926541" y="229517"/>
-                  </a:lnTo>
-                  <a:lnTo>
-                    <a:pt x="873452" y="260359"/>
-                  </a:lnTo>
-                  <a:lnTo>
-                    <a:pt x="821441" y="292986"/>
-                  </a:lnTo>
-                  <a:lnTo>
-                    <a:pt x="770567" y="327360"/>
-                  </a:lnTo>
-                  <a:lnTo>
-                    <a:pt x="720889" y="363440"/>
-                  </a:lnTo>
-                  <a:lnTo>
-                    <a:pt x="672465" y="401187"/>
-                  </a:lnTo>
-                  <a:lnTo>
-                    <a:pt x="625351" y="440555"/>
-                  </a:lnTo>
-                  <a:lnTo>
-                    <a:pt x="579600" y="481501"/>
-                  </a:lnTo>
-                  <a:lnTo>
-                    <a:pt x="535265" y="523976"/>
-                  </a:lnTo>
-                  <a:lnTo>
-                    <a:pt x="492398" y="567931"/>
-                  </a:lnTo>
-                  <a:lnTo>
-                    <a:pt x="451047" y="613317"/>
-                  </a:lnTo>
-                  <a:lnTo>
-                    <a:pt x="411262" y="660080"/>
-                  </a:lnTo>
-                  <a:lnTo>
-                    <a:pt x="373087" y="708167"/>
-                  </a:lnTo>
-                  <a:lnTo>
-                    <a:pt x="336566" y="757522"/>
-                  </a:lnTo>
-                  <a:lnTo>
-                    <a:pt x="301742" y="808088"/>
-                  </a:lnTo>
-                  <a:lnTo>
-                    <a:pt x="268654" y="859808"/>
-                  </a:lnTo>
-                  <a:lnTo>
-                    <a:pt x="237341" y="912620"/>
-                  </a:lnTo>
-                  <a:lnTo>
-                    <a:pt x="207840" y="966466"/>
-                  </a:lnTo>
-                  <a:lnTo>
-                    <a:pt x="180183" y="1021282"/>
-                  </a:lnTo>
-                  <a:lnTo>
-                    <a:pt x="154403" y="1077005"/>
-                  </a:lnTo>
-                  <a:lnTo>
-                    <a:pt x="130530" y="1133571"/>
-                  </a:lnTo>
-                  <a:lnTo>
-                    <a:pt x="108590" y="1190916"/>
-                  </a:lnTo>
-                  <a:lnTo>
-                    <a:pt x="88611" y="1248971"/>
-                  </a:lnTo>
-                  <a:lnTo>
-                    <a:pt x="70613" y="1307672"/>
-                  </a:lnTo>
-                  <a:lnTo>
-                    <a:pt x="54619" y="1366950"/>
-                  </a:lnTo>
-                  <a:lnTo>
-                    <a:pt x="40646" y="1426737"/>
-                  </a:lnTo>
-                  <a:lnTo>
-                    <a:pt x="28711" y="1486963"/>
-                  </a:lnTo>
-                  <a:lnTo>
-                    <a:pt x="18827" y="1547560"/>
-                  </a:lnTo>
-                  <a:lnTo>
-                    <a:pt x="11006" y="1608458"/>
-                  </a:lnTo>
-                  <a:lnTo>
-                    <a:pt x="5258" y="1669586"/>
-                  </a:lnTo>
-                  <a:lnTo>
-                    <a:pt x="1587" y="1730874"/>
-                  </a:lnTo>
-                  <a:lnTo>
-                    <a:pt x="0" y="1792251"/>
-                  </a:lnTo>
-                  <a:lnTo>
-                    <a:pt x="496" y="1853647"/>
-                  </a:lnTo>
-                  <a:lnTo>
-                    <a:pt x="3077" y="1914990"/>
-                  </a:lnTo>
-                  <a:lnTo>
-                    <a:pt x="7739" y="1976211"/>
-                  </a:lnTo>
-                  <a:lnTo>
-                    <a:pt x="14477" y="2037238"/>
-                  </a:lnTo>
-                  <a:lnTo>
-                    <a:pt x="23282" y="2098001"/>
-                  </a:lnTo>
-                  <a:lnTo>
-                    <a:pt x="34145" y="2158430"/>
-                  </a:lnTo>
-                  <a:lnTo>
-                    <a:pt x="47053" y="2218455"/>
-                  </a:lnTo>
-                  <a:lnTo>
-                    <a:pt x="61992" y="2278008"/>
-                  </a:lnTo>
-                  <a:lnTo>
-                    <a:pt x="78943" y="2337019"/>
-                  </a:lnTo>
-                  <a:lnTo>
-                    <a:pt x="97889" y="2395421"/>
-                  </a:lnTo>
-                  <a:lnTo>
-                    <a:pt x="118806" y="2453146"/>
-                  </a:lnTo>
-                  <a:lnTo>
-                    <a:pt x="141670" y="2510128"/>
-                  </a:lnTo>
-                  <a:lnTo>
-                    <a:pt x="166456" y="2566300"/>
-                  </a:lnTo>
-                  <a:lnTo>
-                    <a:pt x="193134" y="2621599"/>
-                  </a:lnTo>
-                  <a:lnTo>
-                    <a:pt x="221675" y="2675960"/>
-                  </a:lnTo>
-                  <a:lnTo>
-                    <a:pt x="252044" y="2729321"/>
-                  </a:lnTo>
-                  <a:lnTo>
-                    <a:pt x="284207" y="2781620"/>
-                  </a:lnTo>
-                  <a:lnTo>
-                    <a:pt x="318127" y="2832797"/>
-                  </a:lnTo>
-                  <a:lnTo>
-                    <a:pt x="353765" y="2882793"/>
-                  </a:lnTo>
-                  <a:lnTo>
-                    <a:pt x="391080" y="2931551"/>
-                  </a:lnTo>
-                  <a:lnTo>
-                    <a:pt x="430029" y="2979013"/>
-                  </a:lnTo>
-                  <a:lnTo>
-                    <a:pt x="470566" y="3025126"/>
-                  </a:lnTo>
-                  <a:lnTo>
-                    <a:pt x="512645" y="3069837"/>
-                  </a:lnTo>
-                  <a:lnTo>
-                    <a:pt x="556218" y="3113093"/>
-                  </a:lnTo>
-                  <a:lnTo>
-                    <a:pt x="601235" y="3154845"/>
-                  </a:lnTo>
-                  <a:lnTo>
-                    <a:pt x="647642" y="3195044"/>
-                  </a:lnTo>
-                  <a:lnTo>
-                    <a:pt x="695388" y="3233645"/>
-                  </a:lnTo>
-                  <a:lnTo>
-                    <a:pt x="744417" y="3270603"/>
-                  </a:lnTo>
-                  <a:lnTo>
-                    <a:pt x="794672" y="3305875"/>
-                  </a:lnTo>
-                  <a:lnTo>
-                    <a:pt x="846095" y="3339421"/>
-                  </a:lnTo>
-                  <a:lnTo>
-                    <a:pt x="898628" y="3371201"/>
-                  </a:lnTo>
-                  <a:lnTo>
-                    <a:pt x="952209" y="3401180"/>
-                  </a:lnTo>
-                  <a:lnTo>
-                    <a:pt x="1006777" y="3429323"/>
-                  </a:lnTo>
-                  <a:lnTo>
-                    <a:pt x="1062269" y="3455597"/>
-                  </a:lnTo>
-                  <a:lnTo>
-                    <a:pt x="1118621" y="3479972"/>
-                  </a:lnTo>
-                  <a:lnTo>
-                    <a:pt x="1175768" y="3502420"/>
-                  </a:lnTo>
-                  <a:lnTo>
-                    <a:pt x="1233644" y="3522915"/>
-                  </a:lnTo>
-                  <a:lnTo>
-                    <a:pt x="1292183" y="3541433"/>
-                  </a:lnTo>
-                  <a:lnTo>
-                    <a:pt x="1351316" y="3557953"/>
-                  </a:lnTo>
-                  <a:lnTo>
-                    <a:pt x="1410976" y="3572457"/>
-                  </a:lnTo>
-                  <a:lnTo>
-                    <a:pt x="1471094" y="3584926"/>
-                  </a:lnTo>
-                  <a:lnTo>
-                    <a:pt x="1531601" y="3595348"/>
-                  </a:lnTo>
-                  <a:lnTo>
-                    <a:pt x="1592427" y="3603709"/>
-                  </a:lnTo>
-                  <a:lnTo>
-                    <a:pt x="1653501" y="3610001"/>
-                  </a:lnTo>
-                  <a:lnTo>
-                    <a:pt x="1714754" y="3614216"/>
-                  </a:lnTo>
-                  <a:lnTo>
-                    <a:pt x="1776115" y="3616349"/>
-                  </a:lnTo>
-                  <a:lnTo>
-                    <a:pt x="1837513" y="3616398"/>
-                  </a:lnTo>
-                  <a:lnTo>
-                    <a:pt x="1898877" y="3614362"/>
-                  </a:lnTo>
-                  <a:lnTo>
-                    <a:pt x="1960136" y="3610244"/>
-                  </a:lnTo>
-                  <a:lnTo>
-                    <a:pt x="2021221" y="3604049"/>
-                  </a:lnTo>
-                  <a:lnTo>
-                    <a:pt x="2082060" y="3595784"/>
-                  </a:lnTo>
-                  <a:lnTo>
-                    <a:pt x="2142583" y="3585458"/>
-                  </a:lnTo>
-                  <a:lnTo>
-                    <a:pt x="2202721" y="3573084"/>
-                  </a:lnTo>
-                  <a:lnTo>
-                    <a:pt x="2262404" y="3558675"/>
-                  </a:lnTo>
-                  <a:lnTo>
-                    <a:pt x="2321563" y="3542248"/>
-                  </a:lnTo>
-                  <a:lnTo>
-                    <a:pt x="2380131" y="3523822"/>
-                  </a:lnTo>
-                  <a:lnTo>
-                    <a:pt x="2438039" y="3503419"/>
-                  </a:lnTo>
-                  <a:lnTo>
-                    <a:pt x="2495222" y="3481062"/>
-                  </a:lnTo>
-                  <a:lnTo>
-                    <a:pt x="2551612" y="3456776"/>
-                  </a:lnTo>
-                  <a:lnTo>
-                    <a:pt x="2607146" y="3430590"/>
-                  </a:lnTo>
-                  <a:lnTo>
-                    <a:pt x="2661759" y="3402534"/>
-                  </a:lnTo>
-                  <a:lnTo>
-                    <a:pt x="2715387" y="3372640"/>
-                  </a:lnTo>
-                  <a:lnTo>
-                    <a:pt x="2767970" y="3340942"/>
-                  </a:lnTo>
-                  <a:lnTo>
-                    <a:pt x="2819447" y="3307478"/>
-                  </a:lnTo>
-                  <a:lnTo>
-                    <a:pt x="2869757" y="3272286"/>
-                  </a:lnTo>
-                  <a:lnTo>
-                    <a:pt x="2918844" y="3235406"/>
-                  </a:lnTo>
-                  <a:lnTo>
-                    <a:pt x="2966651" y="3196880"/>
-                  </a:lnTo>
-                  <a:lnTo>
-                    <a:pt x="3013123" y="3156754"/>
-                  </a:lnTo>
-                  <a:lnTo>
-                    <a:pt x="3058205" y="3115074"/>
-                  </a:lnTo>
-                  <a:lnTo>
-                    <a:pt x="3101846" y="3071887"/>
-                  </a:lnTo>
-                  <a:lnTo>
-                    <a:pt x="3143996" y="3027243"/>
-                  </a:lnTo>
-                  <a:lnTo>
-                    <a:pt x="3184607" y="2981195"/>
-                  </a:lnTo>
-                  <a:lnTo>
-                    <a:pt x="3223630" y="2933794"/>
-                  </a:lnTo>
-                  <a:lnTo>
-                    <a:pt x="3261022" y="2885095"/>
-                  </a:lnTo>
-                  <a:lnTo>
-                    <a:pt x="3296739" y="2835156"/>
-                  </a:lnTo>
-                  <a:lnTo>
-                    <a:pt x="3330741" y="2784032"/>
-                  </a:lnTo>
-                  <a:lnTo>
-                    <a:pt x="3362987" y="2731784"/>
-                  </a:lnTo>
-                  <a:lnTo>
-                    <a:pt x="3393441" y="2678471"/>
-                  </a:lnTo>
-                  <a:lnTo>
-                    <a:pt x="3422067" y="2624156"/>
-                  </a:lnTo>
-                  <a:lnTo>
-                    <a:pt x="3448833" y="2568899"/>
-                  </a:lnTo>
-                  <a:lnTo>
-                    <a:pt x="3473708" y="2512766"/>
-                  </a:lnTo>
-                  <a:lnTo>
-                    <a:pt x="3496662" y="2455821"/>
-                  </a:lnTo>
-                  <a:lnTo>
-                    <a:pt x="3517671" y="2398129"/>
-                  </a:lnTo>
-                  <a:lnTo>
-                    <a:pt x="3536708" y="2339757"/>
-                  </a:lnTo>
-                  <a:lnTo>
-                    <a:pt x="3553753" y="2280773"/>
-                  </a:lnTo>
-                  <a:lnTo>
-                    <a:pt x="3568786" y="2221244"/>
-                  </a:lnTo>
-                  <a:lnTo>
-                    <a:pt x="3581789" y="2161239"/>
-                  </a:lnTo>
-                  <a:lnTo>
-                    <a:pt x="3592748" y="2100827"/>
-                  </a:lnTo>
-                  <a:lnTo>
-                    <a:pt x="3601650" y="2040078"/>
-                  </a:lnTo>
-                  <a:lnTo>
-                    <a:pt x="3608484" y="1979062"/>
-                  </a:lnTo>
-                  <a:lnTo>
-                    <a:pt x="3613243" y="1917849"/>
-                  </a:lnTo>
-                  <a:lnTo>
-                    <a:pt x="3615921" y="1856510"/>
-                  </a:lnTo>
-                  <a:lnTo>
-                    <a:pt x="3616515" y="1795115"/>
-                  </a:lnTo>
-                  <a:lnTo>
-                    <a:pt x="3615024" y="1733735"/>
-                  </a:lnTo>
-                  <a:lnTo>
-                    <a:pt x="3611451" y="1672441"/>
-                  </a:lnTo>
-                  <a:lnTo>
-                    <a:pt x="3605799" y="1611304"/>
-                  </a:lnTo>
-                  <a:lnTo>
-                    <a:pt x="3598075" y="1550394"/>
-                  </a:lnTo>
-                  <a:lnTo>
-                    <a:pt x="3588287" y="1489782"/>
-                  </a:lnTo>
-                  <a:lnTo>
-                    <a:pt x="3576447" y="1429536"/>
-                  </a:lnTo>
-                  <a:lnTo>
-                    <a:pt x="3562569" y="1369728"/>
-                  </a:lnTo>
-                  <a:lnTo>
-                    <a:pt x="3546669" y="1310425"/>
-                  </a:lnTo>
-                  <a:lnTo>
-                    <a:pt x="3528764" y="1251695"/>
-                  </a:lnTo>
-                  <a:lnTo>
-                    <a:pt x="3508876" y="1193608"/>
-                  </a:lnTo>
-                  <a:lnTo>
-                    <a:pt x="3487028" y="1136229"/>
-                  </a:lnTo>
-                  <a:lnTo>
-                    <a:pt x="3463244" y="1079625"/>
-                  </a:lnTo>
-                  <a:lnTo>
-                    <a:pt x="3437552" y="1023861"/>
-                  </a:lnTo>
-                  <a:lnTo>
-                    <a:pt x="3409983" y="969001"/>
-                  </a:lnTo>
-                  <a:lnTo>
-                    <a:pt x="3380566" y="915109"/>
-                  </a:lnTo>
-                  <a:lnTo>
-                    <a:pt x="3349337" y="862247"/>
-                  </a:lnTo>
-                  <a:lnTo>
-                    <a:pt x="3316332" y="810475"/>
-                  </a:lnTo>
-                  <a:lnTo>
-                    <a:pt x="3281588" y="759854"/>
-                  </a:lnTo>
-                  <a:lnTo>
-                    <a:pt x="3245145" y="710441"/>
-                  </a:lnTo>
-                  <a:lnTo>
-                    <a:pt x="3207046" y="662294"/>
-                  </a:lnTo>
-                  <a:lnTo>
-                    <a:pt x="3167334" y="615468"/>
-                  </a:lnTo>
-                  <a:lnTo>
-                    <a:pt x="3126056" y="570017"/>
-                  </a:lnTo>
-                  <a:lnTo>
-                    <a:pt x="3083259" y="525993"/>
-                  </a:lnTo>
-                  <a:lnTo>
-                    <a:pt x="3038991" y="483448"/>
-                  </a:lnTo>
-                  <a:lnTo>
-                    <a:pt x="2996552" y="529133"/>
-                  </a:lnTo>
-                  <a:lnTo>
-                    <a:pt x="2954112" y="574819"/>
-                  </a:lnTo>
-                  <a:lnTo>
-                    <a:pt x="2911673" y="620504"/>
-                  </a:lnTo>
-                  <a:lnTo>
-                    <a:pt x="2869233" y="666189"/>
-                  </a:lnTo>
-                  <a:lnTo>
-                    <a:pt x="2826794" y="711874"/>
-                  </a:lnTo>
-                  <a:lnTo>
-                    <a:pt x="2784354" y="757559"/>
-                  </a:lnTo>
-                  <a:lnTo>
-                    <a:pt x="2741915" y="803244"/>
-                  </a:lnTo>
-                  <a:lnTo>
-                    <a:pt x="2699475" y="848929"/>
-                  </a:lnTo>
-                  <a:lnTo>
-                    <a:pt x="2657036" y="894614"/>
-                  </a:lnTo>
-                  <a:lnTo>
-                    <a:pt x="2614596" y="940300"/>
-                  </a:lnTo>
-                  <a:lnTo>
-                    <a:pt x="2572157" y="985985"/>
-                  </a:lnTo>
-                  <a:lnTo>
-                    <a:pt x="2529717" y="1031670"/>
-                  </a:lnTo>
-                  <a:lnTo>
-                    <a:pt x="2487278" y="1077355"/>
-                  </a:lnTo>
-                  <a:lnTo>
-                    <a:pt x="2444838" y="1123040"/>
-                  </a:lnTo>
-                  <a:lnTo>
-                    <a:pt x="2402399" y="1168725"/>
-                  </a:lnTo>
-                  <a:lnTo>
-                    <a:pt x="2359959" y="1214410"/>
-                  </a:lnTo>
-                  <a:lnTo>
-                    <a:pt x="2317520" y="1260095"/>
-                  </a:lnTo>
-                  <a:lnTo>
-                    <a:pt x="2275080" y="1305781"/>
-                  </a:lnTo>
-                  <a:lnTo>
-                    <a:pt x="2232641" y="1351466"/>
-                  </a:lnTo>
-                  <a:lnTo>
-                    <a:pt x="2190201" y="1397151"/>
-                  </a:lnTo>
-                  <a:lnTo>
-                    <a:pt x="2147762" y="1442836"/>
-                  </a:lnTo>
-                  <a:lnTo>
-                    <a:pt x="2105322" y="1488521"/>
-                  </a:lnTo>
-                  <a:lnTo>
-                    <a:pt x="2062883" y="1534206"/>
-                  </a:lnTo>
-                  <a:lnTo>
-                    <a:pt x="2020443" y="1579891"/>
-                  </a:lnTo>
-                  <a:lnTo>
-                    <a:pt x="1978004" y="1625576"/>
-                  </a:lnTo>
-                  <a:lnTo>
-                    <a:pt x="1935564" y="1671262"/>
-                  </a:lnTo>
-                  <a:lnTo>
-                    <a:pt x="1893125" y="1716947"/>
-                  </a:lnTo>
-                  <a:lnTo>
-                    <a:pt x="1850685" y="1762632"/>
-                  </a:lnTo>
-                  <a:close/>
                 </a:path>
               </a:pathLst>
             </a:custGeom>
-            <a:solidFill>
-              <a:srgbClr val="F8766D">
-                <a:alpha val="100000"/>
-              </a:srgbClr>
-            </a:solidFill>
-            <a:ln w="13550" cap="rnd">
+            <a:ln w="3387" cap="flat">
               <a:solidFill>
-                <a:srgbClr val="FFFFFF">
+                <a:srgbClr val="DEDEDE">
                   <a:alpha val="100000"/>
                 </a:srgbClr>
               </a:solidFill>
@@ -4345,14 +3298,893 @@
         </p:sp>
         <p:sp>
           <p:nvSpPr>
-            <p:cNvPr id="7" name="tx7"/>
-            <p:cNvSpPr/>
-            <p:nvPr/>
-          </p:nvSpPr>
-          <p:spPr>
-            <a:xfrm>
-              <a:off x="4954350" y="2825628"/>
-              <a:ext cx="329449" cy="109040"/>
+            <p:cNvPr id="8" name="pl8"/>
+            <p:cNvSpPr/>
+            <p:nvPr/>
+          </p:nvSpPr>
+          <p:spPr>
+            <a:xfrm>
+              <a:off x="6372127" y="1590617"/>
+              <a:ext cx="0" cy="4048310"/>
+            </a:xfrm>
+            <a:custGeom>
+              <a:avLst/>
+              <a:pathLst>
+                <a:path w="0" h="4048310">
+                  <a:moveTo>
+                    <a:pt x="0" y="4048310"/>
+                  </a:moveTo>
+                  <a:lnTo>
+                    <a:pt x="0" y="0"/>
+                  </a:lnTo>
+                  <a:lnTo>
+                    <a:pt x="0" y="0"/>
+                  </a:lnTo>
+                </a:path>
+              </a:pathLst>
+            </a:custGeom>
+            <a:ln w="3387" cap="flat">
+              <a:solidFill>
+                <a:srgbClr val="DEDEDE">
+                  <a:alpha val="100000"/>
+                </a:srgbClr>
+              </a:solidFill>
+              <a:prstDash val="solid"/>
+              <a:round/>
+            </a:ln>
+          </p:spPr>
+          <p:txBody>
+            <a:bodyPr/>
+            <a:lstStyle/>
+            <a:p/>
+          </p:txBody>
+        </p:sp>
+        <p:sp>
+          <p:nvSpPr>
+            <p:cNvPr id="9" name="pl9"/>
+            <p:cNvSpPr/>
+            <p:nvPr/>
+          </p:nvSpPr>
+          <p:spPr>
+            <a:xfrm>
+              <a:off x="8111558" y="1590617"/>
+              <a:ext cx="0" cy="4048310"/>
+            </a:xfrm>
+            <a:custGeom>
+              <a:avLst/>
+              <a:pathLst>
+                <a:path w="0" h="4048310">
+                  <a:moveTo>
+                    <a:pt x="0" y="4048310"/>
+                  </a:moveTo>
+                  <a:lnTo>
+                    <a:pt x="0" y="0"/>
+                  </a:lnTo>
+                  <a:lnTo>
+                    <a:pt x="0" y="0"/>
+                  </a:lnTo>
+                </a:path>
+              </a:pathLst>
+            </a:custGeom>
+            <a:ln w="3387" cap="flat">
+              <a:solidFill>
+                <a:srgbClr val="DEDEDE">
+                  <a:alpha val="100000"/>
+                </a:srgbClr>
+              </a:solidFill>
+              <a:prstDash val="solid"/>
+              <a:round/>
+            </a:ln>
+          </p:spPr>
+          <p:txBody>
+            <a:bodyPr/>
+            <a:lstStyle/>
+            <a:p/>
+          </p:txBody>
+        </p:sp>
+        <p:sp>
+          <p:nvSpPr>
+            <p:cNvPr id="10" name="pl10"/>
+            <p:cNvSpPr/>
+            <p:nvPr/>
+          </p:nvSpPr>
+          <p:spPr>
+            <a:xfrm>
+              <a:off x="2023549" y="5374907"/>
+              <a:ext cx="6913543" cy="0"/>
+            </a:xfrm>
+            <a:custGeom>
+              <a:avLst/>
+              <a:pathLst>
+                <a:path w="6913543" h="0">
+                  <a:moveTo>
+                    <a:pt x="0" y="0"/>
+                  </a:moveTo>
+                  <a:lnTo>
+                    <a:pt x="6913543" y="0"/>
+                  </a:lnTo>
+                  <a:lnTo>
+                    <a:pt x="6913543" y="0"/>
+                  </a:lnTo>
+                </a:path>
+              </a:pathLst>
+            </a:custGeom>
+            <a:ln w="6775" cap="flat">
+              <a:solidFill>
+                <a:srgbClr val="DEDEDE">
+                  <a:alpha val="100000"/>
+                </a:srgbClr>
+              </a:solidFill>
+              <a:prstDash val="solid"/>
+              <a:round/>
+            </a:ln>
+          </p:spPr>
+          <p:txBody>
+            <a:bodyPr/>
+            <a:lstStyle/>
+            <a:p/>
+          </p:txBody>
+        </p:sp>
+        <p:sp>
+          <p:nvSpPr>
+            <p:cNvPr id="11" name="pl11"/>
+            <p:cNvSpPr/>
+            <p:nvPr/>
+          </p:nvSpPr>
+          <p:spPr>
+            <a:xfrm>
+              <a:off x="2023549" y="4934873"/>
+              <a:ext cx="6913543" cy="0"/>
+            </a:xfrm>
+            <a:custGeom>
+              <a:avLst/>
+              <a:pathLst>
+                <a:path w="6913543" h="0">
+                  <a:moveTo>
+                    <a:pt x="0" y="0"/>
+                  </a:moveTo>
+                  <a:lnTo>
+                    <a:pt x="6913543" y="0"/>
+                  </a:lnTo>
+                  <a:lnTo>
+                    <a:pt x="6913543" y="0"/>
+                  </a:lnTo>
+                </a:path>
+              </a:pathLst>
+            </a:custGeom>
+            <a:ln w="6775" cap="flat">
+              <a:solidFill>
+                <a:srgbClr val="DEDEDE">
+                  <a:alpha val="100000"/>
+                </a:srgbClr>
+              </a:solidFill>
+              <a:prstDash val="solid"/>
+              <a:round/>
+            </a:ln>
+          </p:spPr>
+          <p:txBody>
+            <a:bodyPr/>
+            <a:lstStyle/>
+            <a:p/>
+          </p:txBody>
+        </p:sp>
+        <p:sp>
+          <p:nvSpPr>
+            <p:cNvPr id="12" name="pl12"/>
+            <p:cNvSpPr/>
+            <p:nvPr/>
+          </p:nvSpPr>
+          <p:spPr>
+            <a:xfrm>
+              <a:off x="2023549" y="4494840"/>
+              <a:ext cx="6913543" cy="0"/>
+            </a:xfrm>
+            <a:custGeom>
+              <a:avLst/>
+              <a:pathLst>
+                <a:path w="6913543" h="0">
+                  <a:moveTo>
+                    <a:pt x="0" y="0"/>
+                  </a:moveTo>
+                  <a:lnTo>
+                    <a:pt x="6913543" y="0"/>
+                  </a:lnTo>
+                  <a:lnTo>
+                    <a:pt x="6913543" y="0"/>
+                  </a:lnTo>
+                </a:path>
+              </a:pathLst>
+            </a:custGeom>
+            <a:ln w="6775" cap="flat">
+              <a:solidFill>
+                <a:srgbClr val="DEDEDE">
+                  <a:alpha val="100000"/>
+                </a:srgbClr>
+              </a:solidFill>
+              <a:prstDash val="solid"/>
+              <a:round/>
+            </a:ln>
+          </p:spPr>
+          <p:txBody>
+            <a:bodyPr/>
+            <a:lstStyle/>
+            <a:p/>
+          </p:txBody>
+        </p:sp>
+        <p:sp>
+          <p:nvSpPr>
+            <p:cNvPr id="13" name="pl13"/>
+            <p:cNvSpPr/>
+            <p:nvPr/>
+          </p:nvSpPr>
+          <p:spPr>
+            <a:xfrm>
+              <a:off x="2023549" y="4054806"/>
+              <a:ext cx="6913543" cy="0"/>
+            </a:xfrm>
+            <a:custGeom>
+              <a:avLst/>
+              <a:pathLst>
+                <a:path w="6913543" h="0">
+                  <a:moveTo>
+                    <a:pt x="0" y="0"/>
+                  </a:moveTo>
+                  <a:lnTo>
+                    <a:pt x="6913543" y="0"/>
+                  </a:lnTo>
+                  <a:lnTo>
+                    <a:pt x="6913543" y="0"/>
+                  </a:lnTo>
+                </a:path>
+              </a:pathLst>
+            </a:custGeom>
+            <a:ln w="6775" cap="flat">
+              <a:solidFill>
+                <a:srgbClr val="DEDEDE">
+                  <a:alpha val="100000"/>
+                </a:srgbClr>
+              </a:solidFill>
+              <a:prstDash val="solid"/>
+              <a:round/>
+            </a:ln>
+          </p:spPr>
+          <p:txBody>
+            <a:bodyPr/>
+            <a:lstStyle/>
+            <a:p/>
+          </p:txBody>
+        </p:sp>
+        <p:sp>
+          <p:nvSpPr>
+            <p:cNvPr id="14" name="pl14"/>
+            <p:cNvSpPr/>
+            <p:nvPr/>
+          </p:nvSpPr>
+          <p:spPr>
+            <a:xfrm>
+              <a:off x="2023549" y="3614772"/>
+              <a:ext cx="6913543" cy="0"/>
+            </a:xfrm>
+            <a:custGeom>
+              <a:avLst/>
+              <a:pathLst>
+                <a:path w="6913543" h="0">
+                  <a:moveTo>
+                    <a:pt x="0" y="0"/>
+                  </a:moveTo>
+                  <a:lnTo>
+                    <a:pt x="6913543" y="0"/>
+                  </a:lnTo>
+                  <a:lnTo>
+                    <a:pt x="6913543" y="0"/>
+                  </a:lnTo>
+                </a:path>
+              </a:pathLst>
+            </a:custGeom>
+            <a:ln w="6775" cap="flat">
+              <a:solidFill>
+                <a:srgbClr val="DEDEDE">
+                  <a:alpha val="100000"/>
+                </a:srgbClr>
+              </a:solidFill>
+              <a:prstDash val="solid"/>
+              <a:round/>
+            </a:ln>
+          </p:spPr>
+          <p:txBody>
+            <a:bodyPr/>
+            <a:lstStyle/>
+            <a:p/>
+          </p:txBody>
+        </p:sp>
+        <p:sp>
+          <p:nvSpPr>
+            <p:cNvPr id="15" name="pl15"/>
+            <p:cNvSpPr/>
+            <p:nvPr/>
+          </p:nvSpPr>
+          <p:spPr>
+            <a:xfrm>
+              <a:off x="2023549" y="3174738"/>
+              <a:ext cx="6913543" cy="0"/>
+            </a:xfrm>
+            <a:custGeom>
+              <a:avLst/>
+              <a:pathLst>
+                <a:path w="6913543" h="0">
+                  <a:moveTo>
+                    <a:pt x="0" y="0"/>
+                  </a:moveTo>
+                  <a:lnTo>
+                    <a:pt x="6913543" y="0"/>
+                  </a:lnTo>
+                  <a:lnTo>
+                    <a:pt x="6913543" y="0"/>
+                  </a:lnTo>
+                </a:path>
+              </a:pathLst>
+            </a:custGeom>
+            <a:ln w="6775" cap="flat">
+              <a:solidFill>
+                <a:srgbClr val="DEDEDE">
+                  <a:alpha val="100000"/>
+                </a:srgbClr>
+              </a:solidFill>
+              <a:prstDash val="solid"/>
+              <a:round/>
+            </a:ln>
+          </p:spPr>
+          <p:txBody>
+            <a:bodyPr/>
+            <a:lstStyle/>
+            <a:p/>
+          </p:txBody>
+        </p:sp>
+        <p:sp>
+          <p:nvSpPr>
+            <p:cNvPr id="16" name="pl16"/>
+            <p:cNvSpPr/>
+            <p:nvPr/>
+          </p:nvSpPr>
+          <p:spPr>
+            <a:xfrm>
+              <a:off x="2023549" y="2734705"/>
+              <a:ext cx="6913543" cy="0"/>
+            </a:xfrm>
+            <a:custGeom>
+              <a:avLst/>
+              <a:pathLst>
+                <a:path w="6913543" h="0">
+                  <a:moveTo>
+                    <a:pt x="0" y="0"/>
+                  </a:moveTo>
+                  <a:lnTo>
+                    <a:pt x="6913543" y="0"/>
+                  </a:lnTo>
+                  <a:lnTo>
+                    <a:pt x="6913543" y="0"/>
+                  </a:lnTo>
+                </a:path>
+              </a:pathLst>
+            </a:custGeom>
+            <a:ln w="6775" cap="flat">
+              <a:solidFill>
+                <a:srgbClr val="DEDEDE">
+                  <a:alpha val="100000"/>
+                </a:srgbClr>
+              </a:solidFill>
+              <a:prstDash val="solid"/>
+              <a:round/>
+            </a:ln>
+          </p:spPr>
+          <p:txBody>
+            <a:bodyPr/>
+            <a:lstStyle/>
+            <a:p/>
+          </p:txBody>
+        </p:sp>
+        <p:sp>
+          <p:nvSpPr>
+            <p:cNvPr id="17" name="pl17"/>
+            <p:cNvSpPr/>
+            <p:nvPr/>
+          </p:nvSpPr>
+          <p:spPr>
+            <a:xfrm>
+              <a:off x="2023549" y="2294671"/>
+              <a:ext cx="6913543" cy="0"/>
+            </a:xfrm>
+            <a:custGeom>
+              <a:avLst/>
+              <a:pathLst>
+                <a:path w="6913543" h="0">
+                  <a:moveTo>
+                    <a:pt x="0" y="0"/>
+                  </a:moveTo>
+                  <a:lnTo>
+                    <a:pt x="6913543" y="0"/>
+                  </a:lnTo>
+                  <a:lnTo>
+                    <a:pt x="6913543" y="0"/>
+                  </a:lnTo>
+                </a:path>
+              </a:pathLst>
+            </a:custGeom>
+            <a:ln w="6775" cap="flat">
+              <a:solidFill>
+                <a:srgbClr val="DEDEDE">
+                  <a:alpha val="100000"/>
+                </a:srgbClr>
+              </a:solidFill>
+              <a:prstDash val="solid"/>
+              <a:round/>
+            </a:ln>
+          </p:spPr>
+          <p:txBody>
+            <a:bodyPr/>
+            <a:lstStyle/>
+            <a:p/>
+          </p:txBody>
+        </p:sp>
+        <p:sp>
+          <p:nvSpPr>
+            <p:cNvPr id="18" name="pl18"/>
+            <p:cNvSpPr/>
+            <p:nvPr/>
+          </p:nvSpPr>
+          <p:spPr>
+            <a:xfrm>
+              <a:off x="2023549" y="1854637"/>
+              <a:ext cx="6913543" cy="0"/>
+            </a:xfrm>
+            <a:custGeom>
+              <a:avLst/>
+              <a:pathLst>
+                <a:path w="6913543" h="0">
+                  <a:moveTo>
+                    <a:pt x="0" y="0"/>
+                  </a:moveTo>
+                  <a:lnTo>
+                    <a:pt x="6913543" y="0"/>
+                  </a:lnTo>
+                  <a:lnTo>
+                    <a:pt x="6913543" y="0"/>
+                  </a:lnTo>
+                </a:path>
+              </a:pathLst>
+            </a:custGeom>
+            <a:ln w="6775" cap="flat">
+              <a:solidFill>
+                <a:srgbClr val="DEDEDE">
+                  <a:alpha val="100000"/>
+                </a:srgbClr>
+              </a:solidFill>
+              <a:prstDash val="solid"/>
+              <a:round/>
+            </a:ln>
+          </p:spPr>
+          <p:txBody>
+            <a:bodyPr/>
+            <a:lstStyle/>
+            <a:p/>
+          </p:txBody>
+        </p:sp>
+        <p:sp>
+          <p:nvSpPr>
+            <p:cNvPr id="19" name="pl19"/>
+            <p:cNvSpPr/>
+            <p:nvPr/>
+          </p:nvSpPr>
+          <p:spPr>
+            <a:xfrm>
+              <a:off x="2023549" y="1590617"/>
+              <a:ext cx="0" cy="4048310"/>
+            </a:xfrm>
+            <a:custGeom>
+              <a:avLst/>
+              <a:pathLst>
+                <a:path w="0" h="4048310">
+                  <a:moveTo>
+                    <a:pt x="0" y="4048310"/>
+                  </a:moveTo>
+                  <a:lnTo>
+                    <a:pt x="0" y="0"/>
+                  </a:lnTo>
+                  <a:lnTo>
+                    <a:pt x="0" y="0"/>
+                  </a:lnTo>
+                </a:path>
+              </a:pathLst>
+            </a:custGeom>
+            <a:ln w="6775" cap="flat">
+              <a:solidFill>
+                <a:srgbClr val="DEDEDE">
+                  <a:alpha val="100000"/>
+                </a:srgbClr>
+              </a:solidFill>
+              <a:prstDash val="solid"/>
+              <a:round/>
+            </a:ln>
+          </p:spPr>
+          <p:txBody>
+            <a:bodyPr/>
+            <a:lstStyle/>
+            <a:p/>
+          </p:txBody>
+        </p:sp>
+        <p:sp>
+          <p:nvSpPr>
+            <p:cNvPr id="20" name="pl20"/>
+            <p:cNvSpPr/>
+            <p:nvPr/>
+          </p:nvSpPr>
+          <p:spPr>
+            <a:xfrm>
+              <a:off x="3762980" y="1590617"/>
+              <a:ext cx="0" cy="4048310"/>
+            </a:xfrm>
+            <a:custGeom>
+              <a:avLst/>
+              <a:pathLst>
+                <a:path w="0" h="4048310">
+                  <a:moveTo>
+                    <a:pt x="0" y="4048310"/>
+                  </a:moveTo>
+                  <a:lnTo>
+                    <a:pt x="0" y="0"/>
+                  </a:lnTo>
+                  <a:lnTo>
+                    <a:pt x="0" y="0"/>
+                  </a:lnTo>
+                </a:path>
+              </a:pathLst>
+            </a:custGeom>
+            <a:ln w="6775" cap="flat">
+              <a:solidFill>
+                <a:srgbClr val="DEDEDE">
+                  <a:alpha val="100000"/>
+                </a:srgbClr>
+              </a:solidFill>
+              <a:prstDash val="solid"/>
+              <a:round/>
+            </a:ln>
+          </p:spPr>
+          <p:txBody>
+            <a:bodyPr/>
+            <a:lstStyle/>
+            <a:p/>
+          </p:txBody>
+        </p:sp>
+        <p:sp>
+          <p:nvSpPr>
+            <p:cNvPr id="21" name="pl21"/>
+            <p:cNvSpPr/>
+            <p:nvPr/>
+          </p:nvSpPr>
+          <p:spPr>
+            <a:xfrm>
+              <a:off x="5502411" y="1590617"/>
+              <a:ext cx="0" cy="4048310"/>
+            </a:xfrm>
+            <a:custGeom>
+              <a:avLst/>
+              <a:pathLst>
+                <a:path w="0" h="4048310">
+                  <a:moveTo>
+                    <a:pt x="0" y="4048310"/>
+                  </a:moveTo>
+                  <a:lnTo>
+                    <a:pt x="0" y="0"/>
+                  </a:lnTo>
+                  <a:lnTo>
+                    <a:pt x="0" y="0"/>
+                  </a:lnTo>
+                </a:path>
+              </a:pathLst>
+            </a:custGeom>
+            <a:ln w="6775" cap="flat">
+              <a:solidFill>
+                <a:srgbClr val="DEDEDE">
+                  <a:alpha val="100000"/>
+                </a:srgbClr>
+              </a:solidFill>
+              <a:prstDash val="solid"/>
+              <a:round/>
+            </a:ln>
+          </p:spPr>
+          <p:txBody>
+            <a:bodyPr/>
+            <a:lstStyle/>
+            <a:p/>
+          </p:txBody>
+        </p:sp>
+        <p:sp>
+          <p:nvSpPr>
+            <p:cNvPr id="22" name="pl22"/>
+            <p:cNvSpPr/>
+            <p:nvPr/>
+          </p:nvSpPr>
+          <p:spPr>
+            <a:xfrm>
+              <a:off x="7241842" y="1590617"/>
+              <a:ext cx="0" cy="4048310"/>
+            </a:xfrm>
+            <a:custGeom>
+              <a:avLst/>
+              <a:pathLst>
+                <a:path w="0" h="4048310">
+                  <a:moveTo>
+                    <a:pt x="0" y="4048310"/>
+                  </a:moveTo>
+                  <a:lnTo>
+                    <a:pt x="0" y="0"/>
+                  </a:lnTo>
+                  <a:lnTo>
+                    <a:pt x="0" y="0"/>
+                  </a:lnTo>
+                </a:path>
+              </a:pathLst>
+            </a:custGeom>
+            <a:ln w="6775" cap="flat">
+              <a:solidFill>
+                <a:srgbClr val="DEDEDE">
+                  <a:alpha val="100000"/>
+                </a:srgbClr>
+              </a:solidFill>
+              <a:prstDash val="solid"/>
+              <a:round/>
+            </a:ln>
+          </p:spPr>
+          <p:txBody>
+            <a:bodyPr/>
+            <a:lstStyle/>
+            <a:p/>
+          </p:txBody>
+        </p:sp>
+        <p:sp>
+          <p:nvSpPr>
+            <p:cNvPr id="23" name="rc23"/>
+            <p:cNvSpPr/>
+            <p:nvPr/>
+          </p:nvSpPr>
+          <p:spPr>
+            <a:xfrm>
+              <a:off x="2023549" y="1656622"/>
+              <a:ext cx="6777983" cy="396030"/>
+            </a:xfrm>
+            <a:prstGeom prst="rect">
+              <a:avLst/>
+            </a:prstGeom>
+            <a:solidFill>
+              <a:srgbClr val="595959">
+                <a:alpha val="100000"/>
+              </a:srgbClr>
+            </a:solidFill>
+          </p:spPr>
+          <p:txBody>
+            <a:bodyPr/>
+            <a:lstStyle/>
+            <a:p/>
+          </p:txBody>
+        </p:sp>
+        <p:sp>
+          <p:nvSpPr>
+            <p:cNvPr id="24" name="rc24"/>
+            <p:cNvSpPr/>
+            <p:nvPr/>
+          </p:nvSpPr>
+          <p:spPr>
+            <a:xfrm>
+              <a:off x="2023549" y="2096656"/>
+              <a:ext cx="5844488" cy="396030"/>
+            </a:xfrm>
+            <a:prstGeom prst="rect">
+              <a:avLst/>
+            </a:prstGeom>
+            <a:solidFill>
+              <a:srgbClr val="595959">
+                <a:alpha val="100000"/>
+              </a:srgbClr>
+            </a:solidFill>
+          </p:spPr>
+          <p:txBody>
+            <a:bodyPr/>
+            <a:lstStyle/>
+            <a:p/>
+          </p:txBody>
+        </p:sp>
+        <p:sp>
+          <p:nvSpPr>
+            <p:cNvPr id="25" name="rc25"/>
+            <p:cNvSpPr/>
+            <p:nvPr/>
+          </p:nvSpPr>
+          <p:spPr>
+            <a:xfrm>
+              <a:off x="2023549" y="2536689"/>
+              <a:ext cx="4986369" cy="396030"/>
+            </a:xfrm>
+            <a:prstGeom prst="rect">
+              <a:avLst/>
+            </a:prstGeom>
+            <a:solidFill>
+              <a:srgbClr val="595959">
+                <a:alpha val="100000"/>
+              </a:srgbClr>
+            </a:solidFill>
+          </p:spPr>
+          <p:txBody>
+            <a:bodyPr/>
+            <a:lstStyle/>
+            <a:p/>
+          </p:txBody>
+        </p:sp>
+        <p:sp>
+          <p:nvSpPr>
+            <p:cNvPr id="26" name="rc26"/>
+            <p:cNvSpPr/>
+            <p:nvPr/>
+          </p:nvSpPr>
+          <p:spPr>
+            <a:xfrm>
+              <a:off x="2023549" y="2976723"/>
+              <a:ext cx="4922590" cy="396030"/>
+            </a:xfrm>
+            <a:prstGeom prst="rect">
+              <a:avLst/>
+            </a:prstGeom>
+            <a:solidFill>
+              <a:srgbClr val="595959">
+                <a:alpha val="100000"/>
+              </a:srgbClr>
+            </a:solidFill>
+          </p:spPr>
+          <p:txBody>
+            <a:bodyPr/>
+            <a:lstStyle/>
+            <a:p/>
+          </p:txBody>
+        </p:sp>
+        <p:sp>
+          <p:nvSpPr>
+            <p:cNvPr id="27" name="rc27"/>
+            <p:cNvSpPr/>
+            <p:nvPr/>
+          </p:nvSpPr>
+          <p:spPr>
+            <a:xfrm>
+              <a:off x="2023549" y="3416757"/>
+              <a:ext cx="4679069" cy="396030"/>
+            </a:xfrm>
+            <a:prstGeom prst="rect">
+              <a:avLst/>
+            </a:prstGeom>
+            <a:solidFill>
+              <a:srgbClr val="595959">
+                <a:alpha val="100000"/>
+              </a:srgbClr>
+            </a:solidFill>
+          </p:spPr>
+          <p:txBody>
+            <a:bodyPr/>
+            <a:lstStyle/>
+            <a:p/>
+          </p:txBody>
+        </p:sp>
+        <p:sp>
+          <p:nvSpPr>
+            <p:cNvPr id="28" name="rc28"/>
+            <p:cNvSpPr/>
+            <p:nvPr/>
+          </p:nvSpPr>
+          <p:spPr>
+            <a:xfrm>
+              <a:off x="2023549" y="3856791"/>
+              <a:ext cx="3722382" cy="396030"/>
+            </a:xfrm>
+            <a:prstGeom prst="rect">
+              <a:avLst/>
+            </a:prstGeom>
+            <a:solidFill>
+              <a:srgbClr val="595959">
+                <a:alpha val="100000"/>
+              </a:srgbClr>
+            </a:solidFill>
+          </p:spPr>
+          <p:txBody>
+            <a:bodyPr/>
+            <a:lstStyle/>
+            <a:p/>
+          </p:txBody>
+        </p:sp>
+        <p:sp>
+          <p:nvSpPr>
+            <p:cNvPr id="29" name="rc29"/>
+            <p:cNvSpPr/>
+            <p:nvPr/>
+          </p:nvSpPr>
+          <p:spPr>
+            <a:xfrm>
+              <a:off x="2023549" y="4296824"/>
+              <a:ext cx="1635065" cy="396030"/>
+            </a:xfrm>
+            <a:prstGeom prst="rect">
+              <a:avLst/>
+            </a:prstGeom>
+            <a:solidFill>
+              <a:srgbClr val="595959">
+                <a:alpha val="100000"/>
+              </a:srgbClr>
+            </a:solidFill>
+          </p:spPr>
+          <p:txBody>
+            <a:bodyPr/>
+            <a:lstStyle/>
+            <a:p/>
+          </p:txBody>
+        </p:sp>
+        <p:sp>
+          <p:nvSpPr>
+            <p:cNvPr id="30" name="rc30"/>
+            <p:cNvSpPr/>
+            <p:nvPr/>
+          </p:nvSpPr>
+          <p:spPr>
+            <a:xfrm>
+              <a:off x="2023549" y="4736858"/>
+              <a:ext cx="545021" cy="396030"/>
+            </a:xfrm>
+            <a:prstGeom prst="rect">
+              <a:avLst/>
+            </a:prstGeom>
+            <a:solidFill>
+              <a:srgbClr val="595959">
+                <a:alpha val="100000"/>
+              </a:srgbClr>
+            </a:solidFill>
+          </p:spPr>
+          <p:txBody>
+            <a:bodyPr/>
+            <a:lstStyle/>
+            <a:p/>
+          </p:txBody>
+        </p:sp>
+        <p:sp>
+          <p:nvSpPr>
+            <p:cNvPr id="31" name="rc31"/>
+            <p:cNvSpPr/>
+            <p:nvPr/>
+          </p:nvSpPr>
+          <p:spPr>
+            <a:xfrm>
+              <a:off x="2023549" y="5176892"/>
+              <a:ext cx="353684" cy="396030"/>
+            </a:xfrm>
+            <a:prstGeom prst="rect">
+              <a:avLst/>
+            </a:prstGeom>
+            <a:solidFill>
+              <a:srgbClr val="595959">
+                <a:alpha val="100000"/>
+              </a:srgbClr>
+            </a:solidFill>
+          </p:spPr>
+          <p:txBody>
+            <a:bodyPr/>
+            <a:lstStyle/>
+            <a:p/>
+          </p:txBody>
+        </p:sp>
+        <p:sp>
+          <p:nvSpPr>
+            <p:cNvPr id="32" name="tx32"/>
+            <p:cNvSpPr/>
+            <p:nvPr/>
+          </p:nvSpPr>
+          <p:spPr>
+            <a:xfrm>
+              <a:off x="8315710" y="1810163"/>
+              <a:ext cx="325215" cy="67753"/>
             </a:xfrm>
             <a:prstGeom prst="rect">
               <a:avLst/>
@@ -4365,7 +4197,7 @@
             <a:p>
               <a:pPr algn="l" marL="0" marR="0" indent="0">
                 <a:lnSpc>
-                  <a:spcPts val="1138"/>
+                  <a:spcPts val="853"/>
                 </a:lnSpc>
                 <a:spcBef>
                   <a:spcPts val="0"/>
@@ -4375,7 +4207,7 @@
                 </a:spcAft>
               </a:pPr>
               <a:r>
-                <a:rPr sz="1138">
+                <a:rPr sz="853" b="1">
                   <a:solidFill>
                     <a:srgbClr val="FFFFFF">
                       <a:alpha val="100000"/>
@@ -4384,21 +4216,21 @@
                   <a:latin typeface="Arial"/>
                   <a:cs typeface="Arial"/>
                 </a:rPr>
-                <a:t>4.6%</a:t>
+                <a:t>消化不良</a:t>
               </a:r>
             </a:p>
           </p:txBody>
         </p:sp>
         <p:sp>
           <p:nvSpPr>
-            <p:cNvPr id="8" name="tx8"/>
-            <p:cNvSpPr/>
-            <p:nvPr/>
-          </p:nvSpPr>
-          <p:spPr>
-            <a:xfrm>
-              <a:off x="5272291" y="2935678"/>
-              <a:ext cx="329449" cy="109040"/>
+            <p:cNvPr id="33" name="tx33"/>
+            <p:cNvSpPr/>
+            <p:nvPr/>
+          </p:nvSpPr>
+          <p:spPr>
+            <a:xfrm>
+              <a:off x="7544823" y="2250197"/>
+              <a:ext cx="162607" cy="67753"/>
             </a:xfrm>
             <a:prstGeom prst="rect">
               <a:avLst/>
@@ -4411,7 +4243,7 @@
             <a:p>
               <a:pPr algn="l" marL="0" marR="0" indent="0">
                 <a:lnSpc>
-                  <a:spcPts val="1138"/>
+                  <a:spcPts val="853"/>
                 </a:lnSpc>
                 <a:spcBef>
                   <a:spcPts val="0"/>
@@ -4421,7 +4253,7 @@
                 </a:spcAft>
               </a:pPr>
               <a:r>
-                <a:rPr sz="1138">
+                <a:rPr sz="853" b="1">
                   <a:solidFill>
                     <a:srgbClr val="FFFFFF">
                       <a:alpha val="100000"/>
@@ -4430,21 +4262,21 @@
                   <a:latin typeface="Arial"/>
                   <a:cs typeface="Arial"/>
                 </a:rPr>
-                <a:t>7.3%</a:t>
+                <a:t>便秘</a:t>
               </a:r>
             </a:p>
           </p:txBody>
         </p:sp>
         <p:sp>
           <p:nvSpPr>
-            <p:cNvPr id="9" name="tx9"/>
-            <p:cNvSpPr/>
-            <p:nvPr/>
-          </p:nvSpPr>
-          <p:spPr>
-            <a:xfrm>
-              <a:off x="4451974" y="4561718"/>
-              <a:ext cx="409835" cy="109040"/>
+            <p:cNvPr id="34" name="tx34"/>
+            <p:cNvSpPr/>
+            <p:nvPr/>
+          </p:nvSpPr>
+          <p:spPr>
+            <a:xfrm>
+              <a:off x="5467147" y="2690231"/>
+              <a:ext cx="1382163" cy="67753"/>
             </a:xfrm>
             <a:prstGeom prst="rect">
               <a:avLst/>
@@ -4457,7 +4289,7 @@
             <a:p>
               <a:pPr algn="l" marL="0" marR="0" indent="0">
                 <a:lnSpc>
-                  <a:spcPts val="1138"/>
+                  <a:spcPts val="853"/>
                 </a:lnSpc>
                 <a:spcBef>
                   <a:spcPts val="0"/>
@@ -4467,7 +4299,7 @@
                 </a:spcAft>
               </a:pPr>
               <a:r>
-                <a:rPr sz="1138">
+                <a:rPr sz="853" b="1">
                   <a:solidFill>
                     <a:srgbClr val="FFFFFF">
                       <a:alpha val="100000"/>
@@ -4476,21 +4308,21 @@
                   <a:latin typeface="Arial"/>
                   <a:cs typeface="Arial"/>
                 </a:rPr>
-                <a:t>88.1%</a:t>
+                <a:t>身体无碍，只为调理或改善肠道微生态</a:t>
               </a:r>
             </a:p>
           </p:txBody>
         </p:sp>
         <p:sp>
           <p:nvSpPr>
-            <p:cNvPr id="10" name="tx10"/>
-            <p:cNvSpPr/>
-            <p:nvPr/>
-          </p:nvSpPr>
-          <p:spPr>
-            <a:xfrm>
-              <a:off x="4952107" y="2822272"/>
-              <a:ext cx="329449" cy="109040"/>
+            <p:cNvPr id="35" name="tx35"/>
+            <p:cNvSpPr/>
+            <p:nvPr/>
+          </p:nvSpPr>
+          <p:spPr>
+            <a:xfrm>
+              <a:off x="6622924" y="3130265"/>
+              <a:ext cx="162607" cy="67753"/>
             </a:xfrm>
             <a:prstGeom prst="rect">
               <a:avLst/>
@@ -4503,7 +4335,7 @@
             <a:p>
               <a:pPr algn="l" marL="0" marR="0" indent="0">
                 <a:lnSpc>
-                  <a:spcPts val="1138"/>
+                  <a:spcPts val="853"/>
                 </a:lnSpc>
                 <a:spcBef>
                   <a:spcPts val="0"/>
@@ -4513,7 +4345,7 @@
                 </a:spcAft>
               </a:pPr>
               <a:r>
-                <a:rPr sz="1138">
+                <a:rPr sz="853" b="1">
                   <a:solidFill>
                     <a:srgbClr val="FFFFFF">
                       <a:alpha val="100000"/>
@@ -4522,21 +4354,21 @@
                   <a:latin typeface="Arial"/>
                   <a:cs typeface="Arial"/>
                 </a:rPr>
-                <a:t>4.6%</a:t>
+                <a:t>胀气</a:t>
               </a:r>
             </a:p>
           </p:txBody>
         </p:sp>
         <p:sp>
           <p:nvSpPr>
-            <p:cNvPr id="11" name="tx11"/>
-            <p:cNvSpPr/>
-            <p:nvPr/>
-          </p:nvSpPr>
-          <p:spPr>
-            <a:xfrm>
-              <a:off x="5270048" y="2932322"/>
-              <a:ext cx="329449" cy="109040"/>
+            <p:cNvPr id="36" name="tx36"/>
+            <p:cNvSpPr/>
+            <p:nvPr/>
+          </p:nvSpPr>
+          <p:spPr>
+            <a:xfrm>
+              <a:off x="6216796" y="3570299"/>
+              <a:ext cx="325215" cy="67753"/>
             </a:xfrm>
             <a:prstGeom prst="rect">
               <a:avLst/>
@@ -4549,7 +4381,7 @@
             <a:p>
               <a:pPr algn="l" marL="0" marR="0" indent="0">
                 <a:lnSpc>
-                  <a:spcPts val="1138"/>
+                  <a:spcPts val="853"/>
                 </a:lnSpc>
                 <a:spcBef>
                   <a:spcPts val="0"/>
@@ -4559,7 +4391,7 @@
                 </a:spcAft>
               </a:pPr>
               <a:r>
-                <a:rPr sz="1138">
+                <a:rPr sz="853" b="1">
                   <a:solidFill>
                     <a:srgbClr val="FFFFFF">
                       <a:alpha val="100000"/>
@@ -4568,21 +4400,21 @@
                   <a:latin typeface="Arial"/>
                   <a:cs typeface="Arial"/>
                 </a:rPr>
-                <a:t>7.3%</a:t>
+                <a:t>食欲不振</a:t>
               </a:r>
             </a:p>
           </p:txBody>
         </p:sp>
         <p:sp>
           <p:nvSpPr>
-            <p:cNvPr id="12" name="tx12"/>
-            <p:cNvSpPr/>
-            <p:nvPr/>
-          </p:nvSpPr>
-          <p:spPr>
-            <a:xfrm>
-              <a:off x="4449731" y="4558361"/>
-              <a:ext cx="409835" cy="109040"/>
+            <p:cNvPr id="37" name="tx37"/>
+            <p:cNvSpPr/>
+            <p:nvPr/>
+          </p:nvSpPr>
+          <p:spPr>
+            <a:xfrm>
+              <a:off x="5422717" y="4010332"/>
+              <a:ext cx="162607" cy="67753"/>
             </a:xfrm>
             <a:prstGeom prst="rect">
               <a:avLst/>
@@ -4595,7 +4427,7 @@
             <a:p>
               <a:pPr algn="l" marL="0" marR="0" indent="0">
                 <a:lnSpc>
-                  <a:spcPts val="1138"/>
+                  <a:spcPts val="853"/>
                 </a:lnSpc>
                 <a:spcBef>
                   <a:spcPts val="0"/>
@@ -4605,7 +4437,7 @@
                 </a:spcAft>
               </a:pPr>
               <a:r>
-                <a:rPr sz="1138">
+                <a:rPr sz="853" b="1">
                   <a:solidFill>
                     <a:srgbClr val="FFFFFF">
                       <a:alpha val="100000"/>
@@ -4614,21 +4446,21 @@
                   <a:latin typeface="Arial"/>
                   <a:cs typeface="Arial"/>
                 </a:rPr>
-                <a:t>88.1%</a:t>
+                <a:t>腹泻</a:t>
               </a:r>
             </a:p>
           </p:txBody>
         </p:sp>
         <p:sp>
           <p:nvSpPr>
-            <p:cNvPr id="13" name="tx13"/>
-            <p:cNvSpPr/>
-            <p:nvPr/>
-          </p:nvSpPr>
-          <p:spPr>
-            <a:xfrm>
-              <a:off x="4948751" y="2820029"/>
-              <a:ext cx="329449" cy="109040"/>
+            <p:cNvPr id="38" name="tx38"/>
+            <p:cNvSpPr/>
+            <p:nvPr/>
+          </p:nvSpPr>
+          <p:spPr>
+            <a:xfrm>
+              <a:off x="3819222" y="4465886"/>
+              <a:ext cx="894341" cy="67753"/>
             </a:xfrm>
             <a:prstGeom prst="rect">
               <a:avLst/>
@@ -4641,7 +4473,7 @@
             <a:p>
               <a:pPr algn="l" marL="0" marR="0" indent="0">
                 <a:lnSpc>
-                  <a:spcPts val="1138"/>
+                  <a:spcPts val="853"/>
                 </a:lnSpc>
                 <a:spcBef>
                   <a:spcPts val="0"/>
@@ -4651,30 +4483,30 @@
                 </a:spcAft>
               </a:pPr>
               <a:r>
-                <a:rPr sz="1138">
+                <a:rPr sz="853">
                   <a:solidFill>
-                    <a:srgbClr val="FFFFFF">
+                    <a:srgbClr val="000000">
                       <a:alpha val="100000"/>
                     </a:srgbClr>
                   </a:solidFill>
                   <a:latin typeface="Arial"/>
                   <a:cs typeface="Arial"/>
                 </a:rPr>
-                <a:t>4.6%</a:t>
+                <a:t>肠炎（包括炎症性肠病）</a:t>
               </a:r>
             </a:p>
           </p:txBody>
         </p:sp>
         <p:sp>
           <p:nvSpPr>
-            <p:cNvPr id="14" name="tx14"/>
-            <p:cNvSpPr/>
-            <p:nvPr/>
-          </p:nvSpPr>
-          <p:spPr>
-            <a:xfrm>
-              <a:off x="5266691" y="2930079"/>
-              <a:ext cx="329449" cy="109040"/>
+            <p:cNvPr id="39" name="tx39"/>
+            <p:cNvSpPr/>
+            <p:nvPr/>
+          </p:nvSpPr>
+          <p:spPr>
+            <a:xfrm>
+              <a:off x="2729178" y="4905920"/>
+              <a:ext cx="487822" cy="67753"/>
             </a:xfrm>
             <a:prstGeom prst="rect">
               <a:avLst/>
@@ -4687,7 +4519,7 @@
             <a:p>
               <a:pPr algn="l" marL="0" marR="0" indent="0">
                 <a:lnSpc>
-                  <a:spcPts val="1138"/>
+                  <a:spcPts val="853"/>
                 </a:lnSpc>
                 <a:spcBef>
                   <a:spcPts val="0"/>
@@ -4697,30 +4529,30 @@
                 </a:spcAft>
               </a:pPr>
               <a:r>
-                <a:rPr sz="1138">
+                <a:rPr sz="853">
                   <a:solidFill>
-                    <a:srgbClr val="FFFFFF">
+                    <a:srgbClr val="000000">
                       <a:alpha val="100000"/>
                     </a:srgbClr>
                   </a:solidFill>
                   <a:latin typeface="Arial"/>
                   <a:cs typeface="Arial"/>
                 </a:rPr>
-                <a:t>7.3%</a:t>
+                <a:t>肠易激综合征</a:t>
               </a:r>
             </a:p>
           </p:txBody>
         </p:sp>
         <p:sp>
           <p:nvSpPr>
-            <p:cNvPr id="15" name="tx15"/>
-            <p:cNvSpPr/>
-            <p:nvPr/>
-          </p:nvSpPr>
-          <p:spPr>
-            <a:xfrm>
-              <a:off x="4446374" y="4556118"/>
-              <a:ext cx="409835" cy="109040"/>
+            <p:cNvPr id="40" name="tx40"/>
+            <p:cNvSpPr/>
+            <p:nvPr/>
+          </p:nvSpPr>
+          <p:spPr>
+            <a:xfrm>
+              <a:off x="2537841" y="5345953"/>
+              <a:ext cx="813037" cy="67753"/>
             </a:xfrm>
             <a:prstGeom prst="rect">
               <a:avLst/>
@@ -4733,7 +4565,7 @@
             <a:p>
               <a:pPr algn="l" marL="0" marR="0" indent="0">
                 <a:lnSpc>
-                  <a:spcPts val="1138"/>
+                  <a:spcPts val="853"/>
                 </a:lnSpc>
                 <a:spcBef>
                   <a:spcPts val="0"/>
@@ -4743,30 +4575,60 @@
                 </a:spcAft>
               </a:pPr>
               <a:r>
-                <a:rPr sz="1138">
+                <a:rPr sz="853">
                   <a:solidFill>
-                    <a:srgbClr val="FFFFFF">
+                    <a:srgbClr val="000000">
                       <a:alpha val="100000"/>
                     </a:srgbClr>
                   </a:solidFill>
                   <a:latin typeface="Arial"/>
                   <a:cs typeface="Arial"/>
                 </a:rPr>
-                <a:t>88.1%</a:t>
+                <a:t>抵消抗生素摄入的影响</a:t>
               </a:r>
             </a:p>
           </p:txBody>
         </p:sp>
         <p:sp>
           <p:nvSpPr>
-            <p:cNvPr id="16" name="tx16"/>
-            <p:cNvSpPr/>
-            <p:nvPr/>
-          </p:nvSpPr>
-          <p:spPr>
-            <a:xfrm>
-              <a:off x="4944791" y="2819241"/>
-              <a:ext cx="329449" cy="109040"/>
+            <p:cNvPr id="41" name="rc41"/>
+            <p:cNvSpPr/>
+            <p:nvPr/>
+          </p:nvSpPr>
+          <p:spPr>
+            <a:xfrm>
+              <a:off x="2023549" y="1590617"/>
+              <a:ext cx="6913543" cy="4048310"/>
+            </a:xfrm>
+            <a:prstGeom prst="rect">
+              <a:avLst/>
+            </a:prstGeom>
+            <a:ln w="13550" cap="rnd">
+              <a:solidFill>
+                <a:srgbClr val="B3B3B3">
+                  <a:alpha val="100000"/>
+                </a:srgbClr>
+              </a:solidFill>
+              <a:prstDash val="solid"/>
+              <a:round/>
+            </a:ln>
+          </p:spPr>
+          <p:txBody>
+            <a:bodyPr/>
+            <a:lstStyle/>
+            <a:p/>
+          </p:txBody>
+        </p:sp>
+        <p:sp>
+          <p:nvSpPr>
+            <p:cNvPr id="42" name="tx42"/>
+            <p:cNvSpPr/>
+            <p:nvPr/>
+          </p:nvSpPr>
+          <p:spPr>
+            <a:xfrm>
+              <a:off x="1926599" y="5333161"/>
+              <a:ext cx="62155" cy="81746"/>
             </a:xfrm>
             <a:prstGeom prst="rect">
               <a:avLst/>
@@ -4779,7 +4641,7 @@
             <a:p>
               <a:pPr algn="l" marL="0" marR="0" indent="0">
                 <a:lnSpc>
-                  <a:spcPts val="1138"/>
+                  <a:spcPts val="880"/>
                 </a:lnSpc>
                 <a:spcBef>
                   <a:spcPts val="0"/>
@@ -4789,30 +4651,30 @@
                 </a:spcAft>
               </a:pPr>
               <a:r>
-                <a:rPr sz="1138">
+                <a:rPr sz="880" b="1">
                   <a:solidFill>
-                    <a:srgbClr val="FFFFFF">
+                    <a:srgbClr val="4D4D4D">
                       <a:alpha val="100000"/>
                     </a:srgbClr>
                   </a:solidFill>
                   <a:latin typeface="Arial"/>
                   <a:cs typeface="Arial"/>
                 </a:rPr>
-                <a:t>4.6%</a:t>
+                <a:t>9</a:t>
               </a:r>
             </a:p>
           </p:txBody>
         </p:sp>
         <p:sp>
           <p:nvSpPr>
-            <p:cNvPr id="17" name="tx17"/>
-            <p:cNvSpPr/>
-            <p:nvPr/>
-          </p:nvSpPr>
-          <p:spPr>
-            <a:xfrm>
-              <a:off x="5262732" y="2929291"/>
-              <a:ext cx="329449" cy="109040"/>
+            <p:cNvPr id="43" name="tx43"/>
+            <p:cNvSpPr/>
+            <p:nvPr/>
+          </p:nvSpPr>
+          <p:spPr>
+            <a:xfrm>
+              <a:off x="1926599" y="4893127"/>
+              <a:ext cx="62155" cy="81746"/>
             </a:xfrm>
             <a:prstGeom prst="rect">
               <a:avLst/>
@@ -4825,7 +4687,7 @@
             <a:p>
               <a:pPr algn="l" marL="0" marR="0" indent="0">
                 <a:lnSpc>
-                  <a:spcPts val="1138"/>
+                  <a:spcPts val="880"/>
                 </a:lnSpc>
                 <a:spcBef>
                   <a:spcPts val="0"/>
@@ -4835,30 +4697,30 @@
                 </a:spcAft>
               </a:pPr>
               <a:r>
-                <a:rPr sz="1138">
+                <a:rPr sz="880" b="1">
                   <a:solidFill>
-                    <a:srgbClr val="FFFFFF">
+                    <a:srgbClr val="4D4D4D">
                       <a:alpha val="100000"/>
                     </a:srgbClr>
                   </a:solidFill>
                   <a:latin typeface="Arial"/>
                   <a:cs typeface="Arial"/>
                 </a:rPr>
-                <a:t>7.3%</a:t>
+                <a:t>8</a:t>
               </a:r>
             </a:p>
           </p:txBody>
         </p:sp>
         <p:sp>
           <p:nvSpPr>
-            <p:cNvPr id="18" name="tx18"/>
-            <p:cNvSpPr/>
-            <p:nvPr/>
-          </p:nvSpPr>
-          <p:spPr>
-            <a:xfrm>
-              <a:off x="4442415" y="4555331"/>
-              <a:ext cx="409835" cy="109040"/>
+            <p:cNvPr id="44" name="tx44"/>
+            <p:cNvSpPr/>
+            <p:nvPr/>
+          </p:nvSpPr>
+          <p:spPr>
+            <a:xfrm>
+              <a:off x="1926599" y="4455931"/>
+              <a:ext cx="62155" cy="78908"/>
             </a:xfrm>
             <a:prstGeom prst="rect">
               <a:avLst/>
@@ -4871,7 +4733,7 @@
             <a:p>
               <a:pPr algn="l" marL="0" marR="0" indent="0">
                 <a:lnSpc>
-                  <a:spcPts val="1138"/>
+                  <a:spcPts val="880"/>
                 </a:lnSpc>
                 <a:spcBef>
                   <a:spcPts val="0"/>
@@ -4881,30 +4743,30 @@
                 </a:spcAft>
               </a:pPr>
               <a:r>
-                <a:rPr sz="1138">
+                <a:rPr sz="880" b="1">
                   <a:solidFill>
-                    <a:srgbClr val="FFFFFF">
+                    <a:srgbClr val="4D4D4D">
                       <a:alpha val="100000"/>
                     </a:srgbClr>
                   </a:solidFill>
                   <a:latin typeface="Arial"/>
                   <a:cs typeface="Arial"/>
                 </a:rPr>
-                <a:t>88.1%</a:t>
+                <a:t>7</a:t>
               </a:r>
             </a:p>
           </p:txBody>
         </p:sp>
         <p:sp>
           <p:nvSpPr>
-            <p:cNvPr id="19" name="tx19"/>
-            <p:cNvSpPr/>
-            <p:nvPr/>
-          </p:nvSpPr>
-          <p:spPr>
-            <a:xfrm>
-              <a:off x="4940832" y="2820029"/>
-              <a:ext cx="329449" cy="109040"/>
+            <p:cNvPr id="45" name="tx45"/>
+            <p:cNvSpPr/>
+            <p:nvPr/>
+          </p:nvSpPr>
+          <p:spPr>
+            <a:xfrm>
+              <a:off x="1926599" y="4013114"/>
+              <a:ext cx="62155" cy="81691"/>
             </a:xfrm>
             <a:prstGeom prst="rect">
               <a:avLst/>
@@ -4917,7 +4779,7 @@
             <a:p>
               <a:pPr algn="l" marL="0" marR="0" indent="0">
                 <a:lnSpc>
-                  <a:spcPts val="1138"/>
+                  <a:spcPts val="880"/>
                 </a:lnSpc>
                 <a:spcBef>
                   <a:spcPts val="0"/>
@@ -4927,30 +4789,30 @@
                 </a:spcAft>
               </a:pPr>
               <a:r>
-                <a:rPr sz="1138">
+                <a:rPr sz="880" b="1">
                   <a:solidFill>
-                    <a:srgbClr val="FFFFFF">
+                    <a:srgbClr val="4D4D4D">
                       <a:alpha val="100000"/>
                     </a:srgbClr>
                   </a:solidFill>
                   <a:latin typeface="Arial"/>
                   <a:cs typeface="Arial"/>
                 </a:rPr>
-                <a:t>4.6%</a:t>
+                <a:t>6</a:t>
               </a:r>
             </a:p>
           </p:txBody>
         </p:sp>
         <p:sp>
           <p:nvSpPr>
-            <p:cNvPr id="20" name="tx20"/>
-            <p:cNvSpPr/>
-            <p:nvPr/>
-          </p:nvSpPr>
-          <p:spPr>
-            <a:xfrm>
-              <a:off x="5258772" y="2930079"/>
-              <a:ext cx="329449" cy="109040"/>
+            <p:cNvPr id="46" name="tx46"/>
+            <p:cNvSpPr/>
+            <p:nvPr/>
+          </p:nvSpPr>
+          <p:spPr>
+            <a:xfrm>
+              <a:off x="1926599" y="3574499"/>
+              <a:ext cx="62155" cy="80272"/>
             </a:xfrm>
             <a:prstGeom prst="rect">
               <a:avLst/>
@@ -4963,7 +4825,7 @@
             <a:p>
               <a:pPr algn="l" marL="0" marR="0" indent="0">
                 <a:lnSpc>
-                  <a:spcPts val="1138"/>
+                  <a:spcPts val="880"/>
                 </a:lnSpc>
                 <a:spcBef>
                   <a:spcPts val="0"/>
@@ -4973,30 +4835,30 @@
                 </a:spcAft>
               </a:pPr>
               <a:r>
-                <a:rPr sz="1138">
+                <a:rPr sz="880" b="1">
                   <a:solidFill>
-                    <a:srgbClr val="FFFFFF">
+                    <a:srgbClr val="4D4D4D">
                       <a:alpha val="100000"/>
                     </a:srgbClr>
                   </a:solidFill>
                   <a:latin typeface="Arial"/>
                   <a:cs typeface="Arial"/>
                 </a:rPr>
-                <a:t>7.3%</a:t>
+                <a:t>5</a:t>
               </a:r>
             </a:p>
           </p:txBody>
         </p:sp>
         <p:sp>
           <p:nvSpPr>
-            <p:cNvPr id="21" name="tx21"/>
-            <p:cNvSpPr/>
-            <p:nvPr/>
-          </p:nvSpPr>
-          <p:spPr>
-            <a:xfrm>
-              <a:off x="4438456" y="4556118"/>
-              <a:ext cx="409835" cy="109040"/>
+            <p:cNvPr id="47" name="tx47"/>
+            <p:cNvSpPr/>
+            <p:nvPr/>
+          </p:nvSpPr>
+          <p:spPr>
+            <a:xfrm>
+              <a:off x="1926599" y="3134411"/>
+              <a:ext cx="62155" cy="80327"/>
             </a:xfrm>
             <a:prstGeom prst="rect">
               <a:avLst/>
@@ -5009,7 +4871,7 @@
             <a:p>
               <a:pPr algn="l" marL="0" marR="0" indent="0">
                 <a:lnSpc>
-                  <a:spcPts val="1138"/>
+                  <a:spcPts val="880"/>
                 </a:lnSpc>
                 <a:spcBef>
                   <a:spcPts val="0"/>
@@ -5019,30 +4881,30 @@
                 </a:spcAft>
               </a:pPr>
               <a:r>
-                <a:rPr sz="1138">
+                <a:rPr sz="880" b="1">
                   <a:solidFill>
-                    <a:srgbClr val="FFFFFF">
+                    <a:srgbClr val="4D4D4D">
                       <a:alpha val="100000"/>
                     </a:srgbClr>
                   </a:solidFill>
                   <a:latin typeface="Arial"/>
                   <a:cs typeface="Arial"/>
                 </a:rPr>
-                <a:t>88.1%</a:t>
+                <a:t>4</a:t>
               </a:r>
             </a:p>
           </p:txBody>
         </p:sp>
         <p:sp>
           <p:nvSpPr>
-            <p:cNvPr id="22" name="tx22"/>
-            <p:cNvSpPr/>
-            <p:nvPr/>
-          </p:nvSpPr>
-          <p:spPr>
-            <a:xfrm>
-              <a:off x="4937475" y="2822272"/>
-              <a:ext cx="329449" cy="109040"/>
+            <p:cNvPr id="48" name="tx48"/>
+            <p:cNvSpPr/>
+            <p:nvPr/>
+          </p:nvSpPr>
+          <p:spPr>
+            <a:xfrm>
+              <a:off x="1926599" y="2693013"/>
+              <a:ext cx="62155" cy="81691"/>
             </a:xfrm>
             <a:prstGeom prst="rect">
               <a:avLst/>
@@ -5055,7 +4917,7 @@
             <a:p>
               <a:pPr algn="l" marL="0" marR="0" indent="0">
                 <a:lnSpc>
-                  <a:spcPts val="1138"/>
+                  <a:spcPts val="880"/>
                 </a:lnSpc>
                 <a:spcBef>
                   <a:spcPts val="0"/>
@@ -5065,30 +4927,30 @@
                 </a:spcAft>
               </a:pPr>
               <a:r>
-                <a:rPr sz="1138">
+                <a:rPr sz="880" b="1">
                   <a:solidFill>
-                    <a:srgbClr val="FFFFFF">
+                    <a:srgbClr val="4D4D4D">
                       <a:alpha val="100000"/>
                     </a:srgbClr>
                   </a:solidFill>
                   <a:latin typeface="Arial"/>
                   <a:cs typeface="Arial"/>
                 </a:rPr>
-                <a:t>4.6%</a:t>
+                <a:t>3</a:t>
               </a:r>
             </a:p>
           </p:txBody>
         </p:sp>
         <p:sp>
           <p:nvSpPr>
-            <p:cNvPr id="23" name="tx23"/>
-            <p:cNvSpPr/>
-            <p:nvPr/>
-          </p:nvSpPr>
-          <p:spPr>
-            <a:xfrm>
-              <a:off x="5255416" y="2932322"/>
-              <a:ext cx="329449" cy="109040"/>
+            <p:cNvPr id="49" name="tx49"/>
+            <p:cNvSpPr/>
+            <p:nvPr/>
+          </p:nvSpPr>
+          <p:spPr>
+            <a:xfrm>
+              <a:off x="1926599" y="2254343"/>
+              <a:ext cx="62155" cy="80327"/>
             </a:xfrm>
             <a:prstGeom prst="rect">
               <a:avLst/>
@@ -5101,7 +4963,7 @@
             <a:p>
               <a:pPr algn="l" marL="0" marR="0" indent="0">
                 <a:lnSpc>
-                  <a:spcPts val="1138"/>
+                  <a:spcPts val="880"/>
                 </a:lnSpc>
                 <a:spcBef>
                   <a:spcPts val="0"/>
@@ -5111,30 +4973,30 @@
                 </a:spcAft>
               </a:pPr>
               <a:r>
-                <a:rPr sz="1138">
+                <a:rPr sz="880" b="1">
                   <a:solidFill>
-                    <a:srgbClr val="FFFFFF">
+                    <a:srgbClr val="4D4D4D">
                       <a:alpha val="100000"/>
                     </a:srgbClr>
                   </a:solidFill>
                   <a:latin typeface="Arial"/>
                   <a:cs typeface="Arial"/>
                 </a:rPr>
-                <a:t>7.3%</a:t>
+                <a:t>2</a:t>
               </a:r>
             </a:p>
           </p:txBody>
         </p:sp>
         <p:sp>
           <p:nvSpPr>
-            <p:cNvPr id="24" name="tx24"/>
-            <p:cNvSpPr/>
-            <p:nvPr/>
-          </p:nvSpPr>
-          <p:spPr>
-            <a:xfrm>
-              <a:off x="4435099" y="4558361"/>
-              <a:ext cx="409835" cy="109040"/>
+            <p:cNvPr id="50" name="tx50"/>
+            <p:cNvSpPr/>
+            <p:nvPr/>
+          </p:nvSpPr>
+          <p:spPr>
+            <a:xfrm>
+              <a:off x="1926599" y="1814310"/>
+              <a:ext cx="62155" cy="80327"/>
             </a:xfrm>
             <a:prstGeom prst="rect">
               <a:avLst/>
@@ -5147,7 +5009,7 @@
             <a:p>
               <a:pPr algn="l" marL="0" marR="0" indent="0">
                 <a:lnSpc>
-                  <a:spcPts val="1138"/>
+                  <a:spcPts val="880"/>
                 </a:lnSpc>
                 <a:spcBef>
                   <a:spcPts val="0"/>
@@ -5157,1565 +5019,52 @@
                 </a:spcAft>
               </a:pPr>
               <a:r>
-                <a:rPr sz="1138">
+                <a:rPr sz="880" b="1">
                   <a:solidFill>
-                    <a:srgbClr val="FFFFFF">
+                    <a:srgbClr val="4D4D4D">
                       <a:alpha val="100000"/>
                     </a:srgbClr>
                   </a:solidFill>
                   <a:latin typeface="Arial"/>
                   <a:cs typeface="Arial"/>
                 </a:rPr>
-                <a:t>88.1%</a:t>
+                <a:t>1</a:t>
               </a:r>
             </a:p>
           </p:txBody>
         </p:sp>
         <p:sp>
           <p:nvSpPr>
-            <p:cNvPr id="25" name="tx25"/>
-            <p:cNvSpPr/>
-            <p:nvPr/>
-          </p:nvSpPr>
-          <p:spPr>
-            <a:xfrm>
-              <a:off x="4935232" y="2825628"/>
-              <a:ext cx="329449" cy="109040"/>
-            </a:xfrm>
-            <a:prstGeom prst="rect">
-              <a:avLst/>
-            </a:prstGeom>
-            <a:noFill/>
-          </p:spPr>
-          <p:txBody>
-            <a:bodyPr lIns="0" rIns="0" tIns="0" bIns="0" anchorCtr="1" anchor="ctr" wrap="none"/>
-            <a:lstStyle/>
-            <a:p>
-              <a:pPr algn="l" marL="0" marR="0" indent="0">
-                <a:lnSpc>
-                  <a:spcPts val="1138"/>
-                </a:lnSpc>
-                <a:spcBef>
-                  <a:spcPts val="0"/>
-                </a:spcBef>
-                <a:spcAft>
-                  <a:spcPts val="0"/>
-                </a:spcAft>
-              </a:pPr>
-              <a:r>
-                <a:rPr sz="1138">
-                  <a:solidFill>
-                    <a:srgbClr val="FFFFFF">
-                      <a:alpha val="100000"/>
-                    </a:srgbClr>
-                  </a:solidFill>
-                  <a:latin typeface="Arial"/>
-                  <a:cs typeface="Arial"/>
-                </a:rPr>
-                <a:t>4.6%</a:t>
-              </a:r>
-            </a:p>
-          </p:txBody>
-        </p:sp>
-        <p:sp>
-          <p:nvSpPr>
-            <p:cNvPr id="26" name="tx26"/>
-            <p:cNvSpPr/>
-            <p:nvPr/>
-          </p:nvSpPr>
-          <p:spPr>
-            <a:xfrm>
-              <a:off x="5253173" y="2935678"/>
-              <a:ext cx="329449" cy="109040"/>
-            </a:xfrm>
-            <a:prstGeom prst="rect">
-              <a:avLst/>
-            </a:prstGeom>
-            <a:noFill/>
-          </p:spPr>
-          <p:txBody>
-            <a:bodyPr lIns="0" rIns="0" tIns="0" bIns="0" anchorCtr="1" anchor="ctr" wrap="none"/>
-            <a:lstStyle/>
-            <a:p>
-              <a:pPr algn="l" marL="0" marR="0" indent="0">
-                <a:lnSpc>
-                  <a:spcPts val="1138"/>
-                </a:lnSpc>
-                <a:spcBef>
-                  <a:spcPts val="0"/>
-                </a:spcBef>
-                <a:spcAft>
-                  <a:spcPts val="0"/>
-                </a:spcAft>
-              </a:pPr>
-              <a:r>
-                <a:rPr sz="1138">
-                  <a:solidFill>
-                    <a:srgbClr val="FFFFFF">
-                      <a:alpha val="100000"/>
-                    </a:srgbClr>
-                  </a:solidFill>
-                  <a:latin typeface="Arial"/>
-                  <a:cs typeface="Arial"/>
-                </a:rPr>
-                <a:t>7.3%</a:t>
-              </a:r>
-            </a:p>
-          </p:txBody>
-        </p:sp>
-        <p:sp>
-          <p:nvSpPr>
-            <p:cNvPr id="27" name="tx27"/>
-            <p:cNvSpPr/>
-            <p:nvPr/>
-          </p:nvSpPr>
-          <p:spPr>
-            <a:xfrm>
-              <a:off x="4432856" y="4561718"/>
-              <a:ext cx="409835" cy="109040"/>
-            </a:xfrm>
-            <a:prstGeom prst="rect">
-              <a:avLst/>
-            </a:prstGeom>
-            <a:noFill/>
-          </p:spPr>
-          <p:txBody>
-            <a:bodyPr lIns="0" rIns="0" tIns="0" bIns="0" anchorCtr="1" anchor="ctr" wrap="none"/>
-            <a:lstStyle/>
-            <a:p>
-              <a:pPr algn="l" marL="0" marR="0" indent="0">
-                <a:lnSpc>
-                  <a:spcPts val="1138"/>
-                </a:lnSpc>
-                <a:spcBef>
-                  <a:spcPts val="0"/>
-                </a:spcBef>
-                <a:spcAft>
-                  <a:spcPts val="0"/>
-                </a:spcAft>
-              </a:pPr>
-              <a:r>
-                <a:rPr sz="1138">
-                  <a:solidFill>
-                    <a:srgbClr val="FFFFFF">
-                      <a:alpha val="100000"/>
-                    </a:srgbClr>
-                  </a:solidFill>
-                  <a:latin typeface="Arial"/>
-                  <a:cs typeface="Arial"/>
-                </a:rPr>
-                <a:t>88.1%</a:t>
-              </a:r>
-            </a:p>
-          </p:txBody>
-        </p:sp>
-        <p:sp>
-          <p:nvSpPr>
-            <p:cNvPr id="28" name="tx28"/>
-            <p:cNvSpPr/>
-            <p:nvPr/>
-          </p:nvSpPr>
-          <p:spPr>
-            <a:xfrm>
-              <a:off x="4934445" y="2829588"/>
-              <a:ext cx="329449" cy="109040"/>
-            </a:xfrm>
-            <a:prstGeom prst="rect">
-              <a:avLst/>
-            </a:prstGeom>
-            <a:noFill/>
-          </p:spPr>
-          <p:txBody>
-            <a:bodyPr lIns="0" rIns="0" tIns="0" bIns="0" anchorCtr="1" anchor="ctr" wrap="none"/>
-            <a:lstStyle/>
-            <a:p>
-              <a:pPr algn="l" marL="0" marR="0" indent="0">
-                <a:lnSpc>
-                  <a:spcPts val="1138"/>
-                </a:lnSpc>
-                <a:spcBef>
-                  <a:spcPts val="0"/>
-                </a:spcBef>
-                <a:spcAft>
-                  <a:spcPts val="0"/>
-                </a:spcAft>
-              </a:pPr>
-              <a:r>
-                <a:rPr sz="1138">
-                  <a:solidFill>
-                    <a:srgbClr val="FFFFFF">
-                      <a:alpha val="100000"/>
-                    </a:srgbClr>
-                  </a:solidFill>
-                  <a:latin typeface="Arial"/>
-                  <a:cs typeface="Arial"/>
-                </a:rPr>
-                <a:t>4.6%</a:t>
-              </a:r>
-            </a:p>
-          </p:txBody>
-        </p:sp>
-        <p:sp>
-          <p:nvSpPr>
-            <p:cNvPr id="29" name="tx29"/>
-            <p:cNvSpPr/>
-            <p:nvPr/>
-          </p:nvSpPr>
-          <p:spPr>
-            <a:xfrm>
-              <a:off x="5252385" y="2939638"/>
-              <a:ext cx="329449" cy="109040"/>
-            </a:xfrm>
-            <a:prstGeom prst="rect">
-              <a:avLst/>
-            </a:prstGeom>
-            <a:noFill/>
-          </p:spPr>
-          <p:txBody>
-            <a:bodyPr lIns="0" rIns="0" tIns="0" bIns="0" anchorCtr="1" anchor="ctr" wrap="none"/>
-            <a:lstStyle/>
-            <a:p>
-              <a:pPr algn="l" marL="0" marR="0" indent="0">
-                <a:lnSpc>
-                  <a:spcPts val="1138"/>
-                </a:lnSpc>
-                <a:spcBef>
-                  <a:spcPts val="0"/>
-                </a:spcBef>
-                <a:spcAft>
-                  <a:spcPts val="0"/>
-                </a:spcAft>
-              </a:pPr>
-              <a:r>
-                <a:rPr sz="1138">
-                  <a:solidFill>
-                    <a:srgbClr val="FFFFFF">
-                      <a:alpha val="100000"/>
-                    </a:srgbClr>
-                  </a:solidFill>
-                  <a:latin typeface="Arial"/>
-                  <a:cs typeface="Arial"/>
-                </a:rPr>
-                <a:t>7.3%</a:t>
-              </a:r>
-            </a:p>
-          </p:txBody>
-        </p:sp>
-        <p:sp>
-          <p:nvSpPr>
-            <p:cNvPr id="30" name="tx30"/>
-            <p:cNvSpPr/>
-            <p:nvPr/>
-          </p:nvSpPr>
-          <p:spPr>
-            <a:xfrm>
-              <a:off x="4432069" y="4565677"/>
-              <a:ext cx="409835" cy="109040"/>
-            </a:xfrm>
-            <a:prstGeom prst="rect">
-              <a:avLst/>
-            </a:prstGeom>
-            <a:noFill/>
-          </p:spPr>
-          <p:txBody>
-            <a:bodyPr lIns="0" rIns="0" tIns="0" bIns="0" anchorCtr="1" anchor="ctr" wrap="none"/>
-            <a:lstStyle/>
-            <a:p>
-              <a:pPr algn="l" marL="0" marR="0" indent="0">
-                <a:lnSpc>
-                  <a:spcPts val="1138"/>
-                </a:lnSpc>
-                <a:spcBef>
-                  <a:spcPts val="0"/>
-                </a:spcBef>
-                <a:spcAft>
-                  <a:spcPts val="0"/>
-                </a:spcAft>
-              </a:pPr>
-              <a:r>
-                <a:rPr sz="1138">
-                  <a:solidFill>
-                    <a:srgbClr val="FFFFFF">
-                      <a:alpha val="100000"/>
-                    </a:srgbClr>
-                  </a:solidFill>
-                  <a:latin typeface="Arial"/>
-                  <a:cs typeface="Arial"/>
-                </a:rPr>
-                <a:t>88.1%</a:t>
-              </a:r>
-            </a:p>
-          </p:txBody>
-        </p:sp>
-        <p:sp>
-          <p:nvSpPr>
-            <p:cNvPr id="31" name="tx31"/>
-            <p:cNvSpPr/>
-            <p:nvPr/>
-          </p:nvSpPr>
-          <p:spPr>
-            <a:xfrm>
-              <a:off x="4935232" y="2833547"/>
-              <a:ext cx="329449" cy="109040"/>
-            </a:xfrm>
-            <a:prstGeom prst="rect">
-              <a:avLst/>
-            </a:prstGeom>
-            <a:noFill/>
-          </p:spPr>
-          <p:txBody>
-            <a:bodyPr lIns="0" rIns="0" tIns="0" bIns="0" anchorCtr="1" anchor="ctr" wrap="none"/>
-            <a:lstStyle/>
-            <a:p>
-              <a:pPr algn="l" marL="0" marR="0" indent="0">
-                <a:lnSpc>
-                  <a:spcPts val="1138"/>
-                </a:lnSpc>
-                <a:spcBef>
-                  <a:spcPts val="0"/>
-                </a:spcBef>
-                <a:spcAft>
-                  <a:spcPts val="0"/>
-                </a:spcAft>
-              </a:pPr>
-              <a:r>
-                <a:rPr sz="1138">
-                  <a:solidFill>
-                    <a:srgbClr val="FFFFFF">
-                      <a:alpha val="100000"/>
-                    </a:srgbClr>
-                  </a:solidFill>
-                  <a:latin typeface="Arial"/>
-                  <a:cs typeface="Arial"/>
-                </a:rPr>
-                <a:t>4.6%</a:t>
-              </a:r>
-            </a:p>
-          </p:txBody>
-        </p:sp>
-        <p:sp>
-          <p:nvSpPr>
-            <p:cNvPr id="32" name="tx32"/>
-            <p:cNvSpPr/>
-            <p:nvPr/>
-          </p:nvSpPr>
-          <p:spPr>
-            <a:xfrm>
-              <a:off x="5253173" y="2943597"/>
-              <a:ext cx="329449" cy="109040"/>
-            </a:xfrm>
-            <a:prstGeom prst="rect">
-              <a:avLst/>
-            </a:prstGeom>
-            <a:noFill/>
-          </p:spPr>
-          <p:txBody>
-            <a:bodyPr lIns="0" rIns="0" tIns="0" bIns="0" anchorCtr="1" anchor="ctr" wrap="none"/>
-            <a:lstStyle/>
-            <a:p>
-              <a:pPr algn="l" marL="0" marR="0" indent="0">
-                <a:lnSpc>
-                  <a:spcPts val="1138"/>
-                </a:lnSpc>
-                <a:spcBef>
-                  <a:spcPts val="0"/>
-                </a:spcBef>
-                <a:spcAft>
-                  <a:spcPts val="0"/>
-                </a:spcAft>
-              </a:pPr>
-              <a:r>
-                <a:rPr sz="1138">
-                  <a:solidFill>
-                    <a:srgbClr val="FFFFFF">
-                      <a:alpha val="100000"/>
-                    </a:srgbClr>
-                  </a:solidFill>
-                  <a:latin typeface="Arial"/>
-                  <a:cs typeface="Arial"/>
-                </a:rPr>
-                <a:t>7.3%</a:t>
-              </a:r>
-            </a:p>
-          </p:txBody>
-        </p:sp>
-        <p:sp>
-          <p:nvSpPr>
-            <p:cNvPr id="33" name="tx33"/>
-            <p:cNvSpPr/>
-            <p:nvPr/>
-          </p:nvSpPr>
-          <p:spPr>
-            <a:xfrm>
-              <a:off x="4432856" y="4569637"/>
-              <a:ext cx="409835" cy="109040"/>
-            </a:xfrm>
-            <a:prstGeom prst="rect">
-              <a:avLst/>
-            </a:prstGeom>
-            <a:noFill/>
-          </p:spPr>
-          <p:txBody>
-            <a:bodyPr lIns="0" rIns="0" tIns="0" bIns="0" anchorCtr="1" anchor="ctr" wrap="none"/>
-            <a:lstStyle/>
-            <a:p>
-              <a:pPr algn="l" marL="0" marR="0" indent="0">
-                <a:lnSpc>
-                  <a:spcPts val="1138"/>
-                </a:lnSpc>
-                <a:spcBef>
-                  <a:spcPts val="0"/>
-                </a:spcBef>
-                <a:spcAft>
-                  <a:spcPts val="0"/>
-                </a:spcAft>
-              </a:pPr>
-              <a:r>
-                <a:rPr sz="1138">
-                  <a:solidFill>
-                    <a:srgbClr val="FFFFFF">
-                      <a:alpha val="100000"/>
-                    </a:srgbClr>
-                  </a:solidFill>
-                  <a:latin typeface="Arial"/>
-                  <a:cs typeface="Arial"/>
-                </a:rPr>
-                <a:t>88.1%</a:t>
-              </a:r>
-            </a:p>
-          </p:txBody>
-        </p:sp>
-        <p:sp>
-          <p:nvSpPr>
-            <p:cNvPr id="34" name="tx34"/>
-            <p:cNvSpPr/>
-            <p:nvPr/>
-          </p:nvSpPr>
-          <p:spPr>
-            <a:xfrm>
-              <a:off x="4937475" y="2836904"/>
-              <a:ext cx="329449" cy="109040"/>
-            </a:xfrm>
-            <a:prstGeom prst="rect">
-              <a:avLst/>
-            </a:prstGeom>
-            <a:noFill/>
-          </p:spPr>
-          <p:txBody>
-            <a:bodyPr lIns="0" rIns="0" tIns="0" bIns="0" anchorCtr="1" anchor="ctr" wrap="none"/>
-            <a:lstStyle/>
-            <a:p>
-              <a:pPr algn="l" marL="0" marR="0" indent="0">
-                <a:lnSpc>
-                  <a:spcPts val="1138"/>
-                </a:lnSpc>
-                <a:spcBef>
-                  <a:spcPts val="0"/>
-                </a:spcBef>
-                <a:spcAft>
-                  <a:spcPts val="0"/>
-                </a:spcAft>
-              </a:pPr>
-              <a:r>
-                <a:rPr sz="1138">
-                  <a:solidFill>
-                    <a:srgbClr val="FFFFFF">
-                      <a:alpha val="100000"/>
-                    </a:srgbClr>
-                  </a:solidFill>
-                  <a:latin typeface="Arial"/>
-                  <a:cs typeface="Arial"/>
-                </a:rPr>
-                <a:t>4.6%</a:t>
-              </a:r>
-            </a:p>
-          </p:txBody>
-        </p:sp>
-        <p:sp>
-          <p:nvSpPr>
-            <p:cNvPr id="35" name="tx35"/>
-            <p:cNvSpPr/>
-            <p:nvPr/>
-          </p:nvSpPr>
-          <p:spPr>
-            <a:xfrm>
-              <a:off x="5255416" y="2946954"/>
-              <a:ext cx="329449" cy="109040"/>
-            </a:xfrm>
-            <a:prstGeom prst="rect">
-              <a:avLst/>
-            </a:prstGeom>
-            <a:noFill/>
-          </p:spPr>
-          <p:txBody>
-            <a:bodyPr lIns="0" rIns="0" tIns="0" bIns="0" anchorCtr="1" anchor="ctr" wrap="none"/>
-            <a:lstStyle/>
-            <a:p>
-              <a:pPr algn="l" marL="0" marR="0" indent="0">
-                <a:lnSpc>
-                  <a:spcPts val="1138"/>
-                </a:lnSpc>
-                <a:spcBef>
-                  <a:spcPts val="0"/>
-                </a:spcBef>
-                <a:spcAft>
-                  <a:spcPts val="0"/>
-                </a:spcAft>
-              </a:pPr>
-              <a:r>
-                <a:rPr sz="1138">
-                  <a:solidFill>
-                    <a:srgbClr val="FFFFFF">
-                      <a:alpha val="100000"/>
-                    </a:srgbClr>
-                  </a:solidFill>
-                  <a:latin typeface="Arial"/>
-                  <a:cs typeface="Arial"/>
-                </a:rPr>
-                <a:t>7.3%</a:t>
-              </a:r>
-            </a:p>
-          </p:txBody>
-        </p:sp>
-        <p:sp>
-          <p:nvSpPr>
-            <p:cNvPr id="36" name="tx36"/>
-            <p:cNvSpPr/>
-            <p:nvPr/>
-          </p:nvSpPr>
-          <p:spPr>
-            <a:xfrm>
-              <a:off x="4435099" y="4572993"/>
-              <a:ext cx="409835" cy="109040"/>
-            </a:xfrm>
-            <a:prstGeom prst="rect">
-              <a:avLst/>
-            </a:prstGeom>
-            <a:noFill/>
-          </p:spPr>
-          <p:txBody>
-            <a:bodyPr lIns="0" rIns="0" tIns="0" bIns="0" anchorCtr="1" anchor="ctr" wrap="none"/>
-            <a:lstStyle/>
-            <a:p>
-              <a:pPr algn="l" marL="0" marR="0" indent="0">
-                <a:lnSpc>
-                  <a:spcPts val="1138"/>
-                </a:lnSpc>
-                <a:spcBef>
-                  <a:spcPts val="0"/>
-                </a:spcBef>
-                <a:spcAft>
-                  <a:spcPts val="0"/>
-                </a:spcAft>
-              </a:pPr>
-              <a:r>
-                <a:rPr sz="1138">
-                  <a:solidFill>
-                    <a:srgbClr val="FFFFFF">
-                      <a:alpha val="100000"/>
-                    </a:srgbClr>
-                  </a:solidFill>
-                  <a:latin typeface="Arial"/>
-                  <a:cs typeface="Arial"/>
-                </a:rPr>
-                <a:t>88.1%</a:t>
-              </a:r>
-            </a:p>
-          </p:txBody>
-        </p:sp>
-        <p:sp>
-          <p:nvSpPr>
-            <p:cNvPr id="37" name="tx37"/>
-            <p:cNvSpPr/>
-            <p:nvPr/>
-          </p:nvSpPr>
-          <p:spPr>
-            <a:xfrm>
-              <a:off x="4940832" y="2839147"/>
-              <a:ext cx="329449" cy="109040"/>
-            </a:xfrm>
-            <a:prstGeom prst="rect">
-              <a:avLst/>
-            </a:prstGeom>
-            <a:noFill/>
-          </p:spPr>
-          <p:txBody>
-            <a:bodyPr lIns="0" rIns="0" tIns="0" bIns="0" anchorCtr="1" anchor="ctr" wrap="none"/>
-            <a:lstStyle/>
-            <a:p>
-              <a:pPr algn="l" marL="0" marR="0" indent="0">
-                <a:lnSpc>
-                  <a:spcPts val="1138"/>
-                </a:lnSpc>
-                <a:spcBef>
-                  <a:spcPts val="0"/>
-                </a:spcBef>
-                <a:spcAft>
-                  <a:spcPts val="0"/>
-                </a:spcAft>
-              </a:pPr>
-              <a:r>
-                <a:rPr sz="1138">
-                  <a:solidFill>
-                    <a:srgbClr val="FFFFFF">
-                      <a:alpha val="100000"/>
-                    </a:srgbClr>
-                  </a:solidFill>
-                  <a:latin typeface="Arial"/>
-                  <a:cs typeface="Arial"/>
-                </a:rPr>
-                <a:t>4.6%</a:t>
-              </a:r>
-            </a:p>
-          </p:txBody>
-        </p:sp>
-        <p:sp>
-          <p:nvSpPr>
-            <p:cNvPr id="38" name="tx38"/>
-            <p:cNvSpPr/>
-            <p:nvPr/>
-          </p:nvSpPr>
-          <p:spPr>
-            <a:xfrm>
-              <a:off x="5258772" y="2949196"/>
-              <a:ext cx="329449" cy="109040"/>
-            </a:xfrm>
-            <a:prstGeom prst="rect">
-              <a:avLst/>
-            </a:prstGeom>
-            <a:noFill/>
-          </p:spPr>
-          <p:txBody>
-            <a:bodyPr lIns="0" rIns="0" tIns="0" bIns="0" anchorCtr="1" anchor="ctr" wrap="none"/>
-            <a:lstStyle/>
-            <a:p>
-              <a:pPr algn="l" marL="0" marR="0" indent="0">
-                <a:lnSpc>
-                  <a:spcPts val="1138"/>
-                </a:lnSpc>
-                <a:spcBef>
-                  <a:spcPts val="0"/>
-                </a:spcBef>
-                <a:spcAft>
-                  <a:spcPts val="0"/>
-                </a:spcAft>
-              </a:pPr>
-              <a:r>
-                <a:rPr sz="1138">
-                  <a:solidFill>
-                    <a:srgbClr val="FFFFFF">
-                      <a:alpha val="100000"/>
-                    </a:srgbClr>
-                  </a:solidFill>
-                  <a:latin typeface="Arial"/>
-                  <a:cs typeface="Arial"/>
-                </a:rPr>
-                <a:t>7.3%</a:t>
-              </a:r>
-            </a:p>
-          </p:txBody>
-        </p:sp>
-        <p:sp>
-          <p:nvSpPr>
-            <p:cNvPr id="39" name="tx39"/>
-            <p:cNvSpPr/>
-            <p:nvPr/>
-          </p:nvSpPr>
-          <p:spPr>
-            <a:xfrm>
-              <a:off x="4438456" y="4575236"/>
-              <a:ext cx="409835" cy="109040"/>
-            </a:xfrm>
-            <a:prstGeom prst="rect">
-              <a:avLst/>
-            </a:prstGeom>
-            <a:noFill/>
-          </p:spPr>
-          <p:txBody>
-            <a:bodyPr lIns="0" rIns="0" tIns="0" bIns="0" anchorCtr="1" anchor="ctr" wrap="none"/>
-            <a:lstStyle/>
-            <a:p>
-              <a:pPr algn="l" marL="0" marR="0" indent="0">
-                <a:lnSpc>
-                  <a:spcPts val="1138"/>
-                </a:lnSpc>
-                <a:spcBef>
-                  <a:spcPts val="0"/>
-                </a:spcBef>
-                <a:spcAft>
-                  <a:spcPts val="0"/>
-                </a:spcAft>
-              </a:pPr>
-              <a:r>
-                <a:rPr sz="1138">
-                  <a:solidFill>
-                    <a:srgbClr val="FFFFFF">
-                      <a:alpha val="100000"/>
-                    </a:srgbClr>
-                  </a:solidFill>
-                  <a:latin typeface="Arial"/>
-                  <a:cs typeface="Arial"/>
-                </a:rPr>
-                <a:t>88.1%</a:t>
-              </a:r>
-            </a:p>
-          </p:txBody>
-        </p:sp>
-        <p:sp>
-          <p:nvSpPr>
-            <p:cNvPr id="40" name="tx40"/>
-            <p:cNvSpPr/>
-            <p:nvPr/>
-          </p:nvSpPr>
-          <p:spPr>
-            <a:xfrm>
-              <a:off x="4944791" y="2839934"/>
-              <a:ext cx="329449" cy="109040"/>
-            </a:xfrm>
-            <a:prstGeom prst="rect">
-              <a:avLst/>
-            </a:prstGeom>
-            <a:noFill/>
-          </p:spPr>
-          <p:txBody>
-            <a:bodyPr lIns="0" rIns="0" tIns="0" bIns="0" anchorCtr="1" anchor="ctr" wrap="none"/>
-            <a:lstStyle/>
-            <a:p>
-              <a:pPr algn="l" marL="0" marR="0" indent="0">
-                <a:lnSpc>
-                  <a:spcPts val="1138"/>
-                </a:lnSpc>
-                <a:spcBef>
-                  <a:spcPts val="0"/>
-                </a:spcBef>
-                <a:spcAft>
-                  <a:spcPts val="0"/>
-                </a:spcAft>
-              </a:pPr>
-              <a:r>
-                <a:rPr sz="1138">
-                  <a:solidFill>
-                    <a:srgbClr val="FFFFFF">
-                      <a:alpha val="100000"/>
-                    </a:srgbClr>
-                  </a:solidFill>
-                  <a:latin typeface="Arial"/>
-                  <a:cs typeface="Arial"/>
-                </a:rPr>
-                <a:t>4.6%</a:t>
-              </a:r>
-            </a:p>
-          </p:txBody>
-        </p:sp>
-        <p:sp>
-          <p:nvSpPr>
-            <p:cNvPr id="41" name="tx41"/>
-            <p:cNvSpPr/>
-            <p:nvPr/>
-          </p:nvSpPr>
-          <p:spPr>
-            <a:xfrm>
-              <a:off x="5262732" y="2949984"/>
-              <a:ext cx="329449" cy="109040"/>
-            </a:xfrm>
-            <a:prstGeom prst="rect">
-              <a:avLst/>
-            </a:prstGeom>
-            <a:noFill/>
-          </p:spPr>
-          <p:txBody>
-            <a:bodyPr lIns="0" rIns="0" tIns="0" bIns="0" anchorCtr="1" anchor="ctr" wrap="none"/>
-            <a:lstStyle/>
-            <a:p>
-              <a:pPr algn="l" marL="0" marR="0" indent="0">
-                <a:lnSpc>
-                  <a:spcPts val="1138"/>
-                </a:lnSpc>
-                <a:spcBef>
-                  <a:spcPts val="0"/>
-                </a:spcBef>
-                <a:spcAft>
-                  <a:spcPts val="0"/>
-                </a:spcAft>
-              </a:pPr>
-              <a:r>
-                <a:rPr sz="1138">
-                  <a:solidFill>
-                    <a:srgbClr val="FFFFFF">
-                      <a:alpha val="100000"/>
-                    </a:srgbClr>
-                  </a:solidFill>
-                  <a:latin typeface="Arial"/>
-                  <a:cs typeface="Arial"/>
-                </a:rPr>
-                <a:t>7.3%</a:t>
-              </a:r>
-            </a:p>
-          </p:txBody>
-        </p:sp>
-        <p:sp>
-          <p:nvSpPr>
-            <p:cNvPr id="42" name="tx42"/>
-            <p:cNvSpPr/>
-            <p:nvPr/>
-          </p:nvSpPr>
-          <p:spPr>
-            <a:xfrm>
-              <a:off x="4442415" y="4576024"/>
-              <a:ext cx="409835" cy="109040"/>
-            </a:xfrm>
-            <a:prstGeom prst="rect">
-              <a:avLst/>
-            </a:prstGeom>
-            <a:noFill/>
-          </p:spPr>
-          <p:txBody>
-            <a:bodyPr lIns="0" rIns="0" tIns="0" bIns="0" anchorCtr="1" anchor="ctr" wrap="none"/>
-            <a:lstStyle/>
-            <a:p>
-              <a:pPr algn="l" marL="0" marR="0" indent="0">
-                <a:lnSpc>
-                  <a:spcPts val="1138"/>
-                </a:lnSpc>
-                <a:spcBef>
-                  <a:spcPts val="0"/>
-                </a:spcBef>
-                <a:spcAft>
-                  <a:spcPts val="0"/>
-                </a:spcAft>
-              </a:pPr>
-              <a:r>
-                <a:rPr sz="1138">
-                  <a:solidFill>
-                    <a:srgbClr val="FFFFFF">
-                      <a:alpha val="100000"/>
-                    </a:srgbClr>
-                  </a:solidFill>
-                  <a:latin typeface="Arial"/>
-                  <a:cs typeface="Arial"/>
-                </a:rPr>
-                <a:t>88.1%</a:t>
-              </a:r>
-            </a:p>
-          </p:txBody>
-        </p:sp>
-        <p:sp>
-          <p:nvSpPr>
-            <p:cNvPr id="43" name="tx43"/>
-            <p:cNvSpPr/>
-            <p:nvPr/>
-          </p:nvSpPr>
-          <p:spPr>
-            <a:xfrm>
-              <a:off x="4948751" y="2839147"/>
-              <a:ext cx="329449" cy="109040"/>
-            </a:xfrm>
-            <a:prstGeom prst="rect">
-              <a:avLst/>
-            </a:prstGeom>
-            <a:noFill/>
-          </p:spPr>
-          <p:txBody>
-            <a:bodyPr lIns="0" rIns="0" tIns="0" bIns="0" anchorCtr="1" anchor="ctr" wrap="none"/>
-            <a:lstStyle/>
-            <a:p>
-              <a:pPr algn="l" marL="0" marR="0" indent="0">
-                <a:lnSpc>
-                  <a:spcPts val="1138"/>
-                </a:lnSpc>
-                <a:spcBef>
-                  <a:spcPts val="0"/>
-                </a:spcBef>
-                <a:spcAft>
-                  <a:spcPts val="0"/>
-                </a:spcAft>
-              </a:pPr>
-              <a:r>
-                <a:rPr sz="1138">
-                  <a:solidFill>
-                    <a:srgbClr val="FFFFFF">
-                      <a:alpha val="100000"/>
-                    </a:srgbClr>
-                  </a:solidFill>
-                  <a:latin typeface="Arial"/>
-                  <a:cs typeface="Arial"/>
-                </a:rPr>
-                <a:t>4.6%</a:t>
-              </a:r>
-            </a:p>
-          </p:txBody>
-        </p:sp>
-        <p:sp>
-          <p:nvSpPr>
-            <p:cNvPr id="44" name="tx44"/>
-            <p:cNvSpPr/>
-            <p:nvPr/>
-          </p:nvSpPr>
-          <p:spPr>
-            <a:xfrm>
-              <a:off x="5266691" y="2949196"/>
-              <a:ext cx="329449" cy="109040"/>
-            </a:xfrm>
-            <a:prstGeom prst="rect">
-              <a:avLst/>
-            </a:prstGeom>
-            <a:noFill/>
-          </p:spPr>
-          <p:txBody>
-            <a:bodyPr lIns="0" rIns="0" tIns="0" bIns="0" anchorCtr="1" anchor="ctr" wrap="none"/>
-            <a:lstStyle/>
-            <a:p>
-              <a:pPr algn="l" marL="0" marR="0" indent="0">
-                <a:lnSpc>
-                  <a:spcPts val="1138"/>
-                </a:lnSpc>
-                <a:spcBef>
-                  <a:spcPts val="0"/>
-                </a:spcBef>
-                <a:spcAft>
-                  <a:spcPts val="0"/>
-                </a:spcAft>
-              </a:pPr>
-              <a:r>
-                <a:rPr sz="1138">
-                  <a:solidFill>
-                    <a:srgbClr val="FFFFFF">
-                      <a:alpha val="100000"/>
-                    </a:srgbClr>
-                  </a:solidFill>
-                  <a:latin typeface="Arial"/>
-                  <a:cs typeface="Arial"/>
-                </a:rPr>
-                <a:t>7.3%</a:t>
-              </a:r>
-            </a:p>
-          </p:txBody>
-        </p:sp>
-        <p:sp>
-          <p:nvSpPr>
-            <p:cNvPr id="45" name="tx45"/>
-            <p:cNvSpPr/>
-            <p:nvPr/>
-          </p:nvSpPr>
-          <p:spPr>
-            <a:xfrm>
-              <a:off x="4446374" y="4575236"/>
-              <a:ext cx="409835" cy="109040"/>
-            </a:xfrm>
-            <a:prstGeom prst="rect">
-              <a:avLst/>
-            </a:prstGeom>
-            <a:noFill/>
-          </p:spPr>
-          <p:txBody>
-            <a:bodyPr lIns="0" rIns="0" tIns="0" bIns="0" anchorCtr="1" anchor="ctr" wrap="none"/>
-            <a:lstStyle/>
-            <a:p>
-              <a:pPr algn="l" marL="0" marR="0" indent="0">
-                <a:lnSpc>
-                  <a:spcPts val="1138"/>
-                </a:lnSpc>
-                <a:spcBef>
-                  <a:spcPts val="0"/>
-                </a:spcBef>
-                <a:spcAft>
-                  <a:spcPts val="0"/>
-                </a:spcAft>
-              </a:pPr>
-              <a:r>
-                <a:rPr sz="1138">
-                  <a:solidFill>
-                    <a:srgbClr val="FFFFFF">
-                      <a:alpha val="100000"/>
-                    </a:srgbClr>
-                  </a:solidFill>
-                  <a:latin typeface="Arial"/>
-                  <a:cs typeface="Arial"/>
-                </a:rPr>
-                <a:t>88.1%</a:t>
-              </a:r>
-            </a:p>
-          </p:txBody>
-        </p:sp>
-        <p:sp>
-          <p:nvSpPr>
-            <p:cNvPr id="46" name="tx46"/>
-            <p:cNvSpPr/>
-            <p:nvPr/>
-          </p:nvSpPr>
-          <p:spPr>
-            <a:xfrm>
-              <a:off x="4952107" y="2836904"/>
-              <a:ext cx="329449" cy="109040"/>
-            </a:xfrm>
-            <a:prstGeom prst="rect">
-              <a:avLst/>
-            </a:prstGeom>
-            <a:noFill/>
-          </p:spPr>
-          <p:txBody>
-            <a:bodyPr lIns="0" rIns="0" tIns="0" bIns="0" anchorCtr="1" anchor="ctr" wrap="none"/>
-            <a:lstStyle/>
-            <a:p>
-              <a:pPr algn="l" marL="0" marR="0" indent="0">
-                <a:lnSpc>
-                  <a:spcPts val="1138"/>
-                </a:lnSpc>
-                <a:spcBef>
-                  <a:spcPts val="0"/>
-                </a:spcBef>
-                <a:spcAft>
-                  <a:spcPts val="0"/>
-                </a:spcAft>
-              </a:pPr>
-              <a:r>
-                <a:rPr sz="1138">
-                  <a:solidFill>
-                    <a:srgbClr val="FFFFFF">
-                      <a:alpha val="100000"/>
-                    </a:srgbClr>
-                  </a:solidFill>
-                  <a:latin typeface="Arial"/>
-                  <a:cs typeface="Arial"/>
-                </a:rPr>
-                <a:t>4.6%</a:t>
-              </a:r>
-            </a:p>
-          </p:txBody>
-        </p:sp>
-        <p:sp>
-          <p:nvSpPr>
-            <p:cNvPr id="47" name="tx47"/>
-            <p:cNvSpPr/>
-            <p:nvPr/>
-          </p:nvSpPr>
-          <p:spPr>
-            <a:xfrm>
-              <a:off x="5270048" y="2946954"/>
-              <a:ext cx="329449" cy="109040"/>
-            </a:xfrm>
-            <a:prstGeom prst="rect">
-              <a:avLst/>
-            </a:prstGeom>
-            <a:noFill/>
-          </p:spPr>
-          <p:txBody>
-            <a:bodyPr lIns="0" rIns="0" tIns="0" bIns="0" anchorCtr="1" anchor="ctr" wrap="none"/>
-            <a:lstStyle/>
-            <a:p>
-              <a:pPr algn="l" marL="0" marR="0" indent="0">
-                <a:lnSpc>
-                  <a:spcPts val="1138"/>
-                </a:lnSpc>
-                <a:spcBef>
-                  <a:spcPts val="0"/>
-                </a:spcBef>
-                <a:spcAft>
-                  <a:spcPts val="0"/>
-                </a:spcAft>
-              </a:pPr>
-              <a:r>
-                <a:rPr sz="1138">
-                  <a:solidFill>
-                    <a:srgbClr val="FFFFFF">
-                      <a:alpha val="100000"/>
-                    </a:srgbClr>
-                  </a:solidFill>
-                  <a:latin typeface="Arial"/>
-                  <a:cs typeface="Arial"/>
-                </a:rPr>
-                <a:t>7.3%</a:t>
-              </a:r>
-            </a:p>
-          </p:txBody>
-        </p:sp>
-        <p:sp>
-          <p:nvSpPr>
-            <p:cNvPr id="48" name="tx48"/>
-            <p:cNvSpPr/>
-            <p:nvPr/>
-          </p:nvSpPr>
-          <p:spPr>
-            <a:xfrm>
-              <a:off x="4449731" y="4572993"/>
-              <a:ext cx="409835" cy="109040"/>
-            </a:xfrm>
-            <a:prstGeom prst="rect">
-              <a:avLst/>
-            </a:prstGeom>
-            <a:noFill/>
-          </p:spPr>
-          <p:txBody>
-            <a:bodyPr lIns="0" rIns="0" tIns="0" bIns="0" anchorCtr="1" anchor="ctr" wrap="none"/>
-            <a:lstStyle/>
-            <a:p>
-              <a:pPr algn="l" marL="0" marR="0" indent="0">
-                <a:lnSpc>
-                  <a:spcPts val="1138"/>
-                </a:lnSpc>
-                <a:spcBef>
-                  <a:spcPts val="0"/>
-                </a:spcBef>
-                <a:spcAft>
-                  <a:spcPts val="0"/>
-                </a:spcAft>
-              </a:pPr>
-              <a:r>
-                <a:rPr sz="1138">
-                  <a:solidFill>
-                    <a:srgbClr val="FFFFFF">
-                      <a:alpha val="100000"/>
-                    </a:srgbClr>
-                  </a:solidFill>
-                  <a:latin typeface="Arial"/>
-                  <a:cs typeface="Arial"/>
-                </a:rPr>
-                <a:t>88.1%</a:t>
-              </a:r>
-            </a:p>
-          </p:txBody>
-        </p:sp>
-        <p:sp>
-          <p:nvSpPr>
-            <p:cNvPr id="49" name="tx49"/>
-            <p:cNvSpPr/>
-            <p:nvPr/>
-          </p:nvSpPr>
-          <p:spPr>
-            <a:xfrm>
-              <a:off x="4954350" y="2833547"/>
-              <a:ext cx="329449" cy="109040"/>
-            </a:xfrm>
-            <a:prstGeom prst="rect">
-              <a:avLst/>
-            </a:prstGeom>
-            <a:noFill/>
-          </p:spPr>
-          <p:txBody>
-            <a:bodyPr lIns="0" rIns="0" tIns="0" bIns="0" anchorCtr="1" anchor="ctr" wrap="none"/>
-            <a:lstStyle/>
-            <a:p>
-              <a:pPr algn="l" marL="0" marR="0" indent="0">
-                <a:lnSpc>
-                  <a:spcPts val="1138"/>
-                </a:lnSpc>
-                <a:spcBef>
-                  <a:spcPts val="0"/>
-                </a:spcBef>
-                <a:spcAft>
-                  <a:spcPts val="0"/>
-                </a:spcAft>
-              </a:pPr>
-              <a:r>
-                <a:rPr sz="1138">
-                  <a:solidFill>
-                    <a:srgbClr val="FFFFFF">
-                      <a:alpha val="100000"/>
-                    </a:srgbClr>
-                  </a:solidFill>
-                  <a:latin typeface="Arial"/>
-                  <a:cs typeface="Arial"/>
-                </a:rPr>
-                <a:t>4.6%</a:t>
-              </a:r>
-            </a:p>
-          </p:txBody>
-        </p:sp>
-        <p:sp>
-          <p:nvSpPr>
-            <p:cNvPr id="50" name="tx50"/>
-            <p:cNvSpPr/>
-            <p:nvPr/>
-          </p:nvSpPr>
-          <p:spPr>
-            <a:xfrm>
-              <a:off x="5272291" y="2943597"/>
-              <a:ext cx="329449" cy="109040"/>
-            </a:xfrm>
-            <a:prstGeom prst="rect">
-              <a:avLst/>
-            </a:prstGeom>
-            <a:noFill/>
-          </p:spPr>
-          <p:txBody>
-            <a:bodyPr lIns="0" rIns="0" tIns="0" bIns="0" anchorCtr="1" anchor="ctr" wrap="none"/>
-            <a:lstStyle/>
-            <a:p>
-              <a:pPr algn="l" marL="0" marR="0" indent="0">
-                <a:lnSpc>
-                  <a:spcPts val="1138"/>
-                </a:lnSpc>
-                <a:spcBef>
-                  <a:spcPts val="0"/>
-                </a:spcBef>
-                <a:spcAft>
-                  <a:spcPts val="0"/>
-                </a:spcAft>
-              </a:pPr>
-              <a:r>
-                <a:rPr sz="1138">
-                  <a:solidFill>
-                    <a:srgbClr val="FFFFFF">
-                      <a:alpha val="100000"/>
-                    </a:srgbClr>
-                  </a:solidFill>
-                  <a:latin typeface="Arial"/>
-                  <a:cs typeface="Arial"/>
-                </a:rPr>
-                <a:t>7.3%</a:t>
-              </a:r>
-            </a:p>
-          </p:txBody>
-        </p:sp>
-        <p:sp>
-          <p:nvSpPr>
-            <p:cNvPr id="51" name="tx51"/>
-            <p:cNvSpPr/>
-            <p:nvPr/>
-          </p:nvSpPr>
-          <p:spPr>
-            <a:xfrm>
-              <a:off x="4451974" y="4569637"/>
-              <a:ext cx="409835" cy="109040"/>
-            </a:xfrm>
-            <a:prstGeom prst="rect">
-              <a:avLst/>
-            </a:prstGeom>
-            <a:noFill/>
-          </p:spPr>
-          <p:txBody>
-            <a:bodyPr lIns="0" rIns="0" tIns="0" bIns="0" anchorCtr="1" anchor="ctr" wrap="none"/>
-            <a:lstStyle/>
-            <a:p>
-              <a:pPr algn="l" marL="0" marR="0" indent="0">
-                <a:lnSpc>
-                  <a:spcPts val="1138"/>
-                </a:lnSpc>
-                <a:spcBef>
-                  <a:spcPts val="0"/>
-                </a:spcBef>
-                <a:spcAft>
-                  <a:spcPts val="0"/>
-                </a:spcAft>
-              </a:pPr>
-              <a:r>
-                <a:rPr sz="1138">
-                  <a:solidFill>
-                    <a:srgbClr val="FFFFFF">
-                      <a:alpha val="100000"/>
-                    </a:srgbClr>
-                  </a:solidFill>
-                  <a:latin typeface="Arial"/>
-                  <a:cs typeface="Arial"/>
-                </a:rPr>
-                <a:t>88.1%</a:t>
-              </a:r>
-            </a:p>
-          </p:txBody>
-        </p:sp>
-        <p:sp>
-          <p:nvSpPr>
-            <p:cNvPr id="52" name="tx52"/>
-            <p:cNvSpPr/>
-            <p:nvPr/>
-          </p:nvSpPr>
-          <p:spPr>
-            <a:xfrm>
-              <a:off x="4955138" y="2829588"/>
-              <a:ext cx="329449" cy="109040"/>
-            </a:xfrm>
-            <a:prstGeom prst="rect">
-              <a:avLst/>
-            </a:prstGeom>
-            <a:noFill/>
-          </p:spPr>
-          <p:txBody>
-            <a:bodyPr lIns="0" rIns="0" tIns="0" bIns="0" anchorCtr="1" anchor="ctr" wrap="none"/>
-            <a:lstStyle/>
-            <a:p>
-              <a:pPr algn="l" marL="0" marR="0" indent="0">
-                <a:lnSpc>
-                  <a:spcPts val="1138"/>
-                </a:lnSpc>
-                <a:spcBef>
-                  <a:spcPts val="0"/>
-                </a:spcBef>
-                <a:spcAft>
-                  <a:spcPts val="0"/>
-                </a:spcAft>
-              </a:pPr>
-              <a:r>
-                <a:rPr sz="1138">
-                  <a:solidFill>
-                    <a:srgbClr val="FFFFFF">
-                      <a:alpha val="100000"/>
-                    </a:srgbClr>
-                  </a:solidFill>
-                  <a:latin typeface="Arial"/>
-                  <a:cs typeface="Arial"/>
-                </a:rPr>
-                <a:t>4.6%</a:t>
-              </a:r>
-            </a:p>
-          </p:txBody>
-        </p:sp>
-        <p:sp>
-          <p:nvSpPr>
-            <p:cNvPr id="53" name="tx53"/>
-            <p:cNvSpPr/>
-            <p:nvPr/>
-          </p:nvSpPr>
-          <p:spPr>
-            <a:xfrm>
-              <a:off x="5273078" y="2939638"/>
-              <a:ext cx="329449" cy="109040"/>
-            </a:xfrm>
-            <a:prstGeom prst="rect">
-              <a:avLst/>
-            </a:prstGeom>
-            <a:noFill/>
-          </p:spPr>
-          <p:txBody>
-            <a:bodyPr lIns="0" rIns="0" tIns="0" bIns="0" anchorCtr="1" anchor="ctr" wrap="none"/>
-            <a:lstStyle/>
-            <a:p>
-              <a:pPr algn="l" marL="0" marR="0" indent="0">
-                <a:lnSpc>
-                  <a:spcPts val="1138"/>
-                </a:lnSpc>
-                <a:spcBef>
-                  <a:spcPts val="0"/>
-                </a:spcBef>
-                <a:spcAft>
-                  <a:spcPts val="0"/>
-                </a:spcAft>
-              </a:pPr>
-              <a:r>
-                <a:rPr sz="1138">
-                  <a:solidFill>
-                    <a:srgbClr val="FFFFFF">
-                      <a:alpha val="100000"/>
-                    </a:srgbClr>
-                  </a:solidFill>
-                  <a:latin typeface="Arial"/>
-                  <a:cs typeface="Arial"/>
-                </a:rPr>
-                <a:t>7.3%</a:t>
-              </a:r>
-            </a:p>
-          </p:txBody>
-        </p:sp>
-        <p:sp>
-          <p:nvSpPr>
-            <p:cNvPr id="54" name="tx54"/>
-            <p:cNvSpPr/>
-            <p:nvPr/>
-          </p:nvSpPr>
-          <p:spPr>
-            <a:xfrm>
-              <a:off x="4452761" y="4565677"/>
-              <a:ext cx="409835" cy="109040"/>
-            </a:xfrm>
-            <a:prstGeom prst="rect">
-              <a:avLst/>
-            </a:prstGeom>
-            <a:noFill/>
-          </p:spPr>
-          <p:txBody>
-            <a:bodyPr lIns="0" rIns="0" tIns="0" bIns="0" anchorCtr="1" anchor="ctr" wrap="none"/>
-            <a:lstStyle/>
-            <a:p>
-              <a:pPr algn="l" marL="0" marR="0" indent="0">
-                <a:lnSpc>
-                  <a:spcPts val="1138"/>
-                </a:lnSpc>
-                <a:spcBef>
-                  <a:spcPts val="0"/>
-                </a:spcBef>
-                <a:spcAft>
-                  <a:spcPts val="0"/>
-                </a:spcAft>
-              </a:pPr>
-              <a:r>
-                <a:rPr sz="1138">
-                  <a:solidFill>
-                    <a:srgbClr val="FFFFFF">
-                      <a:alpha val="100000"/>
-                    </a:srgbClr>
-                  </a:solidFill>
-                  <a:latin typeface="Arial"/>
-                  <a:cs typeface="Arial"/>
-                </a:rPr>
-                <a:t>88.1%</a:t>
-              </a:r>
-            </a:p>
-          </p:txBody>
-        </p:sp>
-        <p:sp>
-          <p:nvSpPr>
-            <p:cNvPr id="55" name="tx55"/>
-            <p:cNvSpPr/>
-            <p:nvPr/>
-          </p:nvSpPr>
-          <p:spPr>
-            <a:xfrm>
-              <a:off x="4944791" y="2829588"/>
-              <a:ext cx="329449" cy="109040"/>
-            </a:xfrm>
-            <a:prstGeom prst="rect">
-              <a:avLst/>
-            </a:prstGeom>
-            <a:noFill/>
-          </p:spPr>
-          <p:txBody>
-            <a:bodyPr lIns="0" rIns="0" tIns="0" bIns="0" anchorCtr="1" anchor="ctr" wrap="none"/>
-            <a:lstStyle/>
-            <a:p>
-              <a:pPr algn="l" marL="0" marR="0" indent="0">
-                <a:lnSpc>
-                  <a:spcPts val="1138"/>
-                </a:lnSpc>
-                <a:spcBef>
-                  <a:spcPts val="0"/>
-                </a:spcBef>
-                <a:spcAft>
-                  <a:spcPts val="0"/>
-                </a:spcAft>
-              </a:pPr>
-              <a:r>
-                <a:rPr sz="1138">
-                  <a:solidFill>
-                    <a:srgbClr val="619CFF">
-                      <a:alpha val="100000"/>
-                    </a:srgbClr>
-                  </a:solidFill>
-                  <a:latin typeface="Arial"/>
-                  <a:cs typeface="Arial"/>
-                </a:rPr>
-                <a:t>4.6%</a:t>
-              </a:r>
-            </a:p>
-          </p:txBody>
-        </p:sp>
-        <p:sp>
-          <p:nvSpPr>
-            <p:cNvPr id="56" name="tx56"/>
-            <p:cNvSpPr/>
-            <p:nvPr/>
-          </p:nvSpPr>
-          <p:spPr>
-            <a:xfrm>
-              <a:off x="5262732" y="2939638"/>
-              <a:ext cx="329449" cy="109040"/>
-            </a:xfrm>
-            <a:prstGeom prst="rect">
-              <a:avLst/>
-            </a:prstGeom>
-            <a:noFill/>
-          </p:spPr>
-          <p:txBody>
-            <a:bodyPr lIns="0" rIns="0" tIns="0" bIns="0" anchorCtr="1" anchor="ctr" wrap="none"/>
-            <a:lstStyle/>
-            <a:p>
-              <a:pPr algn="l" marL="0" marR="0" indent="0">
-                <a:lnSpc>
-                  <a:spcPts val="1138"/>
-                </a:lnSpc>
-                <a:spcBef>
-                  <a:spcPts val="0"/>
-                </a:spcBef>
-                <a:spcAft>
-                  <a:spcPts val="0"/>
-                </a:spcAft>
-              </a:pPr>
-              <a:r>
-                <a:rPr sz="1138">
-                  <a:solidFill>
-                    <a:srgbClr val="00BA38">
-                      <a:alpha val="100000"/>
-                    </a:srgbClr>
-                  </a:solidFill>
-                  <a:latin typeface="Arial"/>
-                  <a:cs typeface="Arial"/>
-                </a:rPr>
-                <a:t>7.3%</a:t>
-              </a:r>
-            </a:p>
-          </p:txBody>
-        </p:sp>
-        <p:sp>
-          <p:nvSpPr>
-            <p:cNvPr id="57" name="tx57"/>
-            <p:cNvSpPr/>
-            <p:nvPr/>
-          </p:nvSpPr>
-          <p:spPr>
-            <a:xfrm>
-              <a:off x="4442415" y="4565677"/>
-              <a:ext cx="409835" cy="109040"/>
-            </a:xfrm>
-            <a:prstGeom prst="rect">
-              <a:avLst/>
-            </a:prstGeom>
-            <a:noFill/>
-          </p:spPr>
-          <p:txBody>
-            <a:bodyPr lIns="0" rIns="0" tIns="0" bIns="0" anchorCtr="1" anchor="ctr" wrap="none"/>
-            <a:lstStyle/>
-            <a:p>
-              <a:pPr algn="l" marL="0" marR="0" indent="0">
-                <a:lnSpc>
-                  <a:spcPts val="1138"/>
-                </a:lnSpc>
-                <a:spcBef>
-                  <a:spcPts val="0"/>
-                </a:spcBef>
-                <a:spcAft>
-                  <a:spcPts val="0"/>
-                </a:spcAft>
-              </a:pPr>
-              <a:r>
-                <a:rPr sz="1138">
-                  <a:solidFill>
-                    <a:srgbClr val="F8766D">
-                      <a:alpha val="100000"/>
-                    </a:srgbClr>
-                  </a:solidFill>
-                  <a:latin typeface="Arial"/>
-                  <a:cs typeface="Arial"/>
-                </a:rPr>
-                <a:t>88.1%</a:t>
-              </a:r>
-            </a:p>
-          </p:txBody>
-        </p:sp>
-        <p:sp>
-          <p:nvSpPr>
-            <p:cNvPr id="58" name="rc58"/>
-            <p:cNvSpPr/>
-            <p:nvPr/>
-          </p:nvSpPr>
-          <p:spPr>
-            <a:xfrm>
-              <a:off x="7319303" y="3561554"/>
-              <a:ext cx="201455" cy="201456"/>
-            </a:xfrm>
-            <a:prstGeom prst="rect">
-              <a:avLst/>
-            </a:prstGeom>
-            <a:solidFill>
-              <a:srgbClr val="619CFF">
-                <a:alpha val="100000"/>
-              </a:srgbClr>
-            </a:solidFill>
-            <a:ln w="13550" cap="sq">
+            <p:cNvPr id="51" name="pl51"/>
+            <p:cNvSpPr/>
+            <p:nvPr/>
+          </p:nvSpPr>
+          <p:spPr>
+            <a:xfrm>
+              <a:off x="1988754" y="5374907"/>
+              <a:ext cx="34794" cy="0"/>
+            </a:xfrm>
+            <a:custGeom>
+              <a:avLst/>
+              <a:pathLst>
+                <a:path w="34794" h="0">
+                  <a:moveTo>
+                    <a:pt x="0" y="0"/>
+                  </a:moveTo>
+                  <a:lnTo>
+                    <a:pt x="34794" y="0"/>
+                  </a:lnTo>
+                </a:path>
+              </a:pathLst>
+            </a:custGeom>
+            <a:ln w="6775" cap="flat">
               <a:solidFill>
-                <a:srgbClr val="FFFFFF">
+                <a:srgbClr val="B3B3B3">
                   <a:alpha val="100000"/>
                 </a:srgbClr>
               </a:solidFill>
               <a:prstDash val="solid"/>
-              <a:miter/>
+              <a:round/>
             </a:ln>
           </p:spPr>
           <p:txBody>
@@ -6726,31 +5075,36 @@
         </p:sp>
         <p:sp>
           <p:nvSpPr>
-            <p:cNvPr id="59" name="rc59"/>
-            <p:cNvSpPr/>
-            <p:nvPr/>
-          </p:nvSpPr>
-          <p:spPr>
-            <a:xfrm>
-              <a:off x="7319303" y="3781010"/>
-              <a:ext cx="201455" cy="201456"/>
-            </a:xfrm>
-            <a:prstGeom prst="rect">
-              <a:avLst/>
-            </a:prstGeom>
-            <a:solidFill>
-              <a:srgbClr val="00BA38">
-                <a:alpha val="100000"/>
-              </a:srgbClr>
-            </a:solidFill>
-            <a:ln w="13550" cap="sq">
+            <p:cNvPr id="52" name="pl52"/>
+            <p:cNvSpPr/>
+            <p:nvPr/>
+          </p:nvSpPr>
+          <p:spPr>
+            <a:xfrm>
+              <a:off x="1988754" y="4934873"/>
+              <a:ext cx="34794" cy="0"/>
+            </a:xfrm>
+            <a:custGeom>
+              <a:avLst/>
+              <a:pathLst>
+                <a:path w="34794" h="0">
+                  <a:moveTo>
+                    <a:pt x="0" y="0"/>
+                  </a:moveTo>
+                  <a:lnTo>
+                    <a:pt x="34794" y="0"/>
+                  </a:lnTo>
+                </a:path>
+              </a:pathLst>
+            </a:custGeom>
+            <a:ln w="6775" cap="flat">
               <a:solidFill>
-                <a:srgbClr val="FFFFFF">
+                <a:srgbClr val="B3B3B3">
                   <a:alpha val="100000"/>
                 </a:srgbClr>
               </a:solidFill>
               <a:prstDash val="solid"/>
-              <a:miter/>
+              <a:round/>
             </a:ln>
           </p:spPr>
           <p:txBody>
@@ -6761,31 +5115,36 @@
         </p:sp>
         <p:sp>
           <p:nvSpPr>
-            <p:cNvPr id="60" name="rc60"/>
-            <p:cNvSpPr/>
-            <p:nvPr/>
-          </p:nvSpPr>
-          <p:spPr>
-            <a:xfrm>
-              <a:off x="7319303" y="4000466"/>
-              <a:ext cx="201455" cy="201456"/>
-            </a:xfrm>
-            <a:prstGeom prst="rect">
-              <a:avLst/>
-            </a:prstGeom>
-            <a:solidFill>
-              <a:srgbClr val="F8766D">
-                <a:alpha val="100000"/>
-              </a:srgbClr>
-            </a:solidFill>
-            <a:ln w="13550" cap="sq">
+            <p:cNvPr id="53" name="pl53"/>
+            <p:cNvSpPr/>
+            <p:nvPr/>
+          </p:nvSpPr>
+          <p:spPr>
+            <a:xfrm>
+              <a:off x="1988754" y="4494840"/>
+              <a:ext cx="34794" cy="0"/>
+            </a:xfrm>
+            <a:custGeom>
+              <a:avLst/>
+              <a:pathLst>
+                <a:path w="34794" h="0">
+                  <a:moveTo>
+                    <a:pt x="0" y="0"/>
+                  </a:moveTo>
+                  <a:lnTo>
+                    <a:pt x="34794" y="0"/>
+                  </a:lnTo>
+                </a:path>
+              </a:pathLst>
+            </a:custGeom>
+            <a:ln w="6775" cap="flat">
               <a:solidFill>
-                <a:srgbClr val="FFFFFF">
+                <a:srgbClr val="B3B3B3">
                   <a:alpha val="100000"/>
                 </a:srgbClr>
               </a:solidFill>
               <a:prstDash val="solid"/>
-              <a:miter/>
+              <a:round/>
             </a:ln>
           </p:spPr>
           <p:txBody>
@@ -6796,14 +5155,414 @@
         </p:sp>
         <p:sp>
           <p:nvSpPr>
-            <p:cNvPr id="61" name="tx61"/>
-            <p:cNvSpPr/>
-            <p:nvPr/>
-          </p:nvSpPr>
-          <p:spPr>
-            <a:xfrm>
-              <a:off x="7599348" y="3632432"/>
-              <a:ext cx="167640" cy="69850"/>
+            <p:cNvPr id="54" name="pl54"/>
+            <p:cNvSpPr/>
+            <p:nvPr/>
+          </p:nvSpPr>
+          <p:spPr>
+            <a:xfrm>
+              <a:off x="1988754" y="4054806"/>
+              <a:ext cx="34794" cy="0"/>
+            </a:xfrm>
+            <a:custGeom>
+              <a:avLst/>
+              <a:pathLst>
+                <a:path w="34794" h="0">
+                  <a:moveTo>
+                    <a:pt x="0" y="0"/>
+                  </a:moveTo>
+                  <a:lnTo>
+                    <a:pt x="34794" y="0"/>
+                  </a:lnTo>
+                </a:path>
+              </a:pathLst>
+            </a:custGeom>
+            <a:ln w="6775" cap="flat">
+              <a:solidFill>
+                <a:srgbClr val="B3B3B3">
+                  <a:alpha val="100000"/>
+                </a:srgbClr>
+              </a:solidFill>
+              <a:prstDash val="solid"/>
+              <a:round/>
+            </a:ln>
+          </p:spPr>
+          <p:txBody>
+            <a:bodyPr/>
+            <a:lstStyle/>
+            <a:p/>
+          </p:txBody>
+        </p:sp>
+        <p:sp>
+          <p:nvSpPr>
+            <p:cNvPr id="55" name="pl55"/>
+            <p:cNvSpPr/>
+            <p:nvPr/>
+          </p:nvSpPr>
+          <p:spPr>
+            <a:xfrm>
+              <a:off x="1988754" y="3614772"/>
+              <a:ext cx="34794" cy="0"/>
+            </a:xfrm>
+            <a:custGeom>
+              <a:avLst/>
+              <a:pathLst>
+                <a:path w="34794" h="0">
+                  <a:moveTo>
+                    <a:pt x="0" y="0"/>
+                  </a:moveTo>
+                  <a:lnTo>
+                    <a:pt x="34794" y="0"/>
+                  </a:lnTo>
+                </a:path>
+              </a:pathLst>
+            </a:custGeom>
+            <a:ln w="6775" cap="flat">
+              <a:solidFill>
+                <a:srgbClr val="B3B3B3">
+                  <a:alpha val="100000"/>
+                </a:srgbClr>
+              </a:solidFill>
+              <a:prstDash val="solid"/>
+              <a:round/>
+            </a:ln>
+          </p:spPr>
+          <p:txBody>
+            <a:bodyPr/>
+            <a:lstStyle/>
+            <a:p/>
+          </p:txBody>
+        </p:sp>
+        <p:sp>
+          <p:nvSpPr>
+            <p:cNvPr id="56" name="pl56"/>
+            <p:cNvSpPr/>
+            <p:nvPr/>
+          </p:nvSpPr>
+          <p:spPr>
+            <a:xfrm>
+              <a:off x="1988754" y="3174738"/>
+              <a:ext cx="34794" cy="0"/>
+            </a:xfrm>
+            <a:custGeom>
+              <a:avLst/>
+              <a:pathLst>
+                <a:path w="34794" h="0">
+                  <a:moveTo>
+                    <a:pt x="0" y="0"/>
+                  </a:moveTo>
+                  <a:lnTo>
+                    <a:pt x="34794" y="0"/>
+                  </a:lnTo>
+                </a:path>
+              </a:pathLst>
+            </a:custGeom>
+            <a:ln w="6775" cap="flat">
+              <a:solidFill>
+                <a:srgbClr val="B3B3B3">
+                  <a:alpha val="100000"/>
+                </a:srgbClr>
+              </a:solidFill>
+              <a:prstDash val="solid"/>
+              <a:round/>
+            </a:ln>
+          </p:spPr>
+          <p:txBody>
+            <a:bodyPr/>
+            <a:lstStyle/>
+            <a:p/>
+          </p:txBody>
+        </p:sp>
+        <p:sp>
+          <p:nvSpPr>
+            <p:cNvPr id="57" name="pl57"/>
+            <p:cNvSpPr/>
+            <p:nvPr/>
+          </p:nvSpPr>
+          <p:spPr>
+            <a:xfrm>
+              <a:off x="1988754" y="2734705"/>
+              <a:ext cx="34794" cy="0"/>
+            </a:xfrm>
+            <a:custGeom>
+              <a:avLst/>
+              <a:pathLst>
+                <a:path w="34794" h="0">
+                  <a:moveTo>
+                    <a:pt x="0" y="0"/>
+                  </a:moveTo>
+                  <a:lnTo>
+                    <a:pt x="34794" y="0"/>
+                  </a:lnTo>
+                </a:path>
+              </a:pathLst>
+            </a:custGeom>
+            <a:ln w="6775" cap="flat">
+              <a:solidFill>
+                <a:srgbClr val="B3B3B3">
+                  <a:alpha val="100000"/>
+                </a:srgbClr>
+              </a:solidFill>
+              <a:prstDash val="solid"/>
+              <a:round/>
+            </a:ln>
+          </p:spPr>
+          <p:txBody>
+            <a:bodyPr/>
+            <a:lstStyle/>
+            <a:p/>
+          </p:txBody>
+        </p:sp>
+        <p:sp>
+          <p:nvSpPr>
+            <p:cNvPr id="58" name="pl58"/>
+            <p:cNvSpPr/>
+            <p:nvPr/>
+          </p:nvSpPr>
+          <p:spPr>
+            <a:xfrm>
+              <a:off x="1988754" y="2294671"/>
+              <a:ext cx="34794" cy="0"/>
+            </a:xfrm>
+            <a:custGeom>
+              <a:avLst/>
+              <a:pathLst>
+                <a:path w="34794" h="0">
+                  <a:moveTo>
+                    <a:pt x="0" y="0"/>
+                  </a:moveTo>
+                  <a:lnTo>
+                    <a:pt x="34794" y="0"/>
+                  </a:lnTo>
+                </a:path>
+              </a:pathLst>
+            </a:custGeom>
+            <a:ln w="6775" cap="flat">
+              <a:solidFill>
+                <a:srgbClr val="B3B3B3">
+                  <a:alpha val="100000"/>
+                </a:srgbClr>
+              </a:solidFill>
+              <a:prstDash val="solid"/>
+              <a:round/>
+            </a:ln>
+          </p:spPr>
+          <p:txBody>
+            <a:bodyPr/>
+            <a:lstStyle/>
+            <a:p/>
+          </p:txBody>
+        </p:sp>
+        <p:sp>
+          <p:nvSpPr>
+            <p:cNvPr id="59" name="pl59"/>
+            <p:cNvSpPr/>
+            <p:nvPr/>
+          </p:nvSpPr>
+          <p:spPr>
+            <a:xfrm>
+              <a:off x="1988754" y="1854637"/>
+              <a:ext cx="34794" cy="0"/>
+            </a:xfrm>
+            <a:custGeom>
+              <a:avLst/>
+              <a:pathLst>
+                <a:path w="34794" h="0">
+                  <a:moveTo>
+                    <a:pt x="0" y="0"/>
+                  </a:moveTo>
+                  <a:lnTo>
+                    <a:pt x="34794" y="0"/>
+                  </a:lnTo>
+                </a:path>
+              </a:pathLst>
+            </a:custGeom>
+            <a:ln w="6775" cap="flat">
+              <a:solidFill>
+                <a:srgbClr val="B3B3B3">
+                  <a:alpha val="100000"/>
+                </a:srgbClr>
+              </a:solidFill>
+              <a:prstDash val="solid"/>
+              <a:round/>
+            </a:ln>
+          </p:spPr>
+          <p:txBody>
+            <a:bodyPr/>
+            <a:lstStyle/>
+            <a:p/>
+          </p:txBody>
+        </p:sp>
+        <p:sp>
+          <p:nvSpPr>
+            <p:cNvPr id="60" name="pl60"/>
+            <p:cNvSpPr/>
+            <p:nvPr/>
+          </p:nvSpPr>
+          <p:spPr>
+            <a:xfrm>
+              <a:off x="2023549" y="5638927"/>
+              <a:ext cx="0" cy="34794"/>
+            </a:xfrm>
+            <a:custGeom>
+              <a:avLst/>
+              <a:pathLst>
+                <a:path w="0" h="34794">
+                  <a:moveTo>
+                    <a:pt x="0" y="34794"/>
+                  </a:moveTo>
+                  <a:lnTo>
+                    <a:pt x="0" y="0"/>
+                  </a:lnTo>
+                </a:path>
+              </a:pathLst>
+            </a:custGeom>
+            <a:ln w="6775" cap="flat">
+              <a:solidFill>
+                <a:srgbClr val="B3B3B3">
+                  <a:alpha val="100000"/>
+                </a:srgbClr>
+              </a:solidFill>
+              <a:prstDash val="solid"/>
+              <a:round/>
+            </a:ln>
+          </p:spPr>
+          <p:txBody>
+            <a:bodyPr/>
+            <a:lstStyle/>
+            <a:p/>
+          </p:txBody>
+        </p:sp>
+        <p:sp>
+          <p:nvSpPr>
+            <p:cNvPr id="61" name="pl61"/>
+            <p:cNvSpPr/>
+            <p:nvPr/>
+          </p:nvSpPr>
+          <p:spPr>
+            <a:xfrm>
+              <a:off x="3762980" y="5638927"/>
+              <a:ext cx="0" cy="34794"/>
+            </a:xfrm>
+            <a:custGeom>
+              <a:avLst/>
+              <a:pathLst>
+                <a:path w="0" h="34794">
+                  <a:moveTo>
+                    <a:pt x="0" y="34794"/>
+                  </a:moveTo>
+                  <a:lnTo>
+                    <a:pt x="0" y="0"/>
+                  </a:lnTo>
+                </a:path>
+              </a:pathLst>
+            </a:custGeom>
+            <a:ln w="6775" cap="flat">
+              <a:solidFill>
+                <a:srgbClr val="B3B3B3">
+                  <a:alpha val="100000"/>
+                </a:srgbClr>
+              </a:solidFill>
+              <a:prstDash val="solid"/>
+              <a:round/>
+            </a:ln>
+          </p:spPr>
+          <p:txBody>
+            <a:bodyPr/>
+            <a:lstStyle/>
+            <a:p/>
+          </p:txBody>
+        </p:sp>
+        <p:sp>
+          <p:nvSpPr>
+            <p:cNvPr id="62" name="pl62"/>
+            <p:cNvSpPr/>
+            <p:nvPr/>
+          </p:nvSpPr>
+          <p:spPr>
+            <a:xfrm>
+              <a:off x="5502411" y="5638927"/>
+              <a:ext cx="0" cy="34794"/>
+            </a:xfrm>
+            <a:custGeom>
+              <a:avLst/>
+              <a:pathLst>
+                <a:path w="0" h="34794">
+                  <a:moveTo>
+                    <a:pt x="0" y="34794"/>
+                  </a:moveTo>
+                  <a:lnTo>
+                    <a:pt x="0" y="0"/>
+                  </a:lnTo>
+                </a:path>
+              </a:pathLst>
+            </a:custGeom>
+            <a:ln w="6775" cap="flat">
+              <a:solidFill>
+                <a:srgbClr val="B3B3B3">
+                  <a:alpha val="100000"/>
+                </a:srgbClr>
+              </a:solidFill>
+              <a:prstDash val="solid"/>
+              <a:round/>
+            </a:ln>
+          </p:spPr>
+          <p:txBody>
+            <a:bodyPr/>
+            <a:lstStyle/>
+            <a:p/>
+          </p:txBody>
+        </p:sp>
+        <p:sp>
+          <p:nvSpPr>
+            <p:cNvPr id="63" name="pl63"/>
+            <p:cNvSpPr/>
+            <p:nvPr/>
+          </p:nvSpPr>
+          <p:spPr>
+            <a:xfrm>
+              <a:off x="7241842" y="5638927"/>
+              <a:ext cx="0" cy="34794"/>
+            </a:xfrm>
+            <a:custGeom>
+              <a:avLst/>
+              <a:pathLst>
+                <a:path w="0" h="34794">
+                  <a:moveTo>
+                    <a:pt x="0" y="34794"/>
+                  </a:moveTo>
+                  <a:lnTo>
+                    <a:pt x="0" y="0"/>
+                  </a:lnTo>
+                </a:path>
+              </a:pathLst>
+            </a:custGeom>
+            <a:ln w="6775" cap="flat">
+              <a:solidFill>
+                <a:srgbClr val="B3B3B3">
+                  <a:alpha val="100000"/>
+                </a:srgbClr>
+              </a:solidFill>
+              <a:prstDash val="solid"/>
+              <a:round/>
+            </a:ln>
+          </p:spPr>
+          <p:txBody>
+            <a:bodyPr/>
+            <a:lstStyle/>
+            <a:p/>
+          </p:txBody>
+        </p:sp>
+        <p:sp>
+          <p:nvSpPr>
+            <p:cNvPr id="64" name="tx64"/>
+            <p:cNvSpPr/>
+            <p:nvPr/>
+          </p:nvSpPr>
+          <p:spPr>
+            <a:xfrm>
+              <a:off x="1992471" y="5699866"/>
+              <a:ext cx="62155" cy="81691"/>
             </a:xfrm>
             <a:prstGeom prst="rect">
               <a:avLst/>
@@ -6828,28 +5587,28 @@
               <a:r>
                 <a:rPr sz="880">
                   <a:solidFill>
-                    <a:srgbClr val="000000">
+                    <a:srgbClr val="4D4D4D">
                       <a:alpha val="100000"/>
                     </a:srgbClr>
                   </a:solidFill>
                   <a:latin typeface="Arial"/>
                   <a:cs typeface="Arial"/>
                 </a:rPr>
-                <a:t>未婚</a:t>
+                <a:t>0</a:t>
               </a:r>
             </a:p>
           </p:txBody>
         </p:sp>
         <p:sp>
           <p:nvSpPr>
-            <p:cNvPr id="62" name="tx62"/>
-            <p:cNvSpPr/>
-            <p:nvPr/>
-          </p:nvSpPr>
-          <p:spPr>
-            <a:xfrm>
-              <a:off x="7599348" y="3851888"/>
-              <a:ext cx="335280" cy="69850"/>
+            <p:cNvPr id="65" name="tx65"/>
+            <p:cNvSpPr/>
+            <p:nvPr/>
+          </p:nvSpPr>
+          <p:spPr>
+            <a:xfrm>
+              <a:off x="3669747" y="5699811"/>
+              <a:ext cx="186466" cy="81746"/>
             </a:xfrm>
             <a:prstGeom prst="rect">
               <a:avLst/>
@@ -6874,28 +5633,28 @@
               <a:r>
                 <a:rPr sz="880">
                   <a:solidFill>
-                    <a:srgbClr val="000000">
+                    <a:srgbClr val="4D4D4D">
                       <a:alpha val="100000"/>
                     </a:srgbClr>
                   </a:solidFill>
                   <a:latin typeface="Arial"/>
                   <a:cs typeface="Arial"/>
                 </a:rPr>
-                <a:t>已婚无孩</a:t>
+                <a:t>300</a:t>
               </a:r>
             </a:p>
           </p:txBody>
         </p:sp>
         <p:sp>
           <p:nvSpPr>
-            <p:cNvPr id="63" name="tx63"/>
-            <p:cNvSpPr/>
-            <p:nvPr/>
-          </p:nvSpPr>
-          <p:spPr>
-            <a:xfrm>
-              <a:off x="7599348" y="4071344"/>
-              <a:ext cx="335280" cy="69850"/>
+            <p:cNvPr id="66" name="tx66"/>
+            <p:cNvSpPr/>
+            <p:nvPr/>
+          </p:nvSpPr>
+          <p:spPr>
+            <a:xfrm>
+              <a:off x="5409178" y="5699866"/>
+              <a:ext cx="186466" cy="81691"/>
             </a:xfrm>
             <a:prstGeom prst="rect">
               <a:avLst/>
@@ -6920,14 +5679,60 @@
               <a:r>
                 <a:rPr sz="880">
                   <a:solidFill>
-                    <a:srgbClr val="000000">
+                    <a:srgbClr val="4D4D4D">
                       <a:alpha val="100000"/>
                     </a:srgbClr>
                   </a:solidFill>
                   <a:latin typeface="Arial"/>
                   <a:cs typeface="Arial"/>
                 </a:rPr>
-                <a:t>已婚有孩</a:t>
+                <a:t>600</a:t>
+              </a:r>
+            </a:p>
+          </p:txBody>
+        </p:sp>
+        <p:sp>
+          <p:nvSpPr>
+            <p:cNvPr id="67" name="tx67"/>
+            <p:cNvSpPr/>
+            <p:nvPr/>
+          </p:nvSpPr>
+          <p:spPr>
+            <a:xfrm>
+              <a:off x="7148609" y="5699866"/>
+              <a:ext cx="186466" cy="81691"/>
+            </a:xfrm>
+            <a:prstGeom prst="rect">
+              <a:avLst/>
+            </a:prstGeom>
+            <a:noFill/>
+          </p:spPr>
+          <p:txBody>
+            <a:bodyPr lIns="0" rIns="0" tIns="0" bIns="0" anchorCtr="1" anchor="ctr" wrap="none"/>
+            <a:lstStyle/>
+            <a:p>
+              <a:pPr algn="l" marL="0" marR="0" indent="0">
+                <a:lnSpc>
+                  <a:spcPts val="880"/>
+                </a:lnSpc>
+                <a:spcBef>
+                  <a:spcPts val="0"/>
+                </a:spcBef>
+                <a:spcAft>
+                  <a:spcPts val="0"/>
+                </a:spcAft>
+              </a:pPr>
+              <a:r>
+                <a:rPr sz="880">
+                  <a:solidFill>
+                    <a:srgbClr val="4D4D4D">
+                      <a:alpha val="100000"/>
+                    </a:srgbClr>
+                  </a:solidFill>
+                  <a:latin typeface="Arial"/>
+                  <a:cs typeface="Arial"/>
+                </a:rPr>
+                <a:t>900</a:t>
               </a:r>
             </a:p>
           </p:txBody>

--- a/_book/plot/unnamed-chunk-61-1.pptx
+++ b/_book/plot/unnamed-chunk-61-1.pptx
@@ -3192,8 +3192,8 @@
           </p:nvSpPr>
           <p:spPr>
             <a:xfrm>
-              <a:off x="2023549" y="1590617"/>
-              <a:ext cx="6913543" cy="4048310"/>
+              <a:off x="2116330" y="1809173"/>
+              <a:ext cx="1308481" cy="3245468"/>
             </a:xfrm>
             <a:prstGeom prst="rect">
               <a:avLst/>
@@ -3218,28 +3218,28 @@
           </p:nvSpPr>
           <p:spPr>
             <a:xfrm>
-              <a:off x="2893264" y="1590617"/>
-              <a:ext cx="0" cy="4048310"/>
-            </a:xfrm>
-            <a:custGeom>
-              <a:avLst/>
-              <a:pathLst>
-                <a:path w="0" h="4048310">
-                  <a:moveTo>
-                    <a:pt x="0" y="4048310"/>
-                  </a:moveTo>
-                  <a:lnTo>
-                    <a:pt x="0" y="0"/>
-                  </a:lnTo>
-                  <a:lnTo>
-                    <a:pt x="0" y="0"/>
-                  </a:lnTo>
-                </a:path>
-              </a:pathLst>
-            </a:custGeom>
-            <a:ln w="3387" cap="flat">
-              <a:solidFill>
-                <a:srgbClr val="DEDEDE">
+              <a:off x="2116330" y="4515470"/>
+              <a:ext cx="1308481" cy="0"/>
+            </a:xfrm>
+            <a:custGeom>
+              <a:avLst/>
+              <a:pathLst>
+                <a:path w="1308481" h="0">
+                  <a:moveTo>
+                    <a:pt x="0" y="0"/>
+                  </a:moveTo>
+                  <a:lnTo>
+                    <a:pt x="1308481" y="0"/>
+                  </a:lnTo>
+                  <a:lnTo>
+                    <a:pt x="1308481" y="0"/>
+                  </a:lnTo>
+                </a:path>
+              </a:pathLst>
+            </a:custGeom>
+            <a:ln w="6775" cap="flat">
+              <a:solidFill>
+                <a:srgbClr val="EBEBEB">
                   <a:alpha val="100000"/>
                 </a:srgbClr>
               </a:solidFill>
@@ -3261,28 +3261,28 @@
           </p:nvSpPr>
           <p:spPr>
             <a:xfrm>
-              <a:off x="4632696" y="1590617"/>
-              <a:ext cx="0" cy="4048310"/>
-            </a:xfrm>
-            <a:custGeom>
-              <a:avLst/>
-              <a:pathLst>
-                <a:path w="0" h="4048310">
-                  <a:moveTo>
-                    <a:pt x="0" y="4048310"/>
-                  </a:moveTo>
-                  <a:lnTo>
-                    <a:pt x="0" y="0"/>
-                  </a:lnTo>
-                  <a:lnTo>
-                    <a:pt x="0" y="0"/>
-                  </a:lnTo>
-                </a:path>
-              </a:pathLst>
-            </a:custGeom>
-            <a:ln w="3387" cap="flat">
-              <a:solidFill>
-                <a:srgbClr val="DEDEDE">
+              <a:off x="2116330" y="3732171"/>
+              <a:ext cx="1308481" cy="0"/>
+            </a:xfrm>
+            <a:custGeom>
+              <a:avLst/>
+              <a:pathLst>
+                <a:path w="1308481" h="0">
+                  <a:moveTo>
+                    <a:pt x="0" y="0"/>
+                  </a:moveTo>
+                  <a:lnTo>
+                    <a:pt x="1308481" y="0"/>
+                  </a:lnTo>
+                  <a:lnTo>
+                    <a:pt x="1308481" y="0"/>
+                  </a:lnTo>
+                </a:path>
+              </a:pathLst>
+            </a:custGeom>
+            <a:ln w="6775" cap="flat">
+              <a:solidFill>
+                <a:srgbClr val="EBEBEB">
                   <a:alpha val="100000"/>
                 </a:srgbClr>
               </a:solidFill>
@@ -3304,28 +3304,28 @@
           </p:nvSpPr>
           <p:spPr>
             <a:xfrm>
-              <a:off x="6372127" y="1590617"/>
-              <a:ext cx="0" cy="4048310"/>
-            </a:xfrm>
-            <a:custGeom>
-              <a:avLst/>
-              <a:pathLst>
-                <a:path w="0" h="4048310">
-                  <a:moveTo>
-                    <a:pt x="0" y="4048310"/>
-                  </a:moveTo>
-                  <a:lnTo>
-                    <a:pt x="0" y="0"/>
-                  </a:lnTo>
-                  <a:lnTo>
-                    <a:pt x="0" y="0"/>
-                  </a:lnTo>
-                </a:path>
-              </a:pathLst>
-            </a:custGeom>
-            <a:ln w="3387" cap="flat">
-              <a:solidFill>
-                <a:srgbClr val="DEDEDE">
+              <a:off x="2116330" y="2948872"/>
+              <a:ext cx="1308481" cy="0"/>
+            </a:xfrm>
+            <a:custGeom>
+              <a:avLst/>
+              <a:pathLst>
+                <a:path w="1308481" h="0">
+                  <a:moveTo>
+                    <a:pt x="0" y="0"/>
+                  </a:moveTo>
+                  <a:lnTo>
+                    <a:pt x="1308481" y="0"/>
+                  </a:lnTo>
+                  <a:lnTo>
+                    <a:pt x="1308481" y="0"/>
+                  </a:lnTo>
+                </a:path>
+              </a:pathLst>
+            </a:custGeom>
+            <a:ln w="6775" cap="flat">
+              <a:solidFill>
+                <a:srgbClr val="EBEBEB">
                   <a:alpha val="100000"/>
                 </a:srgbClr>
               </a:solidFill>
@@ -3347,28 +3347,28 @@
           </p:nvSpPr>
           <p:spPr>
             <a:xfrm>
-              <a:off x="8111558" y="1590617"/>
-              <a:ext cx="0" cy="4048310"/>
-            </a:xfrm>
-            <a:custGeom>
-              <a:avLst/>
-              <a:pathLst>
-                <a:path w="0" h="4048310">
-                  <a:moveTo>
-                    <a:pt x="0" y="4048310"/>
-                  </a:moveTo>
-                  <a:lnTo>
-                    <a:pt x="0" y="0"/>
-                  </a:lnTo>
-                  <a:lnTo>
-                    <a:pt x="0" y="0"/>
-                  </a:lnTo>
-                </a:path>
-              </a:pathLst>
-            </a:custGeom>
-            <a:ln w="3387" cap="flat">
-              <a:solidFill>
-                <a:srgbClr val="DEDEDE">
+              <a:off x="2116330" y="2165574"/>
+              <a:ext cx="1308481" cy="0"/>
+            </a:xfrm>
+            <a:custGeom>
+              <a:avLst/>
+              <a:pathLst>
+                <a:path w="1308481" h="0">
+                  <a:moveTo>
+                    <a:pt x="0" y="0"/>
+                  </a:moveTo>
+                  <a:lnTo>
+                    <a:pt x="1308481" y="0"/>
+                  </a:lnTo>
+                  <a:lnTo>
+                    <a:pt x="1308481" y="0"/>
+                  </a:lnTo>
+                </a:path>
+              </a:pathLst>
+            </a:custGeom>
+            <a:ln w="6775" cap="flat">
+              <a:solidFill>
+                <a:srgbClr val="EBEBEB">
                   <a:alpha val="100000"/>
                 </a:srgbClr>
               </a:solidFill>
@@ -3390,28 +3390,28 @@
           </p:nvSpPr>
           <p:spPr>
             <a:xfrm>
-              <a:off x="2023549" y="5374907"/>
-              <a:ext cx="6913543" cy="0"/>
-            </a:xfrm>
-            <a:custGeom>
-              <a:avLst/>
-              <a:pathLst>
-                <a:path w="6913543" h="0">
-                  <a:moveTo>
-                    <a:pt x="0" y="0"/>
-                  </a:moveTo>
-                  <a:lnTo>
-                    <a:pt x="6913543" y="0"/>
-                  </a:lnTo>
-                  <a:lnTo>
-                    <a:pt x="6913543" y="0"/>
-                  </a:lnTo>
-                </a:path>
-              </a:pathLst>
-            </a:custGeom>
-            <a:ln w="6775" cap="flat">
-              <a:solidFill>
-                <a:srgbClr val="DEDEDE">
+              <a:off x="2116330" y="4907120"/>
+              <a:ext cx="1308481" cy="0"/>
+            </a:xfrm>
+            <a:custGeom>
+              <a:avLst/>
+              <a:pathLst>
+                <a:path w="1308481" h="0">
+                  <a:moveTo>
+                    <a:pt x="0" y="0"/>
+                  </a:moveTo>
+                  <a:lnTo>
+                    <a:pt x="1308481" y="0"/>
+                  </a:lnTo>
+                  <a:lnTo>
+                    <a:pt x="1308481" y="0"/>
+                  </a:lnTo>
+                </a:path>
+              </a:pathLst>
+            </a:custGeom>
+            <a:ln w="13550" cap="flat">
+              <a:solidFill>
+                <a:srgbClr val="EBEBEB">
                   <a:alpha val="100000"/>
                 </a:srgbClr>
               </a:solidFill>
@@ -3433,28 +3433,28 @@
           </p:nvSpPr>
           <p:spPr>
             <a:xfrm>
-              <a:off x="2023549" y="4934873"/>
-              <a:ext cx="6913543" cy="0"/>
-            </a:xfrm>
-            <a:custGeom>
-              <a:avLst/>
-              <a:pathLst>
-                <a:path w="6913543" h="0">
-                  <a:moveTo>
-                    <a:pt x="0" y="0"/>
-                  </a:moveTo>
-                  <a:lnTo>
-                    <a:pt x="6913543" y="0"/>
-                  </a:lnTo>
-                  <a:lnTo>
-                    <a:pt x="6913543" y="0"/>
-                  </a:lnTo>
-                </a:path>
-              </a:pathLst>
-            </a:custGeom>
-            <a:ln w="6775" cap="flat">
-              <a:solidFill>
-                <a:srgbClr val="DEDEDE">
+              <a:off x="2116330" y="4123821"/>
+              <a:ext cx="1308481" cy="0"/>
+            </a:xfrm>
+            <a:custGeom>
+              <a:avLst/>
+              <a:pathLst>
+                <a:path w="1308481" h="0">
+                  <a:moveTo>
+                    <a:pt x="0" y="0"/>
+                  </a:moveTo>
+                  <a:lnTo>
+                    <a:pt x="1308481" y="0"/>
+                  </a:lnTo>
+                  <a:lnTo>
+                    <a:pt x="1308481" y="0"/>
+                  </a:lnTo>
+                </a:path>
+              </a:pathLst>
+            </a:custGeom>
+            <a:ln w="13550" cap="flat">
+              <a:solidFill>
+                <a:srgbClr val="EBEBEB">
                   <a:alpha val="100000"/>
                 </a:srgbClr>
               </a:solidFill>
@@ -3476,28 +3476,28 @@
           </p:nvSpPr>
           <p:spPr>
             <a:xfrm>
-              <a:off x="2023549" y="4494840"/>
-              <a:ext cx="6913543" cy="0"/>
-            </a:xfrm>
-            <a:custGeom>
-              <a:avLst/>
-              <a:pathLst>
-                <a:path w="6913543" h="0">
-                  <a:moveTo>
-                    <a:pt x="0" y="0"/>
-                  </a:moveTo>
-                  <a:lnTo>
-                    <a:pt x="6913543" y="0"/>
-                  </a:lnTo>
-                  <a:lnTo>
-                    <a:pt x="6913543" y="0"/>
-                  </a:lnTo>
-                </a:path>
-              </a:pathLst>
-            </a:custGeom>
-            <a:ln w="6775" cap="flat">
-              <a:solidFill>
-                <a:srgbClr val="DEDEDE">
+              <a:off x="2116330" y="3340522"/>
+              <a:ext cx="1308481" cy="0"/>
+            </a:xfrm>
+            <a:custGeom>
+              <a:avLst/>
+              <a:pathLst>
+                <a:path w="1308481" h="0">
+                  <a:moveTo>
+                    <a:pt x="0" y="0"/>
+                  </a:moveTo>
+                  <a:lnTo>
+                    <a:pt x="1308481" y="0"/>
+                  </a:lnTo>
+                  <a:lnTo>
+                    <a:pt x="1308481" y="0"/>
+                  </a:lnTo>
+                </a:path>
+              </a:pathLst>
+            </a:custGeom>
+            <a:ln w="13550" cap="flat">
+              <a:solidFill>
+                <a:srgbClr val="EBEBEB">
                   <a:alpha val="100000"/>
                 </a:srgbClr>
               </a:solidFill>
@@ -3519,28 +3519,28 @@
           </p:nvSpPr>
           <p:spPr>
             <a:xfrm>
-              <a:off x="2023549" y="4054806"/>
-              <a:ext cx="6913543" cy="0"/>
-            </a:xfrm>
-            <a:custGeom>
-              <a:avLst/>
-              <a:pathLst>
-                <a:path w="6913543" h="0">
-                  <a:moveTo>
-                    <a:pt x="0" y="0"/>
-                  </a:moveTo>
-                  <a:lnTo>
-                    <a:pt x="6913543" y="0"/>
-                  </a:lnTo>
-                  <a:lnTo>
-                    <a:pt x="6913543" y="0"/>
-                  </a:lnTo>
-                </a:path>
-              </a:pathLst>
-            </a:custGeom>
-            <a:ln w="6775" cap="flat">
-              <a:solidFill>
-                <a:srgbClr val="DEDEDE">
+              <a:off x="2116330" y="2557223"/>
+              <a:ext cx="1308481" cy="0"/>
+            </a:xfrm>
+            <a:custGeom>
+              <a:avLst/>
+              <a:pathLst>
+                <a:path w="1308481" h="0">
+                  <a:moveTo>
+                    <a:pt x="0" y="0"/>
+                  </a:moveTo>
+                  <a:lnTo>
+                    <a:pt x="1308481" y="0"/>
+                  </a:lnTo>
+                  <a:lnTo>
+                    <a:pt x="1308481" y="0"/>
+                  </a:lnTo>
+                </a:path>
+              </a:pathLst>
+            </a:custGeom>
+            <a:ln w="13550" cap="flat">
+              <a:solidFill>
+                <a:srgbClr val="EBEBEB">
                   <a:alpha val="100000"/>
                 </a:srgbClr>
               </a:solidFill>
@@ -3562,28 +3562,28 @@
           </p:nvSpPr>
           <p:spPr>
             <a:xfrm>
-              <a:off x="2023549" y="3614772"/>
-              <a:ext cx="6913543" cy="0"/>
-            </a:xfrm>
-            <a:custGeom>
-              <a:avLst/>
-              <a:pathLst>
-                <a:path w="6913543" h="0">
-                  <a:moveTo>
-                    <a:pt x="0" y="0"/>
-                  </a:moveTo>
-                  <a:lnTo>
-                    <a:pt x="6913543" y="0"/>
-                  </a:lnTo>
-                  <a:lnTo>
-                    <a:pt x="6913543" y="0"/>
-                  </a:lnTo>
-                </a:path>
-              </a:pathLst>
-            </a:custGeom>
-            <a:ln w="6775" cap="flat">
-              <a:solidFill>
-                <a:srgbClr val="DEDEDE">
+              <a:off x="2225370" y="1809173"/>
+              <a:ext cx="0" cy="3245468"/>
+            </a:xfrm>
+            <a:custGeom>
+              <a:avLst/>
+              <a:pathLst>
+                <a:path w="0" h="3245468">
+                  <a:moveTo>
+                    <a:pt x="0" y="3245468"/>
+                  </a:moveTo>
+                  <a:lnTo>
+                    <a:pt x="0" y="0"/>
+                  </a:lnTo>
+                  <a:lnTo>
+                    <a:pt x="0" y="0"/>
+                  </a:lnTo>
+                </a:path>
+              </a:pathLst>
+            </a:custGeom>
+            <a:ln w="13550" cap="flat">
+              <a:solidFill>
+                <a:srgbClr val="EBEBEB">
                   <a:alpha val="100000"/>
                 </a:srgbClr>
               </a:solidFill>
@@ -3605,28 +3605,28 @@
           </p:nvSpPr>
           <p:spPr>
             <a:xfrm>
-              <a:off x="2023549" y="3174738"/>
-              <a:ext cx="6913543" cy="0"/>
-            </a:xfrm>
-            <a:custGeom>
-              <a:avLst/>
-              <a:pathLst>
-                <a:path w="6913543" h="0">
-                  <a:moveTo>
-                    <a:pt x="0" y="0"/>
-                  </a:moveTo>
-                  <a:lnTo>
-                    <a:pt x="6913543" y="0"/>
-                  </a:lnTo>
-                  <a:lnTo>
-                    <a:pt x="6913543" y="0"/>
-                  </a:lnTo>
-                </a:path>
-              </a:pathLst>
-            </a:custGeom>
-            <a:ln w="6775" cap="flat">
-              <a:solidFill>
-                <a:srgbClr val="DEDEDE">
+              <a:off x="2407104" y="1809173"/>
+              <a:ext cx="0" cy="3245468"/>
+            </a:xfrm>
+            <a:custGeom>
+              <a:avLst/>
+              <a:pathLst>
+                <a:path w="0" h="3245468">
+                  <a:moveTo>
+                    <a:pt x="0" y="3245468"/>
+                  </a:moveTo>
+                  <a:lnTo>
+                    <a:pt x="0" y="0"/>
+                  </a:lnTo>
+                  <a:lnTo>
+                    <a:pt x="0" y="0"/>
+                  </a:lnTo>
+                </a:path>
+              </a:pathLst>
+            </a:custGeom>
+            <a:ln w="13550" cap="flat">
+              <a:solidFill>
+                <a:srgbClr val="EBEBEB">
                   <a:alpha val="100000"/>
                 </a:srgbClr>
               </a:solidFill>
@@ -3648,28 +3648,28 @@
           </p:nvSpPr>
           <p:spPr>
             <a:xfrm>
-              <a:off x="2023549" y="2734705"/>
-              <a:ext cx="6913543" cy="0"/>
-            </a:xfrm>
-            <a:custGeom>
-              <a:avLst/>
-              <a:pathLst>
-                <a:path w="6913543" h="0">
-                  <a:moveTo>
-                    <a:pt x="0" y="0"/>
-                  </a:moveTo>
-                  <a:lnTo>
-                    <a:pt x="6913543" y="0"/>
-                  </a:lnTo>
-                  <a:lnTo>
-                    <a:pt x="6913543" y="0"/>
-                  </a:lnTo>
-                </a:path>
-              </a:pathLst>
-            </a:custGeom>
-            <a:ln w="6775" cap="flat">
-              <a:solidFill>
-                <a:srgbClr val="DEDEDE">
+              <a:off x="2588837" y="1809173"/>
+              <a:ext cx="0" cy="3245468"/>
+            </a:xfrm>
+            <a:custGeom>
+              <a:avLst/>
+              <a:pathLst>
+                <a:path w="0" h="3245468">
+                  <a:moveTo>
+                    <a:pt x="0" y="3245468"/>
+                  </a:moveTo>
+                  <a:lnTo>
+                    <a:pt x="0" y="0"/>
+                  </a:lnTo>
+                  <a:lnTo>
+                    <a:pt x="0" y="0"/>
+                  </a:lnTo>
+                </a:path>
+              </a:pathLst>
+            </a:custGeom>
+            <a:ln w="13550" cap="flat">
+              <a:solidFill>
+                <a:srgbClr val="EBEBEB">
                   <a:alpha val="100000"/>
                 </a:srgbClr>
               </a:solidFill>
@@ -3691,28 +3691,28 @@
           </p:nvSpPr>
           <p:spPr>
             <a:xfrm>
-              <a:off x="2023549" y="2294671"/>
-              <a:ext cx="6913543" cy="0"/>
-            </a:xfrm>
-            <a:custGeom>
-              <a:avLst/>
-              <a:pathLst>
-                <a:path w="6913543" h="0">
-                  <a:moveTo>
-                    <a:pt x="0" y="0"/>
-                  </a:moveTo>
-                  <a:lnTo>
-                    <a:pt x="6913543" y="0"/>
-                  </a:lnTo>
-                  <a:lnTo>
-                    <a:pt x="6913543" y="0"/>
-                  </a:lnTo>
-                </a:path>
-              </a:pathLst>
-            </a:custGeom>
-            <a:ln w="6775" cap="flat">
-              <a:solidFill>
-                <a:srgbClr val="DEDEDE">
+              <a:off x="2770571" y="1809173"/>
+              <a:ext cx="0" cy="3245468"/>
+            </a:xfrm>
+            <a:custGeom>
+              <a:avLst/>
+              <a:pathLst>
+                <a:path w="0" h="3245468">
+                  <a:moveTo>
+                    <a:pt x="0" y="3245468"/>
+                  </a:moveTo>
+                  <a:lnTo>
+                    <a:pt x="0" y="0"/>
+                  </a:lnTo>
+                  <a:lnTo>
+                    <a:pt x="0" y="0"/>
+                  </a:lnTo>
+                </a:path>
+              </a:pathLst>
+            </a:custGeom>
+            <a:ln w="13550" cap="flat">
+              <a:solidFill>
+                <a:srgbClr val="EBEBEB">
                   <a:alpha val="100000"/>
                 </a:srgbClr>
               </a:solidFill>
@@ -3734,28 +3734,28 @@
           </p:nvSpPr>
           <p:spPr>
             <a:xfrm>
-              <a:off x="2023549" y="1854637"/>
-              <a:ext cx="6913543" cy="0"/>
-            </a:xfrm>
-            <a:custGeom>
-              <a:avLst/>
-              <a:pathLst>
-                <a:path w="6913543" h="0">
-                  <a:moveTo>
-                    <a:pt x="0" y="0"/>
-                  </a:moveTo>
-                  <a:lnTo>
-                    <a:pt x="6913543" y="0"/>
-                  </a:lnTo>
-                  <a:lnTo>
-                    <a:pt x="6913543" y="0"/>
-                  </a:lnTo>
-                </a:path>
-              </a:pathLst>
-            </a:custGeom>
-            <a:ln w="6775" cap="flat">
-              <a:solidFill>
-                <a:srgbClr val="DEDEDE">
+              <a:off x="2952304" y="1809173"/>
+              <a:ext cx="0" cy="3245468"/>
+            </a:xfrm>
+            <a:custGeom>
+              <a:avLst/>
+              <a:pathLst>
+                <a:path w="0" h="3245468">
+                  <a:moveTo>
+                    <a:pt x="0" y="3245468"/>
+                  </a:moveTo>
+                  <a:lnTo>
+                    <a:pt x="0" y="0"/>
+                  </a:lnTo>
+                  <a:lnTo>
+                    <a:pt x="0" y="0"/>
+                  </a:lnTo>
+                </a:path>
+              </a:pathLst>
+            </a:custGeom>
+            <a:ln w="13550" cap="flat">
+              <a:solidFill>
+                <a:srgbClr val="EBEBEB">
                   <a:alpha val="100000"/>
                 </a:srgbClr>
               </a:solidFill>
@@ -3777,28 +3777,28 @@
           </p:nvSpPr>
           <p:spPr>
             <a:xfrm>
-              <a:off x="2023549" y="1590617"/>
-              <a:ext cx="0" cy="4048310"/>
-            </a:xfrm>
-            <a:custGeom>
-              <a:avLst/>
-              <a:pathLst>
-                <a:path w="0" h="4048310">
-                  <a:moveTo>
-                    <a:pt x="0" y="4048310"/>
-                  </a:moveTo>
-                  <a:lnTo>
-                    <a:pt x="0" y="0"/>
-                  </a:lnTo>
-                  <a:lnTo>
-                    <a:pt x="0" y="0"/>
-                  </a:lnTo>
-                </a:path>
-              </a:pathLst>
-            </a:custGeom>
-            <a:ln w="6775" cap="flat">
-              <a:solidFill>
-                <a:srgbClr val="DEDEDE">
+              <a:off x="3134038" y="1809173"/>
+              <a:ext cx="0" cy="3245468"/>
+            </a:xfrm>
+            <a:custGeom>
+              <a:avLst/>
+              <a:pathLst>
+                <a:path w="0" h="3245468">
+                  <a:moveTo>
+                    <a:pt x="0" y="3245468"/>
+                  </a:moveTo>
+                  <a:lnTo>
+                    <a:pt x="0" y="0"/>
+                  </a:lnTo>
+                  <a:lnTo>
+                    <a:pt x="0" y="0"/>
+                  </a:lnTo>
+                </a:path>
+              </a:pathLst>
+            </a:custGeom>
+            <a:ln w="13550" cap="flat">
+              <a:solidFill>
+                <a:srgbClr val="EBEBEB">
                   <a:alpha val="100000"/>
                 </a:srgbClr>
               </a:solidFill>
@@ -3820,143 +3820,57 @@
           </p:nvSpPr>
           <p:spPr>
             <a:xfrm>
-              <a:off x="3762980" y="1590617"/>
-              <a:ext cx="0" cy="4048310"/>
-            </a:xfrm>
-            <a:custGeom>
-              <a:avLst/>
-              <a:pathLst>
-                <a:path w="0" h="4048310">
-                  <a:moveTo>
-                    <a:pt x="0" y="4048310"/>
-                  </a:moveTo>
-                  <a:lnTo>
-                    <a:pt x="0" y="0"/>
-                  </a:lnTo>
-                  <a:lnTo>
-                    <a:pt x="0" y="0"/>
-                  </a:lnTo>
-                </a:path>
-              </a:pathLst>
-            </a:custGeom>
-            <a:ln w="6775" cap="flat">
-              <a:solidFill>
-                <a:srgbClr val="DEDEDE">
-                  <a:alpha val="100000"/>
-                </a:srgbClr>
-              </a:solidFill>
-              <a:prstDash val="solid"/>
-              <a:round/>
-            </a:ln>
-          </p:spPr>
-          <p:txBody>
-            <a:bodyPr/>
-            <a:lstStyle/>
-            <a:p/>
-          </p:txBody>
-        </p:sp>
-        <p:sp>
-          <p:nvSpPr>
-            <p:cNvPr id="21" name="pl21"/>
-            <p:cNvSpPr/>
-            <p:nvPr/>
-          </p:nvSpPr>
-          <p:spPr>
-            <a:xfrm>
-              <a:off x="5502411" y="1590617"/>
-              <a:ext cx="0" cy="4048310"/>
-            </a:xfrm>
-            <a:custGeom>
-              <a:avLst/>
-              <a:pathLst>
-                <a:path w="0" h="4048310">
-                  <a:moveTo>
-                    <a:pt x="0" y="4048310"/>
-                  </a:moveTo>
-                  <a:lnTo>
-                    <a:pt x="0" y="0"/>
-                  </a:lnTo>
-                  <a:lnTo>
-                    <a:pt x="0" y="0"/>
-                  </a:lnTo>
-                </a:path>
-              </a:pathLst>
-            </a:custGeom>
-            <a:ln w="6775" cap="flat">
-              <a:solidFill>
-                <a:srgbClr val="DEDEDE">
-                  <a:alpha val="100000"/>
-                </a:srgbClr>
-              </a:solidFill>
-              <a:prstDash val="solid"/>
-              <a:round/>
-            </a:ln>
-          </p:spPr>
-          <p:txBody>
-            <a:bodyPr/>
-            <a:lstStyle/>
-            <a:p/>
-          </p:txBody>
-        </p:sp>
-        <p:sp>
-          <p:nvSpPr>
-            <p:cNvPr id="22" name="pl22"/>
-            <p:cNvSpPr/>
-            <p:nvPr/>
-          </p:nvSpPr>
-          <p:spPr>
-            <a:xfrm>
-              <a:off x="7241842" y="1590617"/>
-              <a:ext cx="0" cy="4048310"/>
-            </a:xfrm>
-            <a:custGeom>
-              <a:avLst/>
-              <a:pathLst>
-                <a:path w="0" h="4048310">
-                  <a:moveTo>
-                    <a:pt x="0" y="4048310"/>
-                  </a:moveTo>
-                  <a:lnTo>
-                    <a:pt x="0" y="0"/>
-                  </a:lnTo>
-                  <a:lnTo>
-                    <a:pt x="0" y="0"/>
-                  </a:lnTo>
-                </a:path>
-              </a:pathLst>
-            </a:custGeom>
-            <a:ln w="6775" cap="flat">
-              <a:solidFill>
-                <a:srgbClr val="DEDEDE">
-                  <a:alpha val="100000"/>
-                </a:srgbClr>
-              </a:solidFill>
-              <a:prstDash val="solid"/>
-              <a:round/>
-            </a:ln>
-          </p:spPr>
-          <p:txBody>
-            <a:bodyPr/>
-            <a:lstStyle/>
-            <a:p/>
-          </p:txBody>
-        </p:sp>
-        <p:sp>
-          <p:nvSpPr>
-            <p:cNvPr id="23" name="rc23"/>
-            <p:cNvSpPr/>
-            <p:nvPr/>
-          </p:nvSpPr>
-          <p:spPr>
-            <a:xfrm>
-              <a:off x="2023549" y="1656622"/>
-              <a:ext cx="6777983" cy="396030"/>
+              <a:off x="3315771" y="1809173"/>
+              <a:ext cx="0" cy="3245468"/>
+            </a:xfrm>
+            <a:custGeom>
+              <a:avLst/>
+              <a:pathLst>
+                <a:path w="0" h="3245468">
+                  <a:moveTo>
+                    <a:pt x="0" y="3245468"/>
+                  </a:moveTo>
+                  <a:lnTo>
+                    <a:pt x="0" y="0"/>
+                  </a:lnTo>
+                  <a:lnTo>
+                    <a:pt x="0" y="0"/>
+                  </a:lnTo>
+                </a:path>
+              </a:pathLst>
+            </a:custGeom>
+            <a:ln w="13550" cap="flat">
+              <a:solidFill>
+                <a:srgbClr val="EBEBEB">
+                  <a:alpha val="100000"/>
+                </a:srgbClr>
+              </a:solidFill>
+              <a:prstDash val="solid"/>
+              <a:round/>
+            </a:ln>
+          </p:spPr>
+          <p:txBody>
+            <a:bodyPr/>
+            <a:lstStyle/>
+            <a:p/>
+          </p:txBody>
+        </p:sp>
+        <p:sp>
+          <p:nvSpPr>
+            <p:cNvPr id="21" name="rc21"/>
+            <p:cNvSpPr/>
+            <p:nvPr/>
+          </p:nvSpPr>
+          <p:spPr>
+            <a:xfrm>
+              <a:off x="2143590" y="3001092"/>
+              <a:ext cx="163560" cy="1906027"/>
             </a:xfrm>
             <a:prstGeom prst="rect">
               <a:avLst/>
             </a:prstGeom>
             <a:solidFill>
-              <a:srgbClr val="595959">
+              <a:srgbClr val="FEE5D9">
                 <a:alpha val="100000"/>
               </a:srgbClr>
             </a:solidFill>
@@ -3969,20 +3883,20 @@
         </p:sp>
         <p:sp>
           <p:nvSpPr>
-            <p:cNvPr id="24" name="rc24"/>
-            <p:cNvSpPr/>
-            <p:nvPr/>
-          </p:nvSpPr>
-          <p:spPr>
-            <a:xfrm>
-              <a:off x="2023549" y="2096656"/>
-              <a:ext cx="5844488" cy="396030"/>
+            <p:cNvPr id="22" name="rc22"/>
+            <p:cNvSpPr/>
+            <p:nvPr/>
+          </p:nvSpPr>
+          <p:spPr>
+            <a:xfrm>
+              <a:off x="2325324" y="4358810"/>
+              <a:ext cx="163560" cy="548309"/>
             </a:xfrm>
             <a:prstGeom prst="rect">
               <a:avLst/>
             </a:prstGeom>
             <a:solidFill>
-              <a:srgbClr val="595959">
+              <a:srgbClr val="FCBBA1">
                 <a:alpha val="100000"/>
               </a:srgbClr>
             </a:solidFill>
@@ -3995,20 +3909,20 @@
         </p:sp>
         <p:sp>
           <p:nvSpPr>
-            <p:cNvPr id="25" name="rc25"/>
-            <p:cNvSpPr/>
-            <p:nvPr/>
-          </p:nvSpPr>
-          <p:spPr>
-            <a:xfrm>
-              <a:off x="2023549" y="2536689"/>
-              <a:ext cx="4986369" cy="396030"/>
+            <p:cNvPr id="23" name="rc23"/>
+            <p:cNvSpPr/>
+            <p:nvPr/>
+          </p:nvSpPr>
+          <p:spPr>
+            <a:xfrm>
+              <a:off x="2507057" y="2400563"/>
+              <a:ext cx="163560" cy="2506556"/>
             </a:xfrm>
             <a:prstGeom prst="rect">
               <a:avLst/>
             </a:prstGeom>
             <a:solidFill>
-              <a:srgbClr val="595959">
+              <a:srgbClr val="FC9272">
                 <a:alpha val="100000"/>
               </a:srgbClr>
             </a:solidFill>
@@ -4021,20 +3935,20 @@
         </p:sp>
         <p:sp>
           <p:nvSpPr>
-            <p:cNvPr id="26" name="rc26"/>
-            <p:cNvSpPr/>
-            <p:nvPr/>
-          </p:nvSpPr>
-          <p:spPr>
-            <a:xfrm>
-              <a:off x="2023549" y="2976723"/>
-              <a:ext cx="4922590" cy="396030"/>
+            <p:cNvPr id="24" name="rc24"/>
+            <p:cNvSpPr/>
+            <p:nvPr/>
+          </p:nvSpPr>
+          <p:spPr>
+            <a:xfrm>
+              <a:off x="2688791" y="2870543"/>
+              <a:ext cx="163560" cy="2036577"/>
             </a:xfrm>
             <a:prstGeom prst="rect">
               <a:avLst/>
             </a:prstGeom>
             <a:solidFill>
-              <a:srgbClr val="595959">
+              <a:srgbClr val="FB6A4A">
                 <a:alpha val="100000"/>
               </a:srgbClr>
             </a:solidFill>
@@ -4047,20 +3961,20 @@
         </p:sp>
         <p:sp>
           <p:nvSpPr>
-            <p:cNvPr id="27" name="rc27"/>
-            <p:cNvSpPr/>
-            <p:nvPr/>
-          </p:nvSpPr>
-          <p:spPr>
-            <a:xfrm>
-              <a:off x="2023549" y="3416757"/>
-              <a:ext cx="4679069" cy="396030"/>
+            <p:cNvPr id="25" name="rc25"/>
+            <p:cNvSpPr/>
+            <p:nvPr/>
+          </p:nvSpPr>
+          <p:spPr>
+            <a:xfrm>
+              <a:off x="2870524" y="4045491"/>
+              <a:ext cx="163560" cy="861628"/>
             </a:xfrm>
             <a:prstGeom prst="rect">
               <a:avLst/>
             </a:prstGeom>
             <a:solidFill>
-              <a:srgbClr val="595959">
+              <a:srgbClr val="EF3B2C">
                 <a:alpha val="100000"/>
               </a:srgbClr>
             </a:solidFill>
@@ -4073,20 +3987,20 @@
         </p:sp>
         <p:sp>
           <p:nvSpPr>
-            <p:cNvPr id="28" name="rc28"/>
-            <p:cNvSpPr/>
-            <p:nvPr/>
-          </p:nvSpPr>
-          <p:spPr>
-            <a:xfrm>
-              <a:off x="2023549" y="3856791"/>
-              <a:ext cx="3722382" cy="396030"/>
+            <p:cNvPr id="26" name="rc26"/>
+            <p:cNvSpPr/>
+            <p:nvPr/>
+          </p:nvSpPr>
+          <p:spPr>
+            <a:xfrm>
+              <a:off x="3052258" y="1956694"/>
+              <a:ext cx="163560" cy="2950425"/>
             </a:xfrm>
             <a:prstGeom prst="rect">
               <a:avLst/>
             </a:prstGeom>
             <a:solidFill>
-              <a:srgbClr val="595959">
+              <a:srgbClr val="CB181D">
                 <a:alpha val="100000"/>
               </a:srgbClr>
             </a:solidFill>
@@ -4099,20 +4013,20 @@
         </p:sp>
         <p:sp>
           <p:nvSpPr>
-            <p:cNvPr id="29" name="rc29"/>
-            <p:cNvSpPr/>
-            <p:nvPr/>
-          </p:nvSpPr>
-          <p:spPr>
-            <a:xfrm>
-              <a:off x="2023549" y="4296824"/>
-              <a:ext cx="1635065" cy="396030"/>
+            <p:cNvPr id="27" name="rc27"/>
+            <p:cNvSpPr/>
+            <p:nvPr/>
+          </p:nvSpPr>
+          <p:spPr>
+            <a:xfrm>
+              <a:off x="3233991" y="4228261"/>
+              <a:ext cx="163560" cy="678859"/>
             </a:xfrm>
             <a:prstGeom prst="rect">
               <a:avLst/>
             </a:prstGeom>
             <a:solidFill>
-              <a:srgbClr val="595959">
+              <a:srgbClr val="99000D">
                 <a:alpha val="100000"/>
               </a:srgbClr>
             </a:solidFill>
@@ -4125,20 +4039,50 @@
         </p:sp>
         <p:sp>
           <p:nvSpPr>
-            <p:cNvPr id="30" name="rc30"/>
-            <p:cNvSpPr/>
-            <p:nvPr/>
-          </p:nvSpPr>
-          <p:spPr>
-            <a:xfrm>
-              <a:off x="2023549" y="4736858"/>
-              <a:ext cx="545021" cy="396030"/>
+            <p:cNvPr id="28" name="rc28"/>
+            <p:cNvSpPr/>
+            <p:nvPr/>
+          </p:nvSpPr>
+          <p:spPr>
+            <a:xfrm>
+              <a:off x="2116330" y="1809173"/>
+              <a:ext cx="1308481" cy="3245468"/>
+            </a:xfrm>
+            <a:prstGeom prst="rect">
+              <a:avLst/>
+            </a:prstGeom>
+            <a:ln w="13550" cap="rnd">
+              <a:solidFill>
+                <a:srgbClr val="333333">
+                  <a:alpha val="100000"/>
+                </a:srgbClr>
+              </a:solidFill>
+              <a:prstDash val="solid"/>
+              <a:round/>
+            </a:ln>
+          </p:spPr>
+          <p:txBody>
+            <a:bodyPr/>
+            <a:lstStyle/>
+            <a:p/>
+          </p:txBody>
+        </p:sp>
+        <p:sp>
+          <p:nvSpPr>
+            <p:cNvPr id="29" name="rc29"/>
+            <p:cNvSpPr/>
+            <p:nvPr/>
+          </p:nvSpPr>
+          <p:spPr>
+            <a:xfrm>
+              <a:off x="3494401" y="1809173"/>
+              <a:ext cx="1308481" cy="3245468"/>
             </a:xfrm>
             <a:prstGeom prst="rect">
               <a:avLst/>
             </a:prstGeom>
             <a:solidFill>
-              <a:srgbClr val="595959">
+              <a:srgbClr val="FFFFFF">
                 <a:alpha val="100000"/>
               </a:srgbClr>
             </a:solidFill>
@@ -4151,20 +4095,665 @@
         </p:sp>
         <p:sp>
           <p:nvSpPr>
-            <p:cNvPr id="31" name="rc31"/>
-            <p:cNvSpPr/>
-            <p:nvPr/>
-          </p:nvSpPr>
-          <p:spPr>
-            <a:xfrm>
-              <a:off x="2023549" y="5176892"/>
-              <a:ext cx="353684" cy="396030"/>
+            <p:cNvPr id="30" name="pl30"/>
+            <p:cNvSpPr/>
+            <p:nvPr/>
+          </p:nvSpPr>
+          <p:spPr>
+            <a:xfrm>
+              <a:off x="3494401" y="4515470"/>
+              <a:ext cx="1308481" cy="0"/>
+            </a:xfrm>
+            <a:custGeom>
+              <a:avLst/>
+              <a:pathLst>
+                <a:path w="1308481" h="0">
+                  <a:moveTo>
+                    <a:pt x="0" y="0"/>
+                  </a:moveTo>
+                  <a:lnTo>
+                    <a:pt x="1308481" y="0"/>
+                  </a:lnTo>
+                  <a:lnTo>
+                    <a:pt x="1308481" y="0"/>
+                  </a:lnTo>
+                </a:path>
+              </a:pathLst>
+            </a:custGeom>
+            <a:ln w="6775" cap="flat">
+              <a:solidFill>
+                <a:srgbClr val="EBEBEB">
+                  <a:alpha val="100000"/>
+                </a:srgbClr>
+              </a:solidFill>
+              <a:prstDash val="solid"/>
+              <a:round/>
+            </a:ln>
+          </p:spPr>
+          <p:txBody>
+            <a:bodyPr/>
+            <a:lstStyle/>
+            <a:p/>
+          </p:txBody>
+        </p:sp>
+        <p:sp>
+          <p:nvSpPr>
+            <p:cNvPr id="31" name="pl31"/>
+            <p:cNvSpPr/>
+            <p:nvPr/>
+          </p:nvSpPr>
+          <p:spPr>
+            <a:xfrm>
+              <a:off x="3494401" y="3732171"/>
+              <a:ext cx="1308481" cy="0"/>
+            </a:xfrm>
+            <a:custGeom>
+              <a:avLst/>
+              <a:pathLst>
+                <a:path w="1308481" h="0">
+                  <a:moveTo>
+                    <a:pt x="0" y="0"/>
+                  </a:moveTo>
+                  <a:lnTo>
+                    <a:pt x="1308481" y="0"/>
+                  </a:lnTo>
+                  <a:lnTo>
+                    <a:pt x="1308481" y="0"/>
+                  </a:lnTo>
+                </a:path>
+              </a:pathLst>
+            </a:custGeom>
+            <a:ln w="6775" cap="flat">
+              <a:solidFill>
+                <a:srgbClr val="EBEBEB">
+                  <a:alpha val="100000"/>
+                </a:srgbClr>
+              </a:solidFill>
+              <a:prstDash val="solid"/>
+              <a:round/>
+            </a:ln>
+          </p:spPr>
+          <p:txBody>
+            <a:bodyPr/>
+            <a:lstStyle/>
+            <a:p/>
+          </p:txBody>
+        </p:sp>
+        <p:sp>
+          <p:nvSpPr>
+            <p:cNvPr id="32" name="pl32"/>
+            <p:cNvSpPr/>
+            <p:nvPr/>
+          </p:nvSpPr>
+          <p:spPr>
+            <a:xfrm>
+              <a:off x="3494401" y="2948872"/>
+              <a:ext cx="1308481" cy="0"/>
+            </a:xfrm>
+            <a:custGeom>
+              <a:avLst/>
+              <a:pathLst>
+                <a:path w="1308481" h="0">
+                  <a:moveTo>
+                    <a:pt x="0" y="0"/>
+                  </a:moveTo>
+                  <a:lnTo>
+                    <a:pt x="1308481" y="0"/>
+                  </a:lnTo>
+                  <a:lnTo>
+                    <a:pt x="1308481" y="0"/>
+                  </a:lnTo>
+                </a:path>
+              </a:pathLst>
+            </a:custGeom>
+            <a:ln w="6775" cap="flat">
+              <a:solidFill>
+                <a:srgbClr val="EBEBEB">
+                  <a:alpha val="100000"/>
+                </a:srgbClr>
+              </a:solidFill>
+              <a:prstDash val="solid"/>
+              <a:round/>
+            </a:ln>
+          </p:spPr>
+          <p:txBody>
+            <a:bodyPr/>
+            <a:lstStyle/>
+            <a:p/>
+          </p:txBody>
+        </p:sp>
+        <p:sp>
+          <p:nvSpPr>
+            <p:cNvPr id="33" name="pl33"/>
+            <p:cNvSpPr/>
+            <p:nvPr/>
+          </p:nvSpPr>
+          <p:spPr>
+            <a:xfrm>
+              <a:off x="3494401" y="2165574"/>
+              <a:ext cx="1308481" cy="0"/>
+            </a:xfrm>
+            <a:custGeom>
+              <a:avLst/>
+              <a:pathLst>
+                <a:path w="1308481" h="0">
+                  <a:moveTo>
+                    <a:pt x="0" y="0"/>
+                  </a:moveTo>
+                  <a:lnTo>
+                    <a:pt x="1308481" y="0"/>
+                  </a:lnTo>
+                  <a:lnTo>
+                    <a:pt x="1308481" y="0"/>
+                  </a:lnTo>
+                </a:path>
+              </a:pathLst>
+            </a:custGeom>
+            <a:ln w="6775" cap="flat">
+              <a:solidFill>
+                <a:srgbClr val="EBEBEB">
+                  <a:alpha val="100000"/>
+                </a:srgbClr>
+              </a:solidFill>
+              <a:prstDash val="solid"/>
+              <a:round/>
+            </a:ln>
+          </p:spPr>
+          <p:txBody>
+            <a:bodyPr/>
+            <a:lstStyle/>
+            <a:p/>
+          </p:txBody>
+        </p:sp>
+        <p:sp>
+          <p:nvSpPr>
+            <p:cNvPr id="34" name="pl34"/>
+            <p:cNvSpPr/>
+            <p:nvPr/>
+          </p:nvSpPr>
+          <p:spPr>
+            <a:xfrm>
+              <a:off x="3494401" y="4907120"/>
+              <a:ext cx="1308481" cy="0"/>
+            </a:xfrm>
+            <a:custGeom>
+              <a:avLst/>
+              <a:pathLst>
+                <a:path w="1308481" h="0">
+                  <a:moveTo>
+                    <a:pt x="0" y="0"/>
+                  </a:moveTo>
+                  <a:lnTo>
+                    <a:pt x="1308481" y="0"/>
+                  </a:lnTo>
+                  <a:lnTo>
+                    <a:pt x="1308481" y="0"/>
+                  </a:lnTo>
+                </a:path>
+              </a:pathLst>
+            </a:custGeom>
+            <a:ln w="13550" cap="flat">
+              <a:solidFill>
+                <a:srgbClr val="EBEBEB">
+                  <a:alpha val="100000"/>
+                </a:srgbClr>
+              </a:solidFill>
+              <a:prstDash val="solid"/>
+              <a:round/>
+            </a:ln>
+          </p:spPr>
+          <p:txBody>
+            <a:bodyPr/>
+            <a:lstStyle/>
+            <a:p/>
+          </p:txBody>
+        </p:sp>
+        <p:sp>
+          <p:nvSpPr>
+            <p:cNvPr id="35" name="pl35"/>
+            <p:cNvSpPr/>
+            <p:nvPr/>
+          </p:nvSpPr>
+          <p:spPr>
+            <a:xfrm>
+              <a:off x="3494401" y="4123821"/>
+              <a:ext cx="1308481" cy="0"/>
+            </a:xfrm>
+            <a:custGeom>
+              <a:avLst/>
+              <a:pathLst>
+                <a:path w="1308481" h="0">
+                  <a:moveTo>
+                    <a:pt x="0" y="0"/>
+                  </a:moveTo>
+                  <a:lnTo>
+                    <a:pt x="1308481" y="0"/>
+                  </a:lnTo>
+                  <a:lnTo>
+                    <a:pt x="1308481" y="0"/>
+                  </a:lnTo>
+                </a:path>
+              </a:pathLst>
+            </a:custGeom>
+            <a:ln w="13550" cap="flat">
+              <a:solidFill>
+                <a:srgbClr val="EBEBEB">
+                  <a:alpha val="100000"/>
+                </a:srgbClr>
+              </a:solidFill>
+              <a:prstDash val="solid"/>
+              <a:round/>
+            </a:ln>
+          </p:spPr>
+          <p:txBody>
+            <a:bodyPr/>
+            <a:lstStyle/>
+            <a:p/>
+          </p:txBody>
+        </p:sp>
+        <p:sp>
+          <p:nvSpPr>
+            <p:cNvPr id="36" name="pl36"/>
+            <p:cNvSpPr/>
+            <p:nvPr/>
+          </p:nvSpPr>
+          <p:spPr>
+            <a:xfrm>
+              <a:off x="3494401" y="3340522"/>
+              <a:ext cx="1308481" cy="0"/>
+            </a:xfrm>
+            <a:custGeom>
+              <a:avLst/>
+              <a:pathLst>
+                <a:path w="1308481" h="0">
+                  <a:moveTo>
+                    <a:pt x="0" y="0"/>
+                  </a:moveTo>
+                  <a:lnTo>
+                    <a:pt x="1308481" y="0"/>
+                  </a:lnTo>
+                  <a:lnTo>
+                    <a:pt x="1308481" y="0"/>
+                  </a:lnTo>
+                </a:path>
+              </a:pathLst>
+            </a:custGeom>
+            <a:ln w="13550" cap="flat">
+              <a:solidFill>
+                <a:srgbClr val="EBEBEB">
+                  <a:alpha val="100000"/>
+                </a:srgbClr>
+              </a:solidFill>
+              <a:prstDash val="solid"/>
+              <a:round/>
+            </a:ln>
+          </p:spPr>
+          <p:txBody>
+            <a:bodyPr/>
+            <a:lstStyle/>
+            <a:p/>
+          </p:txBody>
+        </p:sp>
+        <p:sp>
+          <p:nvSpPr>
+            <p:cNvPr id="37" name="pl37"/>
+            <p:cNvSpPr/>
+            <p:nvPr/>
+          </p:nvSpPr>
+          <p:spPr>
+            <a:xfrm>
+              <a:off x="3494401" y="2557223"/>
+              <a:ext cx="1308481" cy="0"/>
+            </a:xfrm>
+            <a:custGeom>
+              <a:avLst/>
+              <a:pathLst>
+                <a:path w="1308481" h="0">
+                  <a:moveTo>
+                    <a:pt x="0" y="0"/>
+                  </a:moveTo>
+                  <a:lnTo>
+                    <a:pt x="1308481" y="0"/>
+                  </a:lnTo>
+                  <a:lnTo>
+                    <a:pt x="1308481" y="0"/>
+                  </a:lnTo>
+                </a:path>
+              </a:pathLst>
+            </a:custGeom>
+            <a:ln w="13550" cap="flat">
+              <a:solidFill>
+                <a:srgbClr val="EBEBEB">
+                  <a:alpha val="100000"/>
+                </a:srgbClr>
+              </a:solidFill>
+              <a:prstDash val="solid"/>
+              <a:round/>
+            </a:ln>
+          </p:spPr>
+          <p:txBody>
+            <a:bodyPr/>
+            <a:lstStyle/>
+            <a:p/>
+          </p:txBody>
+        </p:sp>
+        <p:sp>
+          <p:nvSpPr>
+            <p:cNvPr id="38" name="pl38"/>
+            <p:cNvSpPr/>
+            <p:nvPr/>
+          </p:nvSpPr>
+          <p:spPr>
+            <a:xfrm>
+              <a:off x="3603441" y="1809173"/>
+              <a:ext cx="0" cy="3245468"/>
+            </a:xfrm>
+            <a:custGeom>
+              <a:avLst/>
+              <a:pathLst>
+                <a:path w="0" h="3245468">
+                  <a:moveTo>
+                    <a:pt x="0" y="3245468"/>
+                  </a:moveTo>
+                  <a:lnTo>
+                    <a:pt x="0" y="0"/>
+                  </a:lnTo>
+                  <a:lnTo>
+                    <a:pt x="0" y="0"/>
+                  </a:lnTo>
+                </a:path>
+              </a:pathLst>
+            </a:custGeom>
+            <a:ln w="13550" cap="flat">
+              <a:solidFill>
+                <a:srgbClr val="EBEBEB">
+                  <a:alpha val="100000"/>
+                </a:srgbClr>
+              </a:solidFill>
+              <a:prstDash val="solid"/>
+              <a:round/>
+            </a:ln>
+          </p:spPr>
+          <p:txBody>
+            <a:bodyPr/>
+            <a:lstStyle/>
+            <a:p/>
+          </p:txBody>
+        </p:sp>
+        <p:sp>
+          <p:nvSpPr>
+            <p:cNvPr id="39" name="pl39"/>
+            <p:cNvSpPr/>
+            <p:nvPr/>
+          </p:nvSpPr>
+          <p:spPr>
+            <a:xfrm>
+              <a:off x="3785174" y="1809173"/>
+              <a:ext cx="0" cy="3245468"/>
+            </a:xfrm>
+            <a:custGeom>
+              <a:avLst/>
+              <a:pathLst>
+                <a:path w="0" h="3245468">
+                  <a:moveTo>
+                    <a:pt x="0" y="3245468"/>
+                  </a:moveTo>
+                  <a:lnTo>
+                    <a:pt x="0" y="0"/>
+                  </a:lnTo>
+                  <a:lnTo>
+                    <a:pt x="0" y="0"/>
+                  </a:lnTo>
+                </a:path>
+              </a:pathLst>
+            </a:custGeom>
+            <a:ln w="13550" cap="flat">
+              <a:solidFill>
+                <a:srgbClr val="EBEBEB">
+                  <a:alpha val="100000"/>
+                </a:srgbClr>
+              </a:solidFill>
+              <a:prstDash val="solid"/>
+              <a:round/>
+            </a:ln>
+          </p:spPr>
+          <p:txBody>
+            <a:bodyPr/>
+            <a:lstStyle/>
+            <a:p/>
+          </p:txBody>
+        </p:sp>
+        <p:sp>
+          <p:nvSpPr>
+            <p:cNvPr id="40" name="pl40"/>
+            <p:cNvSpPr/>
+            <p:nvPr/>
+          </p:nvSpPr>
+          <p:spPr>
+            <a:xfrm>
+              <a:off x="3966908" y="1809173"/>
+              <a:ext cx="0" cy="3245468"/>
+            </a:xfrm>
+            <a:custGeom>
+              <a:avLst/>
+              <a:pathLst>
+                <a:path w="0" h="3245468">
+                  <a:moveTo>
+                    <a:pt x="0" y="3245468"/>
+                  </a:moveTo>
+                  <a:lnTo>
+                    <a:pt x="0" y="0"/>
+                  </a:lnTo>
+                  <a:lnTo>
+                    <a:pt x="0" y="0"/>
+                  </a:lnTo>
+                </a:path>
+              </a:pathLst>
+            </a:custGeom>
+            <a:ln w="13550" cap="flat">
+              <a:solidFill>
+                <a:srgbClr val="EBEBEB">
+                  <a:alpha val="100000"/>
+                </a:srgbClr>
+              </a:solidFill>
+              <a:prstDash val="solid"/>
+              <a:round/>
+            </a:ln>
+          </p:spPr>
+          <p:txBody>
+            <a:bodyPr/>
+            <a:lstStyle/>
+            <a:p/>
+          </p:txBody>
+        </p:sp>
+        <p:sp>
+          <p:nvSpPr>
+            <p:cNvPr id="41" name="pl41"/>
+            <p:cNvSpPr/>
+            <p:nvPr/>
+          </p:nvSpPr>
+          <p:spPr>
+            <a:xfrm>
+              <a:off x="4148641" y="1809173"/>
+              <a:ext cx="0" cy="3245468"/>
+            </a:xfrm>
+            <a:custGeom>
+              <a:avLst/>
+              <a:pathLst>
+                <a:path w="0" h="3245468">
+                  <a:moveTo>
+                    <a:pt x="0" y="3245468"/>
+                  </a:moveTo>
+                  <a:lnTo>
+                    <a:pt x="0" y="0"/>
+                  </a:lnTo>
+                  <a:lnTo>
+                    <a:pt x="0" y="0"/>
+                  </a:lnTo>
+                </a:path>
+              </a:pathLst>
+            </a:custGeom>
+            <a:ln w="13550" cap="flat">
+              <a:solidFill>
+                <a:srgbClr val="EBEBEB">
+                  <a:alpha val="100000"/>
+                </a:srgbClr>
+              </a:solidFill>
+              <a:prstDash val="solid"/>
+              <a:round/>
+            </a:ln>
+          </p:spPr>
+          <p:txBody>
+            <a:bodyPr/>
+            <a:lstStyle/>
+            <a:p/>
+          </p:txBody>
+        </p:sp>
+        <p:sp>
+          <p:nvSpPr>
+            <p:cNvPr id="42" name="pl42"/>
+            <p:cNvSpPr/>
+            <p:nvPr/>
+          </p:nvSpPr>
+          <p:spPr>
+            <a:xfrm>
+              <a:off x="4330375" y="1809173"/>
+              <a:ext cx="0" cy="3245468"/>
+            </a:xfrm>
+            <a:custGeom>
+              <a:avLst/>
+              <a:pathLst>
+                <a:path w="0" h="3245468">
+                  <a:moveTo>
+                    <a:pt x="0" y="3245468"/>
+                  </a:moveTo>
+                  <a:lnTo>
+                    <a:pt x="0" y="0"/>
+                  </a:lnTo>
+                  <a:lnTo>
+                    <a:pt x="0" y="0"/>
+                  </a:lnTo>
+                </a:path>
+              </a:pathLst>
+            </a:custGeom>
+            <a:ln w="13550" cap="flat">
+              <a:solidFill>
+                <a:srgbClr val="EBEBEB">
+                  <a:alpha val="100000"/>
+                </a:srgbClr>
+              </a:solidFill>
+              <a:prstDash val="solid"/>
+              <a:round/>
+            </a:ln>
+          </p:spPr>
+          <p:txBody>
+            <a:bodyPr/>
+            <a:lstStyle/>
+            <a:p/>
+          </p:txBody>
+        </p:sp>
+        <p:sp>
+          <p:nvSpPr>
+            <p:cNvPr id="43" name="pl43"/>
+            <p:cNvSpPr/>
+            <p:nvPr/>
+          </p:nvSpPr>
+          <p:spPr>
+            <a:xfrm>
+              <a:off x="4512108" y="1809173"/>
+              <a:ext cx="0" cy="3245468"/>
+            </a:xfrm>
+            <a:custGeom>
+              <a:avLst/>
+              <a:pathLst>
+                <a:path w="0" h="3245468">
+                  <a:moveTo>
+                    <a:pt x="0" y="3245468"/>
+                  </a:moveTo>
+                  <a:lnTo>
+                    <a:pt x="0" y="0"/>
+                  </a:lnTo>
+                  <a:lnTo>
+                    <a:pt x="0" y="0"/>
+                  </a:lnTo>
+                </a:path>
+              </a:pathLst>
+            </a:custGeom>
+            <a:ln w="13550" cap="flat">
+              <a:solidFill>
+                <a:srgbClr val="EBEBEB">
+                  <a:alpha val="100000"/>
+                </a:srgbClr>
+              </a:solidFill>
+              <a:prstDash val="solid"/>
+              <a:round/>
+            </a:ln>
+          </p:spPr>
+          <p:txBody>
+            <a:bodyPr/>
+            <a:lstStyle/>
+            <a:p/>
+          </p:txBody>
+        </p:sp>
+        <p:sp>
+          <p:nvSpPr>
+            <p:cNvPr id="44" name="pl44"/>
+            <p:cNvSpPr/>
+            <p:nvPr/>
+          </p:nvSpPr>
+          <p:spPr>
+            <a:xfrm>
+              <a:off x="4693842" y="1809173"/>
+              <a:ext cx="0" cy="3245468"/>
+            </a:xfrm>
+            <a:custGeom>
+              <a:avLst/>
+              <a:pathLst>
+                <a:path w="0" h="3245468">
+                  <a:moveTo>
+                    <a:pt x="0" y="3245468"/>
+                  </a:moveTo>
+                  <a:lnTo>
+                    <a:pt x="0" y="0"/>
+                  </a:lnTo>
+                  <a:lnTo>
+                    <a:pt x="0" y="0"/>
+                  </a:lnTo>
+                </a:path>
+              </a:pathLst>
+            </a:custGeom>
+            <a:ln w="13550" cap="flat">
+              <a:solidFill>
+                <a:srgbClr val="EBEBEB">
+                  <a:alpha val="100000"/>
+                </a:srgbClr>
+              </a:solidFill>
+              <a:prstDash val="solid"/>
+              <a:round/>
+            </a:ln>
+          </p:spPr>
+          <p:txBody>
+            <a:bodyPr/>
+            <a:lstStyle/>
+            <a:p/>
+          </p:txBody>
+        </p:sp>
+        <p:sp>
+          <p:nvSpPr>
+            <p:cNvPr id="45" name="rc45"/>
+            <p:cNvSpPr/>
+            <p:nvPr/>
+          </p:nvSpPr>
+          <p:spPr>
+            <a:xfrm>
+              <a:off x="3521661" y="4071601"/>
+              <a:ext cx="163560" cy="835518"/>
             </a:xfrm>
             <a:prstGeom prst="rect">
               <a:avLst/>
             </a:prstGeom>
             <a:solidFill>
-              <a:srgbClr val="595959">
+              <a:srgbClr val="FEE5D9">
                 <a:alpha val="100000"/>
               </a:srgbClr>
             </a:solidFill>
@@ -4177,458 +4766,2884 @@
         </p:sp>
         <p:sp>
           <p:nvSpPr>
-            <p:cNvPr id="32" name="tx32"/>
-            <p:cNvSpPr/>
-            <p:nvPr/>
-          </p:nvSpPr>
-          <p:spPr>
-            <a:xfrm>
-              <a:off x="8315710" y="1810163"/>
-              <a:ext cx="325215" cy="67753"/>
+            <p:cNvPr id="46" name="rc46"/>
+            <p:cNvSpPr/>
+            <p:nvPr/>
+          </p:nvSpPr>
+          <p:spPr>
+            <a:xfrm>
+              <a:off x="3703394" y="4463250"/>
+              <a:ext cx="163560" cy="443869"/>
             </a:xfrm>
             <a:prstGeom prst="rect">
               <a:avLst/>
             </a:prstGeom>
-            <a:noFill/>
-          </p:spPr>
-          <p:txBody>
-            <a:bodyPr lIns="0" rIns="0" tIns="0" bIns="0" anchorCtr="1" anchor="ctr" wrap="none"/>
-            <a:lstStyle/>
-            <a:p>
-              <a:pPr algn="l" marL="0" marR="0" indent="0">
-                <a:lnSpc>
-                  <a:spcPts val="853"/>
-                </a:lnSpc>
-                <a:spcBef>
-                  <a:spcPts val="0"/>
-                </a:spcBef>
-                <a:spcAft>
-                  <a:spcPts val="0"/>
-                </a:spcAft>
-              </a:pPr>
-              <a:r>
-                <a:rPr sz="853" b="1">
-                  <a:solidFill>
-                    <a:srgbClr val="FFFFFF">
-                      <a:alpha val="100000"/>
-                    </a:srgbClr>
-                  </a:solidFill>
-                  <a:latin typeface="Arial"/>
-                  <a:cs typeface="Arial"/>
-                </a:rPr>
-                <a:t>消化不良</a:t>
-              </a:r>
-            </a:p>
-          </p:txBody>
-        </p:sp>
-        <p:sp>
-          <p:nvSpPr>
-            <p:cNvPr id="33" name="tx33"/>
-            <p:cNvSpPr/>
-            <p:nvPr/>
-          </p:nvSpPr>
-          <p:spPr>
-            <a:xfrm>
-              <a:off x="7544823" y="2250197"/>
-              <a:ext cx="162607" cy="67753"/>
+            <a:solidFill>
+              <a:srgbClr val="FCBBA1">
+                <a:alpha val="100000"/>
+              </a:srgbClr>
+            </a:solidFill>
+          </p:spPr>
+          <p:txBody>
+            <a:bodyPr/>
+            <a:lstStyle/>
+            <a:p/>
+          </p:txBody>
+        </p:sp>
+        <p:sp>
+          <p:nvSpPr>
+            <p:cNvPr id="47" name="rc47"/>
+            <p:cNvSpPr/>
+            <p:nvPr/>
+          </p:nvSpPr>
+          <p:spPr>
+            <a:xfrm>
+              <a:off x="3885128" y="3627732"/>
+              <a:ext cx="163560" cy="1279388"/>
             </a:xfrm>
             <a:prstGeom prst="rect">
               <a:avLst/>
             </a:prstGeom>
-            <a:noFill/>
-          </p:spPr>
-          <p:txBody>
-            <a:bodyPr lIns="0" rIns="0" tIns="0" bIns="0" anchorCtr="1" anchor="ctr" wrap="none"/>
-            <a:lstStyle/>
-            <a:p>
-              <a:pPr algn="l" marL="0" marR="0" indent="0">
-                <a:lnSpc>
-                  <a:spcPts val="853"/>
-                </a:lnSpc>
-                <a:spcBef>
-                  <a:spcPts val="0"/>
-                </a:spcBef>
-                <a:spcAft>
-                  <a:spcPts val="0"/>
-                </a:spcAft>
-              </a:pPr>
-              <a:r>
-                <a:rPr sz="853" b="1">
-                  <a:solidFill>
-                    <a:srgbClr val="FFFFFF">
-                      <a:alpha val="100000"/>
-                    </a:srgbClr>
-                  </a:solidFill>
-                  <a:latin typeface="Arial"/>
-                  <a:cs typeface="Arial"/>
-                </a:rPr>
-                <a:t>便秘</a:t>
-              </a:r>
-            </a:p>
-          </p:txBody>
-        </p:sp>
-        <p:sp>
-          <p:nvSpPr>
-            <p:cNvPr id="34" name="tx34"/>
-            <p:cNvSpPr/>
-            <p:nvPr/>
-          </p:nvSpPr>
-          <p:spPr>
-            <a:xfrm>
-              <a:off x="5467147" y="2690231"/>
-              <a:ext cx="1382163" cy="67753"/>
+            <a:solidFill>
+              <a:srgbClr val="FC9272">
+                <a:alpha val="100000"/>
+              </a:srgbClr>
+            </a:solidFill>
+          </p:spPr>
+          <p:txBody>
+            <a:bodyPr/>
+            <a:lstStyle/>
+            <a:p/>
+          </p:txBody>
+        </p:sp>
+        <p:sp>
+          <p:nvSpPr>
+            <p:cNvPr id="48" name="rc48"/>
+            <p:cNvSpPr/>
+            <p:nvPr/>
+          </p:nvSpPr>
+          <p:spPr>
+            <a:xfrm>
+              <a:off x="4066861" y="3366632"/>
+              <a:ext cx="163560" cy="1540487"/>
             </a:xfrm>
             <a:prstGeom prst="rect">
               <a:avLst/>
             </a:prstGeom>
-            <a:noFill/>
-          </p:spPr>
-          <p:txBody>
-            <a:bodyPr lIns="0" rIns="0" tIns="0" bIns="0" anchorCtr="1" anchor="ctr" wrap="none"/>
-            <a:lstStyle/>
-            <a:p>
-              <a:pPr algn="l" marL="0" marR="0" indent="0">
-                <a:lnSpc>
-                  <a:spcPts val="853"/>
-                </a:lnSpc>
-                <a:spcBef>
-                  <a:spcPts val="0"/>
-                </a:spcBef>
-                <a:spcAft>
-                  <a:spcPts val="0"/>
-                </a:spcAft>
-              </a:pPr>
-              <a:r>
-                <a:rPr sz="853" b="1">
-                  <a:solidFill>
-                    <a:srgbClr val="FFFFFF">
-                      <a:alpha val="100000"/>
-                    </a:srgbClr>
-                  </a:solidFill>
-                  <a:latin typeface="Arial"/>
-                  <a:cs typeface="Arial"/>
-                </a:rPr>
-                <a:t>身体无碍，只为调理或改善肠道微生态</a:t>
-              </a:r>
-            </a:p>
-          </p:txBody>
-        </p:sp>
-        <p:sp>
-          <p:nvSpPr>
-            <p:cNvPr id="35" name="tx35"/>
-            <p:cNvSpPr/>
-            <p:nvPr/>
-          </p:nvSpPr>
-          <p:spPr>
-            <a:xfrm>
-              <a:off x="6622924" y="3130265"/>
-              <a:ext cx="162607" cy="67753"/>
+            <a:solidFill>
+              <a:srgbClr val="FB6A4A">
+                <a:alpha val="100000"/>
+              </a:srgbClr>
+            </a:solidFill>
+          </p:spPr>
+          <p:txBody>
+            <a:bodyPr/>
+            <a:lstStyle/>
+            <a:p/>
+          </p:txBody>
+        </p:sp>
+        <p:sp>
+          <p:nvSpPr>
+            <p:cNvPr id="49" name="rc49"/>
+            <p:cNvSpPr/>
+            <p:nvPr/>
+          </p:nvSpPr>
+          <p:spPr>
+            <a:xfrm>
+              <a:off x="4248594" y="4332700"/>
+              <a:ext cx="163560" cy="574419"/>
             </a:xfrm>
             <a:prstGeom prst="rect">
               <a:avLst/>
             </a:prstGeom>
-            <a:noFill/>
-          </p:spPr>
-          <p:txBody>
-            <a:bodyPr lIns="0" rIns="0" tIns="0" bIns="0" anchorCtr="1" anchor="ctr" wrap="none"/>
-            <a:lstStyle/>
-            <a:p>
-              <a:pPr algn="l" marL="0" marR="0" indent="0">
-                <a:lnSpc>
-                  <a:spcPts val="853"/>
-                </a:lnSpc>
-                <a:spcBef>
-                  <a:spcPts val="0"/>
-                </a:spcBef>
-                <a:spcAft>
-                  <a:spcPts val="0"/>
-                </a:spcAft>
-              </a:pPr>
-              <a:r>
-                <a:rPr sz="853" b="1">
-                  <a:solidFill>
-                    <a:srgbClr val="FFFFFF">
-                      <a:alpha val="100000"/>
-                    </a:srgbClr>
-                  </a:solidFill>
-                  <a:latin typeface="Arial"/>
-                  <a:cs typeface="Arial"/>
-                </a:rPr>
-                <a:t>胀气</a:t>
-              </a:r>
-            </a:p>
-          </p:txBody>
-        </p:sp>
-        <p:sp>
-          <p:nvSpPr>
-            <p:cNvPr id="36" name="tx36"/>
-            <p:cNvSpPr/>
-            <p:nvPr/>
-          </p:nvSpPr>
-          <p:spPr>
-            <a:xfrm>
-              <a:off x="6216796" y="3570299"/>
-              <a:ext cx="325215" cy="67753"/>
+            <a:solidFill>
+              <a:srgbClr val="EF3B2C">
+                <a:alpha val="100000"/>
+              </a:srgbClr>
+            </a:solidFill>
+          </p:spPr>
+          <p:txBody>
+            <a:bodyPr/>
+            <a:lstStyle/>
+            <a:p/>
+          </p:txBody>
+        </p:sp>
+        <p:sp>
+          <p:nvSpPr>
+            <p:cNvPr id="50" name="rc50"/>
+            <p:cNvSpPr/>
+            <p:nvPr/>
+          </p:nvSpPr>
+          <p:spPr>
+            <a:xfrm>
+              <a:off x="4430328" y="3236082"/>
+              <a:ext cx="163560" cy="1671037"/>
             </a:xfrm>
             <a:prstGeom prst="rect">
               <a:avLst/>
             </a:prstGeom>
-            <a:noFill/>
-          </p:spPr>
-          <p:txBody>
-            <a:bodyPr lIns="0" rIns="0" tIns="0" bIns="0" anchorCtr="1" anchor="ctr" wrap="none"/>
-            <a:lstStyle/>
-            <a:p>
-              <a:pPr algn="l" marL="0" marR="0" indent="0">
-                <a:lnSpc>
-                  <a:spcPts val="853"/>
-                </a:lnSpc>
-                <a:spcBef>
-                  <a:spcPts val="0"/>
-                </a:spcBef>
-                <a:spcAft>
-                  <a:spcPts val="0"/>
-                </a:spcAft>
-              </a:pPr>
-              <a:r>
-                <a:rPr sz="853" b="1">
-                  <a:solidFill>
-                    <a:srgbClr val="FFFFFF">
-                      <a:alpha val="100000"/>
-                    </a:srgbClr>
-                  </a:solidFill>
-                  <a:latin typeface="Arial"/>
-                  <a:cs typeface="Arial"/>
-                </a:rPr>
-                <a:t>食欲不振</a:t>
-              </a:r>
-            </a:p>
-          </p:txBody>
-        </p:sp>
-        <p:sp>
-          <p:nvSpPr>
-            <p:cNvPr id="37" name="tx37"/>
-            <p:cNvSpPr/>
-            <p:nvPr/>
-          </p:nvSpPr>
-          <p:spPr>
-            <a:xfrm>
-              <a:off x="5422717" y="4010332"/>
-              <a:ext cx="162607" cy="67753"/>
+            <a:solidFill>
+              <a:srgbClr val="CB181D">
+                <a:alpha val="100000"/>
+              </a:srgbClr>
+            </a:solidFill>
+          </p:spPr>
+          <p:txBody>
+            <a:bodyPr/>
+            <a:lstStyle/>
+            <a:p/>
+          </p:txBody>
+        </p:sp>
+        <p:sp>
+          <p:nvSpPr>
+            <p:cNvPr id="51" name="rc51"/>
+            <p:cNvSpPr/>
+            <p:nvPr/>
+          </p:nvSpPr>
+          <p:spPr>
+            <a:xfrm>
+              <a:off x="4612061" y="4489360"/>
+              <a:ext cx="163560" cy="417759"/>
             </a:xfrm>
             <a:prstGeom prst="rect">
               <a:avLst/>
             </a:prstGeom>
-            <a:noFill/>
-          </p:spPr>
-          <p:txBody>
-            <a:bodyPr lIns="0" rIns="0" tIns="0" bIns="0" anchorCtr="1" anchor="ctr" wrap="none"/>
-            <a:lstStyle/>
-            <a:p>
-              <a:pPr algn="l" marL="0" marR="0" indent="0">
-                <a:lnSpc>
-                  <a:spcPts val="853"/>
-                </a:lnSpc>
-                <a:spcBef>
-                  <a:spcPts val="0"/>
-                </a:spcBef>
-                <a:spcAft>
-                  <a:spcPts val="0"/>
-                </a:spcAft>
-              </a:pPr>
-              <a:r>
-                <a:rPr sz="853" b="1">
-                  <a:solidFill>
-                    <a:srgbClr val="FFFFFF">
-                      <a:alpha val="100000"/>
-                    </a:srgbClr>
-                  </a:solidFill>
-                  <a:latin typeface="Arial"/>
-                  <a:cs typeface="Arial"/>
-                </a:rPr>
-                <a:t>腹泻</a:t>
-              </a:r>
-            </a:p>
-          </p:txBody>
-        </p:sp>
-        <p:sp>
-          <p:nvSpPr>
-            <p:cNvPr id="38" name="tx38"/>
-            <p:cNvSpPr/>
-            <p:nvPr/>
-          </p:nvSpPr>
-          <p:spPr>
-            <a:xfrm>
-              <a:off x="3819222" y="4465886"/>
-              <a:ext cx="894341" cy="67753"/>
-            </a:xfrm>
-            <a:prstGeom prst="rect">
-              <a:avLst/>
-            </a:prstGeom>
-            <a:noFill/>
-          </p:spPr>
-          <p:txBody>
-            <a:bodyPr lIns="0" rIns="0" tIns="0" bIns="0" anchorCtr="1" anchor="ctr" wrap="none"/>
-            <a:lstStyle/>
-            <a:p>
-              <a:pPr algn="l" marL="0" marR="0" indent="0">
-                <a:lnSpc>
-                  <a:spcPts val="853"/>
-                </a:lnSpc>
-                <a:spcBef>
-                  <a:spcPts val="0"/>
-                </a:spcBef>
-                <a:spcAft>
-                  <a:spcPts val="0"/>
-                </a:spcAft>
-              </a:pPr>
-              <a:r>
-                <a:rPr sz="853">
-                  <a:solidFill>
-                    <a:srgbClr val="000000">
-                      <a:alpha val="100000"/>
-                    </a:srgbClr>
-                  </a:solidFill>
-                  <a:latin typeface="Arial"/>
-                  <a:cs typeface="Arial"/>
-                </a:rPr>
-                <a:t>肠炎（包括炎症性肠病）</a:t>
-              </a:r>
-            </a:p>
-          </p:txBody>
-        </p:sp>
-        <p:sp>
-          <p:nvSpPr>
-            <p:cNvPr id="39" name="tx39"/>
-            <p:cNvSpPr/>
-            <p:nvPr/>
-          </p:nvSpPr>
-          <p:spPr>
-            <a:xfrm>
-              <a:off x="2729178" y="4905920"/>
-              <a:ext cx="487822" cy="67753"/>
-            </a:xfrm>
-            <a:prstGeom prst="rect">
-              <a:avLst/>
-            </a:prstGeom>
-            <a:noFill/>
-          </p:spPr>
-          <p:txBody>
-            <a:bodyPr lIns="0" rIns="0" tIns="0" bIns="0" anchorCtr="1" anchor="ctr" wrap="none"/>
-            <a:lstStyle/>
-            <a:p>
-              <a:pPr algn="l" marL="0" marR="0" indent="0">
-                <a:lnSpc>
-                  <a:spcPts val="853"/>
-                </a:lnSpc>
-                <a:spcBef>
-                  <a:spcPts val="0"/>
-                </a:spcBef>
-                <a:spcAft>
-                  <a:spcPts val="0"/>
-                </a:spcAft>
-              </a:pPr>
-              <a:r>
-                <a:rPr sz="853">
-                  <a:solidFill>
-                    <a:srgbClr val="000000">
-                      <a:alpha val="100000"/>
-                    </a:srgbClr>
-                  </a:solidFill>
-                  <a:latin typeface="Arial"/>
-                  <a:cs typeface="Arial"/>
-                </a:rPr>
-                <a:t>肠易激综合征</a:t>
-              </a:r>
-            </a:p>
-          </p:txBody>
-        </p:sp>
-        <p:sp>
-          <p:nvSpPr>
-            <p:cNvPr id="40" name="tx40"/>
-            <p:cNvSpPr/>
-            <p:nvPr/>
-          </p:nvSpPr>
-          <p:spPr>
-            <a:xfrm>
-              <a:off x="2537841" y="5345953"/>
-              <a:ext cx="813037" cy="67753"/>
-            </a:xfrm>
-            <a:prstGeom prst="rect">
-              <a:avLst/>
-            </a:prstGeom>
-            <a:noFill/>
-          </p:spPr>
-          <p:txBody>
-            <a:bodyPr lIns="0" rIns="0" tIns="0" bIns="0" anchorCtr="1" anchor="ctr" wrap="none"/>
-            <a:lstStyle/>
-            <a:p>
-              <a:pPr algn="l" marL="0" marR="0" indent="0">
-                <a:lnSpc>
-                  <a:spcPts val="853"/>
-                </a:lnSpc>
-                <a:spcBef>
-                  <a:spcPts val="0"/>
-                </a:spcBef>
-                <a:spcAft>
-                  <a:spcPts val="0"/>
-                </a:spcAft>
-              </a:pPr>
-              <a:r>
-                <a:rPr sz="853">
-                  <a:solidFill>
-                    <a:srgbClr val="000000">
-                      <a:alpha val="100000"/>
-                    </a:srgbClr>
-                  </a:solidFill>
-                  <a:latin typeface="Arial"/>
-                  <a:cs typeface="Arial"/>
-                </a:rPr>
-                <a:t>抵消抗生素摄入的影响</a:t>
-              </a:r>
-            </a:p>
-          </p:txBody>
-        </p:sp>
-        <p:sp>
-          <p:nvSpPr>
-            <p:cNvPr id="41" name="rc41"/>
-            <p:cNvSpPr/>
-            <p:nvPr/>
-          </p:nvSpPr>
-          <p:spPr>
-            <a:xfrm>
-              <a:off x="2023549" y="1590617"/>
-              <a:ext cx="6913543" cy="4048310"/>
+            <a:solidFill>
+              <a:srgbClr val="99000D">
+                <a:alpha val="100000"/>
+              </a:srgbClr>
+            </a:solidFill>
+          </p:spPr>
+          <p:txBody>
+            <a:bodyPr/>
+            <a:lstStyle/>
+            <a:p/>
+          </p:txBody>
+        </p:sp>
+        <p:sp>
+          <p:nvSpPr>
+            <p:cNvPr id="52" name="rc52"/>
+            <p:cNvSpPr/>
+            <p:nvPr/>
+          </p:nvSpPr>
+          <p:spPr>
+            <a:xfrm>
+              <a:off x="3494401" y="1809173"/>
+              <a:ext cx="1308481" cy="3245468"/>
             </a:xfrm>
             <a:prstGeom prst="rect">
               <a:avLst/>
             </a:prstGeom>
             <a:ln w="13550" cap="rnd">
               <a:solidFill>
-                <a:srgbClr val="B3B3B3">
-                  <a:alpha val="100000"/>
-                </a:srgbClr>
-              </a:solidFill>
-              <a:prstDash val="solid"/>
-              <a:round/>
-            </a:ln>
-          </p:spPr>
-          <p:txBody>
-            <a:bodyPr/>
-            <a:lstStyle/>
-            <a:p/>
-          </p:txBody>
-        </p:sp>
-        <p:sp>
-          <p:nvSpPr>
-            <p:cNvPr id="42" name="tx42"/>
-            <p:cNvSpPr/>
-            <p:nvPr/>
-          </p:nvSpPr>
-          <p:spPr>
-            <a:xfrm>
-              <a:off x="1926599" y="5333161"/>
-              <a:ext cx="62155" cy="81746"/>
+                <a:srgbClr val="333333">
+                  <a:alpha val="100000"/>
+                </a:srgbClr>
+              </a:solidFill>
+              <a:prstDash val="solid"/>
+              <a:round/>
+            </a:ln>
+          </p:spPr>
+          <p:txBody>
+            <a:bodyPr/>
+            <a:lstStyle/>
+            <a:p/>
+          </p:txBody>
+        </p:sp>
+        <p:sp>
+          <p:nvSpPr>
+            <p:cNvPr id="53" name="rc53"/>
+            <p:cNvSpPr/>
+            <p:nvPr/>
+          </p:nvSpPr>
+          <p:spPr>
+            <a:xfrm>
+              <a:off x="4872471" y="1809173"/>
+              <a:ext cx="1308481" cy="3245468"/>
+            </a:xfrm>
+            <a:prstGeom prst="rect">
+              <a:avLst/>
+            </a:prstGeom>
+            <a:solidFill>
+              <a:srgbClr val="FFFFFF">
+                <a:alpha val="100000"/>
+              </a:srgbClr>
+            </a:solidFill>
+          </p:spPr>
+          <p:txBody>
+            <a:bodyPr/>
+            <a:lstStyle/>
+            <a:p/>
+          </p:txBody>
+        </p:sp>
+        <p:sp>
+          <p:nvSpPr>
+            <p:cNvPr id="54" name="pl54"/>
+            <p:cNvSpPr/>
+            <p:nvPr/>
+          </p:nvSpPr>
+          <p:spPr>
+            <a:xfrm>
+              <a:off x="4872471" y="4515470"/>
+              <a:ext cx="1308481" cy="0"/>
+            </a:xfrm>
+            <a:custGeom>
+              <a:avLst/>
+              <a:pathLst>
+                <a:path w="1308481" h="0">
+                  <a:moveTo>
+                    <a:pt x="0" y="0"/>
+                  </a:moveTo>
+                  <a:lnTo>
+                    <a:pt x="1308481" y="0"/>
+                  </a:lnTo>
+                  <a:lnTo>
+                    <a:pt x="1308481" y="0"/>
+                  </a:lnTo>
+                </a:path>
+              </a:pathLst>
+            </a:custGeom>
+            <a:ln w="6775" cap="flat">
+              <a:solidFill>
+                <a:srgbClr val="EBEBEB">
+                  <a:alpha val="100000"/>
+                </a:srgbClr>
+              </a:solidFill>
+              <a:prstDash val="solid"/>
+              <a:round/>
+            </a:ln>
+          </p:spPr>
+          <p:txBody>
+            <a:bodyPr/>
+            <a:lstStyle/>
+            <a:p/>
+          </p:txBody>
+        </p:sp>
+        <p:sp>
+          <p:nvSpPr>
+            <p:cNvPr id="55" name="pl55"/>
+            <p:cNvSpPr/>
+            <p:nvPr/>
+          </p:nvSpPr>
+          <p:spPr>
+            <a:xfrm>
+              <a:off x="4872471" y="3732171"/>
+              <a:ext cx="1308481" cy="0"/>
+            </a:xfrm>
+            <a:custGeom>
+              <a:avLst/>
+              <a:pathLst>
+                <a:path w="1308481" h="0">
+                  <a:moveTo>
+                    <a:pt x="0" y="0"/>
+                  </a:moveTo>
+                  <a:lnTo>
+                    <a:pt x="1308481" y="0"/>
+                  </a:lnTo>
+                  <a:lnTo>
+                    <a:pt x="1308481" y="0"/>
+                  </a:lnTo>
+                </a:path>
+              </a:pathLst>
+            </a:custGeom>
+            <a:ln w="6775" cap="flat">
+              <a:solidFill>
+                <a:srgbClr val="EBEBEB">
+                  <a:alpha val="100000"/>
+                </a:srgbClr>
+              </a:solidFill>
+              <a:prstDash val="solid"/>
+              <a:round/>
+            </a:ln>
+          </p:spPr>
+          <p:txBody>
+            <a:bodyPr/>
+            <a:lstStyle/>
+            <a:p/>
+          </p:txBody>
+        </p:sp>
+        <p:sp>
+          <p:nvSpPr>
+            <p:cNvPr id="56" name="pl56"/>
+            <p:cNvSpPr/>
+            <p:nvPr/>
+          </p:nvSpPr>
+          <p:spPr>
+            <a:xfrm>
+              <a:off x="4872471" y="2948872"/>
+              <a:ext cx="1308481" cy="0"/>
+            </a:xfrm>
+            <a:custGeom>
+              <a:avLst/>
+              <a:pathLst>
+                <a:path w="1308481" h="0">
+                  <a:moveTo>
+                    <a:pt x="0" y="0"/>
+                  </a:moveTo>
+                  <a:lnTo>
+                    <a:pt x="1308481" y="0"/>
+                  </a:lnTo>
+                  <a:lnTo>
+                    <a:pt x="1308481" y="0"/>
+                  </a:lnTo>
+                </a:path>
+              </a:pathLst>
+            </a:custGeom>
+            <a:ln w="6775" cap="flat">
+              <a:solidFill>
+                <a:srgbClr val="EBEBEB">
+                  <a:alpha val="100000"/>
+                </a:srgbClr>
+              </a:solidFill>
+              <a:prstDash val="solid"/>
+              <a:round/>
+            </a:ln>
+          </p:spPr>
+          <p:txBody>
+            <a:bodyPr/>
+            <a:lstStyle/>
+            <a:p/>
+          </p:txBody>
+        </p:sp>
+        <p:sp>
+          <p:nvSpPr>
+            <p:cNvPr id="57" name="pl57"/>
+            <p:cNvSpPr/>
+            <p:nvPr/>
+          </p:nvSpPr>
+          <p:spPr>
+            <a:xfrm>
+              <a:off x="4872471" y="2165574"/>
+              <a:ext cx="1308481" cy="0"/>
+            </a:xfrm>
+            <a:custGeom>
+              <a:avLst/>
+              <a:pathLst>
+                <a:path w="1308481" h="0">
+                  <a:moveTo>
+                    <a:pt x="0" y="0"/>
+                  </a:moveTo>
+                  <a:lnTo>
+                    <a:pt x="1308481" y="0"/>
+                  </a:lnTo>
+                  <a:lnTo>
+                    <a:pt x="1308481" y="0"/>
+                  </a:lnTo>
+                </a:path>
+              </a:pathLst>
+            </a:custGeom>
+            <a:ln w="6775" cap="flat">
+              <a:solidFill>
+                <a:srgbClr val="EBEBEB">
+                  <a:alpha val="100000"/>
+                </a:srgbClr>
+              </a:solidFill>
+              <a:prstDash val="solid"/>
+              <a:round/>
+            </a:ln>
+          </p:spPr>
+          <p:txBody>
+            <a:bodyPr/>
+            <a:lstStyle/>
+            <a:p/>
+          </p:txBody>
+        </p:sp>
+        <p:sp>
+          <p:nvSpPr>
+            <p:cNvPr id="58" name="pl58"/>
+            <p:cNvSpPr/>
+            <p:nvPr/>
+          </p:nvSpPr>
+          <p:spPr>
+            <a:xfrm>
+              <a:off x="4872471" y="4907120"/>
+              <a:ext cx="1308481" cy="0"/>
+            </a:xfrm>
+            <a:custGeom>
+              <a:avLst/>
+              <a:pathLst>
+                <a:path w="1308481" h="0">
+                  <a:moveTo>
+                    <a:pt x="0" y="0"/>
+                  </a:moveTo>
+                  <a:lnTo>
+                    <a:pt x="1308481" y="0"/>
+                  </a:lnTo>
+                  <a:lnTo>
+                    <a:pt x="1308481" y="0"/>
+                  </a:lnTo>
+                </a:path>
+              </a:pathLst>
+            </a:custGeom>
+            <a:ln w="13550" cap="flat">
+              <a:solidFill>
+                <a:srgbClr val="EBEBEB">
+                  <a:alpha val="100000"/>
+                </a:srgbClr>
+              </a:solidFill>
+              <a:prstDash val="solid"/>
+              <a:round/>
+            </a:ln>
+          </p:spPr>
+          <p:txBody>
+            <a:bodyPr/>
+            <a:lstStyle/>
+            <a:p/>
+          </p:txBody>
+        </p:sp>
+        <p:sp>
+          <p:nvSpPr>
+            <p:cNvPr id="59" name="pl59"/>
+            <p:cNvSpPr/>
+            <p:nvPr/>
+          </p:nvSpPr>
+          <p:spPr>
+            <a:xfrm>
+              <a:off x="4872471" y="4123821"/>
+              <a:ext cx="1308481" cy="0"/>
+            </a:xfrm>
+            <a:custGeom>
+              <a:avLst/>
+              <a:pathLst>
+                <a:path w="1308481" h="0">
+                  <a:moveTo>
+                    <a:pt x="0" y="0"/>
+                  </a:moveTo>
+                  <a:lnTo>
+                    <a:pt x="1308481" y="0"/>
+                  </a:lnTo>
+                  <a:lnTo>
+                    <a:pt x="1308481" y="0"/>
+                  </a:lnTo>
+                </a:path>
+              </a:pathLst>
+            </a:custGeom>
+            <a:ln w="13550" cap="flat">
+              <a:solidFill>
+                <a:srgbClr val="EBEBEB">
+                  <a:alpha val="100000"/>
+                </a:srgbClr>
+              </a:solidFill>
+              <a:prstDash val="solid"/>
+              <a:round/>
+            </a:ln>
+          </p:spPr>
+          <p:txBody>
+            <a:bodyPr/>
+            <a:lstStyle/>
+            <a:p/>
+          </p:txBody>
+        </p:sp>
+        <p:sp>
+          <p:nvSpPr>
+            <p:cNvPr id="60" name="pl60"/>
+            <p:cNvSpPr/>
+            <p:nvPr/>
+          </p:nvSpPr>
+          <p:spPr>
+            <a:xfrm>
+              <a:off x="4872471" y="3340522"/>
+              <a:ext cx="1308481" cy="0"/>
+            </a:xfrm>
+            <a:custGeom>
+              <a:avLst/>
+              <a:pathLst>
+                <a:path w="1308481" h="0">
+                  <a:moveTo>
+                    <a:pt x="0" y="0"/>
+                  </a:moveTo>
+                  <a:lnTo>
+                    <a:pt x="1308481" y="0"/>
+                  </a:lnTo>
+                  <a:lnTo>
+                    <a:pt x="1308481" y="0"/>
+                  </a:lnTo>
+                </a:path>
+              </a:pathLst>
+            </a:custGeom>
+            <a:ln w="13550" cap="flat">
+              <a:solidFill>
+                <a:srgbClr val="EBEBEB">
+                  <a:alpha val="100000"/>
+                </a:srgbClr>
+              </a:solidFill>
+              <a:prstDash val="solid"/>
+              <a:round/>
+            </a:ln>
+          </p:spPr>
+          <p:txBody>
+            <a:bodyPr/>
+            <a:lstStyle/>
+            <a:p/>
+          </p:txBody>
+        </p:sp>
+        <p:sp>
+          <p:nvSpPr>
+            <p:cNvPr id="61" name="pl61"/>
+            <p:cNvSpPr/>
+            <p:nvPr/>
+          </p:nvSpPr>
+          <p:spPr>
+            <a:xfrm>
+              <a:off x="4872471" y="2557223"/>
+              <a:ext cx="1308481" cy="0"/>
+            </a:xfrm>
+            <a:custGeom>
+              <a:avLst/>
+              <a:pathLst>
+                <a:path w="1308481" h="0">
+                  <a:moveTo>
+                    <a:pt x="0" y="0"/>
+                  </a:moveTo>
+                  <a:lnTo>
+                    <a:pt x="1308481" y="0"/>
+                  </a:lnTo>
+                  <a:lnTo>
+                    <a:pt x="1308481" y="0"/>
+                  </a:lnTo>
+                </a:path>
+              </a:pathLst>
+            </a:custGeom>
+            <a:ln w="13550" cap="flat">
+              <a:solidFill>
+                <a:srgbClr val="EBEBEB">
+                  <a:alpha val="100000"/>
+                </a:srgbClr>
+              </a:solidFill>
+              <a:prstDash val="solid"/>
+              <a:round/>
+            </a:ln>
+          </p:spPr>
+          <p:txBody>
+            <a:bodyPr/>
+            <a:lstStyle/>
+            <a:p/>
+          </p:txBody>
+        </p:sp>
+        <p:sp>
+          <p:nvSpPr>
+            <p:cNvPr id="62" name="pl62"/>
+            <p:cNvSpPr/>
+            <p:nvPr/>
+          </p:nvSpPr>
+          <p:spPr>
+            <a:xfrm>
+              <a:off x="4981511" y="1809173"/>
+              <a:ext cx="0" cy="3245468"/>
+            </a:xfrm>
+            <a:custGeom>
+              <a:avLst/>
+              <a:pathLst>
+                <a:path w="0" h="3245468">
+                  <a:moveTo>
+                    <a:pt x="0" y="3245468"/>
+                  </a:moveTo>
+                  <a:lnTo>
+                    <a:pt x="0" y="0"/>
+                  </a:lnTo>
+                  <a:lnTo>
+                    <a:pt x="0" y="0"/>
+                  </a:lnTo>
+                </a:path>
+              </a:pathLst>
+            </a:custGeom>
+            <a:ln w="13550" cap="flat">
+              <a:solidFill>
+                <a:srgbClr val="EBEBEB">
+                  <a:alpha val="100000"/>
+                </a:srgbClr>
+              </a:solidFill>
+              <a:prstDash val="solid"/>
+              <a:round/>
+            </a:ln>
+          </p:spPr>
+          <p:txBody>
+            <a:bodyPr/>
+            <a:lstStyle/>
+            <a:p/>
+          </p:txBody>
+        </p:sp>
+        <p:sp>
+          <p:nvSpPr>
+            <p:cNvPr id="63" name="pl63"/>
+            <p:cNvSpPr/>
+            <p:nvPr/>
+          </p:nvSpPr>
+          <p:spPr>
+            <a:xfrm>
+              <a:off x="5163244" y="1809173"/>
+              <a:ext cx="0" cy="3245468"/>
+            </a:xfrm>
+            <a:custGeom>
+              <a:avLst/>
+              <a:pathLst>
+                <a:path w="0" h="3245468">
+                  <a:moveTo>
+                    <a:pt x="0" y="3245468"/>
+                  </a:moveTo>
+                  <a:lnTo>
+                    <a:pt x="0" y="0"/>
+                  </a:lnTo>
+                  <a:lnTo>
+                    <a:pt x="0" y="0"/>
+                  </a:lnTo>
+                </a:path>
+              </a:pathLst>
+            </a:custGeom>
+            <a:ln w="13550" cap="flat">
+              <a:solidFill>
+                <a:srgbClr val="EBEBEB">
+                  <a:alpha val="100000"/>
+                </a:srgbClr>
+              </a:solidFill>
+              <a:prstDash val="solid"/>
+              <a:round/>
+            </a:ln>
+          </p:spPr>
+          <p:txBody>
+            <a:bodyPr/>
+            <a:lstStyle/>
+            <a:p/>
+          </p:txBody>
+        </p:sp>
+        <p:sp>
+          <p:nvSpPr>
+            <p:cNvPr id="64" name="pl64"/>
+            <p:cNvSpPr/>
+            <p:nvPr/>
+          </p:nvSpPr>
+          <p:spPr>
+            <a:xfrm>
+              <a:off x="5344978" y="1809173"/>
+              <a:ext cx="0" cy="3245468"/>
+            </a:xfrm>
+            <a:custGeom>
+              <a:avLst/>
+              <a:pathLst>
+                <a:path w="0" h="3245468">
+                  <a:moveTo>
+                    <a:pt x="0" y="3245468"/>
+                  </a:moveTo>
+                  <a:lnTo>
+                    <a:pt x="0" y="0"/>
+                  </a:lnTo>
+                  <a:lnTo>
+                    <a:pt x="0" y="0"/>
+                  </a:lnTo>
+                </a:path>
+              </a:pathLst>
+            </a:custGeom>
+            <a:ln w="13550" cap="flat">
+              <a:solidFill>
+                <a:srgbClr val="EBEBEB">
+                  <a:alpha val="100000"/>
+                </a:srgbClr>
+              </a:solidFill>
+              <a:prstDash val="solid"/>
+              <a:round/>
+            </a:ln>
+          </p:spPr>
+          <p:txBody>
+            <a:bodyPr/>
+            <a:lstStyle/>
+            <a:p/>
+          </p:txBody>
+        </p:sp>
+        <p:sp>
+          <p:nvSpPr>
+            <p:cNvPr id="65" name="pl65"/>
+            <p:cNvSpPr/>
+            <p:nvPr/>
+          </p:nvSpPr>
+          <p:spPr>
+            <a:xfrm>
+              <a:off x="5526711" y="1809173"/>
+              <a:ext cx="0" cy="3245468"/>
+            </a:xfrm>
+            <a:custGeom>
+              <a:avLst/>
+              <a:pathLst>
+                <a:path w="0" h="3245468">
+                  <a:moveTo>
+                    <a:pt x="0" y="3245468"/>
+                  </a:moveTo>
+                  <a:lnTo>
+                    <a:pt x="0" y="0"/>
+                  </a:lnTo>
+                  <a:lnTo>
+                    <a:pt x="0" y="0"/>
+                  </a:lnTo>
+                </a:path>
+              </a:pathLst>
+            </a:custGeom>
+            <a:ln w="13550" cap="flat">
+              <a:solidFill>
+                <a:srgbClr val="EBEBEB">
+                  <a:alpha val="100000"/>
+                </a:srgbClr>
+              </a:solidFill>
+              <a:prstDash val="solid"/>
+              <a:round/>
+            </a:ln>
+          </p:spPr>
+          <p:txBody>
+            <a:bodyPr/>
+            <a:lstStyle/>
+            <a:p/>
+          </p:txBody>
+        </p:sp>
+        <p:sp>
+          <p:nvSpPr>
+            <p:cNvPr id="66" name="pl66"/>
+            <p:cNvSpPr/>
+            <p:nvPr/>
+          </p:nvSpPr>
+          <p:spPr>
+            <a:xfrm>
+              <a:off x="5708445" y="1809173"/>
+              <a:ext cx="0" cy="3245468"/>
+            </a:xfrm>
+            <a:custGeom>
+              <a:avLst/>
+              <a:pathLst>
+                <a:path w="0" h="3245468">
+                  <a:moveTo>
+                    <a:pt x="0" y="3245468"/>
+                  </a:moveTo>
+                  <a:lnTo>
+                    <a:pt x="0" y="0"/>
+                  </a:lnTo>
+                  <a:lnTo>
+                    <a:pt x="0" y="0"/>
+                  </a:lnTo>
+                </a:path>
+              </a:pathLst>
+            </a:custGeom>
+            <a:ln w="13550" cap="flat">
+              <a:solidFill>
+                <a:srgbClr val="EBEBEB">
+                  <a:alpha val="100000"/>
+                </a:srgbClr>
+              </a:solidFill>
+              <a:prstDash val="solid"/>
+              <a:round/>
+            </a:ln>
+          </p:spPr>
+          <p:txBody>
+            <a:bodyPr/>
+            <a:lstStyle/>
+            <a:p/>
+          </p:txBody>
+        </p:sp>
+        <p:sp>
+          <p:nvSpPr>
+            <p:cNvPr id="67" name="pl67"/>
+            <p:cNvSpPr/>
+            <p:nvPr/>
+          </p:nvSpPr>
+          <p:spPr>
+            <a:xfrm>
+              <a:off x="5890178" y="1809173"/>
+              <a:ext cx="0" cy="3245468"/>
+            </a:xfrm>
+            <a:custGeom>
+              <a:avLst/>
+              <a:pathLst>
+                <a:path w="0" h="3245468">
+                  <a:moveTo>
+                    <a:pt x="0" y="3245468"/>
+                  </a:moveTo>
+                  <a:lnTo>
+                    <a:pt x="0" y="0"/>
+                  </a:lnTo>
+                  <a:lnTo>
+                    <a:pt x="0" y="0"/>
+                  </a:lnTo>
+                </a:path>
+              </a:pathLst>
+            </a:custGeom>
+            <a:ln w="13550" cap="flat">
+              <a:solidFill>
+                <a:srgbClr val="EBEBEB">
+                  <a:alpha val="100000"/>
+                </a:srgbClr>
+              </a:solidFill>
+              <a:prstDash val="solid"/>
+              <a:round/>
+            </a:ln>
+          </p:spPr>
+          <p:txBody>
+            <a:bodyPr/>
+            <a:lstStyle/>
+            <a:p/>
+          </p:txBody>
+        </p:sp>
+        <p:sp>
+          <p:nvSpPr>
+            <p:cNvPr id="68" name="pl68"/>
+            <p:cNvSpPr/>
+            <p:nvPr/>
+          </p:nvSpPr>
+          <p:spPr>
+            <a:xfrm>
+              <a:off x="6071912" y="1809173"/>
+              <a:ext cx="0" cy="3245468"/>
+            </a:xfrm>
+            <a:custGeom>
+              <a:avLst/>
+              <a:pathLst>
+                <a:path w="0" h="3245468">
+                  <a:moveTo>
+                    <a:pt x="0" y="3245468"/>
+                  </a:moveTo>
+                  <a:lnTo>
+                    <a:pt x="0" y="0"/>
+                  </a:lnTo>
+                  <a:lnTo>
+                    <a:pt x="0" y="0"/>
+                  </a:lnTo>
+                </a:path>
+              </a:pathLst>
+            </a:custGeom>
+            <a:ln w="13550" cap="flat">
+              <a:solidFill>
+                <a:srgbClr val="EBEBEB">
+                  <a:alpha val="100000"/>
+                </a:srgbClr>
+              </a:solidFill>
+              <a:prstDash val="solid"/>
+              <a:round/>
+            </a:ln>
+          </p:spPr>
+          <p:txBody>
+            <a:bodyPr/>
+            <a:lstStyle/>
+            <a:p/>
+          </p:txBody>
+        </p:sp>
+        <p:sp>
+          <p:nvSpPr>
+            <p:cNvPr id="69" name="rc69"/>
+            <p:cNvSpPr/>
+            <p:nvPr/>
+          </p:nvSpPr>
+          <p:spPr>
+            <a:xfrm>
+              <a:off x="4899731" y="4802680"/>
+              <a:ext cx="163560" cy="104439"/>
+            </a:xfrm>
+            <a:prstGeom prst="rect">
+              <a:avLst/>
+            </a:prstGeom>
+            <a:solidFill>
+              <a:srgbClr val="FEE5D9">
+                <a:alpha val="100000"/>
+              </a:srgbClr>
+            </a:solidFill>
+          </p:spPr>
+          <p:txBody>
+            <a:bodyPr/>
+            <a:lstStyle/>
+            <a:p/>
+          </p:txBody>
+        </p:sp>
+        <p:sp>
+          <p:nvSpPr>
+            <p:cNvPr id="70" name="rc70"/>
+            <p:cNvSpPr/>
+            <p:nvPr/>
+          </p:nvSpPr>
+          <p:spPr>
+            <a:xfrm>
+              <a:off x="5081464" y="4724350"/>
+              <a:ext cx="163560" cy="182769"/>
+            </a:xfrm>
+            <a:prstGeom prst="rect">
+              <a:avLst/>
+            </a:prstGeom>
+            <a:solidFill>
+              <a:srgbClr val="FCBBA1">
+                <a:alpha val="100000"/>
+              </a:srgbClr>
+            </a:solidFill>
+          </p:spPr>
+          <p:txBody>
+            <a:bodyPr/>
+            <a:lstStyle/>
+            <a:p/>
+          </p:txBody>
+        </p:sp>
+        <p:sp>
+          <p:nvSpPr>
+            <p:cNvPr id="71" name="rc71"/>
+            <p:cNvSpPr/>
+            <p:nvPr/>
+          </p:nvSpPr>
+          <p:spPr>
+            <a:xfrm>
+              <a:off x="5263198" y="4593800"/>
+              <a:ext cx="163560" cy="313319"/>
+            </a:xfrm>
+            <a:prstGeom prst="rect">
+              <a:avLst/>
+            </a:prstGeom>
+            <a:solidFill>
+              <a:srgbClr val="FC9272">
+                <a:alpha val="100000"/>
+              </a:srgbClr>
+            </a:solidFill>
+          </p:spPr>
+          <p:txBody>
+            <a:bodyPr/>
+            <a:lstStyle/>
+            <a:p/>
+          </p:txBody>
+        </p:sp>
+        <p:sp>
+          <p:nvSpPr>
+            <p:cNvPr id="72" name="rc72"/>
+            <p:cNvSpPr/>
+            <p:nvPr/>
+          </p:nvSpPr>
+          <p:spPr>
+            <a:xfrm>
+              <a:off x="5444931" y="4149931"/>
+              <a:ext cx="163560" cy="757188"/>
+            </a:xfrm>
+            <a:prstGeom prst="rect">
+              <a:avLst/>
+            </a:prstGeom>
+            <a:solidFill>
+              <a:srgbClr val="FB6A4A">
+                <a:alpha val="100000"/>
+              </a:srgbClr>
+            </a:solidFill>
+          </p:spPr>
+          <p:txBody>
+            <a:bodyPr/>
+            <a:lstStyle/>
+            <a:p/>
+          </p:txBody>
+        </p:sp>
+        <p:sp>
+          <p:nvSpPr>
+            <p:cNvPr id="73" name="rc73"/>
+            <p:cNvSpPr/>
+            <p:nvPr/>
+          </p:nvSpPr>
+          <p:spPr>
+            <a:xfrm>
+              <a:off x="5626665" y="4646020"/>
+              <a:ext cx="163560" cy="261099"/>
+            </a:xfrm>
+            <a:prstGeom prst="rect">
+              <a:avLst/>
+            </a:prstGeom>
+            <a:solidFill>
+              <a:srgbClr val="EF3B2C">
+                <a:alpha val="100000"/>
+              </a:srgbClr>
+            </a:solidFill>
+          </p:spPr>
+          <p:txBody>
+            <a:bodyPr/>
+            <a:lstStyle/>
+            <a:p/>
+          </p:txBody>
+        </p:sp>
+        <p:sp>
+          <p:nvSpPr>
+            <p:cNvPr id="74" name="rc74"/>
+            <p:cNvSpPr/>
+            <p:nvPr/>
+          </p:nvSpPr>
+          <p:spPr>
+            <a:xfrm>
+              <a:off x="5808398" y="4437140"/>
+              <a:ext cx="163560" cy="469979"/>
+            </a:xfrm>
+            <a:prstGeom prst="rect">
+              <a:avLst/>
+            </a:prstGeom>
+            <a:solidFill>
+              <a:srgbClr val="CB181D">
+                <a:alpha val="100000"/>
+              </a:srgbClr>
+            </a:solidFill>
+          </p:spPr>
+          <p:txBody>
+            <a:bodyPr/>
+            <a:lstStyle/>
+            <a:p/>
+          </p:txBody>
+        </p:sp>
+        <p:sp>
+          <p:nvSpPr>
+            <p:cNvPr id="75" name="rc75"/>
+            <p:cNvSpPr/>
+            <p:nvPr/>
+          </p:nvSpPr>
+          <p:spPr>
+            <a:xfrm>
+              <a:off x="5990132" y="4750460"/>
+              <a:ext cx="163560" cy="156659"/>
+            </a:xfrm>
+            <a:prstGeom prst="rect">
+              <a:avLst/>
+            </a:prstGeom>
+            <a:solidFill>
+              <a:srgbClr val="99000D">
+                <a:alpha val="100000"/>
+              </a:srgbClr>
+            </a:solidFill>
+          </p:spPr>
+          <p:txBody>
+            <a:bodyPr/>
+            <a:lstStyle/>
+            <a:p/>
+          </p:txBody>
+        </p:sp>
+        <p:sp>
+          <p:nvSpPr>
+            <p:cNvPr id="76" name="rc76"/>
+            <p:cNvSpPr/>
+            <p:nvPr/>
+          </p:nvSpPr>
+          <p:spPr>
+            <a:xfrm>
+              <a:off x="4872471" y="1809173"/>
+              <a:ext cx="1308481" cy="3245468"/>
+            </a:xfrm>
+            <a:prstGeom prst="rect">
+              <a:avLst/>
+            </a:prstGeom>
+            <a:ln w="13550" cap="rnd">
+              <a:solidFill>
+                <a:srgbClr val="333333">
+                  <a:alpha val="100000"/>
+                </a:srgbClr>
+              </a:solidFill>
+              <a:prstDash val="solid"/>
+              <a:round/>
+            </a:ln>
+          </p:spPr>
+          <p:txBody>
+            <a:bodyPr/>
+            <a:lstStyle/>
+            <a:p/>
+          </p:txBody>
+        </p:sp>
+        <p:sp>
+          <p:nvSpPr>
+            <p:cNvPr id="77" name="rc77"/>
+            <p:cNvSpPr/>
+            <p:nvPr/>
+          </p:nvSpPr>
+          <p:spPr>
+            <a:xfrm>
+              <a:off x="6250541" y="1809173"/>
+              <a:ext cx="1308481" cy="3245468"/>
+            </a:xfrm>
+            <a:prstGeom prst="rect">
+              <a:avLst/>
+            </a:prstGeom>
+            <a:solidFill>
+              <a:srgbClr val="FFFFFF">
+                <a:alpha val="100000"/>
+              </a:srgbClr>
+            </a:solidFill>
+          </p:spPr>
+          <p:txBody>
+            <a:bodyPr/>
+            <a:lstStyle/>
+            <a:p/>
+          </p:txBody>
+        </p:sp>
+        <p:sp>
+          <p:nvSpPr>
+            <p:cNvPr id="78" name="pl78"/>
+            <p:cNvSpPr/>
+            <p:nvPr/>
+          </p:nvSpPr>
+          <p:spPr>
+            <a:xfrm>
+              <a:off x="6250541" y="4515470"/>
+              <a:ext cx="1308481" cy="0"/>
+            </a:xfrm>
+            <a:custGeom>
+              <a:avLst/>
+              <a:pathLst>
+                <a:path w="1308481" h="0">
+                  <a:moveTo>
+                    <a:pt x="0" y="0"/>
+                  </a:moveTo>
+                  <a:lnTo>
+                    <a:pt x="1308481" y="0"/>
+                  </a:lnTo>
+                  <a:lnTo>
+                    <a:pt x="1308481" y="0"/>
+                  </a:lnTo>
+                </a:path>
+              </a:pathLst>
+            </a:custGeom>
+            <a:ln w="6775" cap="flat">
+              <a:solidFill>
+                <a:srgbClr val="EBEBEB">
+                  <a:alpha val="100000"/>
+                </a:srgbClr>
+              </a:solidFill>
+              <a:prstDash val="solid"/>
+              <a:round/>
+            </a:ln>
+          </p:spPr>
+          <p:txBody>
+            <a:bodyPr/>
+            <a:lstStyle/>
+            <a:p/>
+          </p:txBody>
+        </p:sp>
+        <p:sp>
+          <p:nvSpPr>
+            <p:cNvPr id="79" name="pl79"/>
+            <p:cNvSpPr/>
+            <p:nvPr/>
+          </p:nvSpPr>
+          <p:spPr>
+            <a:xfrm>
+              <a:off x="6250541" y="3732171"/>
+              <a:ext cx="1308481" cy="0"/>
+            </a:xfrm>
+            <a:custGeom>
+              <a:avLst/>
+              <a:pathLst>
+                <a:path w="1308481" h="0">
+                  <a:moveTo>
+                    <a:pt x="0" y="0"/>
+                  </a:moveTo>
+                  <a:lnTo>
+                    <a:pt x="1308481" y="0"/>
+                  </a:lnTo>
+                  <a:lnTo>
+                    <a:pt x="1308481" y="0"/>
+                  </a:lnTo>
+                </a:path>
+              </a:pathLst>
+            </a:custGeom>
+            <a:ln w="6775" cap="flat">
+              <a:solidFill>
+                <a:srgbClr val="EBEBEB">
+                  <a:alpha val="100000"/>
+                </a:srgbClr>
+              </a:solidFill>
+              <a:prstDash val="solid"/>
+              <a:round/>
+            </a:ln>
+          </p:spPr>
+          <p:txBody>
+            <a:bodyPr/>
+            <a:lstStyle/>
+            <a:p/>
+          </p:txBody>
+        </p:sp>
+        <p:sp>
+          <p:nvSpPr>
+            <p:cNvPr id="80" name="pl80"/>
+            <p:cNvSpPr/>
+            <p:nvPr/>
+          </p:nvSpPr>
+          <p:spPr>
+            <a:xfrm>
+              <a:off x="6250541" y="2948872"/>
+              <a:ext cx="1308481" cy="0"/>
+            </a:xfrm>
+            <a:custGeom>
+              <a:avLst/>
+              <a:pathLst>
+                <a:path w="1308481" h="0">
+                  <a:moveTo>
+                    <a:pt x="0" y="0"/>
+                  </a:moveTo>
+                  <a:lnTo>
+                    <a:pt x="1308481" y="0"/>
+                  </a:lnTo>
+                  <a:lnTo>
+                    <a:pt x="1308481" y="0"/>
+                  </a:lnTo>
+                </a:path>
+              </a:pathLst>
+            </a:custGeom>
+            <a:ln w="6775" cap="flat">
+              <a:solidFill>
+                <a:srgbClr val="EBEBEB">
+                  <a:alpha val="100000"/>
+                </a:srgbClr>
+              </a:solidFill>
+              <a:prstDash val="solid"/>
+              <a:round/>
+            </a:ln>
+          </p:spPr>
+          <p:txBody>
+            <a:bodyPr/>
+            <a:lstStyle/>
+            <a:p/>
+          </p:txBody>
+        </p:sp>
+        <p:sp>
+          <p:nvSpPr>
+            <p:cNvPr id="81" name="pl81"/>
+            <p:cNvSpPr/>
+            <p:nvPr/>
+          </p:nvSpPr>
+          <p:spPr>
+            <a:xfrm>
+              <a:off x="6250541" y="2165574"/>
+              <a:ext cx="1308481" cy="0"/>
+            </a:xfrm>
+            <a:custGeom>
+              <a:avLst/>
+              <a:pathLst>
+                <a:path w="1308481" h="0">
+                  <a:moveTo>
+                    <a:pt x="0" y="0"/>
+                  </a:moveTo>
+                  <a:lnTo>
+                    <a:pt x="1308481" y="0"/>
+                  </a:lnTo>
+                  <a:lnTo>
+                    <a:pt x="1308481" y="0"/>
+                  </a:lnTo>
+                </a:path>
+              </a:pathLst>
+            </a:custGeom>
+            <a:ln w="6775" cap="flat">
+              <a:solidFill>
+                <a:srgbClr val="EBEBEB">
+                  <a:alpha val="100000"/>
+                </a:srgbClr>
+              </a:solidFill>
+              <a:prstDash val="solid"/>
+              <a:round/>
+            </a:ln>
+          </p:spPr>
+          <p:txBody>
+            <a:bodyPr/>
+            <a:lstStyle/>
+            <a:p/>
+          </p:txBody>
+        </p:sp>
+        <p:sp>
+          <p:nvSpPr>
+            <p:cNvPr id="82" name="pl82"/>
+            <p:cNvSpPr/>
+            <p:nvPr/>
+          </p:nvSpPr>
+          <p:spPr>
+            <a:xfrm>
+              <a:off x="6250541" y="4907120"/>
+              <a:ext cx="1308481" cy="0"/>
+            </a:xfrm>
+            <a:custGeom>
+              <a:avLst/>
+              <a:pathLst>
+                <a:path w="1308481" h="0">
+                  <a:moveTo>
+                    <a:pt x="0" y="0"/>
+                  </a:moveTo>
+                  <a:lnTo>
+                    <a:pt x="1308481" y="0"/>
+                  </a:lnTo>
+                  <a:lnTo>
+                    <a:pt x="1308481" y="0"/>
+                  </a:lnTo>
+                </a:path>
+              </a:pathLst>
+            </a:custGeom>
+            <a:ln w="13550" cap="flat">
+              <a:solidFill>
+                <a:srgbClr val="EBEBEB">
+                  <a:alpha val="100000"/>
+                </a:srgbClr>
+              </a:solidFill>
+              <a:prstDash val="solid"/>
+              <a:round/>
+            </a:ln>
+          </p:spPr>
+          <p:txBody>
+            <a:bodyPr/>
+            <a:lstStyle/>
+            <a:p/>
+          </p:txBody>
+        </p:sp>
+        <p:sp>
+          <p:nvSpPr>
+            <p:cNvPr id="83" name="pl83"/>
+            <p:cNvSpPr/>
+            <p:nvPr/>
+          </p:nvSpPr>
+          <p:spPr>
+            <a:xfrm>
+              <a:off x="6250541" y="4123821"/>
+              <a:ext cx="1308481" cy="0"/>
+            </a:xfrm>
+            <a:custGeom>
+              <a:avLst/>
+              <a:pathLst>
+                <a:path w="1308481" h="0">
+                  <a:moveTo>
+                    <a:pt x="0" y="0"/>
+                  </a:moveTo>
+                  <a:lnTo>
+                    <a:pt x="1308481" y="0"/>
+                  </a:lnTo>
+                  <a:lnTo>
+                    <a:pt x="1308481" y="0"/>
+                  </a:lnTo>
+                </a:path>
+              </a:pathLst>
+            </a:custGeom>
+            <a:ln w="13550" cap="flat">
+              <a:solidFill>
+                <a:srgbClr val="EBEBEB">
+                  <a:alpha val="100000"/>
+                </a:srgbClr>
+              </a:solidFill>
+              <a:prstDash val="solid"/>
+              <a:round/>
+            </a:ln>
+          </p:spPr>
+          <p:txBody>
+            <a:bodyPr/>
+            <a:lstStyle/>
+            <a:p/>
+          </p:txBody>
+        </p:sp>
+        <p:sp>
+          <p:nvSpPr>
+            <p:cNvPr id="84" name="pl84"/>
+            <p:cNvSpPr/>
+            <p:nvPr/>
+          </p:nvSpPr>
+          <p:spPr>
+            <a:xfrm>
+              <a:off x="6250541" y="3340522"/>
+              <a:ext cx="1308481" cy="0"/>
+            </a:xfrm>
+            <a:custGeom>
+              <a:avLst/>
+              <a:pathLst>
+                <a:path w="1308481" h="0">
+                  <a:moveTo>
+                    <a:pt x="0" y="0"/>
+                  </a:moveTo>
+                  <a:lnTo>
+                    <a:pt x="1308481" y="0"/>
+                  </a:lnTo>
+                  <a:lnTo>
+                    <a:pt x="1308481" y="0"/>
+                  </a:lnTo>
+                </a:path>
+              </a:pathLst>
+            </a:custGeom>
+            <a:ln w="13550" cap="flat">
+              <a:solidFill>
+                <a:srgbClr val="EBEBEB">
+                  <a:alpha val="100000"/>
+                </a:srgbClr>
+              </a:solidFill>
+              <a:prstDash val="solid"/>
+              <a:round/>
+            </a:ln>
+          </p:spPr>
+          <p:txBody>
+            <a:bodyPr/>
+            <a:lstStyle/>
+            <a:p/>
+          </p:txBody>
+        </p:sp>
+        <p:sp>
+          <p:nvSpPr>
+            <p:cNvPr id="85" name="pl85"/>
+            <p:cNvSpPr/>
+            <p:nvPr/>
+          </p:nvSpPr>
+          <p:spPr>
+            <a:xfrm>
+              <a:off x="6250541" y="2557223"/>
+              <a:ext cx="1308481" cy="0"/>
+            </a:xfrm>
+            <a:custGeom>
+              <a:avLst/>
+              <a:pathLst>
+                <a:path w="1308481" h="0">
+                  <a:moveTo>
+                    <a:pt x="0" y="0"/>
+                  </a:moveTo>
+                  <a:lnTo>
+                    <a:pt x="1308481" y="0"/>
+                  </a:lnTo>
+                  <a:lnTo>
+                    <a:pt x="1308481" y="0"/>
+                  </a:lnTo>
+                </a:path>
+              </a:pathLst>
+            </a:custGeom>
+            <a:ln w="13550" cap="flat">
+              <a:solidFill>
+                <a:srgbClr val="EBEBEB">
+                  <a:alpha val="100000"/>
+                </a:srgbClr>
+              </a:solidFill>
+              <a:prstDash val="solid"/>
+              <a:round/>
+            </a:ln>
+          </p:spPr>
+          <p:txBody>
+            <a:bodyPr/>
+            <a:lstStyle/>
+            <a:p/>
+          </p:txBody>
+        </p:sp>
+        <p:sp>
+          <p:nvSpPr>
+            <p:cNvPr id="86" name="pl86"/>
+            <p:cNvSpPr/>
+            <p:nvPr/>
+          </p:nvSpPr>
+          <p:spPr>
+            <a:xfrm>
+              <a:off x="6359581" y="1809173"/>
+              <a:ext cx="0" cy="3245468"/>
+            </a:xfrm>
+            <a:custGeom>
+              <a:avLst/>
+              <a:pathLst>
+                <a:path w="0" h="3245468">
+                  <a:moveTo>
+                    <a:pt x="0" y="3245468"/>
+                  </a:moveTo>
+                  <a:lnTo>
+                    <a:pt x="0" y="0"/>
+                  </a:lnTo>
+                  <a:lnTo>
+                    <a:pt x="0" y="0"/>
+                  </a:lnTo>
+                </a:path>
+              </a:pathLst>
+            </a:custGeom>
+            <a:ln w="13550" cap="flat">
+              <a:solidFill>
+                <a:srgbClr val="EBEBEB">
+                  <a:alpha val="100000"/>
+                </a:srgbClr>
+              </a:solidFill>
+              <a:prstDash val="solid"/>
+              <a:round/>
+            </a:ln>
+          </p:spPr>
+          <p:txBody>
+            <a:bodyPr/>
+            <a:lstStyle/>
+            <a:p/>
+          </p:txBody>
+        </p:sp>
+        <p:sp>
+          <p:nvSpPr>
+            <p:cNvPr id="87" name="pl87"/>
+            <p:cNvSpPr/>
+            <p:nvPr/>
+          </p:nvSpPr>
+          <p:spPr>
+            <a:xfrm>
+              <a:off x="6541314" y="1809173"/>
+              <a:ext cx="0" cy="3245468"/>
+            </a:xfrm>
+            <a:custGeom>
+              <a:avLst/>
+              <a:pathLst>
+                <a:path w="0" h="3245468">
+                  <a:moveTo>
+                    <a:pt x="0" y="3245468"/>
+                  </a:moveTo>
+                  <a:lnTo>
+                    <a:pt x="0" y="0"/>
+                  </a:lnTo>
+                  <a:lnTo>
+                    <a:pt x="0" y="0"/>
+                  </a:lnTo>
+                </a:path>
+              </a:pathLst>
+            </a:custGeom>
+            <a:ln w="13550" cap="flat">
+              <a:solidFill>
+                <a:srgbClr val="EBEBEB">
+                  <a:alpha val="100000"/>
+                </a:srgbClr>
+              </a:solidFill>
+              <a:prstDash val="solid"/>
+              <a:round/>
+            </a:ln>
+          </p:spPr>
+          <p:txBody>
+            <a:bodyPr/>
+            <a:lstStyle/>
+            <a:p/>
+          </p:txBody>
+        </p:sp>
+        <p:sp>
+          <p:nvSpPr>
+            <p:cNvPr id="88" name="pl88"/>
+            <p:cNvSpPr/>
+            <p:nvPr/>
+          </p:nvSpPr>
+          <p:spPr>
+            <a:xfrm>
+              <a:off x="6723048" y="1809173"/>
+              <a:ext cx="0" cy="3245468"/>
+            </a:xfrm>
+            <a:custGeom>
+              <a:avLst/>
+              <a:pathLst>
+                <a:path w="0" h="3245468">
+                  <a:moveTo>
+                    <a:pt x="0" y="3245468"/>
+                  </a:moveTo>
+                  <a:lnTo>
+                    <a:pt x="0" y="0"/>
+                  </a:lnTo>
+                  <a:lnTo>
+                    <a:pt x="0" y="0"/>
+                  </a:lnTo>
+                </a:path>
+              </a:pathLst>
+            </a:custGeom>
+            <a:ln w="13550" cap="flat">
+              <a:solidFill>
+                <a:srgbClr val="EBEBEB">
+                  <a:alpha val="100000"/>
+                </a:srgbClr>
+              </a:solidFill>
+              <a:prstDash val="solid"/>
+              <a:round/>
+            </a:ln>
+          </p:spPr>
+          <p:txBody>
+            <a:bodyPr/>
+            <a:lstStyle/>
+            <a:p/>
+          </p:txBody>
+        </p:sp>
+        <p:sp>
+          <p:nvSpPr>
+            <p:cNvPr id="89" name="pl89"/>
+            <p:cNvSpPr/>
+            <p:nvPr/>
+          </p:nvSpPr>
+          <p:spPr>
+            <a:xfrm>
+              <a:off x="6904781" y="1809173"/>
+              <a:ext cx="0" cy="3245468"/>
+            </a:xfrm>
+            <a:custGeom>
+              <a:avLst/>
+              <a:pathLst>
+                <a:path w="0" h="3245468">
+                  <a:moveTo>
+                    <a:pt x="0" y="3245468"/>
+                  </a:moveTo>
+                  <a:lnTo>
+                    <a:pt x="0" y="0"/>
+                  </a:lnTo>
+                  <a:lnTo>
+                    <a:pt x="0" y="0"/>
+                  </a:lnTo>
+                </a:path>
+              </a:pathLst>
+            </a:custGeom>
+            <a:ln w="13550" cap="flat">
+              <a:solidFill>
+                <a:srgbClr val="EBEBEB">
+                  <a:alpha val="100000"/>
+                </a:srgbClr>
+              </a:solidFill>
+              <a:prstDash val="solid"/>
+              <a:round/>
+            </a:ln>
+          </p:spPr>
+          <p:txBody>
+            <a:bodyPr/>
+            <a:lstStyle/>
+            <a:p/>
+          </p:txBody>
+        </p:sp>
+        <p:sp>
+          <p:nvSpPr>
+            <p:cNvPr id="90" name="pl90"/>
+            <p:cNvSpPr/>
+            <p:nvPr/>
+          </p:nvSpPr>
+          <p:spPr>
+            <a:xfrm>
+              <a:off x="7086515" y="1809173"/>
+              <a:ext cx="0" cy="3245468"/>
+            </a:xfrm>
+            <a:custGeom>
+              <a:avLst/>
+              <a:pathLst>
+                <a:path w="0" h="3245468">
+                  <a:moveTo>
+                    <a:pt x="0" y="3245468"/>
+                  </a:moveTo>
+                  <a:lnTo>
+                    <a:pt x="0" y="0"/>
+                  </a:lnTo>
+                  <a:lnTo>
+                    <a:pt x="0" y="0"/>
+                  </a:lnTo>
+                </a:path>
+              </a:pathLst>
+            </a:custGeom>
+            <a:ln w="13550" cap="flat">
+              <a:solidFill>
+                <a:srgbClr val="EBEBEB">
+                  <a:alpha val="100000"/>
+                </a:srgbClr>
+              </a:solidFill>
+              <a:prstDash val="solid"/>
+              <a:round/>
+            </a:ln>
+          </p:spPr>
+          <p:txBody>
+            <a:bodyPr/>
+            <a:lstStyle/>
+            <a:p/>
+          </p:txBody>
+        </p:sp>
+        <p:sp>
+          <p:nvSpPr>
+            <p:cNvPr id="91" name="pl91"/>
+            <p:cNvSpPr/>
+            <p:nvPr/>
+          </p:nvSpPr>
+          <p:spPr>
+            <a:xfrm>
+              <a:off x="7268248" y="1809173"/>
+              <a:ext cx="0" cy="3245468"/>
+            </a:xfrm>
+            <a:custGeom>
+              <a:avLst/>
+              <a:pathLst>
+                <a:path w="0" h="3245468">
+                  <a:moveTo>
+                    <a:pt x="0" y="3245468"/>
+                  </a:moveTo>
+                  <a:lnTo>
+                    <a:pt x="0" y="0"/>
+                  </a:lnTo>
+                  <a:lnTo>
+                    <a:pt x="0" y="0"/>
+                  </a:lnTo>
+                </a:path>
+              </a:pathLst>
+            </a:custGeom>
+            <a:ln w="13550" cap="flat">
+              <a:solidFill>
+                <a:srgbClr val="EBEBEB">
+                  <a:alpha val="100000"/>
+                </a:srgbClr>
+              </a:solidFill>
+              <a:prstDash val="solid"/>
+              <a:round/>
+            </a:ln>
+          </p:spPr>
+          <p:txBody>
+            <a:bodyPr/>
+            <a:lstStyle/>
+            <a:p/>
+          </p:txBody>
+        </p:sp>
+        <p:sp>
+          <p:nvSpPr>
+            <p:cNvPr id="92" name="pl92"/>
+            <p:cNvSpPr/>
+            <p:nvPr/>
+          </p:nvSpPr>
+          <p:spPr>
+            <a:xfrm>
+              <a:off x="7449982" y="1809173"/>
+              <a:ext cx="0" cy="3245468"/>
+            </a:xfrm>
+            <a:custGeom>
+              <a:avLst/>
+              <a:pathLst>
+                <a:path w="0" h="3245468">
+                  <a:moveTo>
+                    <a:pt x="0" y="3245468"/>
+                  </a:moveTo>
+                  <a:lnTo>
+                    <a:pt x="0" y="0"/>
+                  </a:lnTo>
+                  <a:lnTo>
+                    <a:pt x="0" y="0"/>
+                  </a:lnTo>
+                </a:path>
+              </a:pathLst>
+            </a:custGeom>
+            <a:ln w="13550" cap="flat">
+              <a:solidFill>
+                <a:srgbClr val="EBEBEB">
+                  <a:alpha val="100000"/>
+                </a:srgbClr>
+              </a:solidFill>
+              <a:prstDash val="solid"/>
+              <a:round/>
+            </a:ln>
+          </p:spPr>
+          <p:txBody>
+            <a:bodyPr/>
+            <a:lstStyle/>
+            <a:p/>
+          </p:txBody>
+        </p:sp>
+        <p:sp>
+          <p:nvSpPr>
+            <p:cNvPr id="93" name="rc93"/>
+            <p:cNvSpPr/>
+            <p:nvPr/>
+          </p:nvSpPr>
+          <p:spPr>
+            <a:xfrm>
+              <a:off x="6277801" y="4698240"/>
+              <a:ext cx="163560" cy="208879"/>
+            </a:xfrm>
+            <a:prstGeom prst="rect">
+              <a:avLst/>
+            </a:prstGeom>
+            <a:solidFill>
+              <a:srgbClr val="FEE5D9">
+                <a:alpha val="100000"/>
+              </a:srgbClr>
+            </a:solidFill>
+          </p:spPr>
+          <p:txBody>
+            <a:bodyPr/>
+            <a:lstStyle/>
+            <a:p/>
+          </p:txBody>
+        </p:sp>
+        <p:sp>
+          <p:nvSpPr>
+            <p:cNvPr id="94" name="rc94"/>
+            <p:cNvSpPr/>
+            <p:nvPr/>
+          </p:nvSpPr>
+          <p:spPr>
+            <a:xfrm>
+              <a:off x="6459534" y="4802680"/>
+              <a:ext cx="163560" cy="104439"/>
+            </a:xfrm>
+            <a:prstGeom prst="rect">
+              <a:avLst/>
+            </a:prstGeom>
+            <a:solidFill>
+              <a:srgbClr val="FCBBA1">
+                <a:alpha val="100000"/>
+              </a:srgbClr>
+            </a:solidFill>
+          </p:spPr>
+          <p:txBody>
+            <a:bodyPr/>
+            <a:lstStyle/>
+            <a:p/>
+          </p:txBody>
+        </p:sp>
+        <p:sp>
+          <p:nvSpPr>
+            <p:cNvPr id="95" name="rc95"/>
+            <p:cNvSpPr/>
+            <p:nvPr/>
+          </p:nvSpPr>
+          <p:spPr>
+            <a:xfrm>
+              <a:off x="6641268" y="4619910"/>
+              <a:ext cx="163560" cy="287209"/>
+            </a:xfrm>
+            <a:prstGeom prst="rect">
+              <a:avLst/>
+            </a:prstGeom>
+            <a:solidFill>
+              <a:srgbClr val="FC9272">
+                <a:alpha val="100000"/>
+              </a:srgbClr>
+            </a:solidFill>
+          </p:spPr>
+          <p:txBody>
+            <a:bodyPr/>
+            <a:lstStyle/>
+            <a:p/>
+          </p:txBody>
+        </p:sp>
+        <p:sp>
+          <p:nvSpPr>
+            <p:cNvPr id="96" name="rc96"/>
+            <p:cNvSpPr/>
+            <p:nvPr/>
+          </p:nvSpPr>
+          <p:spPr>
+            <a:xfrm>
+              <a:off x="6823001" y="4384920"/>
+              <a:ext cx="163560" cy="522199"/>
+            </a:xfrm>
+            <a:prstGeom prst="rect">
+              <a:avLst/>
+            </a:prstGeom>
+            <a:solidFill>
+              <a:srgbClr val="FB6A4A">
+                <a:alpha val="100000"/>
+              </a:srgbClr>
+            </a:solidFill>
+          </p:spPr>
+          <p:txBody>
+            <a:bodyPr/>
+            <a:lstStyle/>
+            <a:p/>
+          </p:txBody>
+        </p:sp>
+        <p:sp>
+          <p:nvSpPr>
+            <p:cNvPr id="97" name="rc97"/>
+            <p:cNvSpPr/>
+            <p:nvPr/>
+          </p:nvSpPr>
+          <p:spPr>
+            <a:xfrm>
+              <a:off x="7004735" y="4646020"/>
+              <a:ext cx="163560" cy="261099"/>
+            </a:xfrm>
+            <a:prstGeom prst="rect">
+              <a:avLst/>
+            </a:prstGeom>
+            <a:solidFill>
+              <a:srgbClr val="EF3B2C">
+                <a:alpha val="100000"/>
+              </a:srgbClr>
+            </a:solidFill>
+          </p:spPr>
+          <p:txBody>
+            <a:bodyPr/>
+            <a:lstStyle/>
+            <a:p/>
+          </p:txBody>
+        </p:sp>
+        <p:sp>
+          <p:nvSpPr>
+            <p:cNvPr id="98" name="rc98"/>
+            <p:cNvSpPr/>
+            <p:nvPr/>
+          </p:nvSpPr>
+          <p:spPr>
+            <a:xfrm>
+              <a:off x="7186468" y="4567690"/>
+              <a:ext cx="163560" cy="339429"/>
+            </a:xfrm>
+            <a:prstGeom prst="rect">
+              <a:avLst/>
+            </a:prstGeom>
+            <a:solidFill>
+              <a:srgbClr val="CB181D">
+                <a:alpha val="100000"/>
+              </a:srgbClr>
+            </a:solidFill>
+          </p:spPr>
+          <p:txBody>
+            <a:bodyPr/>
+            <a:lstStyle/>
+            <a:p/>
+          </p:txBody>
+        </p:sp>
+        <p:sp>
+          <p:nvSpPr>
+            <p:cNvPr id="99" name="rc99"/>
+            <p:cNvSpPr/>
+            <p:nvPr/>
+          </p:nvSpPr>
+          <p:spPr>
+            <a:xfrm>
+              <a:off x="7368202" y="4802680"/>
+              <a:ext cx="163560" cy="104439"/>
+            </a:xfrm>
+            <a:prstGeom prst="rect">
+              <a:avLst/>
+            </a:prstGeom>
+            <a:solidFill>
+              <a:srgbClr val="99000D">
+                <a:alpha val="100000"/>
+              </a:srgbClr>
+            </a:solidFill>
+          </p:spPr>
+          <p:txBody>
+            <a:bodyPr/>
+            <a:lstStyle/>
+            <a:p/>
+          </p:txBody>
+        </p:sp>
+        <p:sp>
+          <p:nvSpPr>
+            <p:cNvPr id="100" name="rc100"/>
+            <p:cNvSpPr/>
+            <p:nvPr/>
+          </p:nvSpPr>
+          <p:spPr>
+            <a:xfrm>
+              <a:off x="6250541" y="1809173"/>
+              <a:ext cx="1308481" cy="3245468"/>
+            </a:xfrm>
+            <a:prstGeom prst="rect">
+              <a:avLst/>
+            </a:prstGeom>
+            <a:ln w="13550" cap="rnd">
+              <a:solidFill>
+                <a:srgbClr val="333333">
+                  <a:alpha val="100000"/>
+                </a:srgbClr>
+              </a:solidFill>
+              <a:prstDash val="solid"/>
+              <a:round/>
+            </a:ln>
+          </p:spPr>
+          <p:txBody>
+            <a:bodyPr/>
+            <a:lstStyle/>
+            <a:p/>
+          </p:txBody>
+        </p:sp>
+        <p:sp>
+          <p:nvSpPr>
+            <p:cNvPr id="101" name="rc101"/>
+            <p:cNvSpPr/>
+            <p:nvPr/>
+          </p:nvSpPr>
+          <p:spPr>
+            <a:xfrm>
+              <a:off x="7628611" y="1809173"/>
+              <a:ext cx="1308481" cy="3245468"/>
+            </a:xfrm>
+            <a:prstGeom prst="rect">
+              <a:avLst/>
+            </a:prstGeom>
+            <a:solidFill>
+              <a:srgbClr val="FFFFFF">
+                <a:alpha val="100000"/>
+              </a:srgbClr>
+            </a:solidFill>
+          </p:spPr>
+          <p:txBody>
+            <a:bodyPr/>
+            <a:lstStyle/>
+            <a:p/>
+          </p:txBody>
+        </p:sp>
+        <p:sp>
+          <p:nvSpPr>
+            <p:cNvPr id="102" name="pl102"/>
+            <p:cNvSpPr/>
+            <p:nvPr/>
+          </p:nvSpPr>
+          <p:spPr>
+            <a:xfrm>
+              <a:off x="7628611" y="4515470"/>
+              <a:ext cx="1308481" cy="0"/>
+            </a:xfrm>
+            <a:custGeom>
+              <a:avLst/>
+              <a:pathLst>
+                <a:path w="1308481" h="0">
+                  <a:moveTo>
+                    <a:pt x="0" y="0"/>
+                  </a:moveTo>
+                  <a:lnTo>
+                    <a:pt x="1308481" y="0"/>
+                  </a:lnTo>
+                  <a:lnTo>
+                    <a:pt x="1308481" y="0"/>
+                  </a:lnTo>
+                </a:path>
+              </a:pathLst>
+            </a:custGeom>
+            <a:ln w="6775" cap="flat">
+              <a:solidFill>
+                <a:srgbClr val="EBEBEB">
+                  <a:alpha val="100000"/>
+                </a:srgbClr>
+              </a:solidFill>
+              <a:prstDash val="solid"/>
+              <a:round/>
+            </a:ln>
+          </p:spPr>
+          <p:txBody>
+            <a:bodyPr/>
+            <a:lstStyle/>
+            <a:p/>
+          </p:txBody>
+        </p:sp>
+        <p:sp>
+          <p:nvSpPr>
+            <p:cNvPr id="103" name="pl103"/>
+            <p:cNvSpPr/>
+            <p:nvPr/>
+          </p:nvSpPr>
+          <p:spPr>
+            <a:xfrm>
+              <a:off x="7628611" y="3732171"/>
+              <a:ext cx="1308481" cy="0"/>
+            </a:xfrm>
+            <a:custGeom>
+              <a:avLst/>
+              <a:pathLst>
+                <a:path w="1308481" h="0">
+                  <a:moveTo>
+                    <a:pt x="0" y="0"/>
+                  </a:moveTo>
+                  <a:lnTo>
+                    <a:pt x="1308481" y="0"/>
+                  </a:lnTo>
+                  <a:lnTo>
+                    <a:pt x="1308481" y="0"/>
+                  </a:lnTo>
+                </a:path>
+              </a:pathLst>
+            </a:custGeom>
+            <a:ln w="6775" cap="flat">
+              <a:solidFill>
+                <a:srgbClr val="EBEBEB">
+                  <a:alpha val="100000"/>
+                </a:srgbClr>
+              </a:solidFill>
+              <a:prstDash val="solid"/>
+              <a:round/>
+            </a:ln>
+          </p:spPr>
+          <p:txBody>
+            <a:bodyPr/>
+            <a:lstStyle/>
+            <a:p/>
+          </p:txBody>
+        </p:sp>
+        <p:sp>
+          <p:nvSpPr>
+            <p:cNvPr id="104" name="pl104"/>
+            <p:cNvSpPr/>
+            <p:nvPr/>
+          </p:nvSpPr>
+          <p:spPr>
+            <a:xfrm>
+              <a:off x="7628611" y="2948872"/>
+              <a:ext cx="1308481" cy="0"/>
+            </a:xfrm>
+            <a:custGeom>
+              <a:avLst/>
+              <a:pathLst>
+                <a:path w="1308481" h="0">
+                  <a:moveTo>
+                    <a:pt x="0" y="0"/>
+                  </a:moveTo>
+                  <a:lnTo>
+                    <a:pt x="1308481" y="0"/>
+                  </a:lnTo>
+                  <a:lnTo>
+                    <a:pt x="1308481" y="0"/>
+                  </a:lnTo>
+                </a:path>
+              </a:pathLst>
+            </a:custGeom>
+            <a:ln w="6775" cap="flat">
+              <a:solidFill>
+                <a:srgbClr val="EBEBEB">
+                  <a:alpha val="100000"/>
+                </a:srgbClr>
+              </a:solidFill>
+              <a:prstDash val="solid"/>
+              <a:round/>
+            </a:ln>
+          </p:spPr>
+          <p:txBody>
+            <a:bodyPr/>
+            <a:lstStyle/>
+            <a:p/>
+          </p:txBody>
+        </p:sp>
+        <p:sp>
+          <p:nvSpPr>
+            <p:cNvPr id="105" name="pl105"/>
+            <p:cNvSpPr/>
+            <p:nvPr/>
+          </p:nvSpPr>
+          <p:spPr>
+            <a:xfrm>
+              <a:off x="7628611" y="2165574"/>
+              <a:ext cx="1308481" cy="0"/>
+            </a:xfrm>
+            <a:custGeom>
+              <a:avLst/>
+              <a:pathLst>
+                <a:path w="1308481" h="0">
+                  <a:moveTo>
+                    <a:pt x="0" y="0"/>
+                  </a:moveTo>
+                  <a:lnTo>
+                    <a:pt x="1308481" y="0"/>
+                  </a:lnTo>
+                  <a:lnTo>
+                    <a:pt x="1308481" y="0"/>
+                  </a:lnTo>
+                </a:path>
+              </a:pathLst>
+            </a:custGeom>
+            <a:ln w="6775" cap="flat">
+              <a:solidFill>
+                <a:srgbClr val="EBEBEB">
+                  <a:alpha val="100000"/>
+                </a:srgbClr>
+              </a:solidFill>
+              <a:prstDash val="solid"/>
+              <a:round/>
+            </a:ln>
+          </p:spPr>
+          <p:txBody>
+            <a:bodyPr/>
+            <a:lstStyle/>
+            <a:p/>
+          </p:txBody>
+        </p:sp>
+        <p:sp>
+          <p:nvSpPr>
+            <p:cNvPr id="106" name="pl106"/>
+            <p:cNvSpPr/>
+            <p:nvPr/>
+          </p:nvSpPr>
+          <p:spPr>
+            <a:xfrm>
+              <a:off x="7628611" y="4907120"/>
+              <a:ext cx="1308481" cy="0"/>
+            </a:xfrm>
+            <a:custGeom>
+              <a:avLst/>
+              <a:pathLst>
+                <a:path w="1308481" h="0">
+                  <a:moveTo>
+                    <a:pt x="0" y="0"/>
+                  </a:moveTo>
+                  <a:lnTo>
+                    <a:pt x="1308481" y="0"/>
+                  </a:lnTo>
+                  <a:lnTo>
+                    <a:pt x="1308481" y="0"/>
+                  </a:lnTo>
+                </a:path>
+              </a:pathLst>
+            </a:custGeom>
+            <a:ln w="13550" cap="flat">
+              <a:solidFill>
+                <a:srgbClr val="EBEBEB">
+                  <a:alpha val="100000"/>
+                </a:srgbClr>
+              </a:solidFill>
+              <a:prstDash val="solid"/>
+              <a:round/>
+            </a:ln>
+          </p:spPr>
+          <p:txBody>
+            <a:bodyPr/>
+            <a:lstStyle/>
+            <a:p/>
+          </p:txBody>
+        </p:sp>
+        <p:sp>
+          <p:nvSpPr>
+            <p:cNvPr id="107" name="pl107"/>
+            <p:cNvSpPr/>
+            <p:nvPr/>
+          </p:nvSpPr>
+          <p:spPr>
+            <a:xfrm>
+              <a:off x="7628611" y="4123821"/>
+              <a:ext cx="1308481" cy="0"/>
+            </a:xfrm>
+            <a:custGeom>
+              <a:avLst/>
+              <a:pathLst>
+                <a:path w="1308481" h="0">
+                  <a:moveTo>
+                    <a:pt x="0" y="0"/>
+                  </a:moveTo>
+                  <a:lnTo>
+                    <a:pt x="1308481" y="0"/>
+                  </a:lnTo>
+                  <a:lnTo>
+                    <a:pt x="1308481" y="0"/>
+                  </a:lnTo>
+                </a:path>
+              </a:pathLst>
+            </a:custGeom>
+            <a:ln w="13550" cap="flat">
+              <a:solidFill>
+                <a:srgbClr val="EBEBEB">
+                  <a:alpha val="100000"/>
+                </a:srgbClr>
+              </a:solidFill>
+              <a:prstDash val="solid"/>
+              <a:round/>
+            </a:ln>
+          </p:spPr>
+          <p:txBody>
+            <a:bodyPr/>
+            <a:lstStyle/>
+            <a:p/>
+          </p:txBody>
+        </p:sp>
+        <p:sp>
+          <p:nvSpPr>
+            <p:cNvPr id="108" name="pl108"/>
+            <p:cNvSpPr/>
+            <p:nvPr/>
+          </p:nvSpPr>
+          <p:spPr>
+            <a:xfrm>
+              <a:off x="7628611" y="3340522"/>
+              <a:ext cx="1308481" cy="0"/>
+            </a:xfrm>
+            <a:custGeom>
+              <a:avLst/>
+              <a:pathLst>
+                <a:path w="1308481" h="0">
+                  <a:moveTo>
+                    <a:pt x="0" y="0"/>
+                  </a:moveTo>
+                  <a:lnTo>
+                    <a:pt x="1308481" y="0"/>
+                  </a:lnTo>
+                  <a:lnTo>
+                    <a:pt x="1308481" y="0"/>
+                  </a:lnTo>
+                </a:path>
+              </a:pathLst>
+            </a:custGeom>
+            <a:ln w="13550" cap="flat">
+              <a:solidFill>
+                <a:srgbClr val="EBEBEB">
+                  <a:alpha val="100000"/>
+                </a:srgbClr>
+              </a:solidFill>
+              <a:prstDash val="solid"/>
+              <a:round/>
+            </a:ln>
+          </p:spPr>
+          <p:txBody>
+            <a:bodyPr/>
+            <a:lstStyle/>
+            <a:p/>
+          </p:txBody>
+        </p:sp>
+        <p:sp>
+          <p:nvSpPr>
+            <p:cNvPr id="109" name="pl109"/>
+            <p:cNvSpPr/>
+            <p:nvPr/>
+          </p:nvSpPr>
+          <p:spPr>
+            <a:xfrm>
+              <a:off x="7628611" y="2557223"/>
+              <a:ext cx="1308481" cy="0"/>
+            </a:xfrm>
+            <a:custGeom>
+              <a:avLst/>
+              <a:pathLst>
+                <a:path w="1308481" h="0">
+                  <a:moveTo>
+                    <a:pt x="0" y="0"/>
+                  </a:moveTo>
+                  <a:lnTo>
+                    <a:pt x="1308481" y="0"/>
+                  </a:lnTo>
+                  <a:lnTo>
+                    <a:pt x="1308481" y="0"/>
+                  </a:lnTo>
+                </a:path>
+              </a:pathLst>
+            </a:custGeom>
+            <a:ln w="13550" cap="flat">
+              <a:solidFill>
+                <a:srgbClr val="EBEBEB">
+                  <a:alpha val="100000"/>
+                </a:srgbClr>
+              </a:solidFill>
+              <a:prstDash val="solid"/>
+              <a:round/>
+            </a:ln>
+          </p:spPr>
+          <p:txBody>
+            <a:bodyPr/>
+            <a:lstStyle/>
+            <a:p/>
+          </p:txBody>
+        </p:sp>
+        <p:sp>
+          <p:nvSpPr>
+            <p:cNvPr id="110" name="pl110"/>
+            <p:cNvSpPr/>
+            <p:nvPr/>
+          </p:nvSpPr>
+          <p:spPr>
+            <a:xfrm>
+              <a:off x="7737651" y="1809173"/>
+              <a:ext cx="0" cy="3245468"/>
+            </a:xfrm>
+            <a:custGeom>
+              <a:avLst/>
+              <a:pathLst>
+                <a:path w="0" h="3245468">
+                  <a:moveTo>
+                    <a:pt x="0" y="3245468"/>
+                  </a:moveTo>
+                  <a:lnTo>
+                    <a:pt x="0" y="0"/>
+                  </a:lnTo>
+                  <a:lnTo>
+                    <a:pt x="0" y="0"/>
+                  </a:lnTo>
+                </a:path>
+              </a:pathLst>
+            </a:custGeom>
+            <a:ln w="13550" cap="flat">
+              <a:solidFill>
+                <a:srgbClr val="EBEBEB">
+                  <a:alpha val="100000"/>
+                </a:srgbClr>
+              </a:solidFill>
+              <a:prstDash val="solid"/>
+              <a:round/>
+            </a:ln>
+          </p:spPr>
+          <p:txBody>
+            <a:bodyPr/>
+            <a:lstStyle/>
+            <a:p/>
+          </p:txBody>
+        </p:sp>
+        <p:sp>
+          <p:nvSpPr>
+            <p:cNvPr id="111" name="pl111"/>
+            <p:cNvSpPr/>
+            <p:nvPr/>
+          </p:nvSpPr>
+          <p:spPr>
+            <a:xfrm>
+              <a:off x="7919384" y="1809173"/>
+              <a:ext cx="0" cy="3245468"/>
+            </a:xfrm>
+            <a:custGeom>
+              <a:avLst/>
+              <a:pathLst>
+                <a:path w="0" h="3245468">
+                  <a:moveTo>
+                    <a:pt x="0" y="3245468"/>
+                  </a:moveTo>
+                  <a:lnTo>
+                    <a:pt x="0" y="0"/>
+                  </a:lnTo>
+                  <a:lnTo>
+                    <a:pt x="0" y="0"/>
+                  </a:lnTo>
+                </a:path>
+              </a:pathLst>
+            </a:custGeom>
+            <a:ln w="13550" cap="flat">
+              <a:solidFill>
+                <a:srgbClr val="EBEBEB">
+                  <a:alpha val="100000"/>
+                </a:srgbClr>
+              </a:solidFill>
+              <a:prstDash val="solid"/>
+              <a:round/>
+            </a:ln>
+          </p:spPr>
+          <p:txBody>
+            <a:bodyPr/>
+            <a:lstStyle/>
+            <a:p/>
+          </p:txBody>
+        </p:sp>
+        <p:sp>
+          <p:nvSpPr>
+            <p:cNvPr id="112" name="pl112"/>
+            <p:cNvSpPr/>
+            <p:nvPr/>
+          </p:nvSpPr>
+          <p:spPr>
+            <a:xfrm>
+              <a:off x="8101118" y="1809173"/>
+              <a:ext cx="0" cy="3245468"/>
+            </a:xfrm>
+            <a:custGeom>
+              <a:avLst/>
+              <a:pathLst>
+                <a:path w="0" h="3245468">
+                  <a:moveTo>
+                    <a:pt x="0" y="3245468"/>
+                  </a:moveTo>
+                  <a:lnTo>
+                    <a:pt x="0" y="0"/>
+                  </a:lnTo>
+                  <a:lnTo>
+                    <a:pt x="0" y="0"/>
+                  </a:lnTo>
+                </a:path>
+              </a:pathLst>
+            </a:custGeom>
+            <a:ln w="13550" cap="flat">
+              <a:solidFill>
+                <a:srgbClr val="EBEBEB">
+                  <a:alpha val="100000"/>
+                </a:srgbClr>
+              </a:solidFill>
+              <a:prstDash val="solid"/>
+              <a:round/>
+            </a:ln>
+          </p:spPr>
+          <p:txBody>
+            <a:bodyPr/>
+            <a:lstStyle/>
+            <a:p/>
+          </p:txBody>
+        </p:sp>
+        <p:sp>
+          <p:nvSpPr>
+            <p:cNvPr id="113" name="pl113"/>
+            <p:cNvSpPr/>
+            <p:nvPr/>
+          </p:nvSpPr>
+          <p:spPr>
+            <a:xfrm>
+              <a:off x="8282851" y="1809173"/>
+              <a:ext cx="0" cy="3245468"/>
+            </a:xfrm>
+            <a:custGeom>
+              <a:avLst/>
+              <a:pathLst>
+                <a:path w="0" h="3245468">
+                  <a:moveTo>
+                    <a:pt x="0" y="3245468"/>
+                  </a:moveTo>
+                  <a:lnTo>
+                    <a:pt x="0" y="0"/>
+                  </a:lnTo>
+                  <a:lnTo>
+                    <a:pt x="0" y="0"/>
+                  </a:lnTo>
+                </a:path>
+              </a:pathLst>
+            </a:custGeom>
+            <a:ln w="13550" cap="flat">
+              <a:solidFill>
+                <a:srgbClr val="EBEBEB">
+                  <a:alpha val="100000"/>
+                </a:srgbClr>
+              </a:solidFill>
+              <a:prstDash val="solid"/>
+              <a:round/>
+            </a:ln>
+          </p:spPr>
+          <p:txBody>
+            <a:bodyPr/>
+            <a:lstStyle/>
+            <a:p/>
+          </p:txBody>
+        </p:sp>
+        <p:sp>
+          <p:nvSpPr>
+            <p:cNvPr id="114" name="pl114"/>
+            <p:cNvSpPr/>
+            <p:nvPr/>
+          </p:nvSpPr>
+          <p:spPr>
+            <a:xfrm>
+              <a:off x="8464585" y="1809173"/>
+              <a:ext cx="0" cy="3245468"/>
+            </a:xfrm>
+            <a:custGeom>
+              <a:avLst/>
+              <a:pathLst>
+                <a:path w="0" h="3245468">
+                  <a:moveTo>
+                    <a:pt x="0" y="3245468"/>
+                  </a:moveTo>
+                  <a:lnTo>
+                    <a:pt x="0" y="0"/>
+                  </a:lnTo>
+                  <a:lnTo>
+                    <a:pt x="0" y="0"/>
+                  </a:lnTo>
+                </a:path>
+              </a:pathLst>
+            </a:custGeom>
+            <a:ln w="13550" cap="flat">
+              <a:solidFill>
+                <a:srgbClr val="EBEBEB">
+                  <a:alpha val="100000"/>
+                </a:srgbClr>
+              </a:solidFill>
+              <a:prstDash val="solid"/>
+              <a:round/>
+            </a:ln>
+          </p:spPr>
+          <p:txBody>
+            <a:bodyPr/>
+            <a:lstStyle/>
+            <a:p/>
+          </p:txBody>
+        </p:sp>
+        <p:sp>
+          <p:nvSpPr>
+            <p:cNvPr id="115" name="pl115"/>
+            <p:cNvSpPr/>
+            <p:nvPr/>
+          </p:nvSpPr>
+          <p:spPr>
+            <a:xfrm>
+              <a:off x="8646318" y="1809173"/>
+              <a:ext cx="0" cy="3245468"/>
+            </a:xfrm>
+            <a:custGeom>
+              <a:avLst/>
+              <a:pathLst>
+                <a:path w="0" h="3245468">
+                  <a:moveTo>
+                    <a:pt x="0" y="3245468"/>
+                  </a:moveTo>
+                  <a:lnTo>
+                    <a:pt x="0" y="0"/>
+                  </a:lnTo>
+                  <a:lnTo>
+                    <a:pt x="0" y="0"/>
+                  </a:lnTo>
+                </a:path>
+              </a:pathLst>
+            </a:custGeom>
+            <a:ln w="13550" cap="flat">
+              <a:solidFill>
+                <a:srgbClr val="EBEBEB">
+                  <a:alpha val="100000"/>
+                </a:srgbClr>
+              </a:solidFill>
+              <a:prstDash val="solid"/>
+              <a:round/>
+            </a:ln>
+          </p:spPr>
+          <p:txBody>
+            <a:bodyPr/>
+            <a:lstStyle/>
+            <a:p/>
+          </p:txBody>
+        </p:sp>
+        <p:sp>
+          <p:nvSpPr>
+            <p:cNvPr id="116" name="pl116"/>
+            <p:cNvSpPr/>
+            <p:nvPr/>
+          </p:nvSpPr>
+          <p:spPr>
+            <a:xfrm>
+              <a:off x="8828052" y="1809173"/>
+              <a:ext cx="0" cy="3245468"/>
+            </a:xfrm>
+            <a:custGeom>
+              <a:avLst/>
+              <a:pathLst>
+                <a:path w="0" h="3245468">
+                  <a:moveTo>
+                    <a:pt x="0" y="3245468"/>
+                  </a:moveTo>
+                  <a:lnTo>
+                    <a:pt x="0" y="0"/>
+                  </a:lnTo>
+                  <a:lnTo>
+                    <a:pt x="0" y="0"/>
+                  </a:lnTo>
+                </a:path>
+              </a:pathLst>
+            </a:custGeom>
+            <a:ln w="13550" cap="flat">
+              <a:solidFill>
+                <a:srgbClr val="EBEBEB">
+                  <a:alpha val="100000"/>
+                </a:srgbClr>
+              </a:solidFill>
+              <a:prstDash val="solid"/>
+              <a:round/>
+            </a:ln>
+          </p:spPr>
+          <p:txBody>
+            <a:bodyPr/>
+            <a:lstStyle/>
+            <a:p/>
+          </p:txBody>
+        </p:sp>
+        <p:sp>
+          <p:nvSpPr>
+            <p:cNvPr id="117" name="rc117"/>
+            <p:cNvSpPr/>
+            <p:nvPr/>
+          </p:nvSpPr>
+          <p:spPr>
+            <a:xfrm>
+              <a:off x="7655871" y="4567690"/>
+              <a:ext cx="163560" cy="339429"/>
+            </a:xfrm>
+            <a:prstGeom prst="rect">
+              <a:avLst/>
+            </a:prstGeom>
+            <a:solidFill>
+              <a:srgbClr val="FEE5D9">
+                <a:alpha val="100000"/>
+              </a:srgbClr>
+            </a:solidFill>
+          </p:spPr>
+          <p:txBody>
+            <a:bodyPr/>
+            <a:lstStyle/>
+            <a:p/>
+          </p:txBody>
+        </p:sp>
+        <p:sp>
+          <p:nvSpPr>
+            <p:cNvPr id="118" name="rc118"/>
+            <p:cNvSpPr/>
+            <p:nvPr/>
+          </p:nvSpPr>
+          <p:spPr>
+            <a:xfrm>
+              <a:off x="7837604" y="4828790"/>
+              <a:ext cx="163560" cy="78329"/>
+            </a:xfrm>
+            <a:prstGeom prst="rect">
+              <a:avLst/>
+            </a:prstGeom>
+            <a:solidFill>
+              <a:srgbClr val="FCBBA1">
+                <a:alpha val="100000"/>
+              </a:srgbClr>
+            </a:solidFill>
+          </p:spPr>
+          <p:txBody>
+            <a:bodyPr/>
+            <a:lstStyle/>
+            <a:p/>
+          </p:txBody>
+        </p:sp>
+        <p:sp>
+          <p:nvSpPr>
+            <p:cNvPr id="119" name="rc119"/>
+            <p:cNvSpPr/>
+            <p:nvPr/>
+          </p:nvSpPr>
+          <p:spPr>
+            <a:xfrm>
+              <a:off x="8019338" y="4411030"/>
+              <a:ext cx="163560" cy="496089"/>
+            </a:xfrm>
+            <a:prstGeom prst="rect">
+              <a:avLst/>
+            </a:prstGeom>
+            <a:solidFill>
+              <a:srgbClr val="FC9272">
+                <a:alpha val="100000"/>
+              </a:srgbClr>
+            </a:solidFill>
+          </p:spPr>
+          <p:txBody>
+            <a:bodyPr/>
+            <a:lstStyle/>
+            <a:p/>
+          </p:txBody>
+        </p:sp>
+        <p:sp>
+          <p:nvSpPr>
+            <p:cNvPr id="120" name="rc120"/>
+            <p:cNvSpPr/>
+            <p:nvPr/>
+          </p:nvSpPr>
+          <p:spPr>
+            <a:xfrm>
+              <a:off x="8201071" y="4332700"/>
+              <a:ext cx="163560" cy="574419"/>
+            </a:xfrm>
+            <a:prstGeom prst="rect">
+              <a:avLst/>
+            </a:prstGeom>
+            <a:solidFill>
+              <a:srgbClr val="FB6A4A">
+                <a:alpha val="100000"/>
+              </a:srgbClr>
+            </a:solidFill>
+          </p:spPr>
+          <p:txBody>
+            <a:bodyPr/>
+            <a:lstStyle/>
+            <a:p/>
+          </p:txBody>
+        </p:sp>
+        <p:sp>
+          <p:nvSpPr>
+            <p:cNvPr id="121" name="rc121"/>
+            <p:cNvSpPr/>
+            <p:nvPr/>
+          </p:nvSpPr>
+          <p:spPr>
+            <a:xfrm>
+              <a:off x="8382805" y="4593800"/>
+              <a:ext cx="163560" cy="313319"/>
+            </a:xfrm>
+            <a:prstGeom prst="rect">
+              <a:avLst/>
+            </a:prstGeom>
+            <a:solidFill>
+              <a:srgbClr val="EF3B2C">
+                <a:alpha val="100000"/>
+              </a:srgbClr>
+            </a:solidFill>
+          </p:spPr>
+          <p:txBody>
+            <a:bodyPr/>
+            <a:lstStyle/>
+            <a:p/>
+          </p:txBody>
+        </p:sp>
+        <p:sp>
+          <p:nvSpPr>
+            <p:cNvPr id="122" name="rc122"/>
+            <p:cNvSpPr/>
+            <p:nvPr/>
+          </p:nvSpPr>
+          <p:spPr>
+            <a:xfrm>
+              <a:off x="8564538" y="4332700"/>
+              <a:ext cx="163560" cy="574419"/>
+            </a:xfrm>
+            <a:prstGeom prst="rect">
+              <a:avLst/>
+            </a:prstGeom>
+            <a:solidFill>
+              <a:srgbClr val="CB181D">
+                <a:alpha val="100000"/>
+              </a:srgbClr>
+            </a:solidFill>
+          </p:spPr>
+          <p:txBody>
+            <a:bodyPr/>
+            <a:lstStyle/>
+            <a:p/>
+          </p:txBody>
+        </p:sp>
+        <p:sp>
+          <p:nvSpPr>
+            <p:cNvPr id="123" name="rc123"/>
+            <p:cNvSpPr/>
+            <p:nvPr/>
+          </p:nvSpPr>
+          <p:spPr>
+            <a:xfrm>
+              <a:off x="8746272" y="4724350"/>
+              <a:ext cx="163560" cy="182769"/>
+            </a:xfrm>
+            <a:prstGeom prst="rect">
+              <a:avLst/>
+            </a:prstGeom>
+            <a:solidFill>
+              <a:srgbClr val="99000D">
+                <a:alpha val="100000"/>
+              </a:srgbClr>
+            </a:solidFill>
+          </p:spPr>
+          <p:txBody>
+            <a:bodyPr/>
+            <a:lstStyle/>
+            <a:p/>
+          </p:txBody>
+        </p:sp>
+        <p:sp>
+          <p:nvSpPr>
+            <p:cNvPr id="124" name="rc124"/>
+            <p:cNvSpPr/>
+            <p:nvPr/>
+          </p:nvSpPr>
+          <p:spPr>
+            <a:xfrm>
+              <a:off x="7628611" y="1809173"/>
+              <a:ext cx="1308481" cy="3245468"/>
+            </a:xfrm>
+            <a:prstGeom prst="rect">
+              <a:avLst/>
+            </a:prstGeom>
+            <a:ln w="13550" cap="rnd">
+              <a:solidFill>
+                <a:srgbClr val="333333">
+                  <a:alpha val="100000"/>
+                </a:srgbClr>
+              </a:solidFill>
+              <a:prstDash val="solid"/>
+              <a:round/>
+            </a:ln>
+          </p:spPr>
+          <p:txBody>
+            <a:bodyPr/>
+            <a:lstStyle/>
+            <a:p/>
+          </p:txBody>
+        </p:sp>
+        <p:sp>
+          <p:nvSpPr>
+            <p:cNvPr id="125" name="rc125"/>
+            <p:cNvSpPr/>
+            <p:nvPr/>
+          </p:nvSpPr>
+          <p:spPr>
+            <a:xfrm>
+              <a:off x="2116330" y="1590617"/>
+              <a:ext cx="1308481" cy="218555"/>
+            </a:xfrm>
+            <a:prstGeom prst="rect">
+              <a:avLst/>
+            </a:prstGeom>
+            <a:solidFill>
+              <a:srgbClr val="D9D9D9">
+                <a:alpha val="100000"/>
+              </a:srgbClr>
+            </a:solidFill>
+            <a:ln w="13550" cap="rnd">
+              <a:solidFill>
+                <a:srgbClr val="333333">
+                  <a:alpha val="100000"/>
+                </a:srgbClr>
+              </a:solidFill>
+              <a:prstDash val="solid"/>
+              <a:round/>
+            </a:ln>
+          </p:spPr>
+          <p:txBody>
+            <a:bodyPr/>
+            <a:lstStyle/>
+            <a:p/>
+          </p:txBody>
+        </p:sp>
+        <p:sp>
+          <p:nvSpPr>
+            <p:cNvPr id="126" name="tx126"/>
+            <p:cNvSpPr/>
+            <p:nvPr/>
+          </p:nvSpPr>
+          <p:spPr>
+            <a:xfrm>
+              <a:off x="2561021" y="1670045"/>
+              <a:ext cx="419100" cy="69850"/>
             </a:xfrm>
             <a:prstGeom prst="rect">
               <a:avLst/>
@@ -4651,30 +7666,65 @@
                 </a:spcAft>
               </a:pPr>
               <a:r>
-                <a:rPr sz="880" b="1">
+                <a:rPr sz="880">
                   <a:solidFill>
-                    <a:srgbClr val="4D4D4D">
+                    <a:srgbClr val="1A1A1A">
                       <a:alpha val="100000"/>
                     </a:srgbClr>
                   </a:solidFill>
                   <a:latin typeface="Arial"/>
                   <a:cs typeface="Arial"/>
                 </a:rPr>
-                <a:t>9</a:t>
+                <a:t>基础研究者</a:t>
               </a:r>
             </a:p>
           </p:txBody>
         </p:sp>
         <p:sp>
           <p:nvSpPr>
-            <p:cNvPr id="43" name="tx43"/>
-            <p:cNvSpPr/>
-            <p:nvPr/>
-          </p:nvSpPr>
-          <p:spPr>
-            <a:xfrm>
-              <a:off x="1926599" y="4893127"/>
-              <a:ext cx="62155" cy="81746"/>
+            <p:cNvPr id="127" name="rc127"/>
+            <p:cNvSpPr/>
+            <p:nvPr/>
+          </p:nvSpPr>
+          <p:spPr>
+            <a:xfrm>
+              <a:off x="3494401" y="1590617"/>
+              <a:ext cx="1308481" cy="218555"/>
+            </a:xfrm>
+            <a:prstGeom prst="rect">
+              <a:avLst/>
+            </a:prstGeom>
+            <a:solidFill>
+              <a:srgbClr val="D9D9D9">
+                <a:alpha val="100000"/>
+              </a:srgbClr>
+            </a:solidFill>
+            <a:ln w="13550" cap="rnd">
+              <a:solidFill>
+                <a:srgbClr val="333333">
+                  <a:alpha val="100000"/>
+                </a:srgbClr>
+              </a:solidFill>
+              <a:prstDash val="solid"/>
+              <a:round/>
+            </a:ln>
+          </p:spPr>
+          <p:txBody>
+            <a:bodyPr/>
+            <a:lstStyle/>
+            <a:p/>
+          </p:txBody>
+        </p:sp>
+        <p:sp>
+          <p:nvSpPr>
+            <p:cNvPr id="128" name="tx128"/>
+            <p:cNvSpPr/>
+            <p:nvPr/>
+          </p:nvSpPr>
+          <p:spPr>
+            <a:xfrm>
+              <a:off x="3981001" y="1670045"/>
+              <a:ext cx="335280" cy="69850"/>
             </a:xfrm>
             <a:prstGeom prst="rect">
               <a:avLst/>
@@ -4697,30 +7747,65 @@
                 </a:spcAft>
               </a:pPr>
               <a:r>
-                <a:rPr sz="880" b="1">
+                <a:rPr sz="880">
                   <a:solidFill>
-                    <a:srgbClr val="4D4D4D">
+                    <a:srgbClr val="1A1A1A">
                       <a:alpha val="100000"/>
                     </a:srgbClr>
                   </a:solidFill>
                   <a:latin typeface="Arial"/>
                   <a:cs typeface="Arial"/>
                 </a:rPr>
-                <a:t>8</a:t>
+                <a:t>临床医生</a:t>
               </a:r>
             </a:p>
           </p:txBody>
         </p:sp>
         <p:sp>
           <p:nvSpPr>
-            <p:cNvPr id="44" name="tx44"/>
-            <p:cNvSpPr/>
-            <p:nvPr/>
-          </p:nvSpPr>
-          <p:spPr>
-            <a:xfrm>
-              <a:off x="1926599" y="4455931"/>
-              <a:ext cx="62155" cy="78908"/>
+            <p:cNvPr id="129" name="rc129"/>
+            <p:cNvSpPr/>
+            <p:nvPr/>
+          </p:nvSpPr>
+          <p:spPr>
+            <a:xfrm>
+              <a:off x="4872471" y="1590617"/>
+              <a:ext cx="1308481" cy="218555"/>
+            </a:xfrm>
+            <a:prstGeom prst="rect">
+              <a:avLst/>
+            </a:prstGeom>
+            <a:solidFill>
+              <a:srgbClr val="D9D9D9">
+                <a:alpha val="100000"/>
+              </a:srgbClr>
+            </a:solidFill>
+            <a:ln w="13550" cap="rnd">
+              <a:solidFill>
+                <a:srgbClr val="333333">
+                  <a:alpha val="100000"/>
+                </a:srgbClr>
+              </a:solidFill>
+              <a:prstDash val="solid"/>
+              <a:round/>
+            </a:ln>
+          </p:spPr>
+          <p:txBody>
+            <a:bodyPr/>
+            <a:lstStyle/>
+            <a:p/>
+          </p:txBody>
+        </p:sp>
+        <p:sp>
+          <p:nvSpPr>
+            <p:cNvPr id="130" name="tx130"/>
+            <p:cNvSpPr/>
+            <p:nvPr/>
+          </p:nvSpPr>
+          <p:spPr>
+            <a:xfrm>
+              <a:off x="5317161" y="1670045"/>
+              <a:ext cx="419100" cy="69850"/>
             </a:xfrm>
             <a:prstGeom prst="rect">
               <a:avLst/>
@@ -4743,30 +7828,65 @@
                 </a:spcAft>
               </a:pPr>
               <a:r>
-                <a:rPr sz="880" b="1">
+                <a:rPr sz="880">
                   <a:solidFill>
-                    <a:srgbClr val="4D4D4D">
+                    <a:srgbClr val="1A1A1A">
                       <a:alpha val="100000"/>
                     </a:srgbClr>
                   </a:solidFill>
                   <a:latin typeface="Arial"/>
                   <a:cs typeface="Arial"/>
                 </a:rPr>
-                <a:t>7</a:t>
+                <a:t>企业管理者</a:t>
               </a:r>
             </a:p>
           </p:txBody>
         </p:sp>
         <p:sp>
           <p:nvSpPr>
-            <p:cNvPr id="45" name="tx45"/>
-            <p:cNvSpPr/>
-            <p:nvPr/>
-          </p:nvSpPr>
-          <p:spPr>
-            <a:xfrm>
-              <a:off x="1926599" y="4013114"/>
-              <a:ext cx="62155" cy="81691"/>
+            <p:cNvPr id="131" name="rc131"/>
+            <p:cNvSpPr/>
+            <p:nvPr/>
+          </p:nvSpPr>
+          <p:spPr>
+            <a:xfrm>
+              <a:off x="6250541" y="1590617"/>
+              <a:ext cx="1308481" cy="218555"/>
+            </a:xfrm>
+            <a:prstGeom prst="rect">
+              <a:avLst/>
+            </a:prstGeom>
+            <a:solidFill>
+              <a:srgbClr val="D9D9D9">
+                <a:alpha val="100000"/>
+              </a:srgbClr>
+            </a:solidFill>
+            <a:ln w="13550" cap="rnd">
+              <a:solidFill>
+                <a:srgbClr val="333333">
+                  <a:alpha val="100000"/>
+                </a:srgbClr>
+              </a:solidFill>
+              <a:prstDash val="solid"/>
+              <a:round/>
+            </a:ln>
+          </p:spPr>
+          <p:txBody>
+            <a:bodyPr/>
+            <a:lstStyle/>
+            <a:p/>
+          </p:txBody>
+        </p:sp>
+        <p:sp>
+          <p:nvSpPr>
+            <p:cNvPr id="132" name="tx132"/>
+            <p:cNvSpPr/>
+            <p:nvPr/>
+          </p:nvSpPr>
+          <p:spPr>
+            <a:xfrm>
+              <a:off x="6653321" y="1670045"/>
+              <a:ext cx="502920" cy="69850"/>
             </a:xfrm>
             <a:prstGeom prst="rect">
               <a:avLst/>
@@ -4789,30 +7909,65 @@
                 </a:spcAft>
               </a:pPr>
               <a:r>
-                <a:rPr sz="880" b="1">
+                <a:rPr sz="880">
                   <a:solidFill>
-                    <a:srgbClr val="4D4D4D">
+                    <a:srgbClr val="1A1A1A">
                       <a:alpha val="100000"/>
                     </a:srgbClr>
                   </a:solidFill>
                   <a:latin typeface="Arial"/>
                   <a:cs typeface="Arial"/>
                 </a:rPr>
-                <a:t>6</a:t>
+                <a:t>企业研发人员</a:t>
               </a:r>
             </a:p>
           </p:txBody>
         </p:sp>
         <p:sp>
           <p:nvSpPr>
-            <p:cNvPr id="46" name="tx46"/>
-            <p:cNvSpPr/>
-            <p:nvPr/>
-          </p:nvSpPr>
-          <p:spPr>
-            <a:xfrm>
-              <a:off x="1926599" y="3574499"/>
-              <a:ext cx="62155" cy="80272"/>
+            <p:cNvPr id="133" name="rc133"/>
+            <p:cNvSpPr/>
+            <p:nvPr/>
+          </p:nvSpPr>
+          <p:spPr>
+            <a:xfrm>
+              <a:off x="7628611" y="1590617"/>
+              <a:ext cx="1308481" cy="218555"/>
+            </a:xfrm>
+            <a:prstGeom prst="rect">
+              <a:avLst/>
+            </a:prstGeom>
+            <a:solidFill>
+              <a:srgbClr val="D9D9D9">
+                <a:alpha val="100000"/>
+              </a:srgbClr>
+            </a:solidFill>
+            <a:ln w="13550" cap="rnd">
+              <a:solidFill>
+                <a:srgbClr val="333333">
+                  <a:alpha val="100000"/>
+                </a:srgbClr>
+              </a:solidFill>
+              <a:prstDash val="solid"/>
+              <a:round/>
+            </a:ln>
+          </p:spPr>
+          <p:txBody>
+            <a:bodyPr/>
+            <a:lstStyle/>
+            <a:p/>
+          </p:txBody>
+        </p:sp>
+        <p:sp>
+          <p:nvSpPr>
+            <p:cNvPr id="134" name="tx134"/>
+            <p:cNvSpPr/>
+            <p:nvPr/>
+          </p:nvSpPr>
+          <p:spPr>
+            <a:xfrm>
+              <a:off x="8199031" y="1670045"/>
+              <a:ext cx="167640" cy="69850"/>
             </a:xfrm>
             <a:prstGeom prst="rect">
               <a:avLst/>
@@ -4835,573 +7990,29 @@
                 </a:spcAft>
               </a:pPr>
               <a:r>
-                <a:rPr sz="880" b="1">
+                <a:rPr sz="880">
                   <a:solidFill>
-                    <a:srgbClr val="4D4D4D">
+                    <a:srgbClr val="1A1A1A">
                       <a:alpha val="100000"/>
                     </a:srgbClr>
                   </a:solidFill>
                   <a:latin typeface="Arial"/>
                   <a:cs typeface="Arial"/>
                 </a:rPr>
-                <a:t>5</a:t>
+                <a:t>其他</a:t>
               </a:r>
             </a:p>
           </p:txBody>
         </p:sp>
         <p:sp>
           <p:nvSpPr>
-            <p:cNvPr id="47" name="tx47"/>
-            <p:cNvSpPr/>
-            <p:nvPr/>
-          </p:nvSpPr>
-          <p:spPr>
-            <a:xfrm>
-              <a:off x="1926599" y="3134411"/>
-              <a:ext cx="62155" cy="80327"/>
-            </a:xfrm>
-            <a:prstGeom prst="rect">
-              <a:avLst/>
-            </a:prstGeom>
-            <a:noFill/>
-          </p:spPr>
-          <p:txBody>
-            <a:bodyPr lIns="0" rIns="0" tIns="0" bIns="0" anchorCtr="1" anchor="ctr" wrap="none"/>
-            <a:lstStyle/>
-            <a:p>
-              <a:pPr algn="l" marL="0" marR="0" indent="0">
-                <a:lnSpc>
-                  <a:spcPts val="880"/>
-                </a:lnSpc>
-                <a:spcBef>
-                  <a:spcPts val="0"/>
-                </a:spcBef>
-                <a:spcAft>
-                  <a:spcPts val="0"/>
-                </a:spcAft>
-              </a:pPr>
-              <a:r>
-                <a:rPr sz="880" b="1">
-                  <a:solidFill>
-                    <a:srgbClr val="4D4D4D">
-                      <a:alpha val="100000"/>
-                    </a:srgbClr>
-                  </a:solidFill>
-                  <a:latin typeface="Arial"/>
-                  <a:cs typeface="Arial"/>
-                </a:rPr>
-                <a:t>4</a:t>
-              </a:r>
-            </a:p>
-          </p:txBody>
-        </p:sp>
-        <p:sp>
-          <p:nvSpPr>
-            <p:cNvPr id="48" name="tx48"/>
-            <p:cNvSpPr/>
-            <p:nvPr/>
-          </p:nvSpPr>
-          <p:spPr>
-            <a:xfrm>
-              <a:off x="1926599" y="2693013"/>
-              <a:ext cx="62155" cy="81691"/>
-            </a:xfrm>
-            <a:prstGeom prst="rect">
-              <a:avLst/>
-            </a:prstGeom>
-            <a:noFill/>
-          </p:spPr>
-          <p:txBody>
-            <a:bodyPr lIns="0" rIns="0" tIns="0" bIns="0" anchorCtr="1" anchor="ctr" wrap="none"/>
-            <a:lstStyle/>
-            <a:p>
-              <a:pPr algn="l" marL="0" marR="0" indent="0">
-                <a:lnSpc>
-                  <a:spcPts val="880"/>
-                </a:lnSpc>
-                <a:spcBef>
-                  <a:spcPts val="0"/>
-                </a:spcBef>
-                <a:spcAft>
-                  <a:spcPts val="0"/>
-                </a:spcAft>
-              </a:pPr>
-              <a:r>
-                <a:rPr sz="880" b="1">
-                  <a:solidFill>
-                    <a:srgbClr val="4D4D4D">
-                      <a:alpha val="100000"/>
-                    </a:srgbClr>
-                  </a:solidFill>
-                  <a:latin typeface="Arial"/>
-                  <a:cs typeface="Arial"/>
-                </a:rPr>
-                <a:t>3</a:t>
-              </a:r>
-            </a:p>
-          </p:txBody>
-        </p:sp>
-        <p:sp>
-          <p:nvSpPr>
-            <p:cNvPr id="49" name="tx49"/>
-            <p:cNvSpPr/>
-            <p:nvPr/>
-          </p:nvSpPr>
-          <p:spPr>
-            <a:xfrm>
-              <a:off x="1926599" y="2254343"/>
-              <a:ext cx="62155" cy="80327"/>
-            </a:xfrm>
-            <a:prstGeom prst="rect">
-              <a:avLst/>
-            </a:prstGeom>
-            <a:noFill/>
-          </p:spPr>
-          <p:txBody>
-            <a:bodyPr lIns="0" rIns="0" tIns="0" bIns="0" anchorCtr="1" anchor="ctr" wrap="none"/>
-            <a:lstStyle/>
-            <a:p>
-              <a:pPr algn="l" marL="0" marR="0" indent="0">
-                <a:lnSpc>
-                  <a:spcPts val="880"/>
-                </a:lnSpc>
-                <a:spcBef>
-                  <a:spcPts val="0"/>
-                </a:spcBef>
-                <a:spcAft>
-                  <a:spcPts val="0"/>
-                </a:spcAft>
-              </a:pPr>
-              <a:r>
-                <a:rPr sz="880" b="1">
-                  <a:solidFill>
-                    <a:srgbClr val="4D4D4D">
-                      <a:alpha val="100000"/>
-                    </a:srgbClr>
-                  </a:solidFill>
-                  <a:latin typeface="Arial"/>
-                  <a:cs typeface="Arial"/>
-                </a:rPr>
-                <a:t>2</a:t>
-              </a:r>
-            </a:p>
-          </p:txBody>
-        </p:sp>
-        <p:sp>
-          <p:nvSpPr>
-            <p:cNvPr id="50" name="tx50"/>
-            <p:cNvSpPr/>
-            <p:nvPr/>
-          </p:nvSpPr>
-          <p:spPr>
-            <a:xfrm>
-              <a:off x="1926599" y="1814310"/>
-              <a:ext cx="62155" cy="80327"/>
-            </a:xfrm>
-            <a:prstGeom prst="rect">
-              <a:avLst/>
-            </a:prstGeom>
-            <a:noFill/>
-          </p:spPr>
-          <p:txBody>
-            <a:bodyPr lIns="0" rIns="0" tIns="0" bIns="0" anchorCtr="1" anchor="ctr" wrap="none"/>
-            <a:lstStyle/>
-            <a:p>
-              <a:pPr algn="l" marL="0" marR="0" indent="0">
-                <a:lnSpc>
-                  <a:spcPts val="880"/>
-                </a:lnSpc>
-                <a:spcBef>
-                  <a:spcPts val="0"/>
-                </a:spcBef>
-                <a:spcAft>
-                  <a:spcPts val="0"/>
-                </a:spcAft>
-              </a:pPr>
-              <a:r>
-                <a:rPr sz="880" b="1">
-                  <a:solidFill>
-                    <a:srgbClr val="4D4D4D">
-                      <a:alpha val="100000"/>
-                    </a:srgbClr>
-                  </a:solidFill>
-                  <a:latin typeface="Arial"/>
-                  <a:cs typeface="Arial"/>
-                </a:rPr>
-                <a:t>1</a:t>
-              </a:r>
-            </a:p>
-          </p:txBody>
-        </p:sp>
-        <p:sp>
-          <p:nvSpPr>
-            <p:cNvPr id="51" name="pl51"/>
-            <p:cNvSpPr/>
-            <p:nvPr/>
-          </p:nvSpPr>
-          <p:spPr>
-            <a:xfrm>
-              <a:off x="1988754" y="5374907"/>
-              <a:ext cx="34794" cy="0"/>
-            </a:xfrm>
-            <a:custGeom>
-              <a:avLst/>
-              <a:pathLst>
-                <a:path w="34794" h="0">
-                  <a:moveTo>
-                    <a:pt x="0" y="0"/>
-                  </a:moveTo>
-                  <a:lnTo>
-                    <a:pt x="34794" y="0"/>
-                  </a:lnTo>
-                </a:path>
-              </a:pathLst>
-            </a:custGeom>
-            <a:ln w="6775" cap="flat">
-              <a:solidFill>
-                <a:srgbClr val="B3B3B3">
-                  <a:alpha val="100000"/>
-                </a:srgbClr>
-              </a:solidFill>
-              <a:prstDash val="solid"/>
-              <a:round/>
-            </a:ln>
-          </p:spPr>
-          <p:txBody>
-            <a:bodyPr/>
-            <a:lstStyle/>
-            <a:p/>
-          </p:txBody>
-        </p:sp>
-        <p:sp>
-          <p:nvSpPr>
-            <p:cNvPr id="52" name="pl52"/>
-            <p:cNvSpPr/>
-            <p:nvPr/>
-          </p:nvSpPr>
-          <p:spPr>
-            <a:xfrm>
-              <a:off x="1988754" y="4934873"/>
-              <a:ext cx="34794" cy="0"/>
-            </a:xfrm>
-            <a:custGeom>
-              <a:avLst/>
-              <a:pathLst>
-                <a:path w="34794" h="0">
-                  <a:moveTo>
-                    <a:pt x="0" y="0"/>
-                  </a:moveTo>
-                  <a:lnTo>
-                    <a:pt x="34794" y="0"/>
-                  </a:lnTo>
-                </a:path>
-              </a:pathLst>
-            </a:custGeom>
-            <a:ln w="6775" cap="flat">
-              <a:solidFill>
-                <a:srgbClr val="B3B3B3">
-                  <a:alpha val="100000"/>
-                </a:srgbClr>
-              </a:solidFill>
-              <a:prstDash val="solid"/>
-              <a:round/>
-            </a:ln>
-          </p:spPr>
-          <p:txBody>
-            <a:bodyPr/>
-            <a:lstStyle/>
-            <a:p/>
-          </p:txBody>
-        </p:sp>
-        <p:sp>
-          <p:nvSpPr>
-            <p:cNvPr id="53" name="pl53"/>
-            <p:cNvSpPr/>
-            <p:nvPr/>
-          </p:nvSpPr>
-          <p:spPr>
-            <a:xfrm>
-              <a:off x="1988754" y="4494840"/>
-              <a:ext cx="34794" cy="0"/>
-            </a:xfrm>
-            <a:custGeom>
-              <a:avLst/>
-              <a:pathLst>
-                <a:path w="34794" h="0">
-                  <a:moveTo>
-                    <a:pt x="0" y="0"/>
-                  </a:moveTo>
-                  <a:lnTo>
-                    <a:pt x="34794" y="0"/>
-                  </a:lnTo>
-                </a:path>
-              </a:pathLst>
-            </a:custGeom>
-            <a:ln w="6775" cap="flat">
-              <a:solidFill>
-                <a:srgbClr val="B3B3B3">
-                  <a:alpha val="100000"/>
-                </a:srgbClr>
-              </a:solidFill>
-              <a:prstDash val="solid"/>
-              <a:round/>
-            </a:ln>
-          </p:spPr>
-          <p:txBody>
-            <a:bodyPr/>
-            <a:lstStyle/>
-            <a:p/>
-          </p:txBody>
-        </p:sp>
-        <p:sp>
-          <p:nvSpPr>
-            <p:cNvPr id="54" name="pl54"/>
-            <p:cNvSpPr/>
-            <p:nvPr/>
-          </p:nvSpPr>
-          <p:spPr>
-            <a:xfrm>
-              <a:off x="1988754" y="4054806"/>
-              <a:ext cx="34794" cy="0"/>
-            </a:xfrm>
-            <a:custGeom>
-              <a:avLst/>
-              <a:pathLst>
-                <a:path w="34794" h="0">
-                  <a:moveTo>
-                    <a:pt x="0" y="0"/>
-                  </a:moveTo>
-                  <a:lnTo>
-                    <a:pt x="34794" y="0"/>
-                  </a:lnTo>
-                </a:path>
-              </a:pathLst>
-            </a:custGeom>
-            <a:ln w="6775" cap="flat">
-              <a:solidFill>
-                <a:srgbClr val="B3B3B3">
-                  <a:alpha val="100000"/>
-                </a:srgbClr>
-              </a:solidFill>
-              <a:prstDash val="solid"/>
-              <a:round/>
-            </a:ln>
-          </p:spPr>
-          <p:txBody>
-            <a:bodyPr/>
-            <a:lstStyle/>
-            <a:p/>
-          </p:txBody>
-        </p:sp>
-        <p:sp>
-          <p:nvSpPr>
-            <p:cNvPr id="55" name="pl55"/>
-            <p:cNvSpPr/>
-            <p:nvPr/>
-          </p:nvSpPr>
-          <p:spPr>
-            <a:xfrm>
-              <a:off x="1988754" y="3614772"/>
-              <a:ext cx="34794" cy="0"/>
-            </a:xfrm>
-            <a:custGeom>
-              <a:avLst/>
-              <a:pathLst>
-                <a:path w="34794" h="0">
-                  <a:moveTo>
-                    <a:pt x="0" y="0"/>
-                  </a:moveTo>
-                  <a:lnTo>
-                    <a:pt x="34794" y="0"/>
-                  </a:lnTo>
-                </a:path>
-              </a:pathLst>
-            </a:custGeom>
-            <a:ln w="6775" cap="flat">
-              <a:solidFill>
-                <a:srgbClr val="B3B3B3">
-                  <a:alpha val="100000"/>
-                </a:srgbClr>
-              </a:solidFill>
-              <a:prstDash val="solid"/>
-              <a:round/>
-            </a:ln>
-          </p:spPr>
-          <p:txBody>
-            <a:bodyPr/>
-            <a:lstStyle/>
-            <a:p/>
-          </p:txBody>
-        </p:sp>
-        <p:sp>
-          <p:nvSpPr>
-            <p:cNvPr id="56" name="pl56"/>
-            <p:cNvSpPr/>
-            <p:nvPr/>
-          </p:nvSpPr>
-          <p:spPr>
-            <a:xfrm>
-              <a:off x="1988754" y="3174738"/>
-              <a:ext cx="34794" cy="0"/>
-            </a:xfrm>
-            <a:custGeom>
-              <a:avLst/>
-              <a:pathLst>
-                <a:path w="34794" h="0">
-                  <a:moveTo>
-                    <a:pt x="0" y="0"/>
-                  </a:moveTo>
-                  <a:lnTo>
-                    <a:pt x="34794" y="0"/>
-                  </a:lnTo>
-                </a:path>
-              </a:pathLst>
-            </a:custGeom>
-            <a:ln w="6775" cap="flat">
-              <a:solidFill>
-                <a:srgbClr val="B3B3B3">
-                  <a:alpha val="100000"/>
-                </a:srgbClr>
-              </a:solidFill>
-              <a:prstDash val="solid"/>
-              <a:round/>
-            </a:ln>
-          </p:spPr>
-          <p:txBody>
-            <a:bodyPr/>
-            <a:lstStyle/>
-            <a:p/>
-          </p:txBody>
-        </p:sp>
-        <p:sp>
-          <p:nvSpPr>
-            <p:cNvPr id="57" name="pl57"/>
-            <p:cNvSpPr/>
-            <p:nvPr/>
-          </p:nvSpPr>
-          <p:spPr>
-            <a:xfrm>
-              <a:off x="1988754" y="2734705"/>
-              <a:ext cx="34794" cy="0"/>
-            </a:xfrm>
-            <a:custGeom>
-              <a:avLst/>
-              <a:pathLst>
-                <a:path w="34794" h="0">
-                  <a:moveTo>
-                    <a:pt x="0" y="0"/>
-                  </a:moveTo>
-                  <a:lnTo>
-                    <a:pt x="34794" y="0"/>
-                  </a:lnTo>
-                </a:path>
-              </a:pathLst>
-            </a:custGeom>
-            <a:ln w="6775" cap="flat">
-              <a:solidFill>
-                <a:srgbClr val="B3B3B3">
-                  <a:alpha val="100000"/>
-                </a:srgbClr>
-              </a:solidFill>
-              <a:prstDash val="solid"/>
-              <a:round/>
-            </a:ln>
-          </p:spPr>
-          <p:txBody>
-            <a:bodyPr/>
-            <a:lstStyle/>
-            <a:p/>
-          </p:txBody>
-        </p:sp>
-        <p:sp>
-          <p:nvSpPr>
-            <p:cNvPr id="58" name="pl58"/>
-            <p:cNvSpPr/>
-            <p:nvPr/>
-          </p:nvSpPr>
-          <p:spPr>
-            <a:xfrm>
-              <a:off x="1988754" y="2294671"/>
-              <a:ext cx="34794" cy="0"/>
-            </a:xfrm>
-            <a:custGeom>
-              <a:avLst/>
-              <a:pathLst>
-                <a:path w="34794" h="0">
-                  <a:moveTo>
-                    <a:pt x="0" y="0"/>
-                  </a:moveTo>
-                  <a:lnTo>
-                    <a:pt x="34794" y="0"/>
-                  </a:lnTo>
-                </a:path>
-              </a:pathLst>
-            </a:custGeom>
-            <a:ln w="6775" cap="flat">
-              <a:solidFill>
-                <a:srgbClr val="B3B3B3">
-                  <a:alpha val="100000"/>
-                </a:srgbClr>
-              </a:solidFill>
-              <a:prstDash val="solid"/>
-              <a:round/>
-            </a:ln>
-          </p:spPr>
-          <p:txBody>
-            <a:bodyPr/>
-            <a:lstStyle/>
-            <a:p/>
-          </p:txBody>
-        </p:sp>
-        <p:sp>
-          <p:nvSpPr>
-            <p:cNvPr id="59" name="pl59"/>
-            <p:cNvSpPr/>
-            <p:nvPr/>
-          </p:nvSpPr>
-          <p:spPr>
-            <a:xfrm>
-              <a:off x="1988754" y="1854637"/>
-              <a:ext cx="34794" cy="0"/>
-            </a:xfrm>
-            <a:custGeom>
-              <a:avLst/>
-              <a:pathLst>
-                <a:path w="34794" h="0">
-                  <a:moveTo>
-                    <a:pt x="0" y="0"/>
-                  </a:moveTo>
-                  <a:lnTo>
-                    <a:pt x="34794" y="0"/>
-                  </a:lnTo>
-                </a:path>
-              </a:pathLst>
-            </a:custGeom>
-            <a:ln w="6775" cap="flat">
-              <a:solidFill>
-                <a:srgbClr val="B3B3B3">
-                  <a:alpha val="100000"/>
-                </a:srgbClr>
-              </a:solidFill>
-              <a:prstDash val="solid"/>
-              <a:round/>
-            </a:ln>
-          </p:spPr>
-          <p:txBody>
-            <a:bodyPr/>
-            <a:lstStyle/>
-            <a:p/>
-          </p:txBody>
-        </p:sp>
-        <p:sp>
-          <p:nvSpPr>
-            <p:cNvPr id="60" name="pl60"/>
-            <p:cNvSpPr/>
-            <p:nvPr/>
-          </p:nvSpPr>
-          <p:spPr>
-            <a:xfrm>
-              <a:off x="2023549" y="5638927"/>
+            <p:cNvPr id="135" name="pl135"/>
+            <p:cNvSpPr/>
+            <p:nvPr/>
+          </p:nvSpPr>
+          <p:spPr>
+            <a:xfrm>
+              <a:off x="2225370" y="5054641"/>
               <a:ext cx="0" cy="34794"/>
             </a:xfrm>
             <a:custGeom>
@@ -5417,31 +8028,31 @@
                 </a:path>
               </a:pathLst>
             </a:custGeom>
-            <a:ln w="6775" cap="flat">
-              <a:solidFill>
-                <a:srgbClr val="B3B3B3">
-                  <a:alpha val="100000"/>
-                </a:srgbClr>
-              </a:solidFill>
-              <a:prstDash val="solid"/>
-              <a:round/>
-            </a:ln>
-          </p:spPr>
-          <p:txBody>
-            <a:bodyPr/>
-            <a:lstStyle/>
-            <a:p/>
-          </p:txBody>
-        </p:sp>
-        <p:sp>
-          <p:nvSpPr>
-            <p:cNvPr id="61" name="pl61"/>
-            <p:cNvSpPr/>
-            <p:nvPr/>
-          </p:nvSpPr>
-          <p:spPr>
-            <a:xfrm>
-              <a:off x="3762980" y="5638927"/>
+            <a:ln w="13550" cap="flat">
+              <a:solidFill>
+                <a:srgbClr val="333333">
+                  <a:alpha val="100000"/>
+                </a:srgbClr>
+              </a:solidFill>
+              <a:prstDash val="solid"/>
+              <a:round/>
+            </a:ln>
+          </p:spPr>
+          <p:txBody>
+            <a:bodyPr/>
+            <a:lstStyle/>
+            <a:p/>
+          </p:txBody>
+        </p:sp>
+        <p:sp>
+          <p:nvSpPr>
+            <p:cNvPr id="136" name="pl136"/>
+            <p:cNvSpPr/>
+            <p:nvPr/>
+          </p:nvSpPr>
+          <p:spPr>
+            <a:xfrm>
+              <a:off x="2407104" y="5054641"/>
               <a:ext cx="0" cy="34794"/>
             </a:xfrm>
             <a:custGeom>
@@ -5457,31 +8068,31 @@
                 </a:path>
               </a:pathLst>
             </a:custGeom>
-            <a:ln w="6775" cap="flat">
-              <a:solidFill>
-                <a:srgbClr val="B3B3B3">
-                  <a:alpha val="100000"/>
-                </a:srgbClr>
-              </a:solidFill>
-              <a:prstDash val="solid"/>
-              <a:round/>
-            </a:ln>
-          </p:spPr>
-          <p:txBody>
-            <a:bodyPr/>
-            <a:lstStyle/>
-            <a:p/>
-          </p:txBody>
-        </p:sp>
-        <p:sp>
-          <p:nvSpPr>
-            <p:cNvPr id="62" name="pl62"/>
-            <p:cNvSpPr/>
-            <p:nvPr/>
-          </p:nvSpPr>
-          <p:spPr>
-            <a:xfrm>
-              <a:off x="5502411" y="5638927"/>
+            <a:ln w="13550" cap="flat">
+              <a:solidFill>
+                <a:srgbClr val="333333">
+                  <a:alpha val="100000"/>
+                </a:srgbClr>
+              </a:solidFill>
+              <a:prstDash val="solid"/>
+              <a:round/>
+            </a:ln>
+          </p:spPr>
+          <p:txBody>
+            <a:bodyPr/>
+            <a:lstStyle/>
+            <a:p/>
+          </p:txBody>
+        </p:sp>
+        <p:sp>
+          <p:nvSpPr>
+            <p:cNvPr id="137" name="pl137"/>
+            <p:cNvSpPr/>
+            <p:nvPr/>
+          </p:nvSpPr>
+          <p:spPr>
+            <a:xfrm>
+              <a:off x="2588837" y="5054641"/>
               <a:ext cx="0" cy="34794"/>
             </a:xfrm>
             <a:custGeom>
@@ -5497,31 +8108,31 @@
                 </a:path>
               </a:pathLst>
             </a:custGeom>
-            <a:ln w="6775" cap="flat">
-              <a:solidFill>
-                <a:srgbClr val="B3B3B3">
-                  <a:alpha val="100000"/>
-                </a:srgbClr>
-              </a:solidFill>
-              <a:prstDash val="solid"/>
-              <a:round/>
-            </a:ln>
-          </p:spPr>
-          <p:txBody>
-            <a:bodyPr/>
-            <a:lstStyle/>
-            <a:p/>
-          </p:txBody>
-        </p:sp>
-        <p:sp>
-          <p:nvSpPr>
-            <p:cNvPr id="63" name="pl63"/>
-            <p:cNvSpPr/>
-            <p:nvPr/>
-          </p:nvSpPr>
-          <p:spPr>
-            <a:xfrm>
-              <a:off x="7241842" y="5638927"/>
+            <a:ln w="13550" cap="flat">
+              <a:solidFill>
+                <a:srgbClr val="333333">
+                  <a:alpha val="100000"/>
+                </a:srgbClr>
+              </a:solidFill>
+              <a:prstDash val="solid"/>
+              <a:round/>
+            </a:ln>
+          </p:spPr>
+          <p:txBody>
+            <a:bodyPr/>
+            <a:lstStyle/>
+            <a:p/>
+          </p:txBody>
+        </p:sp>
+        <p:sp>
+          <p:nvSpPr>
+            <p:cNvPr id="138" name="pl138"/>
+            <p:cNvSpPr/>
+            <p:nvPr/>
+          </p:nvSpPr>
+          <p:spPr>
+            <a:xfrm>
+              <a:off x="2770571" y="5054641"/>
               <a:ext cx="0" cy="34794"/>
             </a:xfrm>
             <a:custGeom>
@@ -5537,31 +8148,1271 @@
                 </a:path>
               </a:pathLst>
             </a:custGeom>
-            <a:ln w="6775" cap="flat">
-              <a:solidFill>
-                <a:srgbClr val="B3B3B3">
-                  <a:alpha val="100000"/>
-                </a:srgbClr>
-              </a:solidFill>
-              <a:prstDash val="solid"/>
-              <a:round/>
-            </a:ln>
-          </p:spPr>
-          <p:txBody>
-            <a:bodyPr/>
-            <a:lstStyle/>
-            <a:p/>
-          </p:txBody>
-        </p:sp>
-        <p:sp>
-          <p:nvSpPr>
-            <p:cNvPr id="64" name="tx64"/>
-            <p:cNvSpPr/>
-            <p:nvPr/>
-          </p:nvSpPr>
-          <p:spPr>
-            <a:xfrm>
-              <a:off x="1992471" y="5699866"/>
+            <a:ln w="13550" cap="flat">
+              <a:solidFill>
+                <a:srgbClr val="333333">
+                  <a:alpha val="100000"/>
+                </a:srgbClr>
+              </a:solidFill>
+              <a:prstDash val="solid"/>
+              <a:round/>
+            </a:ln>
+          </p:spPr>
+          <p:txBody>
+            <a:bodyPr/>
+            <a:lstStyle/>
+            <a:p/>
+          </p:txBody>
+        </p:sp>
+        <p:sp>
+          <p:nvSpPr>
+            <p:cNvPr id="139" name="pl139"/>
+            <p:cNvSpPr/>
+            <p:nvPr/>
+          </p:nvSpPr>
+          <p:spPr>
+            <a:xfrm>
+              <a:off x="2952304" y="5054641"/>
+              <a:ext cx="0" cy="34794"/>
+            </a:xfrm>
+            <a:custGeom>
+              <a:avLst/>
+              <a:pathLst>
+                <a:path w="0" h="34794">
+                  <a:moveTo>
+                    <a:pt x="0" y="34794"/>
+                  </a:moveTo>
+                  <a:lnTo>
+                    <a:pt x="0" y="0"/>
+                  </a:lnTo>
+                </a:path>
+              </a:pathLst>
+            </a:custGeom>
+            <a:ln w="13550" cap="flat">
+              <a:solidFill>
+                <a:srgbClr val="333333">
+                  <a:alpha val="100000"/>
+                </a:srgbClr>
+              </a:solidFill>
+              <a:prstDash val="solid"/>
+              <a:round/>
+            </a:ln>
+          </p:spPr>
+          <p:txBody>
+            <a:bodyPr/>
+            <a:lstStyle/>
+            <a:p/>
+          </p:txBody>
+        </p:sp>
+        <p:sp>
+          <p:nvSpPr>
+            <p:cNvPr id="140" name="pl140"/>
+            <p:cNvSpPr/>
+            <p:nvPr/>
+          </p:nvSpPr>
+          <p:spPr>
+            <a:xfrm>
+              <a:off x="3134038" y="5054641"/>
+              <a:ext cx="0" cy="34794"/>
+            </a:xfrm>
+            <a:custGeom>
+              <a:avLst/>
+              <a:pathLst>
+                <a:path w="0" h="34794">
+                  <a:moveTo>
+                    <a:pt x="0" y="34794"/>
+                  </a:moveTo>
+                  <a:lnTo>
+                    <a:pt x="0" y="0"/>
+                  </a:lnTo>
+                </a:path>
+              </a:pathLst>
+            </a:custGeom>
+            <a:ln w="13550" cap="flat">
+              <a:solidFill>
+                <a:srgbClr val="333333">
+                  <a:alpha val="100000"/>
+                </a:srgbClr>
+              </a:solidFill>
+              <a:prstDash val="solid"/>
+              <a:round/>
+            </a:ln>
+          </p:spPr>
+          <p:txBody>
+            <a:bodyPr/>
+            <a:lstStyle/>
+            <a:p/>
+          </p:txBody>
+        </p:sp>
+        <p:sp>
+          <p:nvSpPr>
+            <p:cNvPr id="141" name="pl141"/>
+            <p:cNvSpPr/>
+            <p:nvPr/>
+          </p:nvSpPr>
+          <p:spPr>
+            <a:xfrm>
+              <a:off x="3315771" y="5054641"/>
+              <a:ext cx="0" cy="34794"/>
+            </a:xfrm>
+            <a:custGeom>
+              <a:avLst/>
+              <a:pathLst>
+                <a:path w="0" h="34794">
+                  <a:moveTo>
+                    <a:pt x="0" y="34794"/>
+                  </a:moveTo>
+                  <a:lnTo>
+                    <a:pt x="0" y="0"/>
+                  </a:lnTo>
+                </a:path>
+              </a:pathLst>
+            </a:custGeom>
+            <a:ln w="13550" cap="flat">
+              <a:solidFill>
+                <a:srgbClr val="333333">
+                  <a:alpha val="100000"/>
+                </a:srgbClr>
+              </a:solidFill>
+              <a:prstDash val="solid"/>
+              <a:round/>
+            </a:ln>
+          </p:spPr>
+          <p:txBody>
+            <a:bodyPr/>
+            <a:lstStyle/>
+            <a:p/>
+          </p:txBody>
+        </p:sp>
+        <p:sp>
+          <p:nvSpPr>
+            <p:cNvPr id="142" name="pl142"/>
+            <p:cNvSpPr/>
+            <p:nvPr/>
+          </p:nvSpPr>
+          <p:spPr>
+            <a:xfrm>
+              <a:off x="3603441" y="5054641"/>
+              <a:ext cx="0" cy="34794"/>
+            </a:xfrm>
+            <a:custGeom>
+              <a:avLst/>
+              <a:pathLst>
+                <a:path w="0" h="34794">
+                  <a:moveTo>
+                    <a:pt x="0" y="34794"/>
+                  </a:moveTo>
+                  <a:lnTo>
+                    <a:pt x="0" y="0"/>
+                  </a:lnTo>
+                </a:path>
+              </a:pathLst>
+            </a:custGeom>
+            <a:ln w="13550" cap="flat">
+              <a:solidFill>
+                <a:srgbClr val="333333">
+                  <a:alpha val="100000"/>
+                </a:srgbClr>
+              </a:solidFill>
+              <a:prstDash val="solid"/>
+              <a:round/>
+            </a:ln>
+          </p:spPr>
+          <p:txBody>
+            <a:bodyPr/>
+            <a:lstStyle/>
+            <a:p/>
+          </p:txBody>
+        </p:sp>
+        <p:sp>
+          <p:nvSpPr>
+            <p:cNvPr id="143" name="pl143"/>
+            <p:cNvSpPr/>
+            <p:nvPr/>
+          </p:nvSpPr>
+          <p:spPr>
+            <a:xfrm>
+              <a:off x="3785174" y="5054641"/>
+              <a:ext cx="0" cy="34794"/>
+            </a:xfrm>
+            <a:custGeom>
+              <a:avLst/>
+              <a:pathLst>
+                <a:path w="0" h="34794">
+                  <a:moveTo>
+                    <a:pt x="0" y="34794"/>
+                  </a:moveTo>
+                  <a:lnTo>
+                    <a:pt x="0" y="0"/>
+                  </a:lnTo>
+                </a:path>
+              </a:pathLst>
+            </a:custGeom>
+            <a:ln w="13550" cap="flat">
+              <a:solidFill>
+                <a:srgbClr val="333333">
+                  <a:alpha val="100000"/>
+                </a:srgbClr>
+              </a:solidFill>
+              <a:prstDash val="solid"/>
+              <a:round/>
+            </a:ln>
+          </p:spPr>
+          <p:txBody>
+            <a:bodyPr/>
+            <a:lstStyle/>
+            <a:p/>
+          </p:txBody>
+        </p:sp>
+        <p:sp>
+          <p:nvSpPr>
+            <p:cNvPr id="144" name="pl144"/>
+            <p:cNvSpPr/>
+            <p:nvPr/>
+          </p:nvSpPr>
+          <p:spPr>
+            <a:xfrm>
+              <a:off x="3966908" y="5054641"/>
+              <a:ext cx="0" cy="34794"/>
+            </a:xfrm>
+            <a:custGeom>
+              <a:avLst/>
+              <a:pathLst>
+                <a:path w="0" h="34794">
+                  <a:moveTo>
+                    <a:pt x="0" y="34794"/>
+                  </a:moveTo>
+                  <a:lnTo>
+                    <a:pt x="0" y="0"/>
+                  </a:lnTo>
+                </a:path>
+              </a:pathLst>
+            </a:custGeom>
+            <a:ln w="13550" cap="flat">
+              <a:solidFill>
+                <a:srgbClr val="333333">
+                  <a:alpha val="100000"/>
+                </a:srgbClr>
+              </a:solidFill>
+              <a:prstDash val="solid"/>
+              <a:round/>
+            </a:ln>
+          </p:spPr>
+          <p:txBody>
+            <a:bodyPr/>
+            <a:lstStyle/>
+            <a:p/>
+          </p:txBody>
+        </p:sp>
+        <p:sp>
+          <p:nvSpPr>
+            <p:cNvPr id="145" name="pl145"/>
+            <p:cNvSpPr/>
+            <p:nvPr/>
+          </p:nvSpPr>
+          <p:spPr>
+            <a:xfrm>
+              <a:off x="4148641" y="5054641"/>
+              <a:ext cx="0" cy="34794"/>
+            </a:xfrm>
+            <a:custGeom>
+              <a:avLst/>
+              <a:pathLst>
+                <a:path w="0" h="34794">
+                  <a:moveTo>
+                    <a:pt x="0" y="34794"/>
+                  </a:moveTo>
+                  <a:lnTo>
+                    <a:pt x="0" y="0"/>
+                  </a:lnTo>
+                </a:path>
+              </a:pathLst>
+            </a:custGeom>
+            <a:ln w="13550" cap="flat">
+              <a:solidFill>
+                <a:srgbClr val="333333">
+                  <a:alpha val="100000"/>
+                </a:srgbClr>
+              </a:solidFill>
+              <a:prstDash val="solid"/>
+              <a:round/>
+            </a:ln>
+          </p:spPr>
+          <p:txBody>
+            <a:bodyPr/>
+            <a:lstStyle/>
+            <a:p/>
+          </p:txBody>
+        </p:sp>
+        <p:sp>
+          <p:nvSpPr>
+            <p:cNvPr id="146" name="pl146"/>
+            <p:cNvSpPr/>
+            <p:nvPr/>
+          </p:nvSpPr>
+          <p:spPr>
+            <a:xfrm>
+              <a:off x="4330375" y="5054641"/>
+              <a:ext cx="0" cy="34794"/>
+            </a:xfrm>
+            <a:custGeom>
+              <a:avLst/>
+              <a:pathLst>
+                <a:path w="0" h="34794">
+                  <a:moveTo>
+                    <a:pt x="0" y="34794"/>
+                  </a:moveTo>
+                  <a:lnTo>
+                    <a:pt x="0" y="0"/>
+                  </a:lnTo>
+                </a:path>
+              </a:pathLst>
+            </a:custGeom>
+            <a:ln w="13550" cap="flat">
+              <a:solidFill>
+                <a:srgbClr val="333333">
+                  <a:alpha val="100000"/>
+                </a:srgbClr>
+              </a:solidFill>
+              <a:prstDash val="solid"/>
+              <a:round/>
+            </a:ln>
+          </p:spPr>
+          <p:txBody>
+            <a:bodyPr/>
+            <a:lstStyle/>
+            <a:p/>
+          </p:txBody>
+        </p:sp>
+        <p:sp>
+          <p:nvSpPr>
+            <p:cNvPr id="147" name="pl147"/>
+            <p:cNvSpPr/>
+            <p:nvPr/>
+          </p:nvSpPr>
+          <p:spPr>
+            <a:xfrm>
+              <a:off x="4512108" y="5054641"/>
+              <a:ext cx="0" cy="34794"/>
+            </a:xfrm>
+            <a:custGeom>
+              <a:avLst/>
+              <a:pathLst>
+                <a:path w="0" h="34794">
+                  <a:moveTo>
+                    <a:pt x="0" y="34794"/>
+                  </a:moveTo>
+                  <a:lnTo>
+                    <a:pt x="0" y="0"/>
+                  </a:lnTo>
+                </a:path>
+              </a:pathLst>
+            </a:custGeom>
+            <a:ln w="13550" cap="flat">
+              <a:solidFill>
+                <a:srgbClr val="333333">
+                  <a:alpha val="100000"/>
+                </a:srgbClr>
+              </a:solidFill>
+              <a:prstDash val="solid"/>
+              <a:round/>
+            </a:ln>
+          </p:spPr>
+          <p:txBody>
+            <a:bodyPr/>
+            <a:lstStyle/>
+            <a:p/>
+          </p:txBody>
+        </p:sp>
+        <p:sp>
+          <p:nvSpPr>
+            <p:cNvPr id="148" name="pl148"/>
+            <p:cNvSpPr/>
+            <p:nvPr/>
+          </p:nvSpPr>
+          <p:spPr>
+            <a:xfrm>
+              <a:off x="4693842" y="5054641"/>
+              <a:ext cx="0" cy="34794"/>
+            </a:xfrm>
+            <a:custGeom>
+              <a:avLst/>
+              <a:pathLst>
+                <a:path w="0" h="34794">
+                  <a:moveTo>
+                    <a:pt x="0" y="34794"/>
+                  </a:moveTo>
+                  <a:lnTo>
+                    <a:pt x="0" y="0"/>
+                  </a:lnTo>
+                </a:path>
+              </a:pathLst>
+            </a:custGeom>
+            <a:ln w="13550" cap="flat">
+              <a:solidFill>
+                <a:srgbClr val="333333">
+                  <a:alpha val="100000"/>
+                </a:srgbClr>
+              </a:solidFill>
+              <a:prstDash val="solid"/>
+              <a:round/>
+            </a:ln>
+          </p:spPr>
+          <p:txBody>
+            <a:bodyPr/>
+            <a:lstStyle/>
+            <a:p/>
+          </p:txBody>
+        </p:sp>
+        <p:sp>
+          <p:nvSpPr>
+            <p:cNvPr id="149" name="pl149"/>
+            <p:cNvSpPr/>
+            <p:nvPr/>
+          </p:nvSpPr>
+          <p:spPr>
+            <a:xfrm>
+              <a:off x="4981511" y="5054641"/>
+              <a:ext cx="0" cy="34794"/>
+            </a:xfrm>
+            <a:custGeom>
+              <a:avLst/>
+              <a:pathLst>
+                <a:path w="0" h="34794">
+                  <a:moveTo>
+                    <a:pt x="0" y="34794"/>
+                  </a:moveTo>
+                  <a:lnTo>
+                    <a:pt x="0" y="0"/>
+                  </a:lnTo>
+                </a:path>
+              </a:pathLst>
+            </a:custGeom>
+            <a:ln w="13550" cap="flat">
+              <a:solidFill>
+                <a:srgbClr val="333333">
+                  <a:alpha val="100000"/>
+                </a:srgbClr>
+              </a:solidFill>
+              <a:prstDash val="solid"/>
+              <a:round/>
+            </a:ln>
+          </p:spPr>
+          <p:txBody>
+            <a:bodyPr/>
+            <a:lstStyle/>
+            <a:p/>
+          </p:txBody>
+        </p:sp>
+        <p:sp>
+          <p:nvSpPr>
+            <p:cNvPr id="150" name="pl150"/>
+            <p:cNvSpPr/>
+            <p:nvPr/>
+          </p:nvSpPr>
+          <p:spPr>
+            <a:xfrm>
+              <a:off x="5163244" y="5054641"/>
+              <a:ext cx="0" cy="34794"/>
+            </a:xfrm>
+            <a:custGeom>
+              <a:avLst/>
+              <a:pathLst>
+                <a:path w="0" h="34794">
+                  <a:moveTo>
+                    <a:pt x="0" y="34794"/>
+                  </a:moveTo>
+                  <a:lnTo>
+                    <a:pt x="0" y="0"/>
+                  </a:lnTo>
+                </a:path>
+              </a:pathLst>
+            </a:custGeom>
+            <a:ln w="13550" cap="flat">
+              <a:solidFill>
+                <a:srgbClr val="333333">
+                  <a:alpha val="100000"/>
+                </a:srgbClr>
+              </a:solidFill>
+              <a:prstDash val="solid"/>
+              <a:round/>
+            </a:ln>
+          </p:spPr>
+          <p:txBody>
+            <a:bodyPr/>
+            <a:lstStyle/>
+            <a:p/>
+          </p:txBody>
+        </p:sp>
+        <p:sp>
+          <p:nvSpPr>
+            <p:cNvPr id="151" name="pl151"/>
+            <p:cNvSpPr/>
+            <p:nvPr/>
+          </p:nvSpPr>
+          <p:spPr>
+            <a:xfrm>
+              <a:off x="5344978" y="5054641"/>
+              <a:ext cx="0" cy="34794"/>
+            </a:xfrm>
+            <a:custGeom>
+              <a:avLst/>
+              <a:pathLst>
+                <a:path w="0" h="34794">
+                  <a:moveTo>
+                    <a:pt x="0" y="34794"/>
+                  </a:moveTo>
+                  <a:lnTo>
+                    <a:pt x="0" y="0"/>
+                  </a:lnTo>
+                </a:path>
+              </a:pathLst>
+            </a:custGeom>
+            <a:ln w="13550" cap="flat">
+              <a:solidFill>
+                <a:srgbClr val="333333">
+                  <a:alpha val="100000"/>
+                </a:srgbClr>
+              </a:solidFill>
+              <a:prstDash val="solid"/>
+              <a:round/>
+            </a:ln>
+          </p:spPr>
+          <p:txBody>
+            <a:bodyPr/>
+            <a:lstStyle/>
+            <a:p/>
+          </p:txBody>
+        </p:sp>
+        <p:sp>
+          <p:nvSpPr>
+            <p:cNvPr id="152" name="pl152"/>
+            <p:cNvSpPr/>
+            <p:nvPr/>
+          </p:nvSpPr>
+          <p:spPr>
+            <a:xfrm>
+              <a:off x="5526711" y="5054641"/>
+              <a:ext cx="0" cy="34794"/>
+            </a:xfrm>
+            <a:custGeom>
+              <a:avLst/>
+              <a:pathLst>
+                <a:path w="0" h="34794">
+                  <a:moveTo>
+                    <a:pt x="0" y="34794"/>
+                  </a:moveTo>
+                  <a:lnTo>
+                    <a:pt x="0" y="0"/>
+                  </a:lnTo>
+                </a:path>
+              </a:pathLst>
+            </a:custGeom>
+            <a:ln w="13550" cap="flat">
+              <a:solidFill>
+                <a:srgbClr val="333333">
+                  <a:alpha val="100000"/>
+                </a:srgbClr>
+              </a:solidFill>
+              <a:prstDash val="solid"/>
+              <a:round/>
+            </a:ln>
+          </p:spPr>
+          <p:txBody>
+            <a:bodyPr/>
+            <a:lstStyle/>
+            <a:p/>
+          </p:txBody>
+        </p:sp>
+        <p:sp>
+          <p:nvSpPr>
+            <p:cNvPr id="153" name="pl153"/>
+            <p:cNvSpPr/>
+            <p:nvPr/>
+          </p:nvSpPr>
+          <p:spPr>
+            <a:xfrm>
+              <a:off x="5708445" y="5054641"/>
+              <a:ext cx="0" cy="34794"/>
+            </a:xfrm>
+            <a:custGeom>
+              <a:avLst/>
+              <a:pathLst>
+                <a:path w="0" h="34794">
+                  <a:moveTo>
+                    <a:pt x="0" y="34794"/>
+                  </a:moveTo>
+                  <a:lnTo>
+                    <a:pt x="0" y="0"/>
+                  </a:lnTo>
+                </a:path>
+              </a:pathLst>
+            </a:custGeom>
+            <a:ln w="13550" cap="flat">
+              <a:solidFill>
+                <a:srgbClr val="333333">
+                  <a:alpha val="100000"/>
+                </a:srgbClr>
+              </a:solidFill>
+              <a:prstDash val="solid"/>
+              <a:round/>
+            </a:ln>
+          </p:spPr>
+          <p:txBody>
+            <a:bodyPr/>
+            <a:lstStyle/>
+            <a:p/>
+          </p:txBody>
+        </p:sp>
+        <p:sp>
+          <p:nvSpPr>
+            <p:cNvPr id="154" name="pl154"/>
+            <p:cNvSpPr/>
+            <p:nvPr/>
+          </p:nvSpPr>
+          <p:spPr>
+            <a:xfrm>
+              <a:off x="5890178" y="5054641"/>
+              <a:ext cx="0" cy="34794"/>
+            </a:xfrm>
+            <a:custGeom>
+              <a:avLst/>
+              <a:pathLst>
+                <a:path w="0" h="34794">
+                  <a:moveTo>
+                    <a:pt x="0" y="34794"/>
+                  </a:moveTo>
+                  <a:lnTo>
+                    <a:pt x="0" y="0"/>
+                  </a:lnTo>
+                </a:path>
+              </a:pathLst>
+            </a:custGeom>
+            <a:ln w="13550" cap="flat">
+              <a:solidFill>
+                <a:srgbClr val="333333">
+                  <a:alpha val="100000"/>
+                </a:srgbClr>
+              </a:solidFill>
+              <a:prstDash val="solid"/>
+              <a:round/>
+            </a:ln>
+          </p:spPr>
+          <p:txBody>
+            <a:bodyPr/>
+            <a:lstStyle/>
+            <a:p/>
+          </p:txBody>
+        </p:sp>
+        <p:sp>
+          <p:nvSpPr>
+            <p:cNvPr id="155" name="pl155"/>
+            <p:cNvSpPr/>
+            <p:nvPr/>
+          </p:nvSpPr>
+          <p:spPr>
+            <a:xfrm>
+              <a:off x="6071912" y="5054641"/>
+              <a:ext cx="0" cy="34794"/>
+            </a:xfrm>
+            <a:custGeom>
+              <a:avLst/>
+              <a:pathLst>
+                <a:path w="0" h="34794">
+                  <a:moveTo>
+                    <a:pt x="0" y="34794"/>
+                  </a:moveTo>
+                  <a:lnTo>
+                    <a:pt x="0" y="0"/>
+                  </a:lnTo>
+                </a:path>
+              </a:pathLst>
+            </a:custGeom>
+            <a:ln w="13550" cap="flat">
+              <a:solidFill>
+                <a:srgbClr val="333333">
+                  <a:alpha val="100000"/>
+                </a:srgbClr>
+              </a:solidFill>
+              <a:prstDash val="solid"/>
+              <a:round/>
+            </a:ln>
+          </p:spPr>
+          <p:txBody>
+            <a:bodyPr/>
+            <a:lstStyle/>
+            <a:p/>
+          </p:txBody>
+        </p:sp>
+        <p:sp>
+          <p:nvSpPr>
+            <p:cNvPr id="156" name="pl156"/>
+            <p:cNvSpPr/>
+            <p:nvPr/>
+          </p:nvSpPr>
+          <p:spPr>
+            <a:xfrm>
+              <a:off x="6359581" y="5054641"/>
+              <a:ext cx="0" cy="34794"/>
+            </a:xfrm>
+            <a:custGeom>
+              <a:avLst/>
+              <a:pathLst>
+                <a:path w="0" h="34794">
+                  <a:moveTo>
+                    <a:pt x="0" y="34794"/>
+                  </a:moveTo>
+                  <a:lnTo>
+                    <a:pt x="0" y="0"/>
+                  </a:lnTo>
+                </a:path>
+              </a:pathLst>
+            </a:custGeom>
+            <a:ln w="13550" cap="flat">
+              <a:solidFill>
+                <a:srgbClr val="333333">
+                  <a:alpha val="100000"/>
+                </a:srgbClr>
+              </a:solidFill>
+              <a:prstDash val="solid"/>
+              <a:round/>
+            </a:ln>
+          </p:spPr>
+          <p:txBody>
+            <a:bodyPr/>
+            <a:lstStyle/>
+            <a:p/>
+          </p:txBody>
+        </p:sp>
+        <p:sp>
+          <p:nvSpPr>
+            <p:cNvPr id="157" name="pl157"/>
+            <p:cNvSpPr/>
+            <p:nvPr/>
+          </p:nvSpPr>
+          <p:spPr>
+            <a:xfrm>
+              <a:off x="6541314" y="5054641"/>
+              <a:ext cx="0" cy="34794"/>
+            </a:xfrm>
+            <a:custGeom>
+              <a:avLst/>
+              <a:pathLst>
+                <a:path w="0" h="34794">
+                  <a:moveTo>
+                    <a:pt x="0" y="34794"/>
+                  </a:moveTo>
+                  <a:lnTo>
+                    <a:pt x="0" y="0"/>
+                  </a:lnTo>
+                </a:path>
+              </a:pathLst>
+            </a:custGeom>
+            <a:ln w="13550" cap="flat">
+              <a:solidFill>
+                <a:srgbClr val="333333">
+                  <a:alpha val="100000"/>
+                </a:srgbClr>
+              </a:solidFill>
+              <a:prstDash val="solid"/>
+              <a:round/>
+            </a:ln>
+          </p:spPr>
+          <p:txBody>
+            <a:bodyPr/>
+            <a:lstStyle/>
+            <a:p/>
+          </p:txBody>
+        </p:sp>
+        <p:sp>
+          <p:nvSpPr>
+            <p:cNvPr id="158" name="pl158"/>
+            <p:cNvSpPr/>
+            <p:nvPr/>
+          </p:nvSpPr>
+          <p:spPr>
+            <a:xfrm>
+              <a:off x="6723048" y="5054641"/>
+              <a:ext cx="0" cy="34794"/>
+            </a:xfrm>
+            <a:custGeom>
+              <a:avLst/>
+              <a:pathLst>
+                <a:path w="0" h="34794">
+                  <a:moveTo>
+                    <a:pt x="0" y="34794"/>
+                  </a:moveTo>
+                  <a:lnTo>
+                    <a:pt x="0" y="0"/>
+                  </a:lnTo>
+                </a:path>
+              </a:pathLst>
+            </a:custGeom>
+            <a:ln w="13550" cap="flat">
+              <a:solidFill>
+                <a:srgbClr val="333333">
+                  <a:alpha val="100000"/>
+                </a:srgbClr>
+              </a:solidFill>
+              <a:prstDash val="solid"/>
+              <a:round/>
+            </a:ln>
+          </p:spPr>
+          <p:txBody>
+            <a:bodyPr/>
+            <a:lstStyle/>
+            <a:p/>
+          </p:txBody>
+        </p:sp>
+        <p:sp>
+          <p:nvSpPr>
+            <p:cNvPr id="159" name="pl159"/>
+            <p:cNvSpPr/>
+            <p:nvPr/>
+          </p:nvSpPr>
+          <p:spPr>
+            <a:xfrm>
+              <a:off x="6904781" y="5054641"/>
+              <a:ext cx="0" cy="34794"/>
+            </a:xfrm>
+            <a:custGeom>
+              <a:avLst/>
+              <a:pathLst>
+                <a:path w="0" h="34794">
+                  <a:moveTo>
+                    <a:pt x="0" y="34794"/>
+                  </a:moveTo>
+                  <a:lnTo>
+                    <a:pt x="0" y="0"/>
+                  </a:lnTo>
+                </a:path>
+              </a:pathLst>
+            </a:custGeom>
+            <a:ln w="13550" cap="flat">
+              <a:solidFill>
+                <a:srgbClr val="333333">
+                  <a:alpha val="100000"/>
+                </a:srgbClr>
+              </a:solidFill>
+              <a:prstDash val="solid"/>
+              <a:round/>
+            </a:ln>
+          </p:spPr>
+          <p:txBody>
+            <a:bodyPr/>
+            <a:lstStyle/>
+            <a:p/>
+          </p:txBody>
+        </p:sp>
+        <p:sp>
+          <p:nvSpPr>
+            <p:cNvPr id="160" name="pl160"/>
+            <p:cNvSpPr/>
+            <p:nvPr/>
+          </p:nvSpPr>
+          <p:spPr>
+            <a:xfrm>
+              <a:off x="7086515" y="5054641"/>
+              <a:ext cx="0" cy="34794"/>
+            </a:xfrm>
+            <a:custGeom>
+              <a:avLst/>
+              <a:pathLst>
+                <a:path w="0" h="34794">
+                  <a:moveTo>
+                    <a:pt x="0" y="34794"/>
+                  </a:moveTo>
+                  <a:lnTo>
+                    <a:pt x="0" y="0"/>
+                  </a:lnTo>
+                </a:path>
+              </a:pathLst>
+            </a:custGeom>
+            <a:ln w="13550" cap="flat">
+              <a:solidFill>
+                <a:srgbClr val="333333">
+                  <a:alpha val="100000"/>
+                </a:srgbClr>
+              </a:solidFill>
+              <a:prstDash val="solid"/>
+              <a:round/>
+            </a:ln>
+          </p:spPr>
+          <p:txBody>
+            <a:bodyPr/>
+            <a:lstStyle/>
+            <a:p/>
+          </p:txBody>
+        </p:sp>
+        <p:sp>
+          <p:nvSpPr>
+            <p:cNvPr id="161" name="pl161"/>
+            <p:cNvSpPr/>
+            <p:nvPr/>
+          </p:nvSpPr>
+          <p:spPr>
+            <a:xfrm>
+              <a:off x="7268248" y="5054641"/>
+              <a:ext cx="0" cy="34794"/>
+            </a:xfrm>
+            <a:custGeom>
+              <a:avLst/>
+              <a:pathLst>
+                <a:path w="0" h="34794">
+                  <a:moveTo>
+                    <a:pt x="0" y="34794"/>
+                  </a:moveTo>
+                  <a:lnTo>
+                    <a:pt x="0" y="0"/>
+                  </a:lnTo>
+                </a:path>
+              </a:pathLst>
+            </a:custGeom>
+            <a:ln w="13550" cap="flat">
+              <a:solidFill>
+                <a:srgbClr val="333333">
+                  <a:alpha val="100000"/>
+                </a:srgbClr>
+              </a:solidFill>
+              <a:prstDash val="solid"/>
+              <a:round/>
+            </a:ln>
+          </p:spPr>
+          <p:txBody>
+            <a:bodyPr/>
+            <a:lstStyle/>
+            <a:p/>
+          </p:txBody>
+        </p:sp>
+        <p:sp>
+          <p:nvSpPr>
+            <p:cNvPr id="162" name="pl162"/>
+            <p:cNvSpPr/>
+            <p:nvPr/>
+          </p:nvSpPr>
+          <p:spPr>
+            <a:xfrm>
+              <a:off x="7449982" y="5054641"/>
+              <a:ext cx="0" cy="34794"/>
+            </a:xfrm>
+            <a:custGeom>
+              <a:avLst/>
+              <a:pathLst>
+                <a:path w="0" h="34794">
+                  <a:moveTo>
+                    <a:pt x="0" y="34794"/>
+                  </a:moveTo>
+                  <a:lnTo>
+                    <a:pt x="0" y="0"/>
+                  </a:lnTo>
+                </a:path>
+              </a:pathLst>
+            </a:custGeom>
+            <a:ln w="13550" cap="flat">
+              <a:solidFill>
+                <a:srgbClr val="333333">
+                  <a:alpha val="100000"/>
+                </a:srgbClr>
+              </a:solidFill>
+              <a:prstDash val="solid"/>
+              <a:round/>
+            </a:ln>
+          </p:spPr>
+          <p:txBody>
+            <a:bodyPr/>
+            <a:lstStyle/>
+            <a:p/>
+          </p:txBody>
+        </p:sp>
+        <p:sp>
+          <p:nvSpPr>
+            <p:cNvPr id="163" name="pl163"/>
+            <p:cNvSpPr/>
+            <p:nvPr/>
+          </p:nvSpPr>
+          <p:spPr>
+            <a:xfrm>
+              <a:off x="7737651" y="5054641"/>
+              <a:ext cx="0" cy="34794"/>
+            </a:xfrm>
+            <a:custGeom>
+              <a:avLst/>
+              <a:pathLst>
+                <a:path w="0" h="34794">
+                  <a:moveTo>
+                    <a:pt x="0" y="34794"/>
+                  </a:moveTo>
+                  <a:lnTo>
+                    <a:pt x="0" y="0"/>
+                  </a:lnTo>
+                </a:path>
+              </a:pathLst>
+            </a:custGeom>
+            <a:ln w="13550" cap="flat">
+              <a:solidFill>
+                <a:srgbClr val="333333">
+                  <a:alpha val="100000"/>
+                </a:srgbClr>
+              </a:solidFill>
+              <a:prstDash val="solid"/>
+              <a:round/>
+            </a:ln>
+          </p:spPr>
+          <p:txBody>
+            <a:bodyPr/>
+            <a:lstStyle/>
+            <a:p/>
+          </p:txBody>
+        </p:sp>
+        <p:sp>
+          <p:nvSpPr>
+            <p:cNvPr id="164" name="pl164"/>
+            <p:cNvSpPr/>
+            <p:nvPr/>
+          </p:nvSpPr>
+          <p:spPr>
+            <a:xfrm>
+              <a:off x="7919384" y="5054641"/>
+              <a:ext cx="0" cy="34794"/>
+            </a:xfrm>
+            <a:custGeom>
+              <a:avLst/>
+              <a:pathLst>
+                <a:path w="0" h="34794">
+                  <a:moveTo>
+                    <a:pt x="0" y="34794"/>
+                  </a:moveTo>
+                  <a:lnTo>
+                    <a:pt x="0" y="0"/>
+                  </a:lnTo>
+                </a:path>
+              </a:pathLst>
+            </a:custGeom>
+            <a:ln w="13550" cap="flat">
+              <a:solidFill>
+                <a:srgbClr val="333333">
+                  <a:alpha val="100000"/>
+                </a:srgbClr>
+              </a:solidFill>
+              <a:prstDash val="solid"/>
+              <a:round/>
+            </a:ln>
+          </p:spPr>
+          <p:txBody>
+            <a:bodyPr/>
+            <a:lstStyle/>
+            <a:p/>
+          </p:txBody>
+        </p:sp>
+        <p:sp>
+          <p:nvSpPr>
+            <p:cNvPr id="165" name="pl165"/>
+            <p:cNvSpPr/>
+            <p:nvPr/>
+          </p:nvSpPr>
+          <p:spPr>
+            <a:xfrm>
+              <a:off x="8101118" y="5054641"/>
+              <a:ext cx="0" cy="34794"/>
+            </a:xfrm>
+            <a:custGeom>
+              <a:avLst/>
+              <a:pathLst>
+                <a:path w="0" h="34794">
+                  <a:moveTo>
+                    <a:pt x="0" y="34794"/>
+                  </a:moveTo>
+                  <a:lnTo>
+                    <a:pt x="0" y="0"/>
+                  </a:lnTo>
+                </a:path>
+              </a:pathLst>
+            </a:custGeom>
+            <a:ln w="13550" cap="flat">
+              <a:solidFill>
+                <a:srgbClr val="333333">
+                  <a:alpha val="100000"/>
+                </a:srgbClr>
+              </a:solidFill>
+              <a:prstDash val="solid"/>
+              <a:round/>
+            </a:ln>
+          </p:spPr>
+          <p:txBody>
+            <a:bodyPr/>
+            <a:lstStyle/>
+            <a:p/>
+          </p:txBody>
+        </p:sp>
+        <p:sp>
+          <p:nvSpPr>
+            <p:cNvPr id="166" name="pl166"/>
+            <p:cNvSpPr/>
+            <p:nvPr/>
+          </p:nvSpPr>
+          <p:spPr>
+            <a:xfrm>
+              <a:off x="8282851" y="5054641"/>
+              <a:ext cx="0" cy="34794"/>
+            </a:xfrm>
+            <a:custGeom>
+              <a:avLst/>
+              <a:pathLst>
+                <a:path w="0" h="34794">
+                  <a:moveTo>
+                    <a:pt x="0" y="34794"/>
+                  </a:moveTo>
+                  <a:lnTo>
+                    <a:pt x="0" y="0"/>
+                  </a:lnTo>
+                </a:path>
+              </a:pathLst>
+            </a:custGeom>
+            <a:ln w="13550" cap="flat">
+              <a:solidFill>
+                <a:srgbClr val="333333">
+                  <a:alpha val="100000"/>
+                </a:srgbClr>
+              </a:solidFill>
+              <a:prstDash val="solid"/>
+              <a:round/>
+            </a:ln>
+          </p:spPr>
+          <p:txBody>
+            <a:bodyPr/>
+            <a:lstStyle/>
+            <a:p/>
+          </p:txBody>
+        </p:sp>
+        <p:sp>
+          <p:nvSpPr>
+            <p:cNvPr id="167" name="pl167"/>
+            <p:cNvSpPr/>
+            <p:nvPr/>
+          </p:nvSpPr>
+          <p:spPr>
+            <a:xfrm>
+              <a:off x="8464585" y="5054641"/>
+              <a:ext cx="0" cy="34794"/>
+            </a:xfrm>
+            <a:custGeom>
+              <a:avLst/>
+              <a:pathLst>
+                <a:path w="0" h="34794">
+                  <a:moveTo>
+                    <a:pt x="0" y="34794"/>
+                  </a:moveTo>
+                  <a:lnTo>
+                    <a:pt x="0" y="0"/>
+                  </a:lnTo>
+                </a:path>
+              </a:pathLst>
+            </a:custGeom>
+            <a:ln w="13550" cap="flat">
+              <a:solidFill>
+                <a:srgbClr val="333333">
+                  <a:alpha val="100000"/>
+                </a:srgbClr>
+              </a:solidFill>
+              <a:prstDash val="solid"/>
+              <a:round/>
+            </a:ln>
+          </p:spPr>
+          <p:txBody>
+            <a:bodyPr/>
+            <a:lstStyle/>
+            <a:p/>
+          </p:txBody>
+        </p:sp>
+        <p:sp>
+          <p:nvSpPr>
+            <p:cNvPr id="168" name="pl168"/>
+            <p:cNvSpPr/>
+            <p:nvPr/>
+          </p:nvSpPr>
+          <p:spPr>
+            <a:xfrm>
+              <a:off x="8646318" y="5054641"/>
+              <a:ext cx="0" cy="34794"/>
+            </a:xfrm>
+            <a:custGeom>
+              <a:avLst/>
+              <a:pathLst>
+                <a:path w="0" h="34794">
+                  <a:moveTo>
+                    <a:pt x="0" y="34794"/>
+                  </a:moveTo>
+                  <a:lnTo>
+                    <a:pt x="0" y="0"/>
+                  </a:lnTo>
+                </a:path>
+              </a:pathLst>
+            </a:custGeom>
+            <a:ln w="13550" cap="flat">
+              <a:solidFill>
+                <a:srgbClr val="333333">
+                  <a:alpha val="100000"/>
+                </a:srgbClr>
+              </a:solidFill>
+              <a:prstDash val="solid"/>
+              <a:round/>
+            </a:ln>
+          </p:spPr>
+          <p:txBody>
+            <a:bodyPr/>
+            <a:lstStyle/>
+            <a:p/>
+          </p:txBody>
+        </p:sp>
+        <p:sp>
+          <p:nvSpPr>
+            <p:cNvPr id="169" name="pl169"/>
+            <p:cNvSpPr/>
+            <p:nvPr/>
+          </p:nvSpPr>
+          <p:spPr>
+            <a:xfrm>
+              <a:off x="8828052" y="5054641"/>
+              <a:ext cx="0" cy="34794"/>
+            </a:xfrm>
+            <a:custGeom>
+              <a:avLst/>
+              <a:pathLst>
+                <a:path w="0" h="34794">
+                  <a:moveTo>
+                    <a:pt x="0" y="34794"/>
+                  </a:moveTo>
+                  <a:lnTo>
+                    <a:pt x="0" y="0"/>
+                  </a:lnTo>
+                </a:path>
+              </a:pathLst>
+            </a:custGeom>
+            <a:ln w="13550" cap="flat">
+              <a:solidFill>
+                <a:srgbClr val="333333">
+                  <a:alpha val="100000"/>
+                </a:srgbClr>
+              </a:solidFill>
+              <a:prstDash val="solid"/>
+              <a:round/>
+            </a:ln>
+          </p:spPr>
+          <p:txBody>
+            <a:bodyPr/>
+            <a:lstStyle/>
+            <a:p/>
+          </p:txBody>
+        </p:sp>
+        <p:sp>
+          <p:nvSpPr>
+            <p:cNvPr id="170" name="tx170"/>
+            <p:cNvSpPr/>
+            <p:nvPr/>
+          </p:nvSpPr>
+          <p:spPr>
+            <a:xfrm>
+              <a:off x="1991545" y="4865428"/>
               <a:ext cx="62155" cy="81691"/>
             </a:xfrm>
             <a:prstGeom prst="rect">
@@ -5601,14 +9452,14 @@
         </p:sp>
         <p:sp>
           <p:nvSpPr>
-            <p:cNvPr id="65" name="tx65"/>
-            <p:cNvSpPr/>
-            <p:nvPr/>
-          </p:nvSpPr>
-          <p:spPr>
-            <a:xfrm>
-              <a:off x="3669747" y="5699811"/>
-              <a:ext cx="186466" cy="81746"/>
+            <p:cNvPr id="171" name="tx171"/>
+            <p:cNvSpPr/>
+            <p:nvPr/>
+          </p:nvSpPr>
+          <p:spPr>
+            <a:xfrm>
+              <a:off x="1929389" y="4082075"/>
+              <a:ext cx="124311" cy="81746"/>
             </a:xfrm>
             <a:prstGeom prst="rect">
               <a:avLst/>
@@ -5640,21 +9491,21 @@
                   <a:latin typeface="Arial"/>
                   <a:cs typeface="Arial"/>
                 </a:rPr>
-                <a:t>300</a:t>
+                <a:t>30</a:t>
               </a:r>
             </a:p>
           </p:txBody>
         </p:sp>
         <p:sp>
           <p:nvSpPr>
-            <p:cNvPr id="66" name="tx66"/>
-            <p:cNvSpPr/>
-            <p:nvPr/>
-          </p:nvSpPr>
-          <p:spPr>
-            <a:xfrm>
-              <a:off x="5409178" y="5699866"/>
-              <a:ext cx="186466" cy="81691"/>
+            <p:cNvPr id="172" name="tx172"/>
+            <p:cNvSpPr/>
+            <p:nvPr/>
+          </p:nvSpPr>
+          <p:spPr>
+            <a:xfrm>
+              <a:off x="1929389" y="3298830"/>
+              <a:ext cx="124311" cy="81691"/>
             </a:xfrm>
             <a:prstGeom prst="rect">
               <a:avLst/>
@@ -5686,21 +9537,21 @@
                   <a:latin typeface="Arial"/>
                   <a:cs typeface="Arial"/>
                 </a:rPr>
-                <a:t>600</a:t>
+                <a:t>60</a:t>
               </a:r>
             </a:p>
           </p:txBody>
         </p:sp>
         <p:sp>
           <p:nvSpPr>
-            <p:cNvPr id="67" name="tx67"/>
-            <p:cNvSpPr/>
-            <p:nvPr/>
-          </p:nvSpPr>
-          <p:spPr>
-            <a:xfrm>
-              <a:off x="7148609" y="5699866"/>
-              <a:ext cx="186466" cy="81691"/>
+            <p:cNvPr id="173" name="tx173"/>
+            <p:cNvSpPr/>
+            <p:nvPr/>
+          </p:nvSpPr>
+          <p:spPr>
+            <a:xfrm>
+              <a:off x="1929389" y="2515531"/>
+              <a:ext cx="124311" cy="81691"/>
             </a:xfrm>
             <a:prstGeom prst="rect">
               <a:avLst/>
@@ -5732,7 +9583,879 @@
                   <a:latin typeface="Arial"/>
                   <a:cs typeface="Arial"/>
                 </a:rPr>
-                <a:t>900</a:t>
+                <a:t>90</a:t>
+              </a:r>
+            </a:p>
+          </p:txBody>
+        </p:sp>
+        <p:sp>
+          <p:nvSpPr>
+            <p:cNvPr id="174" name="pl174"/>
+            <p:cNvSpPr/>
+            <p:nvPr/>
+          </p:nvSpPr>
+          <p:spPr>
+            <a:xfrm>
+              <a:off x="2081536" y="4907120"/>
+              <a:ext cx="34794" cy="0"/>
+            </a:xfrm>
+            <a:custGeom>
+              <a:avLst/>
+              <a:pathLst>
+                <a:path w="34794" h="0">
+                  <a:moveTo>
+                    <a:pt x="0" y="0"/>
+                  </a:moveTo>
+                  <a:lnTo>
+                    <a:pt x="34794" y="0"/>
+                  </a:lnTo>
+                </a:path>
+              </a:pathLst>
+            </a:custGeom>
+            <a:ln w="13550" cap="flat">
+              <a:solidFill>
+                <a:srgbClr val="333333">
+                  <a:alpha val="100000"/>
+                </a:srgbClr>
+              </a:solidFill>
+              <a:prstDash val="solid"/>
+              <a:round/>
+            </a:ln>
+          </p:spPr>
+          <p:txBody>
+            <a:bodyPr/>
+            <a:lstStyle/>
+            <a:p/>
+          </p:txBody>
+        </p:sp>
+        <p:sp>
+          <p:nvSpPr>
+            <p:cNvPr id="175" name="pl175"/>
+            <p:cNvSpPr/>
+            <p:nvPr/>
+          </p:nvSpPr>
+          <p:spPr>
+            <a:xfrm>
+              <a:off x="2081536" y="4123821"/>
+              <a:ext cx="34794" cy="0"/>
+            </a:xfrm>
+            <a:custGeom>
+              <a:avLst/>
+              <a:pathLst>
+                <a:path w="34794" h="0">
+                  <a:moveTo>
+                    <a:pt x="0" y="0"/>
+                  </a:moveTo>
+                  <a:lnTo>
+                    <a:pt x="34794" y="0"/>
+                  </a:lnTo>
+                </a:path>
+              </a:pathLst>
+            </a:custGeom>
+            <a:ln w="13550" cap="flat">
+              <a:solidFill>
+                <a:srgbClr val="333333">
+                  <a:alpha val="100000"/>
+                </a:srgbClr>
+              </a:solidFill>
+              <a:prstDash val="solid"/>
+              <a:round/>
+            </a:ln>
+          </p:spPr>
+          <p:txBody>
+            <a:bodyPr/>
+            <a:lstStyle/>
+            <a:p/>
+          </p:txBody>
+        </p:sp>
+        <p:sp>
+          <p:nvSpPr>
+            <p:cNvPr id="176" name="pl176"/>
+            <p:cNvSpPr/>
+            <p:nvPr/>
+          </p:nvSpPr>
+          <p:spPr>
+            <a:xfrm>
+              <a:off x="2081536" y="3340522"/>
+              <a:ext cx="34794" cy="0"/>
+            </a:xfrm>
+            <a:custGeom>
+              <a:avLst/>
+              <a:pathLst>
+                <a:path w="34794" h="0">
+                  <a:moveTo>
+                    <a:pt x="0" y="0"/>
+                  </a:moveTo>
+                  <a:lnTo>
+                    <a:pt x="34794" y="0"/>
+                  </a:lnTo>
+                </a:path>
+              </a:pathLst>
+            </a:custGeom>
+            <a:ln w="13550" cap="flat">
+              <a:solidFill>
+                <a:srgbClr val="333333">
+                  <a:alpha val="100000"/>
+                </a:srgbClr>
+              </a:solidFill>
+              <a:prstDash val="solid"/>
+              <a:round/>
+            </a:ln>
+          </p:spPr>
+          <p:txBody>
+            <a:bodyPr/>
+            <a:lstStyle/>
+            <a:p/>
+          </p:txBody>
+        </p:sp>
+        <p:sp>
+          <p:nvSpPr>
+            <p:cNvPr id="177" name="pl177"/>
+            <p:cNvSpPr/>
+            <p:nvPr/>
+          </p:nvSpPr>
+          <p:spPr>
+            <a:xfrm>
+              <a:off x="2081536" y="2557223"/>
+              <a:ext cx="34794" cy="0"/>
+            </a:xfrm>
+            <a:custGeom>
+              <a:avLst/>
+              <a:pathLst>
+                <a:path w="34794" h="0">
+                  <a:moveTo>
+                    <a:pt x="0" y="0"/>
+                  </a:moveTo>
+                  <a:lnTo>
+                    <a:pt x="34794" y="0"/>
+                  </a:lnTo>
+                </a:path>
+              </a:pathLst>
+            </a:custGeom>
+            <a:ln w="13550" cap="flat">
+              <a:solidFill>
+                <a:srgbClr val="333333">
+                  <a:alpha val="100000"/>
+                </a:srgbClr>
+              </a:solidFill>
+              <a:prstDash val="solid"/>
+              <a:round/>
+            </a:ln>
+          </p:spPr>
+          <p:txBody>
+            <a:bodyPr/>
+            <a:lstStyle/>
+            <a:p/>
+          </p:txBody>
+        </p:sp>
+        <p:sp>
+          <p:nvSpPr>
+            <p:cNvPr id="178" name="rc178"/>
+            <p:cNvSpPr/>
+            <p:nvPr/>
+          </p:nvSpPr>
+          <p:spPr>
+            <a:xfrm>
+              <a:off x="3684865" y="5394142"/>
+              <a:ext cx="3683692" cy="578090"/>
+            </a:xfrm>
+            <a:prstGeom prst="rect">
+              <a:avLst/>
+            </a:prstGeom>
+            <a:solidFill>
+              <a:srgbClr val="FFFFFF">
+                <a:alpha val="100000"/>
+              </a:srgbClr>
+            </a:solidFill>
+          </p:spPr>
+          <p:txBody>
+            <a:bodyPr/>
+            <a:lstStyle/>
+            <a:p/>
+          </p:txBody>
+        </p:sp>
+        <p:sp>
+          <p:nvSpPr>
+            <p:cNvPr id="179" name="rc179"/>
+            <p:cNvSpPr/>
+            <p:nvPr/>
+          </p:nvSpPr>
+          <p:spPr>
+            <a:xfrm>
+              <a:off x="3824043" y="5463731"/>
+              <a:ext cx="219455" cy="219455"/>
+            </a:xfrm>
+            <a:prstGeom prst="rect">
+              <a:avLst/>
+            </a:prstGeom>
+            <a:solidFill>
+              <a:srgbClr val="FFFFFF">
+                <a:alpha val="100000"/>
+              </a:srgbClr>
+            </a:solidFill>
+          </p:spPr>
+          <p:txBody>
+            <a:bodyPr/>
+            <a:lstStyle/>
+            <a:p/>
+          </p:txBody>
+        </p:sp>
+        <p:sp>
+          <p:nvSpPr>
+            <p:cNvPr id="180" name="rc180"/>
+            <p:cNvSpPr/>
+            <p:nvPr/>
+          </p:nvSpPr>
+          <p:spPr>
+            <a:xfrm>
+              <a:off x="3833043" y="5472731"/>
+              <a:ext cx="201456" cy="201456"/>
+            </a:xfrm>
+            <a:prstGeom prst="rect">
+              <a:avLst/>
+            </a:prstGeom>
+            <a:solidFill>
+              <a:srgbClr val="FEE5D9">
+                <a:alpha val="100000"/>
+              </a:srgbClr>
+            </a:solidFill>
+          </p:spPr>
+          <p:txBody>
+            <a:bodyPr/>
+            <a:lstStyle/>
+            <a:p/>
+          </p:txBody>
+        </p:sp>
+        <p:sp>
+          <p:nvSpPr>
+            <p:cNvPr id="181" name="rc181"/>
+            <p:cNvSpPr/>
+            <p:nvPr/>
+          </p:nvSpPr>
+          <p:spPr>
+            <a:xfrm>
+              <a:off x="3824043" y="5683187"/>
+              <a:ext cx="219455" cy="219455"/>
+            </a:xfrm>
+            <a:prstGeom prst="rect">
+              <a:avLst/>
+            </a:prstGeom>
+            <a:solidFill>
+              <a:srgbClr val="FFFFFF">
+                <a:alpha val="100000"/>
+              </a:srgbClr>
+            </a:solidFill>
+          </p:spPr>
+          <p:txBody>
+            <a:bodyPr/>
+            <a:lstStyle/>
+            <a:p/>
+          </p:txBody>
+        </p:sp>
+        <p:sp>
+          <p:nvSpPr>
+            <p:cNvPr id="182" name="rc182"/>
+            <p:cNvSpPr/>
+            <p:nvPr/>
+          </p:nvSpPr>
+          <p:spPr>
+            <a:xfrm>
+              <a:off x="3833043" y="5692187"/>
+              <a:ext cx="201456" cy="201456"/>
+            </a:xfrm>
+            <a:prstGeom prst="rect">
+              <a:avLst/>
+            </a:prstGeom>
+            <a:solidFill>
+              <a:srgbClr val="FCBBA1">
+                <a:alpha val="100000"/>
+              </a:srgbClr>
+            </a:solidFill>
+          </p:spPr>
+          <p:txBody>
+            <a:bodyPr/>
+            <a:lstStyle/>
+            <a:p/>
+          </p:txBody>
+        </p:sp>
+        <p:sp>
+          <p:nvSpPr>
+            <p:cNvPr id="183" name="rc183"/>
+            <p:cNvSpPr/>
+            <p:nvPr/>
+          </p:nvSpPr>
+          <p:spPr>
+            <a:xfrm>
+              <a:off x="4598958" y="5463731"/>
+              <a:ext cx="219455" cy="219455"/>
+            </a:xfrm>
+            <a:prstGeom prst="rect">
+              <a:avLst/>
+            </a:prstGeom>
+            <a:solidFill>
+              <a:srgbClr val="FFFFFF">
+                <a:alpha val="100000"/>
+              </a:srgbClr>
+            </a:solidFill>
+          </p:spPr>
+          <p:txBody>
+            <a:bodyPr/>
+            <a:lstStyle/>
+            <a:p/>
+          </p:txBody>
+        </p:sp>
+        <p:sp>
+          <p:nvSpPr>
+            <p:cNvPr id="184" name="rc184"/>
+            <p:cNvSpPr/>
+            <p:nvPr/>
+          </p:nvSpPr>
+          <p:spPr>
+            <a:xfrm>
+              <a:off x="4607958" y="5472731"/>
+              <a:ext cx="201456" cy="201456"/>
+            </a:xfrm>
+            <a:prstGeom prst="rect">
+              <a:avLst/>
+            </a:prstGeom>
+            <a:solidFill>
+              <a:srgbClr val="FC9272">
+                <a:alpha val="100000"/>
+              </a:srgbClr>
+            </a:solidFill>
+          </p:spPr>
+          <p:txBody>
+            <a:bodyPr/>
+            <a:lstStyle/>
+            <a:p/>
+          </p:txBody>
+        </p:sp>
+        <p:sp>
+          <p:nvSpPr>
+            <p:cNvPr id="185" name="rc185"/>
+            <p:cNvSpPr/>
+            <p:nvPr/>
+          </p:nvSpPr>
+          <p:spPr>
+            <a:xfrm>
+              <a:off x="4598958" y="5683187"/>
+              <a:ext cx="219455" cy="219455"/>
+            </a:xfrm>
+            <a:prstGeom prst="rect">
+              <a:avLst/>
+            </a:prstGeom>
+            <a:solidFill>
+              <a:srgbClr val="FFFFFF">
+                <a:alpha val="100000"/>
+              </a:srgbClr>
+            </a:solidFill>
+          </p:spPr>
+          <p:txBody>
+            <a:bodyPr/>
+            <a:lstStyle/>
+            <a:p/>
+          </p:txBody>
+        </p:sp>
+        <p:sp>
+          <p:nvSpPr>
+            <p:cNvPr id="186" name="rc186"/>
+            <p:cNvSpPr/>
+            <p:nvPr/>
+          </p:nvSpPr>
+          <p:spPr>
+            <a:xfrm>
+              <a:off x="4607958" y="5692187"/>
+              <a:ext cx="201456" cy="201456"/>
+            </a:xfrm>
+            <a:prstGeom prst="rect">
+              <a:avLst/>
+            </a:prstGeom>
+            <a:solidFill>
+              <a:srgbClr val="FB6A4A">
+                <a:alpha val="100000"/>
+              </a:srgbClr>
+            </a:solidFill>
+          </p:spPr>
+          <p:txBody>
+            <a:bodyPr/>
+            <a:lstStyle/>
+            <a:p/>
+          </p:txBody>
+        </p:sp>
+        <p:sp>
+          <p:nvSpPr>
+            <p:cNvPr id="187" name="rc187"/>
+            <p:cNvSpPr/>
+            <p:nvPr/>
+          </p:nvSpPr>
+          <p:spPr>
+            <a:xfrm>
+              <a:off x="5500974" y="5463731"/>
+              <a:ext cx="219455" cy="219455"/>
+            </a:xfrm>
+            <a:prstGeom prst="rect">
+              <a:avLst/>
+            </a:prstGeom>
+            <a:solidFill>
+              <a:srgbClr val="FFFFFF">
+                <a:alpha val="100000"/>
+              </a:srgbClr>
+            </a:solidFill>
+          </p:spPr>
+          <p:txBody>
+            <a:bodyPr/>
+            <a:lstStyle/>
+            <a:p/>
+          </p:txBody>
+        </p:sp>
+        <p:sp>
+          <p:nvSpPr>
+            <p:cNvPr id="188" name="rc188"/>
+            <p:cNvSpPr/>
+            <p:nvPr/>
+          </p:nvSpPr>
+          <p:spPr>
+            <a:xfrm>
+              <a:off x="5509974" y="5472731"/>
+              <a:ext cx="201456" cy="201456"/>
+            </a:xfrm>
+            <a:prstGeom prst="rect">
+              <a:avLst/>
+            </a:prstGeom>
+            <a:solidFill>
+              <a:srgbClr val="EF3B2C">
+                <a:alpha val="100000"/>
+              </a:srgbClr>
+            </a:solidFill>
+          </p:spPr>
+          <p:txBody>
+            <a:bodyPr/>
+            <a:lstStyle/>
+            <a:p/>
+          </p:txBody>
+        </p:sp>
+        <p:sp>
+          <p:nvSpPr>
+            <p:cNvPr id="189" name="rc189"/>
+            <p:cNvSpPr/>
+            <p:nvPr/>
+          </p:nvSpPr>
+          <p:spPr>
+            <a:xfrm>
+              <a:off x="5500974" y="5683187"/>
+              <a:ext cx="219455" cy="219455"/>
+            </a:xfrm>
+            <a:prstGeom prst="rect">
+              <a:avLst/>
+            </a:prstGeom>
+            <a:solidFill>
+              <a:srgbClr val="FFFFFF">
+                <a:alpha val="100000"/>
+              </a:srgbClr>
+            </a:solidFill>
+          </p:spPr>
+          <p:txBody>
+            <a:bodyPr/>
+            <a:lstStyle/>
+            <a:p/>
+          </p:txBody>
+        </p:sp>
+        <p:sp>
+          <p:nvSpPr>
+            <p:cNvPr id="190" name="rc190"/>
+            <p:cNvSpPr/>
+            <p:nvPr/>
+          </p:nvSpPr>
+          <p:spPr>
+            <a:xfrm>
+              <a:off x="5509974" y="5692187"/>
+              <a:ext cx="201456" cy="201456"/>
+            </a:xfrm>
+            <a:prstGeom prst="rect">
+              <a:avLst/>
+            </a:prstGeom>
+            <a:solidFill>
+              <a:srgbClr val="CB181D">
+                <a:alpha val="100000"/>
+              </a:srgbClr>
+            </a:solidFill>
+          </p:spPr>
+          <p:txBody>
+            <a:bodyPr/>
+            <a:lstStyle/>
+            <a:p/>
+          </p:txBody>
+        </p:sp>
+        <p:sp>
+          <p:nvSpPr>
+            <p:cNvPr id="191" name="rc191"/>
+            <p:cNvSpPr/>
+            <p:nvPr/>
+          </p:nvSpPr>
+          <p:spPr>
+            <a:xfrm>
+              <a:off x="6402990" y="5463731"/>
+              <a:ext cx="219455" cy="219455"/>
+            </a:xfrm>
+            <a:prstGeom prst="rect">
+              <a:avLst/>
+            </a:prstGeom>
+            <a:solidFill>
+              <a:srgbClr val="FFFFFF">
+                <a:alpha val="100000"/>
+              </a:srgbClr>
+            </a:solidFill>
+          </p:spPr>
+          <p:txBody>
+            <a:bodyPr/>
+            <a:lstStyle/>
+            <a:p/>
+          </p:txBody>
+        </p:sp>
+        <p:sp>
+          <p:nvSpPr>
+            <p:cNvPr id="192" name="rc192"/>
+            <p:cNvSpPr/>
+            <p:nvPr/>
+          </p:nvSpPr>
+          <p:spPr>
+            <a:xfrm>
+              <a:off x="6411990" y="5472731"/>
+              <a:ext cx="201456" cy="201456"/>
+            </a:xfrm>
+            <a:prstGeom prst="rect">
+              <a:avLst/>
+            </a:prstGeom>
+            <a:solidFill>
+              <a:srgbClr val="99000D">
+                <a:alpha val="100000"/>
+              </a:srgbClr>
+            </a:solidFill>
+          </p:spPr>
+          <p:txBody>
+            <a:bodyPr/>
+            <a:lstStyle/>
+            <a:p/>
+          </p:txBody>
+        </p:sp>
+        <p:sp>
+          <p:nvSpPr>
+            <p:cNvPr id="193" name="tx193"/>
+            <p:cNvSpPr/>
+            <p:nvPr/>
+          </p:nvSpPr>
+          <p:spPr>
+            <a:xfrm>
+              <a:off x="4113088" y="5531767"/>
+              <a:ext cx="269468" cy="81691"/>
+            </a:xfrm>
+            <a:prstGeom prst="rect">
+              <a:avLst/>
+            </a:prstGeom>
+            <a:noFill/>
+          </p:spPr>
+          <p:txBody>
+            <a:bodyPr lIns="0" rIns="0" tIns="0" bIns="0" anchorCtr="1" anchor="ctr" wrap="none"/>
+            <a:lstStyle/>
+            <a:p>
+              <a:pPr algn="l" marL="0" marR="0" indent="0">
+                <a:lnSpc>
+                  <a:spcPts val="880"/>
+                </a:lnSpc>
+                <a:spcBef>
+                  <a:spcPts val="0"/>
+                </a:spcBef>
+                <a:spcAft>
+                  <a:spcPts val="0"/>
+                </a:spcAft>
+              </a:pPr>
+              <a:r>
+                <a:rPr sz="880">
+                  <a:solidFill>
+                    <a:srgbClr val="000000">
+                      <a:alpha val="100000"/>
+                    </a:srgbClr>
+                  </a:solidFill>
+                  <a:latin typeface="Arial"/>
+                  <a:cs typeface="Arial"/>
+                </a:rPr>
+                <a:t>≤10亿</a:t>
+              </a:r>
+            </a:p>
+          </p:txBody>
+        </p:sp>
+        <p:sp>
+          <p:nvSpPr>
+            <p:cNvPr id="194" name="tx194"/>
+            <p:cNvSpPr/>
+            <p:nvPr/>
+          </p:nvSpPr>
+          <p:spPr>
+            <a:xfrm>
+              <a:off x="4113088" y="5751223"/>
+              <a:ext cx="393779" cy="81691"/>
+            </a:xfrm>
+            <a:prstGeom prst="rect">
+              <a:avLst/>
+            </a:prstGeom>
+            <a:noFill/>
+          </p:spPr>
+          <p:txBody>
+            <a:bodyPr lIns="0" rIns="0" tIns="0" bIns="0" anchorCtr="1" anchor="ctr" wrap="none"/>
+            <a:lstStyle/>
+            <a:p>
+              <a:pPr algn="l" marL="0" marR="0" indent="0">
+                <a:lnSpc>
+                  <a:spcPts val="880"/>
+                </a:lnSpc>
+                <a:spcBef>
+                  <a:spcPts val="0"/>
+                </a:spcBef>
+                <a:spcAft>
+                  <a:spcPts val="0"/>
+                </a:spcAft>
+              </a:pPr>
+              <a:r>
+                <a:rPr sz="880">
+                  <a:solidFill>
+                    <a:srgbClr val="000000">
+                      <a:alpha val="100000"/>
+                    </a:srgbClr>
+                  </a:solidFill>
+                  <a:latin typeface="Arial"/>
+                  <a:cs typeface="Arial"/>
+                </a:rPr>
+                <a:t>≥1000亿</a:t>
+              </a:r>
+            </a:p>
+          </p:txBody>
+        </p:sp>
+        <p:sp>
+          <p:nvSpPr>
+            <p:cNvPr id="195" name="tx195"/>
+            <p:cNvSpPr/>
+            <p:nvPr/>
+          </p:nvSpPr>
+          <p:spPr>
+            <a:xfrm>
+              <a:off x="4888003" y="5531767"/>
+              <a:ext cx="369659" cy="81691"/>
+            </a:xfrm>
+            <a:prstGeom prst="rect">
+              <a:avLst/>
+            </a:prstGeom>
+            <a:noFill/>
+          </p:spPr>
+          <p:txBody>
+            <a:bodyPr lIns="0" rIns="0" tIns="0" bIns="0" anchorCtr="1" anchor="ctr" wrap="none"/>
+            <a:lstStyle/>
+            <a:p>
+              <a:pPr algn="l" marL="0" marR="0" indent="0">
+                <a:lnSpc>
+                  <a:spcPts val="880"/>
+                </a:lnSpc>
+                <a:spcBef>
+                  <a:spcPts val="0"/>
+                </a:spcBef>
+                <a:spcAft>
+                  <a:spcPts val="0"/>
+                </a:spcAft>
+              </a:pPr>
+              <a:r>
+                <a:rPr sz="880">
+                  <a:solidFill>
+                    <a:srgbClr val="000000">
+                      <a:alpha val="100000"/>
+                    </a:srgbClr>
+                  </a:solidFill>
+                  <a:latin typeface="Arial"/>
+                  <a:cs typeface="Arial"/>
+                </a:rPr>
+                <a:t>10-50亿</a:t>
+              </a:r>
+            </a:p>
+          </p:txBody>
+        </p:sp>
+        <p:sp>
+          <p:nvSpPr>
+            <p:cNvPr id="196" name="tx196"/>
+            <p:cNvSpPr/>
+            <p:nvPr/>
+          </p:nvSpPr>
+          <p:spPr>
+            <a:xfrm>
+              <a:off x="4888003" y="5751169"/>
+              <a:ext cx="493970" cy="81746"/>
+            </a:xfrm>
+            <a:prstGeom prst="rect">
+              <a:avLst/>
+            </a:prstGeom>
+            <a:noFill/>
+          </p:spPr>
+          <p:txBody>
+            <a:bodyPr lIns="0" rIns="0" tIns="0" bIns="0" anchorCtr="1" anchor="ctr" wrap="none"/>
+            <a:lstStyle/>
+            <a:p>
+              <a:pPr algn="l" marL="0" marR="0" indent="0">
+                <a:lnSpc>
+                  <a:spcPts val="880"/>
+                </a:lnSpc>
+                <a:spcBef>
+                  <a:spcPts val="0"/>
+                </a:spcBef>
+                <a:spcAft>
+                  <a:spcPts val="0"/>
+                </a:spcAft>
+              </a:pPr>
+              <a:r>
+                <a:rPr sz="880">
+                  <a:solidFill>
+                    <a:srgbClr val="000000">
+                      <a:alpha val="100000"/>
+                    </a:srgbClr>
+                  </a:solidFill>
+                  <a:latin typeface="Arial"/>
+                  <a:cs typeface="Arial"/>
+                </a:rPr>
+                <a:t>100-300亿</a:t>
+              </a:r>
+            </a:p>
+          </p:txBody>
+        </p:sp>
+        <p:sp>
+          <p:nvSpPr>
+            <p:cNvPr id="197" name="tx197"/>
+            <p:cNvSpPr/>
+            <p:nvPr/>
+          </p:nvSpPr>
+          <p:spPr>
+            <a:xfrm>
+              <a:off x="5790019" y="5531713"/>
+              <a:ext cx="493970" cy="81746"/>
+            </a:xfrm>
+            <a:prstGeom prst="rect">
+              <a:avLst/>
+            </a:prstGeom>
+            <a:noFill/>
+          </p:spPr>
+          <p:txBody>
+            <a:bodyPr lIns="0" rIns="0" tIns="0" bIns="0" anchorCtr="1" anchor="ctr" wrap="none"/>
+            <a:lstStyle/>
+            <a:p>
+              <a:pPr algn="l" marL="0" marR="0" indent="0">
+                <a:lnSpc>
+                  <a:spcPts val="880"/>
+                </a:lnSpc>
+                <a:spcBef>
+                  <a:spcPts val="0"/>
+                </a:spcBef>
+                <a:spcAft>
+                  <a:spcPts val="0"/>
+                </a:spcAft>
+              </a:pPr>
+              <a:r>
+                <a:rPr sz="880">
+                  <a:solidFill>
+                    <a:srgbClr val="000000">
+                      <a:alpha val="100000"/>
+                    </a:srgbClr>
+                  </a:solidFill>
+                  <a:latin typeface="Arial"/>
+                  <a:cs typeface="Arial"/>
+                </a:rPr>
+                <a:t>300-500亿</a:t>
+              </a:r>
+            </a:p>
+          </p:txBody>
+        </p:sp>
+        <p:sp>
+          <p:nvSpPr>
+            <p:cNvPr id="198" name="tx198"/>
+            <p:cNvSpPr/>
+            <p:nvPr/>
+          </p:nvSpPr>
+          <p:spPr>
+            <a:xfrm>
+              <a:off x="5790019" y="5751223"/>
+              <a:ext cx="431814" cy="81691"/>
+            </a:xfrm>
+            <a:prstGeom prst="rect">
+              <a:avLst/>
+            </a:prstGeom>
+            <a:noFill/>
+          </p:spPr>
+          <p:txBody>
+            <a:bodyPr lIns="0" rIns="0" tIns="0" bIns="0" anchorCtr="1" anchor="ctr" wrap="none"/>
+            <a:lstStyle/>
+            <a:p>
+              <a:pPr algn="l" marL="0" marR="0" indent="0">
+                <a:lnSpc>
+                  <a:spcPts val="880"/>
+                </a:lnSpc>
+                <a:spcBef>
+                  <a:spcPts val="0"/>
+                </a:spcBef>
+                <a:spcAft>
+                  <a:spcPts val="0"/>
+                </a:spcAft>
+              </a:pPr>
+              <a:r>
+                <a:rPr sz="880">
+                  <a:solidFill>
+                    <a:srgbClr val="000000">
+                      <a:alpha val="100000"/>
+                    </a:srgbClr>
+                  </a:solidFill>
+                  <a:latin typeface="Arial"/>
+                  <a:cs typeface="Arial"/>
+                </a:rPr>
+                <a:t>50-100亿</a:t>
+              </a:r>
+            </a:p>
+          </p:txBody>
+        </p:sp>
+        <p:sp>
+          <p:nvSpPr>
+            <p:cNvPr id="199" name="tx199"/>
+            <p:cNvSpPr/>
+            <p:nvPr/>
+          </p:nvSpPr>
+          <p:spPr>
+            <a:xfrm>
+              <a:off x="6692035" y="5531767"/>
+              <a:ext cx="556126" cy="81691"/>
+            </a:xfrm>
+            <a:prstGeom prst="rect">
+              <a:avLst/>
+            </a:prstGeom>
+            <a:noFill/>
+          </p:spPr>
+          <p:txBody>
+            <a:bodyPr lIns="0" rIns="0" tIns="0" bIns="0" anchorCtr="1" anchor="ctr" wrap="none"/>
+            <a:lstStyle/>
+            <a:p>
+              <a:pPr algn="l" marL="0" marR="0" indent="0">
+                <a:lnSpc>
+                  <a:spcPts val="880"/>
+                </a:lnSpc>
+                <a:spcBef>
+                  <a:spcPts val="0"/>
+                </a:spcBef>
+                <a:spcAft>
+                  <a:spcPts val="0"/>
+                </a:spcAft>
+              </a:pPr>
+              <a:r>
+                <a:rPr sz="880">
+                  <a:solidFill>
+                    <a:srgbClr val="000000">
+                      <a:alpha val="100000"/>
+                    </a:srgbClr>
+                  </a:solidFill>
+                  <a:latin typeface="Arial"/>
+                  <a:cs typeface="Arial"/>
+                </a:rPr>
+                <a:t>500-1000亿</a:t>
               </a:r>
             </a:p>
           </p:txBody>

--- a/_book/plot/unnamed-chunk-61-1.pptx
+++ b/_book/plot/unnamed-chunk-61-1.pptx
@@ -3192,8 +3192,8 @@
           </p:nvSpPr>
           <p:spPr>
             <a:xfrm>
-              <a:off x="2019661" y="1590617"/>
-              <a:ext cx="6917431" cy="4055309"/>
+              <a:off x="2017917" y="1590617"/>
+              <a:ext cx="6919174" cy="4059006"/>
             </a:xfrm>
             <a:prstGeom prst="rect">
               <a:avLst/>
@@ -3218,15 +3218,15 @@
           </p:nvSpPr>
           <p:spPr>
             <a:xfrm>
-              <a:off x="2891357" y="1590617"/>
-              <a:ext cx="0" cy="4055309"/>
+              <a:off x="2889833" y="1590617"/>
+              <a:ext cx="0" cy="4059006"/>
             </a:xfrm>
             <a:custGeom>
               <a:avLst/>
               <a:pathLst>
-                <a:path w="0" h="4055309">
+                <a:path w="0" h="4059006">
                   <a:moveTo>
-                    <a:pt x="0" y="4055309"/>
+                    <a:pt x="0" y="4059006"/>
                   </a:moveTo>
                   <a:lnTo>
                     <a:pt x="0" y="0"/>
@@ -3261,15 +3261,15 @@
           </p:nvSpPr>
           <p:spPr>
             <a:xfrm>
-              <a:off x="4634749" y="1590617"/>
-              <a:ext cx="0" cy="4055309"/>
+              <a:off x="4633664" y="1590617"/>
+              <a:ext cx="0" cy="4059006"/>
             </a:xfrm>
             <a:custGeom>
               <a:avLst/>
               <a:pathLst>
-                <a:path w="0" h="4055309">
+                <a:path w="0" h="4059006">
                   <a:moveTo>
-                    <a:pt x="0" y="4055309"/>
+                    <a:pt x="0" y="4059006"/>
                   </a:moveTo>
                   <a:lnTo>
                     <a:pt x="0" y="0"/>
@@ -3304,15 +3304,15 @@
           </p:nvSpPr>
           <p:spPr>
             <a:xfrm>
-              <a:off x="6378141" y="1590617"/>
-              <a:ext cx="0" cy="4055309"/>
+              <a:off x="6377496" y="1590617"/>
+              <a:ext cx="0" cy="4059006"/>
             </a:xfrm>
             <a:custGeom>
               <a:avLst/>
               <a:pathLst>
-                <a:path w="0" h="4055309">
+                <a:path w="0" h="4059006">
                   <a:moveTo>
-                    <a:pt x="0" y="4055309"/>
+                    <a:pt x="0" y="4059006"/>
                   </a:moveTo>
                   <a:lnTo>
                     <a:pt x="0" y="0"/>
@@ -3347,15 +3347,15 @@
           </p:nvSpPr>
           <p:spPr>
             <a:xfrm>
-              <a:off x="8121533" y="1590617"/>
-              <a:ext cx="0" cy="4055309"/>
+              <a:off x="8121328" y="1590617"/>
+              <a:ext cx="0" cy="4059006"/>
             </a:xfrm>
             <a:custGeom>
               <a:avLst/>
               <a:pathLst>
-                <a:path w="0" h="4055309">
+                <a:path w="0" h="4059006">
                   <a:moveTo>
-                    <a:pt x="0" y="4055309"/>
+                    <a:pt x="0" y="4059006"/>
                   </a:moveTo>
                   <a:lnTo>
                     <a:pt x="0" y="0"/>
@@ -3390,21 +3390,21 @@
           </p:nvSpPr>
           <p:spPr>
             <a:xfrm>
-              <a:off x="2019661" y="5349196"/>
-              <a:ext cx="6917431" cy="0"/>
+              <a:off x="2017917" y="5352623"/>
+              <a:ext cx="6919174" cy="0"/>
             </a:xfrm>
             <a:custGeom>
               <a:avLst/>
               <a:pathLst>
-                <a:path w="6917431" h="0">
+                <a:path w="6919174" h="0">
                   <a:moveTo>
                     <a:pt x="0" y="0"/>
                   </a:moveTo>
                   <a:lnTo>
-                    <a:pt x="6917431" y="0"/>
-                  </a:lnTo>
-                  <a:lnTo>
-                    <a:pt x="6917431" y="0"/>
+                    <a:pt x="6919174" y="0"/>
+                  </a:lnTo>
+                  <a:lnTo>
+                    <a:pt x="6919174" y="0"/>
                   </a:lnTo>
                 </a:path>
               </a:pathLst>
@@ -3433,21 +3433,21 @@
           </p:nvSpPr>
           <p:spPr>
             <a:xfrm>
-              <a:off x="2019661" y="4854646"/>
-              <a:ext cx="6917431" cy="0"/>
+              <a:off x="2017917" y="4857622"/>
+              <a:ext cx="6919174" cy="0"/>
             </a:xfrm>
             <a:custGeom>
               <a:avLst/>
               <a:pathLst>
-                <a:path w="6917431" h="0">
+                <a:path w="6919174" h="0">
                   <a:moveTo>
                     <a:pt x="0" y="0"/>
                   </a:moveTo>
                   <a:lnTo>
-                    <a:pt x="6917431" y="0"/>
-                  </a:lnTo>
-                  <a:lnTo>
-                    <a:pt x="6917431" y="0"/>
+                    <a:pt x="6919174" y="0"/>
+                  </a:lnTo>
+                  <a:lnTo>
+                    <a:pt x="6919174" y="0"/>
                   </a:lnTo>
                 </a:path>
               </a:pathLst>
@@ -3476,21 +3476,21 @@
           </p:nvSpPr>
           <p:spPr>
             <a:xfrm>
-              <a:off x="2019661" y="4360096"/>
-              <a:ext cx="6917431" cy="0"/>
+              <a:off x="2017917" y="4362621"/>
+              <a:ext cx="6919174" cy="0"/>
             </a:xfrm>
             <a:custGeom>
               <a:avLst/>
               <a:pathLst>
-                <a:path w="6917431" h="0">
+                <a:path w="6919174" h="0">
                   <a:moveTo>
                     <a:pt x="0" y="0"/>
                   </a:moveTo>
                   <a:lnTo>
-                    <a:pt x="6917431" y="0"/>
-                  </a:lnTo>
-                  <a:lnTo>
-                    <a:pt x="6917431" y="0"/>
+                    <a:pt x="6919174" y="0"/>
+                  </a:lnTo>
+                  <a:lnTo>
+                    <a:pt x="6919174" y="0"/>
                   </a:lnTo>
                 </a:path>
               </a:pathLst>
@@ -3519,21 +3519,21 @@
           </p:nvSpPr>
           <p:spPr>
             <a:xfrm>
-              <a:off x="2019661" y="3865546"/>
-              <a:ext cx="6917431" cy="0"/>
+              <a:off x="2017917" y="3867620"/>
+              <a:ext cx="6919174" cy="0"/>
             </a:xfrm>
             <a:custGeom>
               <a:avLst/>
               <a:pathLst>
-                <a:path w="6917431" h="0">
+                <a:path w="6919174" h="0">
                   <a:moveTo>
                     <a:pt x="0" y="0"/>
                   </a:moveTo>
                   <a:lnTo>
-                    <a:pt x="6917431" y="0"/>
-                  </a:lnTo>
-                  <a:lnTo>
-                    <a:pt x="6917431" y="0"/>
+                    <a:pt x="6919174" y="0"/>
+                  </a:lnTo>
+                  <a:lnTo>
+                    <a:pt x="6919174" y="0"/>
                   </a:lnTo>
                 </a:path>
               </a:pathLst>
@@ -3562,21 +3562,21 @@
           </p:nvSpPr>
           <p:spPr>
             <a:xfrm>
-              <a:off x="2019661" y="3370996"/>
-              <a:ext cx="6917431" cy="0"/>
+              <a:off x="2017917" y="3372620"/>
+              <a:ext cx="6919174" cy="0"/>
             </a:xfrm>
             <a:custGeom>
               <a:avLst/>
               <a:pathLst>
-                <a:path w="6917431" h="0">
+                <a:path w="6919174" h="0">
                   <a:moveTo>
                     <a:pt x="0" y="0"/>
                   </a:moveTo>
                   <a:lnTo>
-                    <a:pt x="6917431" y="0"/>
-                  </a:lnTo>
-                  <a:lnTo>
-                    <a:pt x="6917431" y="0"/>
+                    <a:pt x="6919174" y="0"/>
+                  </a:lnTo>
+                  <a:lnTo>
+                    <a:pt x="6919174" y="0"/>
                   </a:lnTo>
                 </a:path>
               </a:pathLst>
@@ -3605,21 +3605,21 @@
           </p:nvSpPr>
           <p:spPr>
             <a:xfrm>
-              <a:off x="2019661" y="2876447"/>
-              <a:ext cx="6917431" cy="0"/>
+              <a:off x="2017917" y="2877619"/>
+              <a:ext cx="6919174" cy="0"/>
             </a:xfrm>
             <a:custGeom>
               <a:avLst/>
               <a:pathLst>
-                <a:path w="6917431" h="0">
+                <a:path w="6919174" h="0">
                   <a:moveTo>
                     <a:pt x="0" y="0"/>
                   </a:moveTo>
                   <a:lnTo>
-                    <a:pt x="6917431" y="0"/>
-                  </a:lnTo>
-                  <a:lnTo>
-                    <a:pt x="6917431" y="0"/>
+                    <a:pt x="6919174" y="0"/>
+                  </a:lnTo>
+                  <a:lnTo>
+                    <a:pt x="6919174" y="0"/>
                   </a:lnTo>
                 </a:path>
               </a:pathLst>
@@ -3648,21 +3648,21 @@
           </p:nvSpPr>
           <p:spPr>
             <a:xfrm>
-              <a:off x="2019661" y="2381897"/>
-              <a:ext cx="6917431" cy="0"/>
+              <a:off x="2017917" y="2382618"/>
+              <a:ext cx="6919174" cy="0"/>
             </a:xfrm>
             <a:custGeom>
               <a:avLst/>
               <a:pathLst>
-                <a:path w="6917431" h="0">
+                <a:path w="6919174" h="0">
                   <a:moveTo>
                     <a:pt x="0" y="0"/>
                   </a:moveTo>
                   <a:lnTo>
-                    <a:pt x="6917431" y="0"/>
-                  </a:lnTo>
-                  <a:lnTo>
-                    <a:pt x="6917431" y="0"/>
+                    <a:pt x="6919174" y="0"/>
+                  </a:lnTo>
+                  <a:lnTo>
+                    <a:pt x="6919174" y="0"/>
                   </a:lnTo>
                 </a:path>
               </a:pathLst>
@@ -3691,21 +3691,21 @@
           </p:nvSpPr>
           <p:spPr>
             <a:xfrm>
-              <a:off x="2019661" y="1887347"/>
-              <a:ext cx="6917431" cy="0"/>
+              <a:off x="2017917" y="1887617"/>
+              <a:ext cx="6919174" cy="0"/>
             </a:xfrm>
             <a:custGeom>
               <a:avLst/>
               <a:pathLst>
-                <a:path w="6917431" h="0">
+                <a:path w="6919174" h="0">
                   <a:moveTo>
                     <a:pt x="0" y="0"/>
                   </a:moveTo>
                   <a:lnTo>
-                    <a:pt x="6917431" y="0"/>
-                  </a:lnTo>
-                  <a:lnTo>
-                    <a:pt x="6917431" y="0"/>
+                    <a:pt x="6919174" y="0"/>
+                  </a:lnTo>
+                  <a:lnTo>
+                    <a:pt x="6919174" y="0"/>
                   </a:lnTo>
                 </a:path>
               </a:pathLst>
@@ -3734,15 +3734,15 @@
           </p:nvSpPr>
           <p:spPr>
             <a:xfrm>
-              <a:off x="2019661" y="1590617"/>
-              <a:ext cx="0" cy="4055309"/>
+              <a:off x="2017917" y="1590617"/>
+              <a:ext cx="0" cy="4059006"/>
             </a:xfrm>
             <a:custGeom>
               <a:avLst/>
               <a:pathLst>
-                <a:path w="0" h="4055309">
+                <a:path w="0" h="4059006">
                   <a:moveTo>
-                    <a:pt x="0" y="4055309"/>
+                    <a:pt x="0" y="4059006"/>
                   </a:moveTo>
                   <a:lnTo>
                     <a:pt x="0" y="0"/>
@@ -3777,15 +3777,15 @@
           </p:nvSpPr>
           <p:spPr>
             <a:xfrm>
-              <a:off x="3763053" y="1590617"/>
-              <a:ext cx="0" cy="4055309"/>
+              <a:off x="3761749" y="1590617"/>
+              <a:ext cx="0" cy="4059006"/>
             </a:xfrm>
             <a:custGeom>
               <a:avLst/>
               <a:pathLst>
-                <a:path w="0" h="4055309">
+                <a:path w="0" h="4059006">
                   <a:moveTo>
-                    <a:pt x="0" y="4055309"/>
+                    <a:pt x="0" y="4059006"/>
                   </a:moveTo>
                   <a:lnTo>
                     <a:pt x="0" y="0"/>
@@ -3820,15 +3820,15 @@
           </p:nvSpPr>
           <p:spPr>
             <a:xfrm>
-              <a:off x="5506445" y="1590617"/>
-              <a:ext cx="0" cy="4055309"/>
+              <a:off x="5505580" y="1590617"/>
+              <a:ext cx="0" cy="4059006"/>
             </a:xfrm>
             <a:custGeom>
               <a:avLst/>
               <a:pathLst>
-                <a:path w="0" h="4055309">
+                <a:path w="0" h="4059006">
                   <a:moveTo>
-                    <a:pt x="0" y="4055309"/>
+                    <a:pt x="0" y="4059006"/>
                   </a:moveTo>
                   <a:lnTo>
                     <a:pt x="0" y="0"/>
@@ -3863,15 +3863,15 @@
           </p:nvSpPr>
           <p:spPr>
             <a:xfrm>
-              <a:off x="7249837" y="1590617"/>
-              <a:ext cx="0" cy="4055309"/>
+              <a:off x="7249412" y="1590617"/>
+              <a:ext cx="0" cy="4059006"/>
             </a:xfrm>
             <a:custGeom>
               <a:avLst/>
               <a:pathLst>
-                <a:path w="0" h="4055309">
+                <a:path w="0" h="4059006">
                   <a:moveTo>
-                    <a:pt x="0" y="4055309"/>
+                    <a:pt x="0" y="4059006"/>
                   </a:moveTo>
                   <a:lnTo>
                     <a:pt x="0" y="0"/>
@@ -3906,8 +3906,8 @@
           </p:nvSpPr>
           <p:spPr>
             <a:xfrm>
-              <a:off x="2019661" y="1664799"/>
-              <a:ext cx="6781795" cy="445094"/>
+              <a:off x="2017917" y="1664867"/>
+              <a:ext cx="6783504" cy="445500"/>
             </a:xfrm>
             <a:prstGeom prst="rect">
               <a:avLst/>
@@ -3932,8 +3932,8 @@
           </p:nvSpPr>
           <p:spPr>
             <a:xfrm>
-              <a:off x="2019661" y="2159349"/>
-              <a:ext cx="3553033" cy="445094"/>
+              <a:off x="2017917" y="2159868"/>
+              <a:ext cx="3553928" cy="445500"/>
             </a:xfrm>
             <a:prstGeom prst="rect">
               <a:avLst/>
@@ -3958,8 +3958,8 @@
           </p:nvSpPr>
           <p:spPr>
             <a:xfrm>
-              <a:off x="2019661" y="2653899"/>
-              <a:ext cx="3023041" cy="445094"/>
+              <a:off x="2017917" y="2654868"/>
+              <a:ext cx="3023803" cy="445500"/>
             </a:xfrm>
             <a:prstGeom prst="rect">
               <a:avLst/>
@@ -3984,8 +3984,8 @@
           </p:nvSpPr>
           <p:spPr>
             <a:xfrm>
-              <a:off x="2019661" y="3148449"/>
-              <a:ext cx="1970033" cy="445094"/>
+              <a:off x="2017917" y="3149869"/>
+              <a:ext cx="1970529" cy="445500"/>
             </a:xfrm>
             <a:prstGeom prst="rect">
               <a:avLst/>
@@ -4010,8 +4010,8 @@
           </p:nvSpPr>
           <p:spPr>
             <a:xfrm>
-              <a:off x="2019661" y="3642999"/>
-              <a:ext cx="1168072" cy="445094"/>
+              <a:off x="2017917" y="3644870"/>
+              <a:ext cx="1168367" cy="445500"/>
             </a:xfrm>
             <a:prstGeom prst="rect">
               <a:avLst/>
@@ -4036,8 +4036,8 @@
           </p:nvSpPr>
           <p:spPr>
             <a:xfrm>
-              <a:off x="2019661" y="4137549"/>
-              <a:ext cx="1119257" cy="445094"/>
+              <a:off x="2017917" y="4139871"/>
+              <a:ext cx="1119539" cy="445500"/>
             </a:xfrm>
             <a:prstGeom prst="rect">
               <a:avLst/>
@@ -4062,8 +4062,8 @@
           </p:nvSpPr>
           <p:spPr>
             <a:xfrm>
-              <a:off x="2019661" y="4632099"/>
-              <a:ext cx="948405" cy="445094"/>
+              <a:off x="2017917" y="4634872"/>
+              <a:ext cx="948644" cy="445500"/>
             </a:xfrm>
             <a:prstGeom prst="rect">
               <a:avLst/>
@@ -4088,8 +4088,8 @@
           </p:nvSpPr>
           <p:spPr>
             <a:xfrm>
-              <a:off x="2019661" y="5126649"/>
-              <a:ext cx="108090" cy="445094"/>
+              <a:off x="2017917" y="5129872"/>
+              <a:ext cx="108117" cy="445500"/>
             </a:xfrm>
             <a:prstGeom prst="rect">
               <a:avLst/>
@@ -4114,7 +4114,7 @@
           </p:nvSpPr>
           <p:spPr>
             <a:xfrm>
-              <a:off x="8101481" y="1821219"/>
+              <a:off x="8101405" y="1821489"/>
               <a:ext cx="51238" cy="13974"/>
             </a:xfrm>
             <a:custGeom>
@@ -4211,7 +4211,7 @@
           </p:nvSpPr>
           <p:spPr>
             <a:xfrm>
-              <a:off x="8139169" y="1836463"/>
+              <a:off x="8139092" y="1836734"/>
               <a:ext cx="15667" cy="20749"/>
             </a:xfrm>
             <a:custGeom>
@@ -4308,7 +4308,7 @@
           </p:nvSpPr>
           <p:spPr>
             <a:xfrm>
-              <a:off x="8121384" y="1838157"/>
+              <a:off x="8121307" y="1838427"/>
               <a:ext cx="10586" cy="19055"/>
             </a:xfrm>
             <a:custGeom>
@@ -4405,7 +4405,7 @@
           </p:nvSpPr>
           <p:spPr>
             <a:xfrm>
-              <a:off x="8100634" y="1839427"/>
+              <a:off x="8100558" y="1839698"/>
               <a:ext cx="14820" cy="18208"/>
             </a:xfrm>
             <a:custGeom>
@@ -4502,7 +4502,7 @@
           </p:nvSpPr>
           <p:spPr>
             <a:xfrm>
-              <a:off x="8098940" y="1861024"/>
+              <a:off x="8098864" y="1861294"/>
               <a:ext cx="58013" cy="58437"/>
             </a:xfrm>
             <a:custGeom>
@@ -4842,7 +4842,7 @@
           </p:nvSpPr>
           <p:spPr>
             <a:xfrm>
-              <a:off x="8160765" y="1822065"/>
+              <a:off x="8160689" y="1822336"/>
               <a:ext cx="34723" cy="95701"/>
             </a:xfrm>
             <a:custGeom>
@@ -5125,7 +5125,7 @@
           </p:nvSpPr>
           <p:spPr>
             <a:xfrm>
-              <a:off x="8206498" y="1825030"/>
+              <a:off x="8206422" y="1825300"/>
               <a:ext cx="43616" cy="94430"/>
             </a:xfrm>
             <a:custGeom>
@@ -5204,7 +5204,7 @@
           </p:nvSpPr>
           <p:spPr>
             <a:xfrm>
-              <a:off x="8225977" y="1832652"/>
+              <a:off x="8225901" y="1832922"/>
               <a:ext cx="3811" cy="10162"/>
             </a:xfrm>
             <a:custGeom>
@@ -5247,7 +5247,7 @@
           </p:nvSpPr>
           <p:spPr>
             <a:xfrm>
-              <a:off x="8216238" y="1850014"/>
+              <a:off x="8216162" y="1850284"/>
               <a:ext cx="23713" cy="40228"/>
             </a:xfrm>
             <a:custGeom>
@@ -5389,7 +5389,7 @@
           </p:nvSpPr>
           <p:spPr>
             <a:xfrm>
-              <a:off x="8236140" y="1850014"/>
+              <a:off x="8236064" y="1850284"/>
               <a:ext cx="3811" cy="23290"/>
             </a:xfrm>
             <a:custGeom>
@@ -5486,7 +5486,7 @@
           </p:nvSpPr>
           <p:spPr>
             <a:xfrm>
-              <a:off x="8216238" y="1850014"/>
+              <a:off x="8216162" y="1850284"/>
               <a:ext cx="3811" cy="26254"/>
             </a:xfrm>
             <a:custGeom>
@@ -5556,7 +5556,7 @@
           </p:nvSpPr>
           <p:spPr>
             <a:xfrm>
-              <a:off x="8216238" y="1897864"/>
+              <a:off x="8216162" y="1898135"/>
               <a:ext cx="23713" cy="8469"/>
             </a:xfrm>
             <a:custGeom>
@@ -5599,7 +5599,7 @@
           </p:nvSpPr>
           <p:spPr>
             <a:xfrm>
-              <a:off x="8252655" y="1821219"/>
+              <a:off x="8252579" y="1821489"/>
               <a:ext cx="50391" cy="31335"/>
             </a:xfrm>
             <a:custGeom>
@@ -5825,7 +5825,7 @@
           </p:nvSpPr>
           <p:spPr>
             <a:xfrm>
-              <a:off x="8281874" y="1850861"/>
+              <a:off x="8281797" y="1851131"/>
               <a:ext cx="22866" cy="20325"/>
             </a:xfrm>
             <a:custGeom>
@@ -5922,7 +5922,7 @@
           </p:nvSpPr>
           <p:spPr>
             <a:xfrm>
-              <a:off x="8248844" y="1852978"/>
+              <a:off x="8248768" y="1853248"/>
               <a:ext cx="19479" cy="22019"/>
             </a:xfrm>
             <a:custGeom>
@@ -6019,7 +6019,7 @@
           </p:nvSpPr>
           <p:spPr>
             <a:xfrm>
-              <a:off x="8248421" y="1864835"/>
+              <a:off x="8248344" y="1865105"/>
               <a:ext cx="56319" cy="55049"/>
             </a:xfrm>
             <a:custGeom>
@@ -6368,7 +6368,7 @@
           </p:nvSpPr>
           <p:spPr>
             <a:xfrm>
-              <a:off x="8268323" y="1880503"/>
+              <a:off x="8268247" y="1880773"/>
               <a:ext cx="19902" cy="16514"/>
             </a:xfrm>
             <a:custGeom>
@@ -6465,7 +6465,7 @@
           </p:nvSpPr>
           <p:spPr>
             <a:xfrm>
-              <a:off x="8315750" y="1822065"/>
+              <a:off x="8315674" y="1822336"/>
               <a:ext cx="95701" cy="22019"/>
             </a:xfrm>
             <a:custGeom>
@@ -6556,7 +6556,7 @@
           </p:nvSpPr>
           <p:spPr>
             <a:xfrm>
-              <a:off x="8322102" y="1847049"/>
+              <a:off x="8322026" y="1847320"/>
               <a:ext cx="82997" cy="72411"/>
             </a:xfrm>
             <a:custGeom>
@@ -6611,7 +6611,7 @@
           </p:nvSpPr>
           <p:spPr>
             <a:xfrm>
-              <a:off x="8330571" y="1854672"/>
+              <a:off x="8330495" y="1854942"/>
               <a:ext cx="66059" cy="52932"/>
             </a:xfrm>
             <a:custGeom>
@@ -6654,7 +6654,7 @@
           </p:nvSpPr>
           <p:spPr>
             <a:xfrm>
-              <a:off x="8334806" y="1858059"/>
+              <a:off x="8334730" y="1858330"/>
               <a:ext cx="57166" cy="47003"/>
             </a:xfrm>
             <a:custGeom>
@@ -6823,7 +6823,7 @@
           </p:nvSpPr>
           <p:spPr>
             <a:xfrm>
-              <a:off x="8372070" y="1885161"/>
+              <a:off x="8371994" y="1885431"/>
               <a:ext cx="17785" cy="17361"/>
             </a:xfrm>
             <a:custGeom>
@@ -6920,7 +6920,7 @@
           </p:nvSpPr>
           <p:spPr>
             <a:xfrm>
-              <a:off x="8421615" y="1821642"/>
+              <a:off x="8421538" y="1821913"/>
               <a:ext cx="42345" cy="47850"/>
             </a:xfrm>
             <a:custGeom>
@@ -7149,7 +7149,7 @@
           </p:nvSpPr>
           <p:spPr>
             <a:xfrm>
-              <a:off x="8438129" y="1857212"/>
+              <a:off x="8438053" y="1857483"/>
               <a:ext cx="21172" cy="61401"/>
             </a:xfrm>
             <a:custGeom>
@@ -7255,7 +7255,7 @@
           </p:nvSpPr>
           <p:spPr>
             <a:xfrm>
-              <a:off x="8466078" y="1821219"/>
+              <a:off x="8466001" y="1821489"/>
               <a:ext cx="51238" cy="47003"/>
             </a:xfrm>
             <a:custGeom>
@@ -7484,7 +7484,7 @@
           </p:nvSpPr>
           <p:spPr>
             <a:xfrm>
-              <a:off x="8464384" y="1852554"/>
+              <a:off x="8464307" y="1852825"/>
               <a:ext cx="57166" cy="66906"/>
             </a:xfrm>
             <a:custGeom>
@@ -7707,7 +7707,7 @@
           </p:nvSpPr>
           <p:spPr>
             <a:xfrm>
-              <a:off x="8583799" y="1822065"/>
+              <a:off x="8583722" y="1822336"/>
               <a:ext cx="47427" cy="97395"/>
             </a:xfrm>
             <a:custGeom>
@@ -7774,7 +7774,7 @@
           </p:nvSpPr>
           <p:spPr>
             <a:xfrm>
-              <a:off x="8586763" y="1830111"/>
+              <a:off x="8586687" y="1830382"/>
               <a:ext cx="21172" cy="21172"/>
             </a:xfrm>
             <a:custGeom>
@@ -7871,7 +7871,7 @@
           </p:nvSpPr>
           <p:spPr>
             <a:xfrm>
-              <a:off x="8581681" y="1855095"/>
+              <a:off x="8581605" y="1855366"/>
               <a:ext cx="22443" cy="21596"/>
             </a:xfrm>
             <a:custGeom>
@@ -7968,7 +7968,7 @@
           </p:nvSpPr>
           <p:spPr>
             <a:xfrm>
-              <a:off x="8530866" y="1822065"/>
+              <a:off x="8530790" y="1822336"/>
               <a:ext cx="45733" cy="97818"/>
             </a:xfrm>
             <a:custGeom>
@@ -8164,7 +8164,7 @@
           </p:nvSpPr>
           <p:spPr>
             <a:xfrm>
-              <a:off x="8534254" y="1829264"/>
+              <a:off x="8534178" y="1829535"/>
               <a:ext cx="13127" cy="23290"/>
             </a:xfrm>
             <a:custGeom>
@@ -8261,7 +8261,7 @@
           </p:nvSpPr>
           <p:spPr>
             <a:xfrm>
-              <a:off x="8563049" y="1829264"/>
+              <a:off x="8562973" y="1829535"/>
               <a:ext cx="14397" cy="23713"/>
             </a:xfrm>
             <a:custGeom>
@@ -8358,7 +8358,7 @@
           </p:nvSpPr>
           <p:spPr>
             <a:xfrm>
-              <a:off x="5194546" y="2319580"/>
+              <a:off x="5193656" y="2320301"/>
               <a:ext cx="43616" cy="94430"/>
             </a:xfrm>
             <a:custGeom>
@@ -8437,7 +8437,7 @@
           </p:nvSpPr>
           <p:spPr>
             <a:xfrm>
-              <a:off x="5214025" y="2327202"/>
+              <a:off x="5213135" y="2327923"/>
               <a:ext cx="3811" cy="10162"/>
             </a:xfrm>
             <a:custGeom>
@@ -8480,7 +8480,7 @@
           </p:nvSpPr>
           <p:spPr>
             <a:xfrm>
-              <a:off x="5204286" y="2344564"/>
+              <a:off x="5203396" y="2345285"/>
               <a:ext cx="23713" cy="40228"/>
             </a:xfrm>
             <a:custGeom>
@@ -8622,7 +8622,7 @@
           </p:nvSpPr>
           <p:spPr>
             <a:xfrm>
-              <a:off x="5224188" y="2344564"/>
+              <a:off x="5223298" y="2345285"/>
               <a:ext cx="3811" cy="23290"/>
             </a:xfrm>
             <a:custGeom>
@@ -8719,7 +8719,7 @@
           </p:nvSpPr>
           <p:spPr>
             <a:xfrm>
-              <a:off x="5204286" y="2344564"/>
+              <a:off x="5203396" y="2345285"/>
               <a:ext cx="3811" cy="26254"/>
             </a:xfrm>
             <a:custGeom>
@@ -8789,7 +8789,7 @@
           </p:nvSpPr>
           <p:spPr>
             <a:xfrm>
-              <a:off x="5204286" y="2392414"/>
+              <a:off x="5203396" y="2393136"/>
               <a:ext cx="23713" cy="8469"/>
             </a:xfrm>
             <a:custGeom>
@@ -8832,7 +8832,7 @@
           </p:nvSpPr>
           <p:spPr>
             <a:xfrm>
-              <a:off x="5240703" y="2315769"/>
+              <a:off x="5239813" y="2316490"/>
               <a:ext cx="50391" cy="31335"/>
             </a:xfrm>
             <a:custGeom>
@@ -9058,7 +9058,7 @@
           </p:nvSpPr>
           <p:spPr>
             <a:xfrm>
-              <a:off x="5269921" y="2345410"/>
+              <a:off x="5269031" y="2346132"/>
               <a:ext cx="22866" cy="20325"/>
             </a:xfrm>
             <a:custGeom>
@@ -9155,7 +9155,7 @@
           </p:nvSpPr>
           <p:spPr>
             <a:xfrm>
-              <a:off x="5236892" y="2347528"/>
+              <a:off x="5236002" y="2348249"/>
               <a:ext cx="19479" cy="22019"/>
             </a:xfrm>
             <a:custGeom>
@@ -9252,7 +9252,7 @@
           </p:nvSpPr>
           <p:spPr>
             <a:xfrm>
-              <a:off x="5236468" y="2359385"/>
+              <a:off x="5235578" y="2360106"/>
               <a:ext cx="56319" cy="55049"/>
             </a:xfrm>
             <a:custGeom>
@@ -9601,7 +9601,7 @@
           </p:nvSpPr>
           <p:spPr>
             <a:xfrm>
-              <a:off x="5256371" y="2375052"/>
+              <a:off x="5255481" y="2375774"/>
               <a:ext cx="19902" cy="16514"/>
             </a:xfrm>
             <a:custGeom>
@@ -9698,7 +9698,7 @@
           </p:nvSpPr>
           <p:spPr>
             <a:xfrm>
-              <a:off x="5302951" y="2316615"/>
+              <a:off x="5302061" y="2317337"/>
               <a:ext cx="38534" cy="97818"/>
             </a:xfrm>
             <a:custGeom>
@@ -10020,7 +10020,7 @@
           </p:nvSpPr>
           <p:spPr>
             <a:xfrm>
-              <a:off x="5314808" y="2343717"/>
+              <a:off x="5313918" y="2344438"/>
               <a:ext cx="14397" cy="33876"/>
             </a:xfrm>
             <a:custGeom>
@@ -10117,7 +10117,7 @@
           </p:nvSpPr>
           <p:spPr>
             <a:xfrm>
-              <a:off x="5334710" y="2322120"/>
+              <a:off x="5333820" y="2322842"/>
               <a:ext cx="62671" cy="91890"/>
             </a:xfrm>
             <a:custGeom>
@@ -10484,7 +10484,7 @@
           </p:nvSpPr>
           <p:spPr>
             <a:xfrm>
-              <a:off x="5219285" y="2829469"/>
+              <a:off x="5218345" y="2830642"/>
               <a:ext cx="88925" cy="94007"/>
             </a:xfrm>
             <a:custGeom>
@@ -10539,7 +10539,7 @@
           </p:nvSpPr>
           <p:spPr>
             <a:xfrm>
-              <a:off x="5227754" y="2837515"/>
+              <a:off x="5226814" y="2838687"/>
               <a:ext cx="71987" cy="71987"/>
             </a:xfrm>
             <a:custGeom>
@@ -10582,7 +10582,7 @@
           </p:nvSpPr>
           <p:spPr>
             <a:xfrm>
-              <a:off x="5232412" y="2841326"/>
+              <a:off x="5231472" y="2842498"/>
               <a:ext cx="62671" cy="62248"/>
             </a:xfrm>
             <a:custGeom>
@@ -10661,7 +10661,7 @@
           </p:nvSpPr>
           <p:spPr>
             <a:xfrm>
-              <a:off x="5248503" y="2881554"/>
+              <a:off x="5247564" y="2882727"/>
               <a:ext cx="30912" cy="13974"/>
             </a:xfrm>
             <a:custGeom>
@@ -10704,7 +10704,7 @@
           </p:nvSpPr>
           <p:spPr>
             <a:xfrm>
-              <a:off x="5322185" y="2826082"/>
+              <a:off x="5321245" y="2827254"/>
               <a:ext cx="30912" cy="97395"/>
             </a:xfrm>
             <a:custGeom>
@@ -10840,7 +10840,7 @@
           </p:nvSpPr>
           <p:spPr>
             <a:xfrm>
-              <a:off x="5347169" y="2826082"/>
+              <a:off x="5346229" y="2827254"/>
               <a:ext cx="74528" cy="97818"/>
             </a:xfrm>
             <a:custGeom>
@@ -11057,7 +11057,7 @@
           </p:nvSpPr>
           <p:spPr>
             <a:xfrm>
-              <a:off x="5430166" y="2825658"/>
+              <a:off x="5429227" y="2826830"/>
               <a:ext cx="42345" cy="47850"/>
             </a:xfrm>
             <a:custGeom>
@@ -11286,7 +11286,7 @@
           </p:nvSpPr>
           <p:spPr>
             <a:xfrm>
-              <a:off x="5446681" y="2861229"/>
+              <a:off x="5445742" y="2862401"/>
               <a:ext cx="21172" cy="61401"/>
             </a:xfrm>
             <a:custGeom>
@@ -11392,7 +11392,7 @@
           </p:nvSpPr>
           <p:spPr>
             <a:xfrm>
-              <a:off x="5474629" y="2825235"/>
+              <a:off x="5473690" y="2826407"/>
               <a:ext cx="51238" cy="47003"/>
             </a:xfrm>
             <a:custGeom>
@@ -11621,7 +11621,7 @@
           </p:nvSpPr>
           <p:spPr>
             <a:xfrm>
-              <a:off x="5472936" y="2856571"/>
+              <a:off x="5471996" y="2857743"/>
               <a:ext cx="57166" cy="66906"/>
             </a:xfrm>
             <a:custGeom>
@@ -11844,7 +11844,7 @@
           </p:nvSpPr>
           <p:spPr>
             <a:xfrm>
-              <a:off x="5592350" y="2826082"/>
+              <a:off x="5591411" y="2827254"/>
               <a:ext cx="47427" cy="97395"/>
             </a:xfrm>
             <a:custGeom>
@@ -11911,7 +11911,7 @@
           </p:nvSpPr>
           <p:spPr>
             <a:xfrm>
-              <a:off x="5595315" y="2834127"/>
+              <a:off x="5594375" y="2835300"/>
               <a:ext cx="21172" cy="21172"/>
             </a:xfrm>
             <a:custGeom>
@@ -12008,7 +12008,7 @@
           </p:nvSpPr>
           <p:spPr>
             <a:xfrm>
-              <a:off x="5590233" y="2859111"/>
+              <a:off x="5589294" y="2860284"/>
               <a:ext cx="22443" cy="21596"/>
             </a:xfrm>
             <a:custGeom>
@@ -12105,7 +12105,7 @@
           </p:nvSpPr>
           <p:spPr>
             <a:xfrm>
-              <a:off x="5539418" y="2826082"/>
+              <a:off x="5538479" y="2827254"/>
               <a:ext cx="45733" cy="97818"/>
             </a:xfrm>
             <a:custGeom>
@@ -12301,7 +12301,7 @@
           </p:nvSpPr>
           <p:spPr>
             <a:xfrm>
-              <a:off x="5542806" y="2833280"/>
+              <a:off x="5541866" y="2834453"/>
               <a:ext cx="13127" cy="23290"/>
             </a:xfrm>
             <a:custGeom>
@@ -12398,7 +12398,7 @@
           </p:nvSpPr>
           <p:spPr>
             <a:xfrm>
-              <a:off x="5571601" y="2833280"/>
+              <a:off x="5570661" y="2834453"/>
               <a:ext cx="14397" cy="23713"/>
             </a:xfrm>
             <a:custGeom>
@@ -12495,7 +12495,7 @@
           </p:nvSpPr>
           <p:spPr>
             <a:xfrm>
-              <a:off x="5684664" y="2836245"/>
+              <a:off x="5683724" y="2837417"/>
               <a:ext cx="38111" cy="94430"/>
             </a:xfrm>
             <a:custGeom>
@@ -12712,7 +12712,7 @@
           </p:nvSpPr>
           <p:spPr>
             <a:xfrm>
-              <a:off x="5756228" y="2826082"/>
+              <a:off x="5755289" y="2827254"/>
               <a:ext cx="41075" cy="97818"/>
             </a:xfrm>
             <a:custGeom>
@@ -12908,7 +12908,7 @@
           </p:nvSpPr>
           <p:spPr>
             <a:xfrm>
-              <a:off x="5759192" y="2833280"/>
+              <a:off x="5758253" y="2834453"/>
               <a:ext cx="11856" cy="23290"/>
             </a:xfrm>
             <a:custGeom>
@@ -13005,7 +13005,7 @@
           </p:nvSpPr>
           <p:spPr>
             <a:xfrm>
-              <a:off x="5785023" y="2833280"/>
+              <a:off x="5784084" y="2834453"/>
               <a:ext cx="13127" cy="23713"/>
             </a:xfrm>
             <a:custGeom>
@@ -13102,7 +13102,7 @@
           </p:nvSpPr>
           <p:spPr>
             <a:xfrm>
-              <a:off x="5828639" y="2826505"/>
+              <a:off x="5827700" y="2827677"/>
               <a:ext cx="26254" cy="44039"/>
             </a:xfrm>
             <a:custGeom>
@@ -13199,7 +13199,7 @@
           </p:nvSpPr>
           <p:spPr>
             <a:xfrm>
-              <a:off x="5797727" y="2827352"/>
+              <a:off x="5796788" y="2828524"/>
               <a:ext cx="23290" cy="43616"/>
             </a:xfrm>
             <a:custGeom>
@@ -13296,7 +13296,7 @@
           </p:nvSpPr>
           <p:spPr>
             <a:xfrm>
-              <a:off x="5797727" y="2868427"/>
+              <a:off x="5796788" y="2869600"/>
               <a:ext cx="47850" cy="54625"/>
             </a:xfrm>
             <a:custGeom>
@@ -13585,7 +13585,7 @@
           </p:nvSpPr>
           <p:spPr>
             <a:xfrm>
-              <a:off x="5865480" y="2825658"/>
+              <a:off x="5864541" y="2826830"/>
               <a:ext cx="62248" cy="54625"/>
             </a:xfrm>
             <a:custGeom>
@@ -13946,7 +13946,7 @@
           </p:nvSpPr>
           <p:spPr>
             <a:xfrm>
-              <a:off x="5907826" y="2878590"/>
+              <a:off x="5906886" y="2879763"/>
               <a:ext cx="8469" cy="45309"/>
             </a:xfrm>
             <a:custGeom>
@@ -13989,7 +13989,7 @@
           </p:nvSpPr>
           <p:spPr>
             <a:xfrm>
-              <a:off x="5868444" y="2879437"/>
+              <a:off x="5867505" y="2880609"/>
               <a:ext cx="22866" cy="44462"/>
             </a:xfrm>
             <a:custGeom>
@@ -14146,7 +14146,7 @@
           </p:nvSpPr>
           <p:spPr>
             <a:xfrm>
-              <a:off x="5933233" y="2826505"/>
+              <a:off x="5932294" y="2827677"/>
               <a:ext cx="26254" cy="96971"/>
             </a:xfrm>
             <a:custGeom>
@@ -14339,7 +14339,7 @@
           </p:nvSpPr>
           <p:spPr>
             <a:xfrm>
-              <a:off x="5932386" y="2837515"/>
+              <a:off x="5931447" y="2838687"/>
               <a:ext cx="8469" cy="61401"/>
             </a:xfrm>
             <a:custGeom>
@@ -14382,7 +14382,7 @@
           </p:nvSpPr>
           <p:spPr>
             <a:xfrm>
-              <a:off x="5997175" y="2836245"/>
+              <a:off x="5996236" y="2837417"/>
               <a:ext cx="38111" cy="94430"/>
             </a:xfrm>
             <a:custGeom>
@@ -14599,7 +14599,7 @@
           </p:nvSpPr>
           <p:spPr>
             <a:xfrm>
-              <a:off x="4200999" y="3320208"/>
+              <a:off x="4199794" y="3321831"/>
               <a:ext cx="56743" cy="22443"/>
             </a:xfrm>
             <a:custGeom>
@@ -14708,7 +14708,7 @@
           </p:nvSpPr>
           <p:spPr>
             <a:xfrm>
-              <a:off x="4198035" y="3346039"/>
+              <a:off x="4196830" y="3347662"/>
               <a:ext cx="23713" cy="27524"/>
             </a:xfrm>
             <a:custGeom>
@@ -14805,7 +14805,7 @@
           </p:nvSpPr>
           <p:spPr>
             <a:xfrm>
-              <a:off x="4236146" y="3346462"/>
+              <a:off x="4234941" y="3348086"/>
               <a:ext cx="23290" cy="24560"/>
             </a:xfrm>
             <a:custGeom>
@@ -14902,7 +14902,7 @@
           </p:nvSpPr>
           <p:spPr>
             <a:xfrm>
-              <a:off x="4195494" y="3367212"/>
+              <a:off x="4194289" y="3368835"/>
               <a:ext cx="64365" cy="51238"/>
             </a:xfrm>
             <a:custGeom>
@@ -15215,7 +15215,7 @@
           </p:nvSpPr>
           <p:spPr>
             <a:xfrm>
-              <a:off x="4160771" y="3323172"/>
+              <a:off x="4159566" y="3324795"/>
               <a:ext cx="35146" cy="94854"/>
             </a:xfrm>
             <a:custGeom>
@@ -15477,7 +15477,7 @@
           </p:nvSpPr>
           <p:spPr>
             <a:xfrm>
-              <a:off x="4175592" y="3330794"/>
+              <a:off x="4174387" y="3332418"/>
               <a:ext cx="11856" cy="16938"/>
             </a:xfrm>
             <a:custGeom>
@@ -15520,7 +15520,7 @@
           </p:nvSpPr>
           <p:spPr>
             <a:xfrm>
-              <a:off x="4175168" y="3354932"/>
+              <a:off x="4173964" y="3356555"/>
               <a:ext cx="12280" cy="16938"/>
             </a:xfrm>
             <a:custGeom>
@@ -15593,7 +15593,7 @@
           </p:nvSpPr>
           <p:spPr>
             <a:xfrm>
-              <a:off x="4286114" y="3360013"/>
+              <a:off x="4284909" y="3361636"/>
               <a:ext cx="28795" cy="13550"/>
             </a:xfrm>
             <a:custGeom>
@@ -15636,7 +15636,7 @@
           </p:nvSpPr>
           <p:spPr>
             <a:xfrm>
-              <a:off x="4292466" y="3365095"/>
+              <a:off x="4291261" y="3366718"/>
               <a:ext cx="15667" cy="3811"/>
             </a:xfrm>
             <a:custGeom>
@@ -15679,7 +15679,7 @@
           </p:nvSpPr>
           <p:spPr>
             <a:xfrm>
-              <a:off x="4321685" y="3360013"/>
+              <a:off x="4320480" y="3361636"/>
               <a:ext cx="29641" cy="13550"/>
             </a:xfrm>
             <a:custGeom>
@@ -15722,7 +15722,7 @@
           </p:nvSpPr>
           <p:spPr>
             <a:xfrm>
-              <a:off x="4328036" y="3365095"/>
+              <a:off x="4326832" y="3366718"/>
               <a:ext cx="16514" cy="3811"/>
             </a:xfrm>
             <a:custGeom>
@@ -15765,7 +15765,7 @@
           </p:nvSpPr>
           <p:spPr>
             <a:xfrm>
-              <a:off x="4273834" y="3319785"/>
+              <a:off x="4272629" y="3321408"/>
               <a:ext cx="91043" cy="46580"/>
             </a:xfrm>
             <a:custGeom>
@@ -15880,7 +15880,7 @@
           </p:nvSpPr>
           <p:spPr>
             <a:xfrm>
-              <a:off x="4322955" y="3337993"/>
+              <a:off x="4321750" y="3339616"/>
               <a:ext cx="24983" cy="4234"/>
             </a:xfrm>
             <a:custGeom>
@@ -15923,7 +15923,7 @@
           </p:nvSpPr>
           <p:spPr>
             <a:xfrm>
-              <a:off x="4289502" y="3337993"/>
+              <a:off x="4288297" y="3339616"/>
               <a:ext cx="25407" cy="4234"/>
             </a:xfrm>
             <a:custGeom>
@@ -15966,7 +15966,7 @@
           </p:nvSpPr>
           <p:spPr>
             <a:xfrm>
-              <a:off x="4270870" y="3371023"/>
+              <a:off x="4269665" y="3372646"/>
               <a:ext cx="94007" cy="47850"/>
             </a:xfrm>
             <a:custGeom>
@@ -16354,7 +16354,7 @@
           </p:nvSpPr>
           <p:spPr>
             <a:xfrm>
-              <a:off x="4305593" y="3382456"/>
+              <a:off x="4304388" y="3384079"/>
               <a:ext cx="22866" cy="3387"/>
             </a:xfrm>
             <a:custGeom>
@@ -16397,7 +16397,7 @@
           </p:nvSpPr>
           <p:spPr>
             <a:xfrm>
-              <a:off x="4305593" y="3390925"/>
+              <a:off x="4304388" y="3392549"/>
               <a:ext cx="22866" cy="3387"/>
             </a:xfrm>
             <a:custGeom>
@@ -16440,7 +16440,7 @@
           </p:nvSpPr>
           <p:spPr>
             <a:xfrm>
-              <a:off x="3358811" y="3818569"/>
+              <a:off x="3357404" y="3820643"/>
               <a:ext cx="96548" cy="94430"/>
             </a:xfrm>
             <a:custGeom>
@@ -16549,7 +16549,7 @@
           </p:nvSpPr>
           <p:spPr>
             <a:xfrm>
-              <a:off x="3376172" y="3834660"/>
+              <a:off x="3374765" y="3836734"/>
               <a:ext cx="77916" cy="73681"/>
             </a:xfrm>
             <a:custGeom>
@@ -16628,7 +16628,7 @@
           </p:nvSpPr>
           <p:spPr>
             <a:xfrm>
-              <a:off x="3427834" y="3870654"/>
+              <a:off x="3426427" y="3872728"/>
               <a:ext cx="20325" cy="22866"/>
             </a:xfrm>
             <a:custGeom>
@@ -16725,7 +16725,7 @@
           </p:nvSpPr>
           <p:spPr>
             <a:xfrm>
-              <a:off x="3467639" y="3816028"/>
+              <a:off x="3466232" y="3818102"/>
               <a:ext cx="92313" cy="96548"/>
             </a:xfrm>
             <a:custGeom>
@@ -16867,7 +16867,7 @@
           </p:nvSpPr>
           <p:spPr>
             <a:xfrm>
-              <a:off x="3576044" y="3815181"/>
+              <a:off x="3574637" y="3817255"/>
               <a:ext cx="38111" cy="97395"/>
             </a:xfrm>
             <a:custGeom>
@@ -17063,7 +17063,7 @@
           </p:nvSpPr>
           <p:spPr>
             <a:xfrm>
-              <a:off x="3578585" y="3822380"/>
+              <a:off x="3577178" y="3824454"/>
               <a:ext cx="11009" cy="23290"/>
             </a:xfrm>
             <a:custGeom>
@@ -17160,7 +17160,7 @@
           </p:nvSpPr>
           <p:spPr>
             <a:xfrm>
-              <a:off x="3602298" y="3822380"/>
+              <a:off x="3600891" y="3824454"/>
               <a:ext cx="12703" cy="23713"/>
             </a:xfrm>
             <a:custGeom>
@@ -17257,7 +17257,7 @@
           </p:nvSpPr>
           <p:spPr>
             <a:xfrm>
-              <a:off x="3609497" y="3814335"/>
+              <a:off x="3608090" y="3816409"/>
               <a:ext cx="65212" cy="98242"/>
             </a:xfrm>
             <a:custGeom>
@@ -17504,7 +17504,7 @@
           </p:nvSpPr>
           <p:spPr>
             <a:xfrm>
-              <a:off x="3626012" y="3830849"/>
+              <a:off x="3624605" y="3832923"/>
               <a:ext cx="18208" cy="21596"/>
             </a:xfrm>
             <a:custGeom>
@@ -17559,7 +17559,7 @@
           </p:nvSpPr>
           <p:spPr>
             <a:xfrm>
-              <a:off x="3652266" y="3844823"/>
+              <a:off x="3650859" y="3846897"/>
               <a:ext cx="9316" cy="7622"/>
             </a:xfrm>
             <a:custGeom>
@@ -17602,7 +17602,7 @@
           </p:nvSpPr>
           <p:spPr>
             <a:xfrm>
-              <a:off x="3652266" y="3859644"/>
+              <a:off x="3650859" y="3861718"/>
               <a:ext cx="9316" cy="8045"/>
             </a:xfrm>
             <a:custGeom>
@@ -17645,7 +17645,7 @@
           </p:nvSpPr>
           <p:spPr>
             <a:xfrm>
-              <a:off x="3637022" y="3888440"/>
+              <a:off x="3635615" y="3890514"/>
               <a:ext cx="24983" cy="12280"/>
             </a:xfrm>
             <a:custGeom>
@@ -17688,7 +17688,7 @@
           </p:nvSpPr>
           <p:spPr>
             <a:xfrm>
-              <a:off x="3685296" y="3818993"/>
+              <a:off x="3683889" y="3821067"/>
               <a:ext cx="96971" cy="94007"/>
             </a:xfrm>
             <a:custGeom>
@@ -17893,7 +17893,7 @@
           </p:nvSpPr>
           <p:spPr>
             <a:xfrm>
-              <a:off x="3704351" y="3827038"/>
+              <a:off x="3702944" y="3829112"/>
               <a:ext cx="24983" cy="10586"/>
             </a:xfrm>
             <a:custGeom>
@@ -17936,7 +17936,7 @@
           </p:nvSpPr>
           <p:spPr>
             <a:xfrm>
-              <a:off x="3737805" y="3827038"/>
+              <a:off x="3736398" y="3829112"/>
               <a:ext cx="25407" cy="10586"/>
             </a:xfrm>
             <a:custGeom>
@@ -17979,7 +17979,7 @@
           </p:nvSpPr>
           <p:spPr>
             <a:xfrm>
-              <a:off x="3704351" y="3844823"/>
+              <a:off x="3702944" y="3846897"/>
               <a:ext cx="24983" cy="10162"/>
             </a:xfrm>
             <a:custGeom>
@@ -18022,7 +18022,7 @@
           </p:nvSpPr>
           <p:spPr>
             <a:xfrm>
-              <a:off x="3737805" y="3844823"/>
+              <a:off x="3736398" y="3846897"/>
               <a:ext cx="25407" cy="10162"/>
             </a:xfrm>
             <a:custGeom>
@@ -18065,7 +18065,7 @@
           </p:nvSpPr>
           <p:spPr>
             <a:xfrm>
-              <a:off x="3311266" y="4309731"/>
+              <a:off x="3309847" y="4312256"/>
               <a:ext cx="39804" cy="97395"/>
             </a:xfrm>
             <a:custGeom>
@@ -18351,7 +18351,7 @@
           </p:nvSpPr>
           <p:spPr>
             <a:xfrm>
-              <a:off x="3348530" y="4308884"/>
+              <a:off x="3347111" y="4311409"/>
               <a:ext cx="56319" cy="47003"/>
             </a:xfrm>
             <a:custGeom>
@@ -18580,7 +18580,7 @@
           </p:nvSpPr>
           <p:spPr>
             <a:xfrm>
-              <a:off x="3348954" y="4340220"/>
+              <a:off x="3347534" y="4342745"/>
               <a:ext cx="60554" cy="66906"/>
             </a:xfrm>
             <a:custGeom>
@@ -18803,7 +18803,7 @@
           </p:nvSpPr>
           <p:spPr>
             <a:xfrm>
-              <a:off x="3418824" y="4309731"/>
+              <a:off x="3417405" y="4312256"/>
               <a:ext cx="38111" cy="97395"/>
             </a:xfrm>
             <a:custGeom>
@@ -18999,7 +18999,7 @@
           </p:nvSpPr>
           <p:spPr>
             <a:xfrm>
-              <a:off x="3421365" y="4316930"/>
+              <a:off x="3419945" y="4319455"/>
               <a:ext cx="11009" cy="23290"/>
             </a:xfrm>
             <a:custGeom>
@@ -19096,7 +19096,7 @@
           </p:nvSpPr>
           <p:spPr>
             <a:xfrm>
-              <a:off x="3445078" y="4316930"/>
+              <a:off x="3443659" y="4319455"/>
               <a:ext cx="12703" cy="23713"/>
             </a:xfrm>
             <a:custGeom>
@@ -19193,7 +19193,7 @@
           </p:nvSpPr>
           <p:spPr>
             <a:xfrm>
-              <a:off x="3452277" y="4308884"/>
+              <a:off x="3450858" y="4311409"/>
               <a:ext cx="65212" cy="98242"/>
             </a:xfrm>
             <a:custGeom>
@@ -19440,7 +19440,7 @@
           </p:nvSpPr>
           <p:spPr>
             <a:xfrm>
-              <a:off x="3468792" y="4325399"/>
+              <a:off x="3467373" y="4327924"/>
               <a:ext cx="18208" cy="21596"/>
             </a:xfrm>
             <a:custGeom>
@@ -19495,7 +19495,7 @@
           </p:nvSpPr>
           <p:spPr>
             <a:xfrm>
-              <a:off x="3495046" y="4339373"/>
+              <a:off x="3493627" y="4341898"/>
               <a:ext cx="9316" cy="7622"/>
             </a:xfrm>
             <a:custGeom>
@@ -19538,7 +19538,7 @@
           </p:nvSpPr>
           <p:spPr>
             <a:xfrm>
-              <a:off x="3495046" y="4354194"/>
+              <a:off x="3493627" y="4356719"/>
               <a:ext cx="9316" cy="8045"/>
             </a:xfrm>
             <a:custGeom>
@@ -19581,7 +19581,7 @@
           </p:nvSpPr>
           <p:spPr>
             <a:xfrm>
-              <a:off x="3479802" y="4382989"/>
+              <a:off x="3478382" y="4385514"/>
               <a:ext cx="24983" cy="12280"/>
             </a:xfrm>
             <a:custGeom>
@@ -19624,7 +19624,7 @@
           </p:nvSpPr>
           <p:spPr>
             <a:xfrm>
-              <a:off x="3144225" y="4805128"/>
+              <a:off x="3142762" y="4808104"/>
               <a:ext cx="20749" cy="16938"/>
             </a:xfrm>
             <a:custGeom>
@@ -19721,7 +19721,7 @@
           </p:nvSpPr>
           <p:spPr>
             <a:xfrm>
-              <a:off x="3139990" y="4831383"/>
+              <a:off x="3138528" y="4834358"/>
               <a:ext cx="21596" cy="17785"/>
             </a:xfrm>
             <a:custGeom>
@@ -19818,7 +19818,7 @@
           </p:nvSpPr>
           <p:spPr>
             <a:xfrm>
-              <a:off x="3140837" y="4857213"/>
+              <a:off x="3139375" y="4860189"/>
               <a:ext cx="27101" cy="44039"/>
             </a:xfrm>
             <a:custGeom>
@@ -19915,7 +19915,7 @@
           </p:nvSpPr>
           <p:spPr>
             <a:xfrm>
-              <a:off x="3171749" y="4803434"/>
+              <a:off x="3170287" y="4806410"/>
               <a:ext cx="63942" cy="98242"/>
             </a:xfrm>
             <a:custGeom>
@@ -20312,7 +20312,7 @@
           </p:nvSpPr>
           <p:spPr>
             <a:xfrm>
-              <a:off x="3190381" y="4819949"/>
+              <a:off x="3188919" y="4822925"/>
               <a:ext cx="27524" cy="12280"/>
             </a:xfrm>
             <a:custGeom>
@@ -20409,7 +20409,7 @@
           </p:nvSpPr>
           <p:spPr>
             <a:xfrm>
-              <a:off x="3196310" y="4871187"/>
+              <a:off x="3194847" y="4874163"/>
               <a:ext cx="14820" cy="9739"/>
             </a:xfrm>
             <a:custGeom>
@@ -20452,7 +20452,7 @@
           </p:nvSpPr>
           <p:spPr>
             <a:xfrm>
-              <a:off x="3248819" y="4803858"/>
+              <a:off x="3247356" y="4806834"/>
               <a:ext cx="62248" cy="54625"/>
             </a:xfrm>
             <a:custGeom>
@@ -20813,7 +20813,7 @@
           </p:nvSpPr>
           <p:spPr>
             <a:xfrm>
-              <a:off x="3291164" y="4856790"/>
+              <a:off x="3289702" y="4859766"/>
               <a:ext cx="8469" cy="45309"/>
             </a:xfrm>
             <a:custGeom>
@@ -20856,7 +20856,7 @@
           </p:nvSpPr>
           <p:spPr>
             <a:xfrm>
-              <a:off x="3251783" y="4857637"/>
+              <a:off x="3250320" y="4860613"/>
               <a:ext cx="22866" cy="44462"/>
             </a:xfrm>
             <a:custGeom>
@@ -21013,7 +21013,7 @@
           </p:nvSpPr>
           <p:spPr>
             <a:xfrm>
-              <a:off x="3316572" y="4804705"/>
+              <a:off x="3315109" y="4807680"/>
               <a:ext cx="26254" cy="96971"/>
             </a:xfrm>
             <a:custGeom>
@@ -21206,7 +21206,7 @@
           </p:nvSpPr>
           <p:spPr>
             <a:xfrm>
-              <a:off x="3315725" y="4815715"/>
+              <a:off x="3314262" y="4818690"/>
               <a:ext cx="8469" cy="61401"/>
             </a:xfrm>
             <a:custGeom>
@@ -21249,7 +21249,7 @@
           </p:nvSpPr>
           <p:spPr>
             <a:xfrm>
-              <a:off x="2305603" y="5302219"/>
+              <a:off x="2303929" y="5305645"/>
               <a:ext cx="89772" cy="90196"/>
             </a:xfrm>
             <a:custGeom>
@@ -21304,7 +21304,7 @@
           </p:nvSpPr>
           <p:spPr>
             <a:xfrm>
-              <a:off x="2322542" y="5311958"/>
+              <a:off x="2320868" y="5315385"/>
               <a:ext cx="68176" cy="70717"/>
             </a:xfrm>
             <a:custGeom>
@@ -21650,7 +21650,7 @@
           </p:nvSpPr>
           <p:spPr>
             <a:xfrm>
-              <a:off x="2409774" y="5298831"/>
+              <a:off x="2408100" y="5302258"/>
               <a:ext cx="96124" cy="93584"/>
             </a:xfrm>
             <a:custGeom>
@@ -21846,7 +21846,7 @@
           </p:nvSpPr>
           <p:spPr>
             <a:xfrm>
-              <a:off x="2517755" y="5303489"/>
+              <a:off x="2516081" y="5306916"/>
               <a:ext cx="96124" cy="93584"/>
             </a:xfrm>
             <a:custGeom>
@@ -22021,7 +22021,7 @@
           </p:nvSpPr>
           <p:spPr>
             <a:xfrm>
-              <a:off x="2552902" y="5311535"/>
+              <a:off x="2551228" y="5314962"/>
               <a:ext cx="29641" cy="29641"/>
             </a:xfrm>
             <a:custGeom>
@@ -22094,7 +22094,7 @@
           </p:nvSpPr>
           <p:spPr>
             <a:xfrm>
-              <a:off x="2631242" y="5298831"/>
+              <a:off x="2629568" y="5302258"/>
               <a:ext cx="84691" cy="97395"/>
             </a:xfrm>
             <a:custGeom>
@@ -22209,7 +22209,7 @@
           </p:nvSpPr>
           <p:spPr>
             <a:xfrm>
-              <a:off x="2773523" y="5299255"/>
+              <a:off x="2771849" y="5302681"/>
               <a:ext cx="54625" cy="96971"/>
             </a:xfrm>
             <a:custGeom>
@@ -22525,7 +22525,7 @@
           </p:nvSpPr>
           <p:spPr>
             <a:xfrm>
-              <a:off x="2787498" y="5341177"/>
+              <a:off x="2785823" y="5344604"/>
               <a:ext cx="18632" cy="24560"/>
             </a:xfrm>
             <a:custGeom>
@@ -22622,7 +22622,7 @@
           </p:nvSpPr>
           <p:spPr>
             <a:xfrm>
-              <a:off x="2737106" y="5298831"/>
+              <a:off x="2735432" y="5302258"/>
               <a:ext cx="34723" cy="93584"/>
             </a:xfrm>
             <a:custGeom>
@@ -22743,7 +22743,7 @@
           </p:nvSpPr>
           <p:spPr>
             <a:xfrm>
-              <a:off x="2744728" y="5320851"/>
+              <a:off x="2743054" y="5324278"/>
               <a:ext cx="19479" cy="24560"/>
             </a:xfrm>
             <a:custGeom>
@@ -22786,7 +22786,7 @@
           </p:nvSpPr>
           <p:spPr>
             <a:xfrm>
-              <a:off x="2744728" y="5353457"/>
+              <a:off x="2743054" y="5356884"/>
               <a:ext cx="19479" cy="24560"/>
             </a:xfrm>
             <a:custGeom>
@@ -22829,7 +22829,7 @@
           </p:nvSpPr>
           <p:spPr>
             <a:xfrm>
-              <a:off x="2843394" y="5298831"/>
+              <a:off x="2841720" y="5302258"/>
               <a:ext cx="95277" cy="24560"/>
             </a:xfrm>
             <a:custGeom>
@@ -22920,7 +22920,7 @@
           </p:nvSpPr>
           <p:spPr>
             <a:xfrm>
-              <a:off x="2880235" y="5326356"/>
+              <a:off x="2878560" y="5329783"/>
               <a:ext cx="55896" cy="69446"/>
             </a:xfrm>
             <a:custGeom>
@@ -23209,7 +23209,7 @@
           </p:nvSpPr>
           <p:spPr>
             <a:xfrm>
-              <a:off x="2896326" y="5353881"/>
+              <a:off x="2894652" y="5357307"/>
               <a:ext cx="20325" cy="24137"/>
             </a:xfrm>
             <a:custGeom>
@@ -23306,7 +23306,7 @@
           </p:nvSpPr>
           <p:spPr>
             <a:xfrm>
-              <a:off x="2843817" y="5325086"/>
+              <a:off x="2842143" y="5328512"/>
               <a:ext cx="38534" cy="53355"/>
             </a:xfrm>
             <a:custGeom>
@@ -23622,7 +23622,7 @@
           </p:nvSpPr>
           <p:spPr>
             <a:xfrm>
-              <a:off x="2844664" y="5380558"/>
+              <a:off x="2842990" y="5383985"/>
               <a:ext cx="38534" cy="15244"/>
             </a:xfrm>
             <a:custGeom>
@@ -23719,7 +23719,7 @@
           </p:nvSpPr>
           <p:spPr>
             <a:xfrm>
-              <a:off x="2963232" y="5303066"/>
+              <a:off x="2961558" y="5306492"/>
               <a:ext cx="71987" cy="36840"/>
             </a:xfrm>
             <a:custGeom>
@@ -23762,7 +23762,7 @@
           </p:nvSpPr>
           <p:spPr>
             <a:xfrm>
-              <a:off x="2971701" y="5311111"/>
+              <a:off x="2970027" y="5314538"/>
               <a:ext cx="55472" cy="20749"/>
             </a:xfrm>
             <a:custGeom>
@@ -23805,7 +23805,7 @@
           </p:nvSpPr>
           <p:spPr>
             <a:xfrm>
-              <a:off x="2954340" y="5348376"/>
+              <a:off x="2952665" y="5351802"/>
               <a:ext cx="40228" cy="47850"/>
             </a:xfrm>
             <a:custGeom>
@@ -23860,7 +23860,7 @@
           </p:nvSpPr>
           <p:spPr>
             <a:xfrm>
-              <a:off x="2962385" y="5355998"/>
+              <a:off x="2960711" y="5359425"/>
               <a:ext cx="24137" cy="26254"/>
             </a:xfrm>
             <a:custGeom>
@@ -23903,7 +23903,7 @@
           </p:nvSpPr>
           <p:spPr>
             <a:xfrm>
-              <a:off x="3003884" y="5348376"/>
+              <a:off x="3002210" y="5351802"/>
               <a:ext cx="39804" cy="47850"/>
             </a:xfrm>
             <a:custGeom>
@@ -23958,7 +23958,7 @@
           </p:nvSpPr>
           <p:spPr>
             <a:xfrm>
-              <a:off x="3011930" y="5355998"/>
+              <a:off x="3010256" y="5359425"/>
               <a:ext cx="23713" cy="26254"/>
             </a:xfrm>
             <a:custGeom>
@@ -24001,8 +24001,8 @@
           </p:nvSpPr>
           <p:spPr>
             <a:xfrm>
-              <a:off x="2019661" y="1590617"/>
-              <a:ext cx="6917431" cy="4055309"/>
+              <a:off x="2017917" y="1590617"/>
+              <a:ext cx="6919174" cy="4059006"/>
             </a:xfrm>
             <a:prstGeom prst="rect">
               <a:avLst/>
@@ -24031,7 +24031,7 @@
           </p:nvSpPr>
           <p:spPr>
             <a:xfrm>
-              <a:off x="1926258" y="5309605"/>
+              <a:off x="1924514" y="5313032"/>
               <a:ext cx="55170" cy="79126"/>
             </a:xfrm>
             <a:custGeom>
@@ -25028,7 +25028,7 @@
           </p:nvSpPr>
           <p:spPr>
             <a:xfrm>
-              <a:off x="1943720" y="5320356"/>
+              <a:off x="1941977" y="5323782"/>
               <a:ext cx="20027" cy="21555"/>
             </a:xfrm>
             <a:custGeom>
@@ -25539,7 +25539,7 @@
           </p:nvSpPr>
           <p:spPr>
             <a:xfrm>
-              <a:off x="1942028" y="5352661"/>
+              <a:off x="1940285" y="5356088"/>
               <a:ext cx="23519" cy="25266"/>
             </a:xfrm>
             <a:custGeom>
@@ -26050,7 +26050,7 @@
           </p:nvSpPr>
           <p:spPr>
             <a:xfrm>
-              <a:off x="1927513" y="4816201"/>
+              <a:off x="1925769" y="4819177"/>
               <a:ext cx="52442" cy="76889"/>
             </a:xfrm>
             <a:custGeom>
@@ -26336,7 +26336,7 @@
           </p:nvSpPr>
           <p:spPr>
             <a:xfrm>
-              <a:off x="1926803" y="4320506"/>
+              <a:off x="1925060" y="4323030"/>
               <a:ext cx="54024" cy="79126"/>
             </a:xfrm>
             <a:custGeom>
@@ -27030,7 +27030,7 @@
           </p:nvSpPr>
           <p:spPr>
             <a:xfrm>
-              <a:off x="1942902" y="4360342"/>
+              <a:off x="1941158" y="4362867"/>
               <a:ext cx="22537" cy="27339"/>
             </a:xfrm>
             <a:custGeom>
@@ -27481,7 +27481,7 @@
           </p:nvSpPr>
           <p:spPr>
             <a:xfrm>
-              <a:off x="1926148" y="3827102"/>
+              <a:off x="1924405" y="3829176"/>
               <a:ext cx="55607" cy="77980"/>
             </a:xfrm>
             <a:custGeom>
@@ -28313,7 +28313,7 @@
           </p:nvSpPr>
           <p:spPr>
             <a:xfrm>
-              <a:off x="1924402" y="3332552"/>
+              <a:off x="1922659" y="3334175"/>
               <a:ext cx="59863" cy="76889"/>
             </a:xfrm>
             <a:custGeom>
@@ -28377,7 +28377,7 @@
           </p:nvSpPr>
           <p:spPr>
             <a:xfrm>
-              <a:off x="1936899" y="3346538"/>
+              <a:off x="1935155" y="3348161"/>
               <a:ext cx="22952" cy="35836"/>
             </a:xfrm>
             <a:custGeom>
@@ -28654,7 +28654,7 @@
           </p:nvSpPr>
           <p:spPr>
             <a:xfrm>
-              <a:off x="1925275" y="2836856"/>
+              <a:off x="1923532" y="2838028"/>
               <a:ext cx="55552" cy="79290"/>
             </a:xfrm>
             <a:custGeom>
@@ -29577,7 +29577,7 @@
                     <a:pt x="26919" y="13"/>
                   </a:lnTo>
                   <a:lnTo>
-                    <a:pt x="27939" y="0"/>
+                    <a:pt x="27940" y="0"/>
                   </a:lnTo>
                   <a:lnTo>
                     <a:pt x="29274" y="16"/>
@@ -29963,7 +29963,7 @@
           </p:nvSpPr>
           <p:spPr>
             <a:xfrm>
-              <a:off x="1926585" y="2342306"/>
+              <a:off x="1924841" y="2343027"/>
               <a:ext cx="53806" cy="78035"/>
             </a:xfrm>
             <a:custGeom>
@@ -30729,7 +30729,7 @@
           </p:nvSpPr>
           <p:spPr>
             <a:xfrm>
-              <a:off x="1929750" y="1848902"/>
+              <a:off x="1928007" y="1849172"/>
               <a:ext cx="52005" cy="76889"/>
             </a:xfrm>
             <a:custGeom>
@@ -30793,7 +30793,7 @@
           </p:nvSpPr>
           <p:spPr>
             <a:xfrm>
-              <a:off x="1984866" y="5349196"/>
+              <a:off x="1983123" y="5352623"/>
               <a:ext cx="34794" cy="0"/>
             </a:xfrm>
             <a:custGeom>
@@ -30833,7 +30833,7 @@
           </p:nvSpPr>
           <p:spPr>
             <a:xfrm>
-              <a:off x="1984866" y="4854646"/>
+              <a:off x="1983123" y="4857622"/>
               <a:ext cx="34794" cy="0"/>
             </a:xfrm>
             <a:custGeom>
@@ -30873,7 +30873,7 @@
           </p:nvSpPr>
           <p:spPr>
             <a:xfrm>
-              <a:off x="1984866" y="4360096"/>
+              <a:off x="1983123" y="4362621"/>
               <a:ext cx="34794" cy="0"/>
             </a:xfrm>
             <a:custGeom>
@@ -30913,7 +30913,7 @@
           </p:nvSpPr>
           <p:spPr>
             <a:xfrm>
-              <a:off x="1984866" y="3865546"/>
+              <a:off x="1983123" y="3867620"/>
               <a:ext cx="34794" cy="0"/>
             </a:xfrm>
             <a:custGeom>
@@ -30953,7 +30953,7 @@
           </p:nvSpPr>
           <p:spPr>
             <a:xfrm>
-              <a:off x="1984866" y="3370996"/>
+              <a:off x="1983123" y="3372620"/>
               <a:ext cx="34794" cy="0"/>
             </a:xfrm>
             <a:custGeom>
@@ -30993,7 +30993,7 @@
           </p:nvSpPr>
           <p:spPr>
             <a:xfrm>
-              <a:off x="1984866" y="2876447"/>
+              <a:off x="1983123" y="2877619"/>
               <a:ext cx="34794" cy="0"/>
             </a:xfrm>
             <a:custGeom>
@@ -31033,7 +31033,7 @@
           </p:nvSpPr>
           <p:spPr>
             <a:xfrm>
-              <a:off x="1984866" y="2381897"/>
+              <a:off x="1983123" y="2382618"/>
               <a:ext cx="34794" cy="0"/>
             </a:xfrm>
             <a:custGeom>
@@ -31073,7 +31073,7 @@
           </p:nvSpPr>
           <p:spPr>
             <a:xfrm>
-              <a:off x="1984866" y="1887347"/>
+              <a:off x="1983123" y="1887617"/>
               <a:ext cx="34794" cy="0"/>
             </a:xfrm>
             <a:custGeom>
@@ -31113,7 +31113,7 @@
           </p:nvSpPr>
           <p:spPr>
             <a:xfrm>
-              <a:off x="2019661" y="5645926"/>
+              <a:off x="2017917" y="5649623"/>
               <a:ext cx="0" cy="34794"/>
             </a:xfrm>
             <a:custGeom>
@@ -31153,7 +31153,7 @@
           </p:nvSpPr>
           <p:spPr>
             <a:xfrm>
-              <a:off x="3763053" y="5645926"/>
+              <a:off x="3761749" y="5649623"/>
               <a:ext cx="0" cy="34794"/>
             </a:xfrm>
             <a:custGeom>
@@ -31193,7 +31193,7 @@
           </p:nvSpPr>
           <p:spPr>
             <a:xfrm>
-              <a:off x="5506445" y="5645926"/>
+              <a:off x="5505580" y="5649623"/>
               <a:ext cx="0" cy="34794"/>
             </a:xfrm>
             <a:custGeom>
@@ -31233,7 +31233,7 @@
           </p:nvSpPr>
           <p:spPr>
             <a:xfrm>
-              <a:off x="7249837" y="5645926"/>
+              <a:off x="7249412" y="5649623"/>
               <a:ext cx="0" cy="34794"/>
             </a:xfrm>
             <a:custGeom>
@@ -31273,7 +31273,7 @@
           </p:nvSpPr>
           <p:spPr>
             <a:xfrm>
-              <a:off x="1992948" y="5707410"/>
+              <a:off x="1991205" y="5711107"/>
               <a:ext cx="53424" cy="79126"/>
             </a:xfrm>
             <a:custGeom>
@@ -31716,7 +31716,7 @@
                     <a:pt x="48312" y="12306"/>
                   </a:lnTo>
                   <a:lnTo>
-                    <a:pt x="48894" y="13492"/>
+                    <a:pt x="48895" y="13492"/>
                   </a:lnTo>
                   <a:lnTo>
                     <a:pt x="49447" y="14740"/>
@@ -31784,7 +31784,7 @@
           </p:nvSpPr>
           <p:spPr>
             <a:xfrm>
-              <a:off x="2002880" y="5715377"/>
+              <a:off x="2001137" y="5719075"/>
               <a:ext cx="33506" cy="63137"/>
             </a:xfrm>
             <a:custGeom>
@@ -32295,7 +32295,7 @@
           </p:nvSpPr>
           <p:spPr>
             <a:xfrm>
-              <a:off x="3674294" y="5708556"/>
+              <a:off x="3672990" y="5712253"/>
               <a:ext cx="52987" cy="77980"/>
             </a:xfrm>
             <a:custGeom>
@@ -33247,7 +33247,7 @@
           </p:nvSpPr>
           <p:spPr>
             <a:xfrm>
-              <a:off x="3736341" y="5707410"/>
+              <a:off x="3735036" y="5711107"/>
               <a:ext cx="53424" cy="79126"/>
             </a:xfrm>
             <a:custGeom>
@@ -33758,7 +33758,7 @@
           </p:nvSpPr>
           <p:spPr>
             <a:xfrm>
-              <a:off x="3746272" y="5715377"/>
+              <a:off x="3744968" y="5719075"/>
               <a:ext cx="33506" cy="63137"/>
             </a:xfrm>
             <a:custGeom>
@@ -34269,7 +34269,7 @@
           </p:nvSpPr>
           <p:spPr>
             <a:xfrm>
-              <a:off x="3798496" y="5707410"/>
+              <a:off x="3797192" y="5711107"/>
               <a:ext cx="53424" cy="79126"/>
             </a:xfrm>
             <a:custGeom>
@@ -34780,7 +34780,7 @@
           </p:nvSpPr>
           <p:spPr>
             <a:xfrm>
-              <a:off x="3808428" y="5715377"/>
+              <a:off x="3807124" y="5719075"/>
               <a:ext cx="33506" cy="63137"/>
             </a:xfrm>
             <a:custGeom>
@@ -35291,7 +35291,7 @@
           </p:nvSpPr>
           <p:spPr>
             <a:xfrm>
-              <a:off x="5390647" y="5708556"/>
+              <a:off x="5389782" y="5712253"/>
               <a:ext cx="48185" cy="76889"/>
             </a:xfrm>
             <a:custGeom>
@@ -35355,7 +35355,7 @@
           </p:nvSpPr>
           <p:spPr>
             <a:xfrm>
-              <a:off x="5448655" y="5707410"/>
+              <a:off x="5447790" y="5711107"/>
               <a:ext cx="53424" cy="79126"/>
             </a:xfrm>
             <a:custGeom>
@@ -35866,7 +35866,7 @@
           </p:nvSpPr>
           <p:spPr>
             <a:xfrm>
-              <a:off x="5458587" y="5715377"/>
+              <a:off x="5457722" y="5719075"/>
               <a:ext cx="33506" cy="63137"/>
             </a:xfrm>
             <a:custGeom>
@@ -36377,7 +36377,7 @@
           </p:nvSpPr>
           <p:spPr>
             <a:xfrm>
-              <a:off x="5510811" y="5707410"/>
+              <a:off x="5509946" y="5711107"/>
               <a:ext cx="53424" cy="79126"/>
             </a:xfrm>
             <a:custGeom>
@@ -36888,7 +36888,7 @@
           </p:nvSpPr>
           <p:spPr>
             <a:xfrm>
-              <a:off x="5520742" y="5715377"/>
+              <a:off x="5519878" y="5719075"/>
               <a:ext cx="33506" cy="63137"/>
             </a:xfrm>
             <a:custGeom>
@@ -37399,7 +37399,7 @@
           </p:nvSpPr>
           <p:spPr>
             <a:xfrm>
-              <a:off x="5572966" y="5707410"/>
+              <a:off x="5572101" y="5711107"/>
               <a:ext cx="53424" cy="79126"/>
             </a:xfrm>
             <a:custGeom>
@@ -37910,7 +37910,7 @@
           </p:nvSpPr>
           <p:spPr>
             <a:xfrm>
-              <a:off x="5582898" y="5715377"/>
+              <a:off x="5582033" y="5719075"/>
               <a:ext cx="33506" cy="63137"/>
             </a:xfrm>
             <a:custGeom>
@@ -38421,7 +38421,7 @@
           </p:nvSpPr>
           <p:spPr>
             <a:xfrm>
-              <a:off x="7134039" y="5708556"/>
+              <a:off x="7133614" y="5712253"/>
               <a:ext cx="48185" cy="76889"/>
             </a:xfrm>
             <a:custGeom>
@@ -38485,7 +38485,7 @@
           </p:nvSpPr>
           <p:spPr>
             <a:xfrm>
-              <a:off x="7192156" y="5708556"/>
+              <a:off x="7191731" y="5712253"/>
               <a:ext cx="52987" cy="77980"/>
             </a:xfrm>
             <a:custGeom>
@@ -39437,7 +39437,7 @@
           </p:nvSpPr>
           <p:spPr>
             <a:xfrm>
-              <a:off x="7254203" y="5707410"/>
+              <a:off x="7253777" y="5711107"/>
               <a:ext cx="53424" cy="79126"/>
             </a:xfrm>
             <a:custGeom>
@@ -39948,7 +39948,7 @@
           </p:nvSpPr>
           <p:spPr>
             <a:xfrm>
-              <a:off x="7264134" y="5715377"/>
+              <a:off x="7263709" y="5719075"/>
               <a:ext cx="33506" cy="63137"/>
             </a:xfrm>
             <a:custGeom>
@@ -40459,7 +40459,7 @@
           </p:nvSpPr>
           <p:spPr>
             <a:xfrm>
-              <a:off x="7316358" y="5707410"/>
+              <a:off x="7315933" y="5711107"/>
               <a:ext cx="53424" cy="79126"/>
             </a:xfrm>
             <a:custGeom>
@@ -40970,7 +40970,7 @@
           </p:nvSpPr>
           <p:spPr>
             <a:xfrm>
-              <a:off x="7326290" y="5715377"/>
+              <a:off x="7325865" y="5719075"/>
               <a:ext cx="33506" cy="63137"/>
             </a:xfrm>
             <a:custGeom>
